--- a/Networking Basics.pptx
+++ b/Networking Basics.pptx
@@ -4,6 +4,9 @@
   <p:sldMasterIdLst>
     <p:sldMasterId id="2147483648" r:id="rId1"/>
   </p:sldMasterIdLst>
+  <p:notesMasterIdLst>
+    <p:notesMasterId r:id="rId62"/>
+  </p:notesMasterIdLst>
   <p:sldIdLst>
     <p:sldId id="256" r:id="rId2"/>
     <p:sldId id="257" r:id="rId3"/>
@@ -16,6 +19,55 @@
     <p:sldId id="264" r:id="rId10"/>
     <p:sldId id="265" r:id="rId11"/>
     <p:sldId id="266" r:id="rId12"/>
+    <p:sldId id="286" r:id="rId13"/>
+    <p:sldId id="310" r:id="rId14"/>
+    <p:sldId id="311" r:id="rId15"/>
+    <p:sldId id="268" r:id="rId16"/>
+    <p:sldId id="294" r:id="rId17"/>
+    <p:sldId id="293" r:id="rId18"/>
+    <p:sldId id="292" r:id="rId19"/>
+    <p:sldId id="295" r:id="rId20"/>
+    <p:sldId id="287" r:id="rId21"/>
+    <p:sldId id="296" r:id="rId22"/>
+    <p:sldId id="297" r:id="rId23"/>
+    <p:sldId id="299" r:id="rId24"/>
+    <p:sldId id="300" r:id="rId25"/>
+    <p:sldId id="269" r:id="rId26"/>
+    <p:sldId id="298" r:id="rId27"/>
+    <p:sldId id="291" r:id="rId28"/>
+    <p:sldId id="270" r:id="rId29"/>
+    <p:sldId id="271" r:id="rId30"/>
+    <p:sldId id="272" r:id="rId31"/>
+    <p:sldId id="273" r:id="rId32"/>
+    <p:sldId id="274" r:id="rId33"/>
+    <p:sldId id="275" r:id="rId34"/>
+    <p:sldId id="276" r:id="rId35"/>
+    <p:sldId id="288" r:id="rId36"/>
+    <p:sldId id="312" r:id="rId37"/>
+    <p:sldId id="289" r:id="rId38"/>
+    <p:sldId id="313" r:id="rId39"/>
+    <p:sldId id="314" r:id="rId40"/>
+    <p:sldId id="315" r:id="rId41"/>
+    <p:sldId id="267" r:id="rId42"/>
+    <p:sldId id="302" r:id="rId43"/>
+    <p:sldId id="301" r:id="rId44"/>
+    <p:sldId id="306" r:id="rId45"/>
+    <p:sldId id="307" r:id="rId46"/>
+    <p:sldId id="308" r:id="rId47"/>
+    <p:sldId id="309" r:id="rId48"/>
+    <p:sldId id="303" r:id="rId49"/>
+    <p:sldId id="304" r:id="rId50"/>
+    <p:sldId id="305" r:id="rId51"/>
+    <p:sldId id="277" r:id="rId52"/>
+    <p:sldId id="278" r:id="rId53"/>
+    <p:sldId id="279" r:id="rId54"/>
+    <p:sldId id="280" r:id="rId55"/>
+    <p:sldId id="281" r:id="rId56"/>
+    <p:sldId id="282" r:id="rId57"/>
+    <p:sldId id="284" r:id="rId58"/>
+    <p:sldId id="283" r:id="rId59"/>
+    <p:sldId id="285" r:id="rId60"/>
+    <p:sldId id="290" r:id="rId61"/>
   </p:sldIdLst>
   <p:sldSz cx="9144000" cy="6858000" type="screen4x3"/>
   <p:notesSz cx="6858000" cy="9144000"/>
@@ -114,7 +166,373 @@
       </a:defRPr>
     </a:lvl9pPr>
   </p:defaultTextStyle>
+  <p:extLst>
+    <p:ext uri="{EFAFB233-063F-42B5-8137-9DF3F51BA10A}">
+      <p15:sldGuideLst xmlns:p15="http://schemas.microsoft.com/office/powerpoint/2012/main">
+        <p15:guide id="1" orient="horz" pos="2160">
+          <p15:clr>
+            <a:srgbClr val="A4A3A4"/>
+          </p15:clr>
+        </p15:guide>
+        <p15:guide id="2" pos="2880">
+          <p15:clr>
+            <a:srgbClr val="A4A3A4"/>
+          </p15:clr>
+        </p15:guide>
+      </p15:sldGuideLst>
+    </p:ext>
+  </p:extLst>
 </p:presentation>
+</file>
+
+<file path=ppt/notesMasters/notesMaster1.xml><?xml version="1.0" encoding="utf-8"?>
+<p:notesMaster xmlns:a="http://schemas.openxmlformats.org/drawingml/2006/main" xmlns:r="http://schemas.openxmlformats.org/officeDocument/2006/relationships" xmlns:p="http://schemas.openxmlformats.org/presentationml/2006/main">
+  <p:cSld>
+    <p:bg>
+      <p:bgRef idx="1001">
+        <a:schemeClr val="bg1"/>
+      </p:bgRef>
+    </p:bg>
+    <p:spTree>
+      <p:nvGrpSpPr>
+        <p:cNvPr id="1" name=""/>
+        <p:cNvGrpSpPr/>
+        <p:nvPr/>
+      </p:nvGrpSpPr>
+      <p:grpSpPr>
+        <a:xfrm>
+          <a:off x="0" y="0"/>
+          <a:ext cx="0" cy="0"/>
+          <a:chOff x="0" y="0"/>
+          <a:chExt cx="0" cy="0"/>
+        </a:xfrm>
+      </p:grpSpPr>
+      <p:sp>
+        <p:nvSpPr>
+          <p:cNvPr id="2" name="Header Placeholder 1"/>
+          <p:cNvSpPr>
+            <a:spLocks noGrp="1"/>
+          </p:cNvSpPr>
+          <p:nvPr>
+            <p:ph type="hdr" sz="quarter"/>
+          </p:nvPr>
+        </p:nvSpPr>
+        <p:spPr>
+          <a:xfrm>
+            <a:off x="0" y="0"/>
+            <a:ext cx="2971800" cy="458788"/>
+          </a:xfrm>
+          <a:prstGeom prst="rect">
+            <a:avLst/>
+          </a:prstGeom>
+        </p:spPr>
+        <p:txBody>
+          <a:bodyPr vert="horz" lIns="91440" tIns="45720" rIns="91440" bIns="45720" rtlCol="0"/>
+          <a:lstStyle>
+            <a:lvl1pPr algn="l">
+              <a:defRPr sz="1200"/>
+            </a:lvl1pPr>
+          </a:lstStyle>
+          <a:p>
+            <a:endParaRPr lang="en-US"/>
+          </a:p>
+        </p:txBody>
+      </p:sp>
+      <p:sp>
+        <p:nvSpPr>
+          <p:cNvPr id="3" name="Date Placeholder 2"/>
+          <p:cNvSpPr>
+            <a:spLocks noGrp="1"/>
+          </p:cNvSpPr>
+          <p:nvPr>
+            <p:ph type="dt" idx="1"/>
+          </p:nvPr>
+        </p:nvSpPr>
+        <p:spPr>
+          <a:xfrm>
+            <a:off x="3884613" y="0"/>
+            <a:ext cx="2971800" cy="458788"/>
+          </a:xfrm>
+          <a:prstGeom prst="rect">
+            <a:avLst/>
+          </a:prstGeom>
+        </p:spPr>
+        <p:txBody>
+          <a:bodyPr vert="horz" lIns="91440" tIns="45720" rIns="91440" bIns="45720" rtlCol="0"/>
+          <a:lstStyle>
+            <a:lvl1pPr algn="r">
+              <a:defRPr sz="1200"/>
+            </a:lvl1pPr>
+          </a:lstStyle>
+          <a:p>
+            <a:fld id="{B89A8916-BB5C-43AE-872A-20905A312B2F}" type="datetimeFigureOut">
+              <a:rPr lang="en-US" smtClean="0"/>
+              <a:t>2/4/2018</a:t>
+            </a:fld>
+            <a:endParaRPr lang="en-US"/>
+          </a:p>
+        </p:txBody>
+      </p:sp>
+      <p:sp>
+        <p:nvSpPr>
+          <p:cNvPr id="4" name="Slide Image Placeholder 3"/>
+          <p:cNvSpPr>
+            <a:spLocks noGrp="1" noRot="1" noChangeAspect="1"/>
+          </p:cNvSpPr>
+          <p:nvPr>
+            <p:ph type="sldImg" idx="2"/>
+          </p:nvPr>
+        </p:nvSpPr>
+        <p:spPr>
+          <a:xfrm>
+            <a:off x="1371600" y="1143000"/>
+            <a:ext cx="4114800" cy="3086100"/>
+          </a:xfrm>
+          <a:prstGeom prst="rect">
+            <a:avLst/>
+          </a:prstGeom>
+          <a:noFill/>
+          <a:ln w="12700">
+            <a:solidFill>
+              <a:prstClr val="black"/>
+            </a:solidFill>
+          </a:ln>
+        </p:spPr>
+        <p:txBody>
+          <a:bodyPr vert="horz" lIns="91440" tIns="45720" rIns="91440" bIns="45720" rtlCol="0" anchor="ctr"/>
+          <a:lstStyle/>
+          <a:p>
+            <a:endParaRPr lang="en-US"/>
+          </a:p>
+        </p:txBody>
+      </p:sp>
+      <p:sp>
+        <p:nvSpPr>
+          <p:cNvPr id="5" name="Notes Placeholder 4"/>
+          <p:cNvSpPr>
+            <a:spLocks noGrp="1"/>
+          </p:cNvSpPr>
+          <p:nvPr>
+            <p:ph type="body" sz="quarter" idx="3"/>
+          </p:nvPr>
+        </p:nvSpPr>
+        <p:spPr>
+          <a:xfrm>
+            <a:off x="685800" y="4400550"/>
+            <a:ext cx="5486400" cy="3600450"/>
+          </a:xfrm>
+          <a:prstGeom prst="rect">
+            <a:avLst/>
+          </a:prstGeom>
+        </p:spPr>
+        <p:txBody>
+          <a:bodyPr vert="horz" lIns="91440" tIns="45720" rIns="91440" bIns="45720" rtlCol="0"/>
+          <a:lstStyle/>
+          <a:p>
+            <a:pPr lvl="0"/>
+            <a:r>
+              <a:rPr lang="en-US" smtClean="0"/>
+              <a:t>Edit Master text styles</a:t>
+            </a:r>
+          </a:p>
+          <a:p>
+            <a:pPr lvl="1"/>
+            <a:r>
+              <a:rPr lang="en-US" smtClean="0"/>
+              <a:t>Second level</a:t>
+            </a:r>
+          </a:p>
+          <a:p>
+            <a:pPr lvl="2"/>
+            <a:r>
+              <a:rPr lang="en-US" smtClean="0"/>
+              <a:t>Third level</a:t>
+            </a:r>
+          </a:p>
+          <a:p>
+            <a:pPr lvl="3"/>
+            <a:r>
+              <a:rPr lang="en-US" smtClean="0"/>
+              <a:t>Fourth level</a:t>
+            </a:r>
+          </a:p>
+          <a:p>
+            <a:pPr lvl="4"/>
+            <a:r>
+              <a:rPr lang="en-US" smtClean="0"/>
+              <a:t>Fifth level</a:t>
+            </a:r>
+            <a:endParaRPr lang="en-US"/>
+          </a:p>
+        </p:txBody>
+      </p:sp>
+      <p:sp>
+        <p:nvSpPr>
+          <p:cNvPr id="6" name="Footer Placeholder 5"/>
+          <p:cNvSpPr>
+            <a:spLocks noGrp="1"/>
+          </p:cNvSpPr>
+          <p:nvPr>
+            <p:ph type="ftr" sz="quarter" idx="4"/>
+          </p:nvPr>
+        </p:nvSpPr>
+        <p:spPr>
+          <a:xfrm>
+            <a:off x="0" y="8685213"/>
+            <a:ext cx="2971800" cy="458787"/>
+          </a:xfrm>
+          <a:prstGeom prst="rect">
+            <a:avLst/>
+          </a:prstGeom>
+        </p:spPr>
+        <p:txBody>
+          <a:bodyPr vert="horz" lIns="91440" tIns="45720" rIns="91440" bIns="45720" rtlCol="0" anchor="b"/>
+          <a:lstStyle>
+            <a:lvl1pPr algn="l">
+              <a:defRPr sz="1200"/>
+            </a:lvl1pPr>
+          </a:lstStyle>
+          <a:p>
+            <a:endParaRPr lang="en-US"/>
+          </a:p>
+        </p:txBody>
+      </p:sp>
+      <p:sp>
+        <p:nvSpPr>
+          <p:cNvPr id="7" name="Slide Number Placeholder 6"/>
+          <p:cNvSpPr>
+            <a:spLocks noGrp="1"/>
+          </p:cNvSpPr>
+          <p:nvPr>
+            <p:ph type="sldNum" sz="quarter" idx="5"/>
+          </p:nvPr>
+        </p:nvSpPr>
+        <p:spPr>
+          <a:xfrm>
+            <a:off x="3884613" y="8685213"/>
+            <a:ext cx="2971800" cy="458787"/>
+          </a:xfrm>
+          <a:prstGeom prst="rect">
+            <a:avLst/>
+          </a:prstGeom>
+        </p:spPr>
+        <p:txBody>
+          <a:bodyPr vert="horz" lIns="91440" tIns="45720" rIns="91440" bIns="45720" rtlCol="0" anchor="b"/>
+          <a:lstStyle>
+            <a:lvl1pPr algn="r">
+              <a:defRPr sz="1200"/>
+            </a:lvl1pPr>
+          </a:lstStyle>
+          <a:p>
+            <a:fld id="{8B8E966E-E4B0-4423-8033-736C05E6D1A9}" type="slidenum">
+              <a:rPr lang="en-US" smtClean="0"/>
+              <a:t>‹#›</a:t>
+            </a:fld>
+            <a:endParaRPr lang="en-US"/>
+          </a:p>
+        </p:txBody>
+      </p:sp>
+    </p:spTree>
+    <p:extLst>
+      <p:ext uri="{BB962C8B-B14F-4D97-AF65-F5344CB8AC3E}">
+        <p14:creationId xmlns:p14="http://schemas.microsoft.com/office/powerpoint/2010/main" val="838536665"/>
+      </p:ext>
+    </p:extLst>
+  </p:cSld>
+  <p:clrMap bg1="lt1" tx1="dk1" bg2="lt2" tx2="dk2" accent1="accent1" accent2="accent2" accent3="accent3" accent4="accent4" accent5="accent5" accent6="accent6" hlink="hlink" folHlink="folHlink"/>
+  <p:notesStyle>
+    <a:lvl1pPr marL="0" algn="l" defTabSz="914400" rtl="0" eaLnBrk="1" latinLnBrk="0" hangingPunct="1">
+      <a:defRPr sz="1200" kern="1200">
+        <a:solidFill>
+          <a:schemeClr val="tx1"/>
+        </a:solidFill>
+        <a:latin typeface="+mn-lt"/>
+        <a:ea typeface="+mn-ea"/>
+        <a:cs typeface="+mn-cs"/>
+      </a:defRPr>
+    </a:lvl1pPr>
+    <a:lvl2pPr marL="457200" algn="l" defTabSz="914400" rtl="0" eaLnBrk="1" latinLnBrk="0" hangingPunct="1">
+      <a:defRPr sz="1200" kern="1200">
+        <a:solidFill>
+          <a:schemeClr val="tx1"/>
+        </a:solidFill>
+        <a:latin typeface="+mn-lt"/>
+        <a:ea typeface="+mn-ea"/>
+        <a:cs typeface="+mn-cs"/>
+      </a:defRPr>
+    </a:lvl2pPr>
+    <a:lvl3pPr marL="914400" algn="l" defTabSz="914400" rtl="0" eaLnBrk="1" latinLnBrk="0" hangingPunct="1">
+      <a:defRPr sz="1200" kern="1200">
+        <a:solidFill>
+          <a:schemeClr val="tx1"/>
+        </a:solidFill>
+        <a:latin typeface="+mn-lt"/>
+        <a:ea typeface="+mn-ea"/>
+        <a:cs typeface="+mn-cs"/>
+      </a:defRPr>
+    </a:lvl3pPr>
+    <a:lvl4pPr marL="1371600" algn="l" defTabSz="914400" rtl="0" eaLnBrk="1" latinLnBrk="0" hangingPunct="1">
+      <a:defRPr sz="1200" kern="1200">
+        <a:solidFill>
+          <a:schemeClr val="tx1"/>
+        </a:solidFill>
+        <a:latin typeface="+mn-lt"/>
+        <a:ea typeface="+mn-ea"/>
+        <a:cs typeface="+mn-cs"/>
+      </a:defRPr>
+    </a:lvl4pPr>
+    <a:lvl5pPr marL="1828800" algn="l" defTabSz="914400" rtl="0" eaLnBrk="1" latinLnBrk="0" hangingPunct="1">
+      <a:defRPr sz="1200" kern="1200">
+        <a:solidFill>
+          <a:schemeClr val="tx1"/>
+        </a:solidFill>
+        <a:latin typeface="+mn-lt"/>
+        <a:ea typeface="+mn-ea"/>
+        <a:cs typeface="+mn-cs"/>
+      </a:defRPr>
+    </a:lvl5pPr>
+    <a:lvl6pPr marL="2286000" algn="l" defTabSz="914400" rtl="0" eaLnBrk="1" latinLnBrk="0" hangingPunct="1">
+      <a:defRPr sz="1200" kern="1200">
+        <a:solidFill>
+          <a:schemeClr val="tx1"/>
+        </a:solidFill>
+        <a:latin typeface="+mn-lt"/>
+        <a:ea typeface="+mn-ea"/>
+        <a:cs typeface="+mn-cs"/>
+      </a:defRPr>
+    </a:lvl6pPr>
+    <a:lvl7pPr marL="2743200" algn="l" defTabSz="914400" rtl="0" eaLnBrk="1" latinLnBrk="0" hangingPunct="1">
+      <a:defRPr sz="1200" kern="1200">
+        <a:solidFill>
+          <a:schemeClr val="tx1"/>
+        </a:solidFill>
+        <a:latin typeface="+mn-lt"/>
+        <a:ea typeface="+mn-ea"/>
+        <a:cs typeface="+mn-cs"/>
+      </a:defRPr>
+    </a:lvl7pPr>
+    <a:lvl8pPr marL="3200400" algn="l" defTabSz="914400" rtl="0" eaLnBrk="1" latinLnBrk="0" hangingPunct="1">
+      <a:defRPr sz="1200" kern="1200">
+        <a:solidFill>
+          <a:schemeClr val="tx1"/>
+        </a:solidFill>
+        <a:latin typeface="+mn-lt"/>
+        <a:ea typeface="+mn-ea"/>
+        <a:cs typeface="+mn-cs"/>
+      </a:defRPr>
+    </a:lvl8pPr>
+    <a:lvl9pPr marL="3657600" algn="l" defTabSz="914400" rtl="0" eaLnBrk="1" latinLnBrk="0" hangingPunct="1">
+      <a:defRPr sz="1200" kern="1200">
+        <a:solidFill>
+          <a:schemeClr val="tx1"/>
+        </a:solidFill>
+        <a:latin typeface="+mn-lt"/>
+        <a:ea typeface="+mn-ea"/>
+        <a:cs typeface="+mn-cs"/>
+      </a:defRPr>
+    </a:lvl9pPr>
+  </p:notesStyle>
+</p:notesMaster>
 </file>
 
 <file path=ppt/slideLayouts/slideLayout1.xml><?xml version="1.0" encoding="utf-8"?>
@@ -296,9 +714,9 @@
           <a:bodyPr/>
           <a:lstStyle/>
           <a:p>
-            <a:fld id="{61514F1E-2F52-4DBD-9B0D-AE52D5716941}" type="datetimeFigureOut">
-              <a:rPr lang="en-US" smtClean="0"/>
-              <a:t>1/19/2018</a:t>
+            <a:fld id="{BEA81583-D4EE-468F-86A6-00E4EF156DBA}" type="datetime1">
+              <a:rPr lang="en-US" smtClean="0"/>
+              <a:t>2/4/2018</a:t>
             </a:fld>
             <a:endParaRPr lang="en-US"/>
           </a:p>
@@ -466,9 +884,9 @@
           <a:bodyPr/>
           <a:lstStyle/>
           <a:p>
-            <a:fld id="{61514F1E-2F52-4DBD-9B0D-AE52D5716941}" type="datetimeFigureOut">
-              <a:rPr lang="en-US" smtClean="0"/>
-              <a:t>1/19/2018</a:t>
+            <a:fld id="{287A12D8-A7B3-45E9-A3E8-3D0B62171605}" type="datetime1">
+              <a:rPr lang="en-US" smtClean="0"/>
+              <a:t>2/4/2018</a:t>
             </a:fld>
             <a:endParaRPr lang="en-US"/>
           </a:p>
@@ -646,9 +1064,9 @@
           <a:bodyPr/>
           <a:lstStyle/>
           <a:p>
-            <a:fld id="{61514F1E-2F52-4DBD-9B0D-AE52D5716941}" type="datetimeFigureOut">
-              <a:rPr lang="en-US" smtClean="0"/>
-              <a:t>1/19/2018</a:t>
+            <a:fld id="{10187B54-9443-4AEF-AB9E-EF6680AC1751}" type="datetime1">
+              <a:rPr lang="en-US" smtClean="0"/>
+              <a:t>2/4/2018</a:t>
             </a:fld>
             <a:endParaRPr lang="en-US"/>
           </a:p>
@@ -816,9 +1234,9 @@
           <a:bodyPr/>
           <a:lstStyle/>
           <a:p>
-            <a:fld id="{61514F1E-2F52-4DBD-9B0D-AE52D5716941}" type="datetimeFigureOut">
-              <a:rPr lang="en-US" smtClean="0"/>
-              <a:t>1/19/2018</a:t>
+            <a:fld id="{A6A6948D-CF92-4258-BF22-254EDB56B35D}" type="datetime1">
+              <a:rPr lang="en-US" smtClean="0"/>
+              <a:t>2/4/2018</a:t>
             </a:fld>
             <a:endParaRPr lang="en-US"/>
           </a:p>
@@ -1062,9 +1480,9 @@
           <a:bodyPr/>
           <a:lstStyle/>
           <a:p>
-            <a:fld id="{61514F1E-2F52-4DBD-9B0D-AE52D5716941}" type="datetimeFigureOut">
-              <a:rPr lang="en-US" smtClean="0"/>
-              <a:t>1/19/2018</a:t>
+            <a:fld id="{C27425B5-41AD-4238-B95F-F2EF00ADFF39}" type="datetime1">
+              <a:rPr lang="en-US" smtClean="0"/>
+              <a:t>2/4/2018</a:t>
             </a:fld>
             <a:endParaRPr lang="en-US"/>
           </a:p>
@@ -1350,9 +1768,9 @@
           <a:bodyPr/>
           <a:lstStyle/>
           <a:p>
-            <a:fld id="{61514F1E-2F52-4DBD-9B0D-AE52D5716941}" type="datetimeFigureOut">
-              <a:rPr lang="en-US" smtClean="0"/>
-              <a:t>1/19/2018</a:t>
+            <a:fld id="{1DD0D592-9780-4BCA-AA6D-C06726BF30B3}" type="datetime1">
+              <a:rPr lang="en-US" smtClean="0"/>
+              <a:t>2/4/2018</a:t>
             </a:fld>
             <a:endParaRPr lang="en-US"/>
           </a:p>
@@ -1772,9 +2190,9 @@
           <a:bodyPr/>
           <a:lstStyle/>
           <a:p>
-            <a:fld id="{61514F1E-2F52-4DBD-9B0D-AE52D5716941}" type="datetimeFigureOut">
-              <a:rPr lang="en-US" smtClean="0"/>
-              <a:t>1/19/2018</a:t>
+            <a:fld id="{5A8B08AD-278E-4479-9F8D-E663E1755627}" type="datetime1">
+              <a:rPr lang="en-US" smtClean="0"/>
+              <a:t>2/4/2018</a:t>
             </a:fld>
             <a:endParaRPr lang="en-US"/>
           </a:p>
@@ -1890,9 +2308,9 @@
           <a:bodyPr/>
           <a:lstStyle/>
           <a:p>
-            <a:fld id="{61514F1E-2F52-4DBD-9B0D-AE52D5716941}" type="datetimeFigureOut">
-              <a:rPr lang="en-US" smtClean="0"/>
-              <a:t>1/19/2018</a:t>
+            <a:fld id="{887FD6E6-8E8B-4B13-90D0-C4596B48F709}" type="datetime1">
+              <a:rPr lang="en-US" smtClean="0"/>
+              <a:t>2/4/2018</a:t>
             </a:fld>
             <a:endParaRPr lang="en-US"/>
           </a:p>
@@ -1985,9 +2403,9 @@
           <a:bodyPr/>
           <a:lstStyle/>
           <a:p>
-            <a:fld id="{61514F1E-2F52-4DBD-9B0D-AE52D5716941}" type="datetimeFigureOut">
-              <a:rPr lang="en-US" smtClean="0"/>
-              <a:t>1/19/2018</a:t>
+            <a:fld id="{2840A99A-D776-49DC-9D96-AC13F57B09C9}" type="datetime1">
+              <a:rPr lang="en-US" smtClean="0"/>
+              <a:t>2/4/2018</a:t>
             </a:fld>
             <a:endParaRPr lang="en-US"/>
           </a:p>
@@ -2262,9 +2680,9 @@
           <a:bodyPr/>
           <a:lstStyle/>
           <a:p>
-            <a:fld id="{61514F1E-2F52-4DBD-9B0D-AE52D5716941}" type="datetimeFigureOut">
-              <a:rPr lang="en-US" smtClean="0"/>
-              <a:t>1/19/2018</a:t>
+            <a:fld id="{774EF7EA-B172-4460-B76C-7979E106B013}" type="datetime1">
+              <a:rPr lang="en-US" smtClean="0"/>
+              <a:t>2/4/2018</a:t>
             </a:fld>
             <a:endParaRPr lang="en-US"/>
           </a:p>
@@ -2515,9 +2933,9 @@
           <a:bodyPr/>
           <a:lstStyle/>
           <a:p>
-            <a:fld id="{61514F1E-2F52-4DBD-9B0D-AE52D5716941}" type="datetimeFigureOut">
-              <a:rPr lang="en-US" smtClean="0"/>
-              <a:t>1/19/2018</a:t>
+            <a:fld id="{86A320C0-E132-4DB6-A29E-C18E915FAE10}" type="datetime1">
+              <a:rPr lang="en-US" smtClean="0"/>
+              <a:t>2/4/2018</a:t>
             </a:fld>
             <a:endParaRPr lang="en-US"/>
           </a:p>
@@ -2728,9 +3146,9 @@
             </a:lvl1pPr>
           </a:lstStyle>
           <a:p>
-            <a:fld id="{61514F1E-2F52-4DBD-9B0D-AE52D5716941}" type="datetimeFigureOut">
-              <a:rPr lang="en-US" smtClean="0"/>
-              <a:t>1/19/2018</a:t>
+            <a:fld id="{0A6F50C6-2154-45E6-BB0B-C3883BB0EEDF}" type="datetime1">
+              <a:rPr lang="en-US" smtClean="0"/>
+              <a:t>2/4/2018</a:t>
             </a:fld>
             <a:endParaRPr lang="en-US"/>
           </a:p>
@@ -2835,6 +3253,7 @@
     <p:sldLayoutId id="2147483658" r:id="rId10"/>
     <p:sldLayoutId id="2147483659" r:id="rId11"/>
   </p:sldLayoutIdLst>
+  <p:hf hdr="0" ftr="0" dt="0"/>
   <p:txStyles>
     <p:titleStyle>
       <a:lvl1pPr algn="ctr" defTabSz="914400" rtl="0" eaLnBrk="1" latinLnBrk="0" hangingPunct="1">
@@ -3143,6 +3562,29 @@
           <a:bodyPr/>
           <a:lstStyle/>
           <a:p>
+            <a:endParaRPr lang="en-US" dirty="0"/>
+          </a:p>
+        </p:txBody>
+      </p:sp>
+      <p:sp>
+        <p:nvSpPr>
+          <p:cNvPr id="4" name="Slide Number Placeholder 3"/>
+          <p:cNvSpPr>
+            <a:spLocks noGrp="1"/>
+          </p:cNvSpPr>
+          <p:nvPr>
+            <p:ph type="sldNum" sz="quarter" idx="12"/>
+          </p:nvPr>
+        </p:nvSpPr>
+        <p:spPr/>
+        <p:txBody>
+          <a:bodyPr/>
+          <a:lstStyle/>
+          <a:p>
+            <a:fld id="{6BE98711-CE87-4D2C-A4EE-CF4DC81676AA}" type="slidenum">
+              <a:rPr lang="en-US" smtClean="0"/>
+              <a:t>1</a:t>
+            </a:fld>
             <a:endParaRPr lang="en-US"/>
           </a:p>
         </p:txBody>
@@ -3226,6 +3668,29 @@
               <a:t>The -B standard is slightly better at reducing crosstalk, but the most important thing is that both ends of a cable are wired the same</a:t>
             </a:r>
             <a:endParaRPr lang="en-US" dirty="0"/>
+          </a:p>
+        </p:txBody>
+      </p:sp>
+      <p:sp>
+        <p:nvSpPr>
+          <p:cNvPr id="4" name="Slide Number Placeholder 3"/>
+          <p:cNvSpPr>
+            <a:spLocks noGrp="1"/>
+          </p:cNvSpPr>
+          <p:nvPr>
+            <p:ph type="sldNum" sz="quarter" idx="12"/>
+          </p:nvPr>
+        </p:nvSpPr>
+        <p:spPr/>
+        <p:txBody>
+          <a:bodyPr/>
+          <a:lstStyle/>
+          <a:p>
+            <a:fld id="{6BE98711-CE87-4D2C-A4EE-CF4DC81676AA}" type="slidenum">
+              <a:rPr lang="en-US" smtClean="0"/>
+              <a:t>10</a:t>
+            </a:fld>
+            <a:endParaRPr lang="en-US"/>
           </a:p>
         </p:txBody>
       </p:sp>
@@ -3376,10 +3841,1207 @@
           </a:p>
         </p:txBody>
       </p:sp>
+      <p:sp>
+        <p:nvSpPr>
+          <p:cNvPr id="3" name="Slide Number Placeholder 2"/>
+          <p:cNvSpPr>
+            <a:spLocks noGrp="1"/>
+          </p:cNvSpPr>
+          <p:nvPr>
+            <p:ph type="sldNum" sz="quarter" idx="12"/>
+          </p:nvPr>
+        </p:nvSpPr>
+        <p:spPr/>
+        <p:txBody>
+          <a:bodyPr/>
+          <a:lstStyle/>
+          <a:p>
+            <a:fld id="{6BE98711-CE87-4D2C-A4EE-CF4DC81676AA}" type="slidenum">
+              <a:rPr lang="en-US" smtClean="0"/>
+              <a:t>11</a:t>
+            </a:fld>
+            <a:endParaRPr lang="en-US"/>
+          </a:p>
+        </p:txBody>
+      </p:sp>
     </p:spTree>
     <p:extLst>
       <p:ext uri="{BB962C8B-B14F-4D97-AF65-F5344CB8AC3E}">
         <p14:creationId xmlns:p14="http://schemas.microsoft.com/office/powerpoint/2010/main" val="2202032522"/>
+      </p:ext>
+    </p:extLst>
+  </p:cSld>
+  <p:clrMapOvr>
+    <a:masterClrMapping/>
+  </p:clrMapOvr>
+</p:sld>
+</file>
+
+<file path=ppt/slides/slide12.xml><?xml version="1.0" encoding="utf-8"?>
+<p:sld xmlns:a="http://schemas.openxmlformats.org/drawingml/2006/main" xmlns:r="http://schemas.openxmlformats.org/officeDocument/2006/relationships" xmlns:p="http://schemas.openxmlformats.org/presentationml/2006/main">
+  <p:cSld>
+    <p:spTree>
+      <p:nvGrpSpPr>
+        <p:cNvPr id="1" name=""/>
+        <p:cNvGrpSpPr/>
+        <p:nvPr/>
+      </p:nvGrpSpPr>
+      <p:grpSpPr>
+        <a:xfrm>
+          <a:off x="0" y="0"/>
+          <a:ext cx="0" cy="0"/>
+          <a:chOff x="0" y="0"/>
+          <a:chExt cx="0" cy="0"/>
+        </a:xfrm>
+      </p:grpSpPr>
+      <p:sp>
+        <p:nvSpPr>
+          <p:cNvPr id="2" name="Title 1"/>
+          <p:cNvSpPr>
+            <a:spLocks noGrp="1"/>
+          </p:cNvSpPr>
+          <p:nvPr>
+            <p:ph type="title"/>
+          </p:nvPr>
+        </p:nvSpPr>
+        <p:spPr/>
+        <p:txBody>
+          <a:bodyPr/>
+          <a:lstStyle/>
+          <a:p>
+            <a:r>
+              <a:rPr lang="en-US" dirty="0" smtClean="0"/>
+              <a:t>Power Over Ethernet</a:t>
+            </a:r>
+            <a:endParaRPr lang="en-US" dirty="0"/>
+          </a:p>
+        </p:txBody>
+      </p:sp>
+      <p:sp>
+        <p:nvSpPr>
+          <p:cNvPr id="3" name="Content Placeholder 2"/>
+          <p:cNvSpPr>
+            <a:spLocks noGrp="1"/>
+          </p:cNvSpPr>
+          <p:nvPr>
+            <p:ph idx="1"/>
+          </p:nvPr>
+        </p:nvSpPr>
+        <p:spPr/>
+        <p:txBody>
+          <a:bodyPr>
+            <a:normAutofit lnSpcReduction="10000"/>
+          </a:bodyPr>
+          <a:lstStyle/>
+          <a:p>
+            <a:r>
+              <a:rPr lang="en-US" dirty="0" smtClean="0"/>
+              <a:t>Allows power and data to run over the same cable</a:t>
+            </a:r>
+          </a:p>
+          <a:p>
+            <a:r>
+              <a:rPr lang="en-US" dirty="0" smtClean="0"/>
+              <a:t>Two basic types: </a:t>
+            </a:r>
+            <a:r>
+              <a:rPr lang="en-US" i="1" dirty="0" smtClean="0"/>
+              <a:t>Alternative A </a:t>
+            </a:r>
+            <a:r>
+              <a:rPr lang="en-US" dirty="0" smtClean="0"/>
+              <a:t>and </a:t>
+            </a:r>
+            <a:r>
+              <a:rPr lang="en-US" i="1" dirty="0" smtClean="0"/>
+              <a:t>Alternative B</a:t>
+            </a:r>
+          </a:p>
+          <a:p>
+            <a:r>
+              <a:rPr lang="en-US" dirty="0" smtClean="0"/>
+              <a:t>Alternative B</a:t>
+            </a:r>
+            <a:r>
+              <a:rPr lang="en-US" dirty="0" smtClean="0"/>
+              <a:t> uses the two unused pairs in 10BASE-T or 100BASE-T as dedicated power wires</a:t>
+            </a:r>
+          </a:p>
+          <a:p>
+            <a:r>
+              <a:rPr lang="en-US" dirty="0" smtClean="0"/>
+              <a:t>Alternative A passes “phantom power” (exploits the differential signaling)</a:t>
+            </a:r>
+            <a:endParaRPr lang="en-US" dirty="0"/>
+          </a:p>
+        </p:txBody>
+      </p:sp>
+      <p:sp>
+        <p:nvSpPr>
+          <p:cNvPr id="4" name="Slide Number Placeholder 3"/>
+          <p:cNvSpPr>
+            <a:spLocks noGrp="1"/>
+          </p:cNvSpPr>
+          <p:nvPr>
+            <p:ph type="sldNum" sz="quarter" idx="12"/>
+          </p:nvPr>
+        </p:nvSpPr>
+        <p:spPr/>
+        <p:txBody>
+          <a:bodyPr/>
+          <a:lstStyle/>
+          <a:p>
+            <a:fld id="{6BE98711-CE87-4D2C-A4EE-CF4DC81676AA}" type="slidenum">
+              <a:rPr lang="en-US" smtClean="0"/>
+              <a:t>12</a:t>
+            </a:fld>
+            <a:endParaRPr lang="en-US"/>
+          </a:p>
+        </p:txBody>
+      </p:sp>
+    </p:spTree>
+    <p:extLst>
+      <p:ext uri="{BB962C8B-B14F-4D97-AF65-F5344CB8AC3E}">
+        <p14:creationId xmlns:p14="http://schemas.microsoft.com/office/powerpoint/2010/main" val="1481472100"/>
+      </p:ext>
+    </p:extLst>
+  </p:cSld>
+  <p:clrMapOvr>
+    <a:masterClrMapping/>
+  </p:clrMapOvr>
+</p:sld>
+</file>
+
+<file path=ppt/slides/slide13.xml><?xml version="1.0" encoding="utf-8"?>
+<p:sld xmlns:a="http://schemas.openxmlformats.org/drawingml/2006/main" xmlns:r="http://schemas.openxmlformats.org/officeDocument/2006/relationships" xmlns:p="http://schemas.openxmlformats.org/presentationml/2006/main">
+  <p:cSld>
+    <p:spTree>
+      <p:nvGrpSpPr>
+        <p:cNvPr id="1" name=""/>
+        <p:cNvGrpSpPr/>
+        <p:nvPr/>
+      </p:nvGrpSpPr>
+      <p:grpSpPr>
+        <a:xfrm>
+          <a:off x="0" y="0"/>
+          <a:ext cx="0" cy="0"/>
+          <a:chOff x="0" y="0"/>
+          <a:chExt cx="0" cy="0"/>
+        </a:xfrm>
+      </p:grpSpPr>
+      <p:sp>
+        <p:nvSpPr>
+          <p:cNvPr id="2" name="Title 1"/>
+          <p:cNvSpPr>
+            <a:spLocks noGrp="1"/>
+          </p:cNvSpPr>
+          <p:nvPr>
+            <p:ph type="title"/>
+          </p:nvPr>
+        </p:nvSpPr>
+        <p:spPr/>
+        <p:txBody>
+          <a:bodyPr/>
+          <a:lstStyle/>
+          <a:p>
+            <a:r>
+              <a:rPr lang="en-US" dirty="0" smtClean="0"/>
+              <a:t>Power Over Ethernet</a:t>
+            </a:r>
+            <a:endParaRPr lang="en-US" dirty="0"/>
+          </a:p>
+        </p:txBody>
+      </p:sp>
+      <p:sp>
+        <p:nvSpPr>
+          <p:cNvPr id="3" name="Content Placeholder 2"/>
+          <p:cNvSpPr>
+            <a:spLocks noGrp="1"/>
+          </p:cNvSpPr>
+          <p:nvPr>
+            <p:ph idx="1"/>
+          </p:nvPr>
+        </p:nvSpPr>
+        <p:spPr/>
+        <p:txBody>
+          <a:bodyPr/>
+          <a:lstStyle/>
+          <a:p>
+            <a:r>
+              <a:rPr lang="en-US" dirty="0" smtClean="0"/>
+              <a:t>Alternative A</a:t>
+            </a:r>
+          </a:p>
+          <a:p>
+            <a:r>
+              <a:rPr lang="en-US" dirty="0" smtClean="0"/>
+              <a:t>Two pairs are used for positive power, two for ground</a:t>
+            </a:r>
+          </a:p>
+          <a:p>
+            <a:r>
+              <a:rPr lang="en-US" dirty="0" smtClean="0"/>
+              <a:t>Transformers block DC voltage, but pass differential pulses (data)</a:t>
+            </a:r>
+            <a:endParaRPr lang="en-US" dirty="0"/>
+          </a:p>
+        </p:txBody>
+      </p:sp>
+      <p:sp>
+        <p:nvSpPr>
+          <p:cNvPr id="4" name="Slide Number Placeholder 3"/>
+          <p:cNvSpPr>
+            <a:spLocks noGrp="1"/>
+          </p:cNvSpPr>
+          <p:nvPr>
+            <p:ph type="sldNum" sz="quarter" idx="12"/>
+          </p:nvPr>
+        </p:nvSpPr>
+        <p:spPr/>
+        <p:txBody>
+          <a:bodyPr/>
+          <a:lstStyle/>
+          <a:p>
+            <a:fld id="{6BE98711-CE87-4D2C-A4EE-CF4DC81676AA}" type="slidenum">
+              <a:rPr lang="en-US" smtClean="0"/>
+              <a:t>13</a:t>
+            </a:fld>
+            <a:endParaRPr lang="en-US"/>
+          </a:p>
+        </p:txBody>
+      </p:sp>
+      <p:pic>
+        <p:nvPicPr>
+          <p:cNvPr id="5" name="Picture 4"/>
+          <p:cNvPicPr>
+            <a:picLocks noChangeAspect="1"/>
+          </p:cNvPicPr>
+          <p:nvPr/>
+        </p:nvPicPr>
+        <p:blipFill>
+          <a:blip r:embed="rId2">
+            <a:extLst>
+              <a:ext uri="{28A0092B-C50C-407E-A947-70E740481C1C}">
+                <a14:useLocalDpi xmlns:a14="http://schemas.microsoft.com/office/drawing/2010/main" val="0"/>
+              </a:ext>
+            </a:extLst>
+          </a:blip>
+          <a:stretch>
+            <a:fillRect/>
+          </a:stretch>
+        </p:blipFill>
+        <p:spPr>
+          <a:xfrm>
+            <a:off x="1609725" y="4577917"/>
+            <a:ext cx="6010275" cy="1924050"/>
+          </a:xfrm>
+          <a:prstGeom prst="rect">
+            <a:avLst/>
+          </a:prstGeom>
+        </p:spPr>
+      </p:pic>
+    </p:spTree>
+    <p:extLst>
+      <p:ext uri="{BB962C8B-B14F-4D97-AF65-F5344CB8AC3E}">
+        <p14:creationId xmlns:p14="http://schemas.microsoft.com/office/powerpoint/2010/main" val="1816271439"/>
+      </p:ext>
+    </p:extLst>
+  </p:cSld>
+  <p:clrMapOvr>
+    <a:masterClrMapping/>
+  </p:clrMapOvr>
+</p:sld>
+</file>
+
+<file path=ppt/slides/slide14.xml><?xml version="1.0" encoding="utf-8"?>
+<p:sld xmlns:a="http://schemas.openxmlformats.org/drawingml/2006/main" xmlns:r="http://schemas.openxmlformats.org/officeDocument/2006/relationships" xmlns:p="http://schemas.openxmlformats.org/presentationml/2006/main">
+  <p:cSld>
+    <p:spTree>
+      <p:nvGrpSpPr>
+        <p:cNvPr id="1" name=""/>
+        <p:cNvGrpSpPr/>
+        <p:nvPr/>
+      </p:nvGrpSpPr>
+      <p:grpSpPr>
+        <a:xfrm>
+          <a:off x="0" y="0"/>
+          <a:ext cx="0" cy="0"/>
+          <a:chOff x="0" y="0"/>
+          <a:chExt cx="0" cy="0"/>
+        </a:xfrm>
+      </p:grpSpPr>
+      <p:sp>
+        <p:nvSpPr>
+          <p:cNvPr id="2" name="Title 1"/>
+          <p:cNvSpPr>
+            <a:spLocks noGrp="1"/>
+          </p:cNvSpPr>
+          <p:nvPr>
+            <p:ph type="title"/>
+          </p:nvPr>
+        </p:nvSpPr>
+        <p:spPr/>
+        <p:txBody>
+          <a:bodyPr/>
+          <a:lstStyle/>
+          <a:p>
+            <a:r>
+              <a:rPr lang="en-US" dirty="0" smtClean="0"/>
+              <a:t>Power Over Ethernet</a:t>
+            </a:r>
+            <a:endParaRPr lang="en-US" dirty="0"/>
+          </a:p>
+        </p:txBody>
+      </p:sp>
+      <p:sp>
+        <p:nvSpPr>
+          <p:cNvPr id="3" name="Content Placeholder 2"/>
+          <p:cNvSpPr>
+            <a:spLocks noGrp="1"/>
+          </p:cNvSpPr>
+          <p:nvPr>
+            <p:ph idx="1"/>
+          </p:nvPr>
+        </p:nvSpPr>
+        <p:spPr/>
+        <p:txBody>
+          <a:bodyPr/>
+          <a:lstStyle/>
+          <a:p>
+            <a:r>
+              <a:rPr lang="en-US" dirty="0" smtClean="0"/>
+              <a:t>Standards provide for powered devices to negotiate with power-supplying equipment to provide the amount of power needed</a:t>
+            </a:r>
+          </a:p>
+          <a:p>
+            <a:r>
+              <a:rPr lang="en-US" dirty="0" smtClean="0"/>
+              <a:t>Some implementations use </a:t>
+            </a:r>
+            <a:r>
+              <a:rPr lang="en-US" i="1" dirty="0" smtClean="0"/>
+              <a:t>passive </a:t>
+            </a:r>
+            <a:r>
+              <a:rPr lang="en-US" i="1" dirty="0" err="1" smtClean="0"/>
+              <a:t>PoE</a:t>
+            </a:r>
+            <a:r>
+              <a:rPr lang="en-US" dirty="0" smtClean="0"/>
+              <a:t> (constant voltage supplied at all times)</a:t>
+            </a:r>
+            <a:endParaRPr lang="en-US" dirty="0"/>
+          </a:p>
+        </p:txBody>
+      </p:sp>
+      <p:sp>
+        <p:nvSpPr>
+          <p:cNvPr id="4" name="Slide Number Placeholder 3"/>
+          <p:cNvSpPr>
+            <a:spLocks noGrp="1"/>
+          </p:cNvSpPr>
+          <p:nvPr>
+            <p:ph type="sldNum" sz="quarter" idx="12"/>
+          </p:nvPr>
+        </p:nvSpPr>
+        <p:spPr/>
+        <p:txBody>
+          <a:bodyPr/>
+          <a:lstStyle/>
+          <a:p>
+            <a:fld id="{6BE98711-CE87-4D2C-A4EE-CF4DC81676AA}" type="slidenum">
+              <a:rPr lang="en-US" smtClean="0"/>
+              <a:t>14</a:t>
+            </a:fld>
+            <a:endParaRPr lang="en-US"/>
+          </a:p>
+        </p:txBody>
+      </p:sp>
+    </p:spTree>
+    <p:extLst>
+      <p:ext uri="{BB962C8B-B14F-4D97-AF65-F5344CB8AC3E}">
+        <p14:creationId xmlns:p14="http://schemas.microsoft.com/office/powerpoint/2010/main" val="3523549659"/>
+      </p:ext>
+    </p:extLst>
+  </p:cSld>
+  <p:clrMapOvr>
+    <a:masterClrMapping/>
+  </p:clrMapOvr>
+</p:sld>
+</file>
+
+<file path=ppt/slides/slide15.xml><?xml version="1.0" encoding="utf-8"?>
+<p:sld xmlns:a="http://schemas.openxmlformats.org/drawingml/2006/main" xmlns:r="http://schemas.openxmlformats.org/officeDocument/2006/relationships" xmlns:p="http://schemas.openxmlformats.org/presentationml/2006/main">
+  <p:cSld>
+    <p:spTree>
+      <p:nvGrpSpPr>
+        <p:cNvPr id="1" name=""/>
+        <p:cNvGrpSpPr/>
+        <p:nvPr/>
+      </p:nvGrpSpPr>
+      <p:grpSpPr>
+        <a:xfrm>
+          <a:off x="0" y="0"/>
+          <a:ext cx="0" cy="0"/>
+          <a:chOff x="0" y="0"/>
+          <a:chExt cx="0" cy="0"/>
+        </a:xfrm>
+      </p:grpSpPr>
+      <p:sp>
+        <p:nvSpPr>
+          <p:cNvPr id="2" name="Title 1"/>
+          <p:cNvSpPr>
+            <a:spLocks noGrp="1"/>
+          </p:cNvSpPr>
+          <p:nvPr>
+            <p:ph type="title"/>
+          </p:nvPr>
+        </p:nvSpPr>
+        <p:spPr/>
+        <p:txBody>
+          <a:bodyPr/>
+          <a:lstStyle/>
+          <a:p>
+            <a:r>
+              <a:rPr lang="en-US" dirty="0" smtClean="0"/>
+              <a:t>Wireshark</a:t>
+            </a:r>
+            <a:endParaRPr lang="en-US" dirty="0"/>
+          </a:p>
+        </p:txBody>
+      </p:sp>
+      <p:sp>
+        <p:nvSpPr>
+          <p:cNvPr id="3" name="Content Placeholder 2"/>
+          <p:cNvSpPr>
+            <a:spLocks noGrp="1"/>
+          </p:cNvSpPr>
+          <p:nvPr>
+            <p:ph idx="1"/>
+          </p:nvPr>
+        </p:nvSpPr>
+        <p:spPr>
+          <a:xfrm>
+            <a:off x="457200" y="1600201"/>
+            <a:ext cx="8229600" cy="1828800"/>
+          </a:xfrm>
+        </p:spPr>
+        <p:txBody>
+          <a:bodyPr/>
+          <a:lstStyle/>
+          <a:p>
+            <a:r>
+              <a:rPr lang="en-US" dirty="0" smtClean="0"/>
+              <a:t>Packet analysis software</a:t>
+            </a:r>
+          </a:p>
+          <a:p>
+            <a:r>
+              <a:rPr lang="en-US" dirty="0" smtClean="0"/>
+              <a:t>Captures packets from network adapter</a:t>
+            </a:r>
+          </a:p>
+          <a:p>
+            <a:r>
+              <a:rPr lang="en-US" dirty="0" smtClean="0"/>
+              <a:t>Provides analysis of packets from Layer 2 up</a:t>
+            </a:r>
+          </a:p>
+          <a:p>
+            <a:endParaRPr lang="en-US" dirty="0"/>
+          </a:p>
+        </p:txBody>
+      </p:sp>
+      <p:sp>
+        <p:nvSpPr>
+          <p:cNvPr id="4" name="Slide Number Placeholder 3"/>
+          <p:cNvSpPr>
+            <a:spLocks noGrp="1"/>
+          </p:cNvSpPr>
+          <p:nvPr>
+            <p:ph type="sldNum" sz="quarter" idx="12"/>
+          </p:nvPr>
+        </p:nvSpPr>
+        <p:spPr/>
+        <p:txBody>
+          <a:bodyPr/>
+          <a:lstStyle/>
+          <a:p>
+            <a:fld id="{6BE98711-CE87-4D2C-A4EE-CF4DC81676AA}" type="slidenum">
+              <a:rPr lang="en-US" smtClean="0"/>
+              <a:t>15</a:t>
+            </a:fld>
+            <a:endParaRPr lang="en-US"/>
+          </a:p>
+        </p:txBody>
+      </p:sp>
+      <p:pic>
+        <p:nvPicPr>
+          <p:cNvPr id="5" name="Picture 4"/>
+          <p:cNvPicPr>
+            <a:picLocks noChangeAspect="1"/>
+          </p:cNvPicPr>
+          <p:nvPr/>
+        </p:nvPicPr>
+        <p:blipFill rotWithShape="1">
+          <a:blip r:embed="rId2"/>
+          <a:srcRect r="25528" b="35845"/>
+          <a:stretch/>
+        </p:blipFill>
+        <p:spPr>
+          <a:xfrm>
+            <a:off x="304800" y="3352801"/>
+            <a:ext cx="8585113" cy="1371600"/>
+          </a:xfrm>
+          <a:prstGeom prst="rect">
+            <a:avLst/>
+          </a:prstGeom>
+        </p:spPr>
+      </p:pic>
+      <p:pic>
+        <p:nvPicPr>
+          <p:cNvPr id="6" name="Picture 5"/>
+          <p:cNvPicPr>
+            <a:picLocks noChangeAspect="1"/>
+          </p:cNvPicPr>
+          <p:nvPr/>
+        </p:nvPicPr>
+        <p:blipFill>
+          <a:blip r:embed="rId3"/>
+          <a:stretch>
+            <a:fillRect/>
+          </a:stretch>
+        </p:blipFill>
+        <p:spPr>
+          <a:xfrm>
+            <a:off x="304800" y="5163865"/>
+            <a:ext cx="8458200" cy="1086228"/>
+          </a:xfrm>
+          <a:prstGeom prst="rect">
+            <a:avLst/>
+          </a:prstGeom>
+        </p:spPr>
+      </p:pic>
+    </p:spTree>
+    <p:extLst>
+      <p:ext uri="{BB962C8B-B14F-4D97-AF65-F5344CB8AC3E}">
+        <p14:creationId xmlns:p14="http://schemas.microsoft.com/office/powerpoint/2010/main" val="1375868371"/>
+      </p:ext>
+    </p:extLst>
+  </p:cSld>
+  <p:clrMapOvr>
+    <a:masterClrMapping/>
+  </p:clrMapOvr>
+</p:sld>
+</file>
+
+<file path=ppt/slides/slide16.xml><?xml version="1.0" encoding="utf-8"?>
+<p:sld xmlns:a="http://schemas.openxmlformats.org/drawingml/2006/main" xmlns:r="http://schemas.openxmlformats.org/officeDocument/2006/relationships" xmlns:p="http://schemas.openxmlformats.org/presentationml/2006/main">
+  <p:cSld>
+    <p:spTree>
+      <p:nvGrpSpPr>
+        <p:cNvPr id="1" name=""/>
+        <p:cNvGrpSpPr/>
+        <p:nvPr/>
+      </p:nvGrpSpPr>
+      <p:grpSpPr>
+        <a:xfrm>
+          <a:off x="0" y="0"/>
+          <a:ext cx="0" cy="0"/>
+          <a:chOff x="0" y="0"/>
+          <a:chExt cx="0" cy="0"/>
+        </a:xfrm>
+      </p:grpSpPr>
+      <p:sp>
+        <p:nvSpPr>
+          <p:cNvPr id="2" name="Title 1"/>
+          <p:cNvSpPr>
+            <a:spLocks noGrp="1"/>
+          </p:cNvSpPr>
+          <p:nvPr>
+            <p:ph type="title"/>
+          </p:nvPr>
+        </p:nvSpPr>
+        <p:spPr/>
+        <p:txBody>
+          <a:bodyPr/>
+          <a:lstStyle/>
+          <a:p>
+            <a:r>
+              <a:rPr lang="en-US" dirty="0" smtClean="0"/>
+              <a:t>Data Link Layer</a:t>
+            </a:r>
+            <a:endParaRPr lang="en-US" dirty="0"/>
+          </a:p>
+        </p:txBody>
+      </p:sp>
+      <p:pic>
+        <p:nvPicPr>
+          <p:cNvPr id="4" name="Picture 2" descr="https://fthmb.tqn.com/FJRd1u3NJuT-4w3EoA3Pf7HVX9E=/768x0/filters:no_upscale()/Osi-model-jb.svg-57f7b9af3df78c690f6305e8.png"/>
+          <p:cNvPicPr>
+            <a:picLocks noChangeAspect="1" noChangeArrowheads="1"/>
+          </p:cNvPicPr>
+          <p:nvPr/>
+        </p:nvPicPr>
+        <p:blipFill rotWithShape="1">
+          <a:blip r:embed="rId2">
+            <a:extLst>
+              <a:ext uri="{28A0092B-C50C-407E-A947-70E740481C1C}">
+                <a14:useLocalDpi xmlns:a14="http://schemas.microsoft.com/office/drawing/2010/main" val="0"/>
+              </a:ext>
+            </a:extLst>
+          </a:blip>
+          <a:srcRect t="8983"/>
+          <a:stretch/>
+        </p:blipFill>
+        <p:spPr bwMode="auto">
+          <a:xfrm>
+            <a:off x="1752600" y="1164394"/>
+            <a:ext cx="5410201" cy="5693606"/>
+          </a:xfrm>
+          <a:prstGeom prst="rect">
+            <a:avLst/>
+          </a:prstGeom>
+          <a:noFill/>
+          <a:extLst>
+            <a:ext uri="{909E8E84-426E-40DD-AFC4-6F175D3DCCD1}">
+              <a14:hiddenFill xmlns:a14="http://schemas.microsoft.com/office/drawing/2010/main">
+                <a:solidFill>
+                  <a:srgbClr val="FFFFFF"/>
+                </a:solidFill>
+              </a14:hiddenFill>
+            </a:ext>
+          </a:extLst>
+        </p:spPr>
+      </p:pic>
+      <p:sp>
+        <p:nvSpPr>
+          <p:cNvPr id="5" name="Rectangle 4"/>
+          <p:cNvSpPr/>
+          <p:nvPr/>
+        </p:nvSpPr>
+        <p:spPr>
+          <a:xfrm>
+            <a:off x="2362200" y="5200778"/>
+            <a:ext cx="4343400" cy="748683"/>
+          </a:xfrm>
+          <a:prstGeom prst="rect">
+            <a:avLst/>
+          </a:prstGeom>
+          <a:noFill/>
+          <a:ln>
+            <a:solidFill>
+              <a:srgbClr val="FF0000"/>
+            </a:solidFill>
+          </a:ln>
+        </p:spPr>
+        <p:style>
+          <a:lnRef idx="2">
+            <a:schemeClr val="accent1">
+              <a:shade val="50000"/>
+            </a:schemeClr>
+          </a:lnRef>
+          <a:fillRef idx="1">
+            <a:schemeClr val="accent1"/>
+          </a:fillRef>
+          <a:effectRef idx="0">
+            <a:schemeClr val="accent1"/>
+          </a:effectRef>
+          <a:fontRef idx="minor">
+            <a:schemeClr val="lt1"/>
+          </a:fontRef>
+        </p:style>
+        <p:txBody>
+          <a:bodyPr rtlCol="0" anchor="ctr"/>
+          <a:lstStyle/>
+          <a:p>
+            <a:pPr algn="ctr"/>
+            <a:endParaRPr lang="en-US"/>
+          </a:p>
+        </p:txBody>
+      </p:sp>
+      <p:sp>
+        <p:nvSpPr>
+          <p:cNvPr id="3" name="Slide Number Placeholder 2"/>
+          <p:cNvSpPr>
+            <a:spLocks noGrp="1"/>
+          </p:cNvSpPr>
+          <p:nvPr>
+            <p:ph type="sldNum" sz="quarter" idx="12"/>
+          </p:nvPr>
+        </p:nvSpPr>
+        <p:spPr/>
+        <p:txBody>
+          <a:bodyPr/>
+          <a:lstStyle/>
+          <a:p>
+            <a:fld id="{6BE98711-CE87-4D2C-A4EE-CF4DC81676AA}" type="slidenum">
+              <a:rPr lang="en-US" smtClean="0"/>
+              <a:t>16</a:t>
+            </a:fld>
+            <a:endParaRPr lang="en-US"/>
+          </a:p>
+        </p:txBody>
+      </p:sp>
+    </p:spTree>
+    <p:extLst>
+      <p:ext uri="{BB962C8B-B14F-4D97-AF65-F5344CB8AC3E}">
+        <p14:creationId xmlns:p14="http://schemas.microsoft.com/office/powerpoint/2010/main" val="2421048070"/>
+      </p:ext>
+    </p:extLst>
+  </p:cSld>
+  <p:clrMapOvr>
+    <a:masterClrMapping/>
+  </p:clrMapOvr>
+</p:sld>
+</file>
+
+<file path=ppt/slides/slide17.xml><?xml version="1.0" encoding="utf-8"?>
+<p:sld xmlns:a="http://schemas.openxmlformats.org/drawingml/2006/main" xmlns:r="http://schemas.openxmlformats.org/officeDocument/2006/relationships" xmlns:p="http://schemas.openxmlformats.org/presentationml/2006/main">
+  <p:cSld>
+    <p:spTree>
+      <p:nvGrpSpPr>
+        <p:cNvPr id="1" name=""/>
+        <p:cNvGrpSpPr/>
+        <p:nvPr/>
+      </p:nvGrpSpPr>
+      <p:grpSpPr>
+        <a:xfrm>
+          <a:off x="0" y="0"/>
+          <a:ext cx="0" cy="0"/>
+          <a:chOff x="0" y="0"/>
+          <a:chExt cx="0" cy="0"/>
+        </a:xfrm>
+      </p:grpSpPr>
+      <p:sp>
+        <p:nvSpPr>
+          <p:cNvPr id="2" name="Title 1"/>
+          <p:cNvSpPr>
+            <a:spLocks noGrp="1"/>
+          </p:cNvSpPr>
+          <p:nvPr>
+            <p:ph type="title"/>
+          </p:nvPr>
+        </p:nvSpPr>
+        <p:spPr/>
+        <p:txBody>
+          <a:bodyPr/>
+          <a:lstStyle/>
+          <a:p>
+            <a:r>
+              <a:rPr lang="en-US" dirty="0" smtClean="0"/>
+              <a:t>Ethernet</a:t>
+            </a:r>
+            <a:endParaRPr lang="en-US" dirty="0"/>
+          </a:p>
+        </p:txBody>
+      </p:sp>
+      <p:sp>
+        <p:nvSpPr>
+          <p:cNvPr id="3" name="Content Placeholder 2"/>
+          <p:cNvSpPr>
+            <a:spLocks noGrp="1"/>
+          </p:cNvSpPr>
+          <p:nvPr>
+            <p:ph idx="1"/>
+          </p:nvPr>
+        </p:nvSpPr>
+        <p:spPr/>
+        <p:txBody>
+          <a:bodyPr/>
+          <a:lstStyle/>
+          <a:p>
+            <a:r>
+              <a:rPr lang="en-US" dirty="0" smtClean="0"/>
+              <a:t>Ethernet properly refers to a </a:t>
+            </a:r>
+            <a:r>
+              <a:rPr lang="en-US" i="1" dirty="0" smtClean="0"/>
+              <a:t>frame</a:t>
+            </a:r>
+            <a:r>
+              <a:rPr lang="en-US" dirty="0" smtClean="0"/>
+              <a:t> structure which encapsulates data</a:t>
+            </a:r>
+          </a:p>
+          <a:p>
+            <a:endParaRPr lang="en-US" dirty="0"/>
+          </a:p>
+          <a:p>
+            <a:endParaRPr lang="en-US" dirty="0" smtClean="0"/>
+          </a:p>
+          <a:p>
+            <a:r>
+              <a:rPr lang="en-US" dirty="0" smtClean="0"/>
+              <a:t>Ethernet frames are sent from one </a:t>
+            </a:r>
+            <a:r>
+              <a:rPr lang="en-US" i="1" dirty="0" smtClean="0"/>
+              <a:t>MAC address</a:t>
+            </a:r>
+            <a:r>
+              <a:rPr lang="en-US" dirty="0" smtClean="0"/>
+              <a:t> to another</a:t>
+            </a:r>
+            <a:endParaRPr lang="en-US" dirty="0"/>
+          </a:p>
+        </p:txBody>
+      </p:sp>
+      <p:sp>
+        <p:nvSpPr>
+          <p:cNvPr id="4" name="Slide Number Placeholder 3"/>
+          <p:cNvSpPr>
+            <a:spLocks noGrp="1"/>
+          </p:cNvSpPr>
+          <p:nvPr>
+            <p:ph type="sldNum" sz="quarter" idx="12"/>
+          </p:nvPr>
+        </p:nvSpPr>
+        <p:spPr/>
+        <p:txBody>
+          <a:bodyPr/>
+          <a:lstStyle/>
+          <a:p>
+            <a:fld id="{6BE98711-CE87-4D2C-A4EE-CF4DC81676AA}" type="slidenum">
+              <a:rPr lang="en-US" smtClean="0"/>
+              <a:t>17</a:t>
+            </a:fld>
+            <a:endParaRPr lang="en-US"/>
+          </a:p>
+        </p:txBody>
+      </p:sp>
+      <p:pic>
+        <p:nvPicPr>
+          <p:cNvPr id="1026" name="Picture 2" descr="https://upload.wikimedia.org/wikipedia/commons/thumb/4/42/Ethernet_frame.svg/925px-Ethernet_frame.svg.png"/>
+          <p:cNvPicPr>
+            <a:picLocks noChangeAspect="1" noChangeArrowheads="1"/>
+          </p:cNvPicPr>
+          <p:nvPr/>
+        </p:nvPicPr>
+        <p:blipFill>
+          <a:blip r:embed="rId2">
+            <a:extLst>
+              <a:ext uri="{28A0092B-C50C-407E-A947-70E740481C1C}">
+                <a14:useLocalDpi xmlns:a14="http://schemas.microsoft.com/office/drawing/2010/main" val="0"/>
+              </a:ext>
+            </a:extLst>
+          </a:blip>
+          <a:srcRect/>
+          <a:stretch>
+            <a:fillRect/>
+          </a:stretch>
+        </p:blipFill>
+        <p:spPr bwMode="auto">
+          <a:xfrm>
+            <a:off x="812800" y="2743200"/>
+            <a:ext cx="7518400" cy="926592"/>
+          </a:xfrm>
+          <a:prstGeom prst="rect">
+            <a:avLst/>
+          </a:prstGeom>
+          <a:noFill/>
+          <a:extLst>
+            <a:ext uri="{909E8E84-426E-40DD-AFC4-6F175D3DCCD1}">
+              <a14:hiddenFill xmlns:a14="http://schemas.microsoft.com/office/drawing/2010/main">
+                <a:solidFill>
+                  <a:srgbClr val="FFFFFF"/>
+                </a:solidFill>
+              </a14:hiddenFill>
+            </a:ext>
+          </a:extLst>
+        </p:spPr>
+      </p:pic>
+    </p:spTree>
+    <p:extLst>
+      <p:ext uri="{BB962C8B-B14F-4D97-AF65-F5344CB8AC3E}">
+        <p14:creationId xmlns:p14="http://schemas.microsoft.com/office/powerpoint/2010/main" val="1620021285"/>
+      </p:ext>
+    </p:extLst>
+  </p:cSld>
+  <p:clrMapOvr>
+    <a:masterClrMapping/>
+  </p:clrMapOvr>
+</p:sld>
+</file>
+
+<file path=ppt/slides/slide18.xml><?xml version="1.0" encoding="utf-8"?>
+<p:sld xmlns:a="http://schemas.openxmlformats.org/drawingml/2006/main" xmlns:r="http://schemas.openxmlformats.org/officeDocument/2006/relationships" xmlns:p="http://schemas.openxmlformats.org/presentationml/2006/main">
+  <p:cSld>
+    <p:spTree>
+      <p:nvGrpSpPr>
+        <p:cNvPr id="1" name=""/>
+        <p:cNvGrpSpPr/>
+        <p:nvPr/>
+      </p:nvGrpSpPr>
+      <p:grpSpPr>
+        <a:xfrm>
+          <a:off x="0" y="0"/>
+          <a:ext cx="0" cy="0"/>
+          <a:chOff x="0" y="0"/>
+          <a:chExt cx="0" cy="0"/>
+        </a:xfrm>
+      </p:grpSpPr>
+      <p:sp>
+        <p:nvSpPr>
+          <p:cNvPr id="2" name="Title 1"/>
+          <p:cNvSpPr>
+            <a:spLocks noGrp="1"/>
+          </p:cNvSpPr>
+          <p:nvPr>
+            <p:ph type="title"/>
+          </p:nvPr>
+        </p:nvSpPr>
+        <p:spPr/>
+        <p:txBody>
+          <a:bodyPr/>
+          <a:lstStyle/>
+          <a:p>
+            <a:r>
+              <a:rPr lang="en-US" dirty="0" smtClean="0"/>
+              <a:t>MAC Addresses</a:t>
+            </a:r>
+            <a:endParaRPr lang="en-US" dirty="0"/>
+          </a:p>
+        </p:txBody>
+      </p:sp>
+      <p:sp>
+        <p:nvSpPr>
+          <p:cNvPr id="3" name="Content Placeholder 2"/>
+          <p:cNvSpPr>
+            <a:spLocks noGrp="1"/>
+          </p:cNvSpPr>
+          <p:nvPr>
+            <p:ph idx="1"/>
+          </p:nvPr>
+        </p:nvSpPr>
+        <p:spPr/>
+        <p:txBody>
+          <a:bodyPr/>
+          <a:lstStyle/>
+          <a:p>
+            <a:r>
+              <a:rPr lang="en-US" dirty="0" smtClean="0"/>
+              <a:t>A MAC (Media Access Controller) is the </a:t>
+            </a:r>
+            <a:r>
+              <a:rPr lang="en-US" i="1" dirty="0" smtClean="0"/>
+              <a:t>hardware</a:t>
+            </a:r>
+            <a:r>
+              <a:rPr lang="en-US" dirty="0" smtClean="0"/>
+              <a:t> address of a NIC</a:t>
+            </a:r>
+          </a:p>
+          <a:p>
+            <a:r>
+              <a:rPr lang="en-US" dirty="0" smtClean="0"/>
+              <a:t>Compare IP addresses, which change depending on the network they’re connected to</a:t>
+            </a:r>
+          </a:p>
+          <a:p>
+            <a:r>
+              <a:rPr lang="en-US" dirty="0" smtClean="0"/>
+              <a:t>64-bit number</a:t>
+            </a:r>
+          </a:p>
+          <a:p>
+            <a:r>
+              <a:rPr lang="en-US" dirty="0" smtClean="0"/>
+              <a:t>Every NIC in the world </a:t>
+            </a:r>
+            <a:r>
+              <a:rPr lang="en-US" i="1" dirty="0" smtClean="0"/>
+              <a:t>should </a:t>
+            </a:r>
+            <a:r>
+              <a:rPr lang="en-US" dirty="0" smtClean="0"/>
+              <a:t>have a unique MAC address</a:t>
+            </a:r>
+            <a:endParaRPr lang="en-US" dirty="0"/>
+          </a:p>
+        </p:txBody>
+      </p:sp>
+      <p:sp>
+        <p:nvSpPr>
+          <p:cNvPr id="4" name="Slide Number Placeholder 3"/>
+          <p:cNvSpPr>
+            <a:spLocks noGrp="1"/>
+          </p:cNvSpPr>
+          <p:nvPr>
+            <p:ph type="sldNum" sz="quarter" idx="12"/>
+          </p:nvPr>
+        </p:nvSpPr>
+        <p:spPr/>
+        <p:txBody>
+          <a:bodyPr/>
+          <a:lstStyle/>
+          <a:p>
+            <a:fld id="{6BE98711-CE87-4D2C-A4EE-CF4DC81676AA}" type="slidenum">
+              <a:rPr lang="en-US" smtClean="0"/>
+              <a:t>18</a:t>
+            </a:fld>
+            <a:endParaRPr lang="en-US"/>
+          </a:p>
+        </p:txBody>
+      </p:sp>
+    </p:spTree>
+    <p:extLst>
+      <p:ext uri="{BB962C8B-B14F-4D97-AF65-F5344CB8AC3E}">
+        <p14:creationId xmlns:p14="http://schemas.microsoft.com/office/powerpoint/2010/main" val="4256090747"/>
+      </p:ext>
+    </p:extLst>
+  </p:cSld>
+  <p:clrMapOvr>
+    <a:masterClrMapping/>
+  </p:clrMapOvr>
+</p:sld>
+</file>
+
+<file path=ppt/slides/slide19.xml><?xml version="1.0" encoding="utf-8"?>
+<p:sld xmlns:a="http://schemas.openxmlformats.org/drawingml/2006/main" xmlns:r="http://schemas.openxmlformats.org/officeDocument/2006/relationships" xmlns:p="http://schemas.openxmlformats.org/presentationml/2006/main">
+  <p:cSld>
+    <p:spTree>
+      <p:nvGrpSpPr>
+        <p:cNvPr id="1" name=""/>
+        <p:cNvGrpSpPr/>
+        <p:nvPr/>
+      </p:nvGrpSpPr>
+      <p:grpSpPr>
+        <a:xfrm>
+          <a:off x="0" y="0"/>
+          <a:ext cx="0" cy="0"/>
+          <a:chOff x="0" y="0"/>
+          <a:chExt cx="0" cy="0"/>
+        </a:xfrm>
+      </p:grpSpPr>
+      <p:sp>
+        <p:nvSpPr>
+          <p:cNvPr id="2" name="Title 1"/>
+          <p:cNvSpPr>
+            <a:spLocks noGrp="1"/>
+          </p:cNvSpPr>
+          <p:nvPr>
+            <p:ph type="title"/>
+          </p:nvPr>
+        </p:nvSpPr>
+        <p:spPr/>
+        <p:txBody>
+          <a:bodyPr/>
+          <a:lstStyle/>
+          <a:p>
+            <a:r>
+              <a:rPr lang="en-US" dirty="0" smtClean="0"/>
+              <a:t>Ethernet Hubs</a:t>
+            </a:r>
+            <a:endParaRPr lang="en-US" dirty="0"/>
+          </a:p>
+        </p:txBody>
+      </p:sp>
+      <p:sp>
+        <p:nvSpPr>
+          <p:cNvPr id="3" name="Content Placeholder 2"/>
+          <p:cNvSpPr>
+            <a:spLocks noGrp="1"/>
+          </p:cNvSpPr>
+          <p:nvPr>
+            <p:ph idx="1"/>
+          </p:nvPr>
+        </p:nvSpPr>
+        <p:spPr/>
+        <p:txBody>
+          <a:bodyPr/>
+          <a:lstStyle/>
+          <a:p>
+            <a:r>
+              <a:rPr lang="en-US" dirty="0" smtClean="0"/>
+              <a:t>Hubs are active or passive devices which merely retransmit packets coming into one port to all the other ports</a:t>
+            </a:r>
+          </a:p>
+          <a:p>
+            <a:endParaRPr lang="en-US" dirty="0"/>
+          </a:p>
+          <a:p>
+            <a:endParaRPr lang="en-US" dirty="0" smtClean="0"/>
+          </a:p>
+          <a:p>
+            <a:endParaRPr lang="en-US" dirty="0" smtClean="0"/>
+          </a:p>
+          <a:p>
+            <a:r>
+              <a:rPr lang="en-US" dirty="0" smtClean="0"/>
+              <a:t>This is inefficient; all hosts receive all data</a:t>
+            </a:r>
+          </a:p>
+          <a:p>
+            <a:r>
+              <a:rPr lang="en-US" dirty="0" smtClean="0"/>
+              <a:t>Raises the possibility of </a:t>
+            </a:r>
+            <a:r>
+              <a:rPr lang="en-US" i="1" dirty="0" smtClean="0"/>
+              <a:t>packet collisions</a:t>
+            </a:r>
+            <a:endParaRPr lang="en-US" dirty="0"/>
+          </a:p>
+        </p:txBody>
+      </p:sp>
+      <p:sp>
+        <p:nvSpPr>
+          <p:cNvPr id="4" name="Slide Number Placeholder 3"/>
+          <p:cNvSpPr>
+            <a:spLocks noGrp="1"/>
+          </p:cNvSpPr>
+          <p:nvPr>
+            <p:ph type="sldNum" sz="quarter" idx="12"/>
+          </p:nvPr>
+        </p:nvSpPr>
+        <p:spPr/>
+        <p:txBody>
+          <a:bodyPr/>
+          <a:lstStyle/>
+          <a:p>
+            <a:fld id="{6BE98711-CE87-4D2C-A4EE-CF4DC81676AA}" type="slidenum">
+              <a:rPr lang="en-US" smtClean="0"/>
+              <a:t>19</a:t>
+            </a:fld>
+            <a:endParaRPr lang="en-US"/>
+          </a:p>
+        </p:txBody>
+      </p:sp>
+      <p:pic>
+        <p:nvPicPr>
+          <p:cNvPr id="5" name="Picture 4"/>
+          <p:cNvPicPr>
+            <a:picLocks noChangeAspect="1"/>
+          </p:cNvPicPr>
+          <p:nvPr/>
+        </p:nvPicPr>
+        <p:blipFill>
+          <a:blip r:embed="rId2">
+            <a:extLst>
+              <a:ext uri="{28A0092B-C50C-407E-A947-70E740481C1C}">
+                <a14:useLocalDpi xmlns:a14="http://schemas.microsoft.com/office/drawing/2010/main" val="0"/>
+              </a:ext>
+            </a:extLst>
+          </a:blip>
+          <a:stretch>
+            <a:fillRect/>
+          </a:stretch>
+        </p:blipFill>
+        <p:spPr>
+          <a:xfrm>
+            <a:off x="5181600" y="2982564"/>
+            <a:ext cx="3505200" cy="1761233"/>
+          </a:xfrm>
+          <a:prstGeom prst="rect">
+            <a:avLst/>
+          </a:prstGeom>
+        </p:spPr>
+      </p:pic>
+    </p:spTree>
+    <p:extLst>
+      <p:ext uri="{BB962C8B-B14F-4D97-AF65-F5344CB8AC3E}">
+        <p14:creationId xmlns:p14="http://schemas.microsoft.com/office/powerpoint/2010/main" val="2169588827"/>
       </p:ext>
     </p:extLst>
   </p:cSld>
@@ -3535,6 +5197,29 @@
           </a:extLst>
         </p:spPr>
       </p:pic>
+      <p:sp>
+        <p:nvSpPr>
+          <p:cNvPr id="4" name="Slide Number Placeholder 3"/>
+          <p:cNvSpPr>
+            <a:spLocks noGrp="1"/>
+          </p:cNvSpPr>
+          <p:nvPr>
+            <p:ph type="sldNum" sz="quarter" idx="12"/>
+          </p:nvPr>
+        </p:nvSpPr>
+        <p:spPr/>
+        <p:txBody>
+          <a:bodyPr/>
+          <a:lstStyle/>
+          <a:p>
+            <a:fld id="{6BE98711-CE87-4D2C-A4EE-CF4DC81676AA}" type="slidenum">
+              <a:rPr lang="en-US" smtClean="0"/>
+              <a:t>2</a:t>
+            </a:fld>
+            <a:endParaRPr lang="en-US"/>
+          </a:p>
+        </p:txBody>
+      </p:sp>
     </p:spTree>
     <p:extLst>
       <p:ext uri="{BB962C8B-B14F-4D97-AF65-F5344CB8AC3E}">
@@ -3548,7 +5233,7 @@
 </p:sld>
 </file>
 
-<file path=ppt/slides/slide3.xml><?xml version="1.0" encoding="utf-8"?>
+<file path=ppt/slides/slide20.xml><?xml version="1.0" encoding="utf-8"?>
 <p:sld xmlns:a="http://schemas.openxmlformats.org/drawingml/2006/main" xmlns:r="http://schemas.openxmlformats.org/officeDocument/2006/relationships" xmlns:p="http://schemas.openxmlformats.org/presentationml/2006/main">
   <p:cSld>
     <p:spTree>
@@ -3582,7 +5267,146 @@
           <a:p>
             <a:r>
               <a:rPr lang="en-US" dirty="0" smtClean="0"/>
-              <a:t>Physical Layer</a:t>
+              <a:t>Ethernet Switches</a:t>
+            </a:r>
+            <a:endParaRPr lang="en-US" dirty="0"/>
+          </a:p>
+        </p:txBody>
+      </p:sp>
+      <p:sp>
+        <p:nvSpPr>
+          <p:cNvPr id="3" name="Content Placeholder 2"/>
+          <p:cNvSpPr>
+            <a:spLocks noGrp="1"/>
+          </p:cNvSpPr>
+          <p:nvPr>
+            <p:ph idx="1"/>
+          </p:nvPr>
+        </p:nvSpPr>
+        <p:spPr>
+          <a:xfrm>
+            <a:off x="457200" y="1600200"/>
+            <a:ext cx="8229600" cy="4876800"/>
+          </a:xfrm>
+        </p:spPr>
+        <p:txBody>
+          <a:bodyPr>
+            <a:normAutofit fontScale="92500" lnSpcReduction="10000"/>
+          </a:bodyPr>
+          <a:lstStyle/>
+          <a:p>
+            <a:r>
+              <a:rPr lang="en-US" dirty="0" smtClean="0"/>
+              <a:t>Switches are “smart” devices</a:t>
+            </a:r>
+          </a:p>
+          <a:p>
+            <a:r>
+              <a:rPr lang="en-US" dirty="0" smtClean="0"/>
+              <a:t>They can inspect the Ethernet frame header of incoming packets to see the source and destination MAC addresses</a:t>
+            </a:r>
+          </a:p>
+          <a:p>
+            <a:r>
+              <a:rPr lang="en-US" dirty="0" smtClean="0"/>
+              <a:t>They build an internal table of which MAC addresses are on which ports</a:t>
+            </a:r>
+          </a:p>
+          <a:p>
+            <a:pPr lvl="1"/>
+            <a:r>
+              <a:rPr lang="en-US" dirty="0"/>
+              <a:t>E.g., “I can reach </a:t>
+            </a:r>
+            <a:r>
+              <a:rPr lang="en-US" dirty="0" smtClean="0"/>
+              <a:t>84:7B:EB:51:88:F9 on port 3.”</a:t>
+            </a:r>
+          </a:p>
+          <a:p>
+            <a:r>
+              <a:rPr lang="en-US" dirty="0" smtClean="0"/>
+              <a:t>Thus, incoming packets are only retransmitted on the port their destination is connected to, not the whole network</a:t>
+            </a:r>
+            <a:endParaRPr lang="en-US" dirty="0"/>
+          </a:p>
+        </p:txBody>
+      </p:sp>
+      <p:sp>
+        <p:nvSpPr>
+          <p:cNvPr id="4" name="Slide Number Placeholder 3"/>
+          <p:cNvSpPr>
+            <a:spLocks noGrp="1"/>
+          </p:cNvSpPr>
+          <p:nvPr>
+            <p:ph type="sldNum" sz="quarter" idx="12"/>
+          </p:nvPr>
+        </p:nvSpPr>
+        <p:spPr/>
+        <p:txBody>
+          <a:bodyPr/>
+          <a:lstStyle/>
+          <a:p>
+            <a:fld id="{6BE98711-CE87-4D2C-A4EE-CF4DC81676AA}" type="slidenum">
+              <a:rPr lang="en-US" smtClean="0"/>
+              <a:t>20</a:t>
+            </a:fld>
+            <a:endParaRPr lang="en-US"/>
+          </a:p>
+        </p:txBody>
+      </p:sp>
+    </p:spTree>
+    <p:extLst>
+      <p:ext uri="{BB962C8B-B14F-4D97-AF65-F5344CB8AC3E}">
+        <p14:creationId xmlns:p14="http://schemas.microsoft.com/office/powerpoint/2010/main" val="2403300569"/>
+      </p:ext>
+    </p:extLst>
+  </p:cSld>
+  <p:clrMapOvr>
+    <a:masterClrMapping/>
+  </p:clrMapOvr>
+</p:sld>
+</file>
+
+<file path=ppt/slides/slide21.xml><?xml version="1.0" encoding="utf-8"?>
+<p:sld xmlns:a="http://schemas.openxmlformats.org/drawingml/2006/main" xmlns:r="http://schemas.openxmlformats.org/officeDocument/2006/relationships" xmlns:p="http://schemas.openxmlformats.org/presentationml/2006/main">
+  <p:cSld>
+    <p:spTree>
+      <p:nvGrpSpPr>
+        <p:cNvPr id="1" name=""/>
+        <p:cNvGrpSpPr/>
+        <p:nvPr/>
+      </p:nvGrpSpPr>
+      <p:grpSpPr>
+        <a:xfrm>
+          <a:off x="0" y="0"/>
+          <a:ext cx="0" cy="0"/>
+          <a:chOff x="0" y="0"/>
+          <a:chExt cx="0" cy="0"/>
+        </a:xfrm>
+      </p:grpSpPr>
+      <p:sp>
+        <p:nvSpPr>
+          <p:cNvPr id="2" name="Title 1"/>
+          <p:cNvSpPr>
+            <a:spLocks noGrp="1"/>
+          </p:cNvSpPr>
+          <p:nvPr>
+            <p:ph type="title"/>
+          </p:nvPr>
+        </p:nvSpPr>
+        <p:spPr/>
+        <p:txBody>
+          <a:bodyPr/>
+          <a:lstStyle/>
+          <a:p>
+            <a:r>
+              <a:rPr lang="en-US" dirty="0" smtClean="0"/>
+              <a:t>Network </a:t>
+            </a:r>
+            <a:r>
+              <a:rPr lang="en-US" dirty="0" smtClean="0"/>
+              <a:t>Layer</a:t>
             </a:r>
             <a:endParaRPr lang="en-US" dirty="0"/>
           </a:p>
@@ -3635,6 +5459,1291 @@
         </p:nvSpPr>
         <p:spPr>
           <a:xfrm>
+            <a:off x="2400300" y="4495800"/>
+            <a:ext cx="4343400" cy="748683"/>
+          </a:xfrm>
+          <a:prstGeom prst="rect">
+            <a:avLst/>
+          </a:prstGeom>
+          <a:noFill/>
+          <a:ln>
+            <a:solidFill>
+              <a:srgbClr val="FF0000"/>
+            </a:solidFill>
+          </a:ln>
+        </p:spPr>
+        <p:style>
+          <a:lnRef idx="2">
+            <a:schemeClr val="accent1">
+              <a:shade val="50000"/>
+            </a:schemeClr>
+          </a:lnRef>
+          <a:fillRef idx="1">
+            <a:schemeClr val="accent1"/>
+          </a:fillRef>
+          <a:effectRef idx="0">
+            <a:schemeClr val="accent1"/>
+          </a:effectRef>
+          <a:fontRef idx="minor">
+            <a:schemeClr val="lt1"/>
+          </a:fontRef>
+        </p:style>
+        <p:txBody>
+          <a:bodyPr rtlCol="0" anchor="ctr"/>
+          <a:lstStyle/>
+          <a:p>
+            <a:pPr algn="ctr"/>
+            <a:endParaRPr lang="en-US"/>
+          </a:p>
+        </p:txBody>
+      </p:sp>
+      <p:sp>
+        <p:nvSpPr>
+          <p:cNvPr id="3" name="Slide Number Placeholder 2"/>
+          <p:cNvSpPr>
+            <a:spLocks noGrp="1"/>
+          </p:cNvSpPr>
+          <p:nvPr>
+            <p:ph type="sldNum" sz="quarter" idx="12"/>
+          </p:nvPr>
+        </p:nvSpPr>
+        <p:spPr/>
+        <p:txBody>
+          <a:bodyPr/>
+          <a:lstStyle/>
+          <a:p>
+            <a:fld id="{6BE98711-CE87-4D2C-A4EE-CF4DC81676AA}" type="slidenum">
+              <a:rPr lang="en-US" smtClean="0"/>
+              <a:t>21</a:t>
+            </a:fld>
+            <a:endParaRPr lang="en-US"/>
+          </a:p>
+        </p:txBody>
+      </p:sp>
+    </p:spTree>
+    <p:extLst>
+      <p:ext uri="{BB962C8B-B14F-4D97-AF65-F5344CB8AC3E}">
+        <p14:creationId xmlns:p14="http://schemas.microsoft.com/office/powerpoint/2010/main" val="4027847869"/>
+      </p:ext>
+    </p:extLst>
+  </p:cSld>
+  <p:clrMapOvr>
+    <a:masterClrMapping/>
+  </p:clrMapOvr>
+</p:sld>
+</file>
+
+<file path=ppt/slides/slide22.xml><?xml version="1.0" encoding="utf-8"?>
+<p:sld xmlns:a="http://schemas.openxmlformats.org/drawingml/2006/main" xmlns:r="http://schemas.openxmlformats.org/officeDocument/2006/relationships" xmlns:p="http://schemas.openxmlformats.org/presentationml/2006/main">
+  <p:cSld>
+    <p:spTree>
+      <p:nvGrpSpPr>
+        <p:cNvPr id="1" name=""/>
+        <p:cNvGrpSpPr/>
+        <p:nvPr/>
+      </p:nvGrpSpPr>
+      <p:grpSpPr>
+        <a:xfrm>
+          <a:off x="0" y="0"/>
+          <a:ext cx="0" cy="0"/>
+          <a:chOff x="0" y="0"/>
+          <a:chExt cx="0" cy="0"/>
+        </a:xfrm>
+      </p:grpSpPr>
+      <p:sp>
+        <p:nvSpPr>
+          <p:cNvPr id="2" name="Title 1"/>
+          <p:cNvSpPr>
+            <a:spLocks noGrp="1"/>
+          </p:cNvSpPr>
+          <p:nvPr>
+            <p:ph type="title"/>
+          </p:nvPr>
+        </p:nvSpPr>
+        <p:spPr/>
+        <p:txBody>
+          <a:bodyPr/>
+          <a:lstStyle/>
+          <a:p>
+            <a:r>
+              <a:rPr lang="en-US" dirty="0" smtClean="0"/>
+              <a:t>Network Layer</a:t>
+            </a:r>
+            <a:endParaRPr lang="en-US" dirty="0"/>
+          </a:p>
+        </p:txBody>
+      </p:sp>
+      <p:sp>
+        <p:nvSpPr>
+          <p:cNvPr id="3" name="Content Placeholder 2"/>
+          <p:cNvSpPr>
+            <a:spLocks noGrp="1"/>
+          </p:cNvSpPr>
+          <p:nvPr>
+            <p:ph idx="1"/>
+          </p:nvPr>
+        </p:nvSpPr>
+        <p:spPr/>
+        <p:txBody>
+          <a:bodyPr/>
+          <a:lstStyle/>
+          <a:p>
+            <a:r>
+              <a:rPr lang="en-US" dirty="0" smtClean="0"/>
+              <a:t>Delivers </a:t>
+            </a:r>
+            <a:r>
+              <a:rPr lang="en-US" i="1" dirty="0" smtClean="0"/>
+              <a:t>packets</a:t>
+            </a:r>
+            <a:r>
+              <a:rPr lang="en-US" dirty="0" smtClean="0"/>
+              <a:t> from one </a:t>
+            </a:r>
+            <a:r>
+              <a:rPr lang="en-US" i="1" dirty="0" smtClean="0"/>
+              <a:t>logical address</a:t>
+            </a:r>
+            <a:r>
+              <a:rPr lang="en-US" dirty="0" smtClean="0"/>
+              <a:t> to another</a:t>
+            </a:r>
+          </a:p>
+          <a:p>
+            <a:r>
+              <a:rPr lang="en-US" dirty="0" smtClean="0"/>
+              <a:t>Commonly used protocols are IPv4 and IPv6</a:t>
+            </a:r>
+          </a:p>
+          <a:p>
+            <a:r>
+              <a:rPr lang="en-US" dirty="0" smtClean="0"/>
+              <a:t>IPv6 in the process of being adopted</a:t>
+            </a:r>
+            <a:endParaRPr lang="en-US" dirty="0"/>
+          </a:p>
+        </p:txBody>
+      </p:sp>
+      <p:sp>
+        <p:nvSpPr>
+          <p:cNvPr id="4" name="Slide Number Placeholder 3"/>
+          <p:cNvSpPr>
+            <a:spLocks noGrp="1"/>
+          </p:cNvSpPr>
+          <p:nvPr>
+            <p:ph type="sldNum" sz="quarter" idx="12"/>
+          </p:nvPr>
+        </p:nvSpPr>
+        <p:spPr/>
+        <p:txBody>
+          <a:bodyPr/>
+          <a:lstStyle/>
+          <a:p>
+            <a:fld id="{6BE98711-CE87-4D2C-A4EE-CF4DC81676AA}" type="slidenum">
+              <a:rPr lang="en-US" smtClean="0"/>
+              <a:t>22</a:t>
+            </a:fld>
+            <a:endParaRPr lang="en-US"/>
+          </a:p>
+        </p:txBody>
+      </p:sp>
+    </p:spTree>
+    <p:extLst>
+      <p:ext uri="{BB962C8B-B14F-4D97-AF65-F5344CB8AC3E}">
+        <p14:creationId xmlns:p14="http://schemas.microsoft.com/office/powerpoint/2010/main" val="3707167725"/>
+      </p:ext>
+    </p:extLst>
+  </p:cSld>
+  <p:clrMapOvr>
+    <a:masterClrMapping/>
+  </p:clrMapOvr>
+</p:sld>
+</file>
+
+<file path=ppt/slides/slide23.xml><?xml version="1.0" encoding="utf-8"?>
+<p:sld xmlns:a="http://schemas.openxmlformats.org/drawingml/2006/main" xmlns:r="http://schemas.openxmlformats.org/officeDocument/2006/relationships" xmlns:p="http://schemas.openxmlformats.org/presentationml/2006/main">
+  <p:cSld>
+    <p:spTree>
+      <p:nvGrpSpPr>
+        <p:cNvPr id="1" name=""/>
+        <p:cNvGrpSpPr/>
+        <p:nvPr/>
+      </p:nvGrpSpPr>
+      <p:grpSpPr>
+        <a:xfrm>
+          <a:off x="0" y="0"/>
+          <a:ext cx="0" cy="0"/>
+          <a:chOff x="0" y="0"/>
+          <a:chExt cx="0" cy="0"/>
+        </a:xfrm>
+      </p:grpSpPr>
+      <p:sp>
+        <p:nvSpPr>
+          <p:cNvPr id="2" name="Title 1"/>
+          <p:cNvSpPr>
+            <a:spLocks noGrp="1"/>
+          </p:cNvSpPr>
+          <p:nvPr>
+            <p:ph type="title"/>
+          </p:nvPr>
+        </p:nvSpPr>
+        <p:spPr/>
+        <p:txBody>
+          <a:bodyPr/>
+          <a:lstStyle/>
+          <a:p>
+            <a:r>
+              <a:rPr lang="en-US" dirty="0" smtClean="0"/>
+              <a:t>Network Layer</a:t>
+            </a:r>
+            <a:endParaRPr lang="en-US" dirty="0"/>
+          </a:p>
+        </p:txBody>
+      </p:sp>
+      <p:sp>
+        <p:nvSpPr>
+          <p:cNvPr id="3" name="Content Placeholder 2"/>
+          <p:cNvSpPr>
+            <a:spLocks noGrp="1"/>
+          </p:cNvSpPr>
+          <p:nvPr>
+            <p:ph idx="1"/>
+          </p:nvPr>
+        </p:nvSpPr>
+        <p:spPr/>
+        <p:txBody>
+          <a:bodyPr/>
+          <a:lstStyle/>
+          <a:p>
+            <a:r>
+              <a:rPr lang="en-US" dirty="0" smtClean="0"/>
+              <a:t>Hosts with logical addresses are connected together in networks</a:t>
+            </a:r>
+            <a:endParaRPr lang="en-US" dirty="0"/>
+          </a:p>
+        </p:txBody>
+      </p:sp>
+      <p:sp>
+        <p:nvSpPr>
+          <p:cNvPr id="4" name="Slide Number Placeholder 3"/>
+          <p:cNvSpPr>
+            <a:spLocks noGrp="1"/>
+          </p:cNvSpPr>
+          <p:nvPr>
+            <p:ph type="sldNum" sz="quarter" idx="12"/>
+          </p:nvPr>
+        </p:nvSpPr>
+        <p:spPr/>
+        <p:txBody>
+          <a:bodyPr/>
+          <a:lstStyle/>
+          <a:p>
+            <a:fld id="{6BE98711-CE87-4D2C-A4EE-CF4DC81676AA}" type="slidenum">
+              <a:rPr lang="en-US" smtClean="0"/>
+              <a:t>23</a:t>
+            </a:fld>
+            <a:endParaRPr lang="en-US"/>
+          </a:p>
+        </p:txBody>
+      </p:sp>
+      <p:pic>
+        <p:nvPicPr>
+          <p:cNvPr id="6" name="Picture 5"/>
+          <p:cNvPicPr>
+            <a:picLocks noChangeAspect="1"/>
+          </p:cNvPicPr>
+          <p:nvPr/>
+        </p:nvPicPr>
+        <p:blipFill>
+          <a:blip r:embed="rId2">
+            <a:extLst>
+              <a:ext uri="{28A0092B-C50C-407E-A947-70E740481C1C}">
+                <a14:useLocalDpi xmlns:a14="http://schemas.microsoft.com/office/drawing/2010/main" val="0"/>
+              </a:ext>
+            </a:extLst>
+          </a:blip>
+          <a:stretch>
+            <a:fillRect/>
+          </a:stretch>
+        </p:blipFill>
+        <p:spPr>
+          <a:xfrm>
+            <a:off x="1023937" y="3200400"/>
+            <a:ext cx="7096125" cy="2686050"/>
+          </a:xfrm>
+          <a:prstGeom prst="rect">
+            <a:avLst/>
+          </a:prstGeom>
+        </p:spPr>
+      </p:pic>
+    </p:spTree>
+    <p:extLst>
+      <p:ext uri="{BB962C8B-B14F-4D97-AF65-F5344CB8AC3E}">
+        <p14:creationId xmlns:p14="http://schemas.microsoft.com/office/powerpoint/2010/main" val="2833964885"/>
+      </p:ext>
+    </p:extLst>
+  </p:cSld>
+  <p:clrMapOvr>
+    <a:masterClrMapping/>
+  </p:clrMapOvr>
+</p:sld>
+</file>
+
+<file path=ppt/slides/slide24.xml><?xml version="1.0" encoding="utf-8"?>
+<p:sld xmlns:a="http://schemas.openxmlformats.org/drawingml/2006/main" xmlns:r="http://schemas.openxmlformats.org/officeDocument/2006/relationships" xmlns:p="http://schemas.openxmlformats.org/presentationml/2006/main">
+  <p:cSld>
+    <p:spTree>
+      <p:nvGrpSpPr>
+        <p:cNvPr id="1" name=""/>
+        <p:cNvGrpSpPr/>
+        <p:nvPr/>
+      </p:nvGrpSpPr>
+      <p:grpSpPr>
+        <a:xfrm>
+          <a:off x="0" y="0"/>
+          <a:ext cx="0" cy="0"/>
+          <a:chOff x="0" y="0"/>
+          <a:chExt cx="0" cy="0"/>
+        </a:xfrm>
+      </p:grpSpPr>
+      <p:sp>
+        <p:nvSpPr>
+          <p:cNvPr id="2" name="Title 1"/>
+          <p:cNvSpPr>
+            <a:spLocks noGrp="1"/>
+          </p:cNvSpPr>
+          <p:nvPr>
+            <p:ph type="title"/>
+          </p:nvPr>
+        </p:nvSpPr>
+        <p:spPr/>
+        <p:txBody>
+          <a:bodyPr/>
+          <a:lstStyle/>
+          <a:p>
+            <a:r>
+              <a:rPr lang="en-US" dirty="0" smtClean="0"/>
+              <a:t>Network Layer</a:t>
+            </a:r>
+            <a:endParaRPr lang="en-US" dirty="0"/>
+          </a:p>
+        </p:txBody>
+      </p:sp>
+      <p:sp>
+        <p:nvSpPr>
+          <p:cNvPr id="3" name="Content Placeholder 2"/>
+          <p:cNvSpPr>
+            <a:spLocks noGrp="1"/>
+          </p:cNvSpPr>
+          <p:nvPr>
+            <p:ph idx="1"/>
+          </p:nvPr>
+        </p:nvSpPr>
+        <p:spPr/>
+        <p:txBody>
+          <a:bodyPr/>
+          <a:lstStyle/>
+          <a:p>
+            <a:r>
+              <a:rPr lang="en-US" dirty="0" smtClean="0"/>
+              <a:t>It is at this layer that multiple networks can be connected together into an </a:t>
+            </a:r>
+            <a:r>
+              <a:rPr lang="en-US" i="1" dirty="0" smtClean="0"/>
+              <a:t>internetwork</a:t>
+            </a:r>
+            <a:endParaRPr lang="en-US" dirty="0" smtClean="0"/>
+          </a:p>
+          <a:p>
+            <a:r>
+              <a:rPr lang="en-US" dirty="0" smtClean="0"/>
+              <a:t>Packets are forwarded between networks by a </a:t>
+            </a:r>
+            <a:r>
+              <a:rPr lang="en-US" i="1" dirty="0" smtClean="0"/>
+              <a:t>router</a:t>
+            </a:r>
+            <a:endParaRPr lang="en-US" dirty="0"/>
+          </a:p>
+        </p:txBody>
+      </p:sp>
+      <p:sp>
+        <p:nvSpPr>
+          <p:cNvPr id="4" name="Slide Number Placeholder 3"/>
+          <p:cNvSpPr>
+            <a:spLocks noGrp="1"/>
+          </p:cNvSpPr>
+          <p:nvPr>
+            <p:ph type="sldNum" sz="quarter" idx="12"/>
+          </p:nvPr>
+        </p:nvSpPr>
+        <p:spPr/>
+        <p:txBody>
+          <a:bodyPr/>
+          <a:lstStyle/>
+          <a:p>
+            <a:fld id="{6BE98711-CE87-4D2C-A4EE-CF4DC81676AA}" type="slidenum">
+              <a:rPr lang="en-US" smtClean="0"/>
+              <a:t>24</a:t>
+            </a:fld>
+            <a:endParaRPr lang="en-US"/>
+          </a:p>
+        </p:txBody>
+      </p:sp>
+      <p:pic>
+        <p:nvPicPr>
+          <p:cNvPr id="5" name="Picture 4"/>
+          <p:cNvPicPr>
+            <a:picLocks noChangeAspect="1"/>
+          </p:cNvPicPr>
+          <p:nvPr/>
+        </p:nvPicPr>
+        <p:blipFill>
+          <a:blip r:embed="rId2">
+            <a:extLst>
+              <a:ext uri="{28A0092B-C50C-407E-A947-70E740481C1C}">
+                <a14:useLocalDpi xmlns:a14="http://schemas.microsoft.com/office/drawing/2010/main" val="0"/>
+              </a:ext>
+            </a:extLst>
+          </a:blip>
+          <a:stretch>
+            <a:fillRect/>
+          </a:stretch>
+        </p:blipFill>
+        <p:spPr>
+          <a:xfrm>
+            <a:off x="1023937" y="3733800"/>
+            <a:ext cx="7096125" cy="2686050"/>
+          </a:xfrm>
+          <a:prstGeom prst="rect">
+            <a:avLst/>
+          </a:prstGeom>
+        </p:spPr>
+      </p:pic>
+    </p:spTree>
+    <p:extLst>
+      <p:ext uri="{BB962C8B-B14F-4D97-AF65-F5344CB8AC3E}">
+        <p14:creationId xmlns:p14="http://schemas.microsoft.com/office/powerpoint/2010/main" val="1906412983"/>
+      </p:ext>
+    </p:extLst>
+  </p:cSld>
+  <p:clrMapOvr>
+    <a:masterClrMapping/>
+  </p:clrMapOvr>
+</p:sld>
+</file>
+
+<file path=ppt/slides/slide25.xml><?xml version="1.0" encoding="utf-8"?>
+<p:sld xmlns:a="http://schemas.openxmlformats.org/drawingml/2006/main" xmlns:r="http://schemas.openxmlformats.org/officeDocument/2006/relationships" xmlns:p="http://schemas.openxmlformats.org/presentationml/2006/main">
+  <p:cSld>
+    <p:spTree>
+      <p:nvGrpSpPr>
+        <p:cNvPr id="1" name=""/>
+        <p:cNvGrpSpPr/>
+        <p:nvPr/>
+      </p:nvGrpSpPr>
+      <p:grpSpPr>
+        <a:xfrm>
+          <a:off x="0" y="0"/>
+          <a:ext cx="0" cy="0"/>
+          <a:chOff x="0" y="0"/>
+          <a:chExt cx="0" cy="0"/>
+        </a:xfrm>
+      </p:grpSpPr>
+      <p:sp>
+        <p:nvSpPr>
+          <p:cNvPr id="2" name="Title 1"/>
+          <p:cNvSpPr>
+            <a:spLocks noGrp="1"/>
+          </p:cNvSpPr>
+          <p:nvPr>
+            <p:ph type="title"/>
+          </p:nvPr>
+        </p:nvSpPr>
+        <p:spPr/>
+        <p:txBody>
+          <a:bodyPr/>
+          <a:lstStyle/>
+          <a:p>
+            <a:r>
+              <a:rPr lang="en-US" dirty="0" smtClean="0"/>
+              <a:t>IPv4 Addresses</a:t>
+            </a:r>
+            <a:endParaRPr lang="en-US" dirty="0"/>
+          </a:p>
+        </p:txBody>
+      </p:sp>
+      <p:sp>
+        <p:nvSpPr>
+          <p:cNvPr id="3" name="Content Placeholder 2"/>
+          <p:cNvSpPr>
+            <a:spLocks noGrp="1"/>
+          </p:cNvSpPr>
+          <p:nvPr>
+            <p:ph idx="1"/>
+          </p:nvPr>
+        </p:nvSpPr>
+        <p:spPr/>
+        <p:txBody>
+          <a:bodyPr/>
+          <a:lstStyle/>
+          <a:p>
+            <a:r>
+              <a:rPr lang="en-US" dirty="0" smtClean="0"/>
+              <a:t>32 bit number</a:t>
+            </a:r>
+          </a:p>
+          <a:p>
+            <a:r>
+              <a:rPr lang="en-US" dirty="0" smtClean="0"/>
+              <a:t>Commonly represented in “dotted-quad” format</a:t>
+            </a:r>
+          </a:p>
+          <a:p>
+            <a:pPr lvl="1"/>
+            <a:r>
+              <a:rPr lang="en-US" dirty="0" smtClean="0"/>
+              <a:t>E.g. “192.168.1.56”</a:t>
+            </a:r>
+          </a:p>
+          <a:p>
+            <a:r>
+              <a:rPr lang="en-US" dirty="0" smtClean="0"/>
+              <a:t>Can just as well be rendered as:</a:t>
+            </a:r>
+          </a:p>
+          <a:p>
+            <a:pPr lvl="1"/>
+            <a:r>
+              <a:rPr lang="en-US" dirty="0" smtClean="0"/>
+              <a:t>3232235832 (decimal)</a:t>
+            </a:r>
+          </a:p>
+          <a:p>
+            <a:pPr lvl="1"/>
+            <a:r>
+              <a:rPr lang="en-US" dirty="0" smtClean="0"/>
+              <a:t>C0A80138 (hex)</a:t>
+            </a:r>
+          </a:p>
+          <a:p>
+            <a:pPr lvl="1"/>
+            <a:r>
+              <a:rPr lang="en-US" dirty="0" smtClean="0"/>
+              <a:t>11000000101010000000000100111000 (binary)</a:t>
+            </a:r>
+            <a:endParaRPr lang="en-US" dirty="0"/>
+          </a:p>
+        </p:txBody>
+      </p:sp>
+      <p:sp>
+        <p:nvSpPr>
+          <p:cNvPr id="4" name="Slide Number Placeholder 3"/>
+          <p:cNvSpPr>
+            <a:spLocks noGrp="1"/>
+          </p:cNvSpPr>
+          <p:nvPr>
+            <p:ph type="sldNum" sz="quarter" idx="12"/>
+          </p:nvPr>
+        </p:nvSpPr>
+        <p:spPr/>
+        <p:txBody>
+          <a:bodyPr/>
+          <a:lstStyle/>
+          <a:p>
+            <a:fld id="{6BE98711-CE87-4D2C-A4EE-CF4DC81676AA}" type="slidenum">
+              <a:rPr lang="en-US" smtClean="0"/>
+              <a:t>25</a:t>
+            </a:fld>
+            <a:endParaRPr lang="en-US"/>
+          </a:p>
+        </p:txBody>
+      </p:sp>
+    </p:spTree>
+    <p:extLst>
+      <p:ext uri="{BB962C8B-B14F-4D97-AF65-F5344CB8AC3E}">
+        <p14:creationId xmlns:p14="http://schemas.microsoft.com/office/powerpoint/2010/main" val="2916387706"/>
+      </p:ext>
+    </p:extLst>
+  </p:cSld>
+  <p:clrMapOvr>
+    <a:masterClrMapping/>
+  </p:clrMapOvr>
+</p:sld>
+</file>
+
+<file path=ppt/slides/slide26.xml><?xml version="1.0" encoding="utf-8"?>
+<p:sld xmlns:a="http://schemas.openxmlformats.org/drawingml/2006/main" xmlns:r="http://schemas.openxmlformats.org/officeDocument/2006/relationships" xmlns:p="http://schemas.openxmlformats.org/presentationml/2006/main">
+  <p:cSld>
+    <p:spTree>
+      <p:nvGrpSpPr>
+        <p:cNvPr id="1" name=""/>
+        <p:cNvGrpSpPr/>
+        <p:nvPr/>
+      </p:nvGrpSpPr>
+      <p:grpSpPr>
+        <a:xfrm>
+          <a:off x="0" y="0"/>
+          <a:ext cx="0" cy="0"/>
+          <a:chOff x="0" y="0"/>
+          <a:chExt cx="0" cy="0"/>
+        </a:xfrm>
+      </p:grpSpPr>
+      <p:sp>
+        <p:nvSpPr>
+          <p:cNvPr id="2" name="Title 1"/>
+          <p:cNvSpPr>
+            <a:spLocks noGrp="1"/>
+          </p:cNvSpPr>
+          <p:nvPr>
+            <p:ph type="title"/>
+          </p:nvPr>
+        </p:nvSpPr>
+        <p:spPr/>
+        <p:txBody>
+          <a:bodyPr/>
+          <a:lstStyle/>
+          <a:p>
+            <a:r>
+              <a:rPr lang="en-US" dirty="0" smtClean="0"/>
+              <a:t>IPv4 Addresses</a:t>
+            </a:r>
+            <a:endParaRPr lang="en-US" dirty="0"/>
+          </a:p>
+        </p:txBody>
+      </p:sp>
+      <p:sp>
+        <p:nvSpPr>
+          <p:cNvPr id="4" name="Slide Number Placeholder 3"/>
+          <p:cNvSpPr>
+            <a:spLocks noGrp="1"/>
+          </p:cNvSpPr>
+          <p:nvPr>
+            <p:ph type="sldNum" sz="quarter" idx="12"/>
+          </p:nvPr>
+        </p:nvSpPr>
+        <p:spPr/>
+        <p:txBody>
+          <a:bodyPr/>
+          <a:lstStyle/>
+          <a:p>
+            <a:fld id="{6BE98711-CE87-4D2C-A4EE-CF4DC81676AA}" type="slidenum">
+              <a:rPr lang="en-US" smtClean="0"/>
+              <a:t>26</a:t>
+            </a:fld>
+            <a:endParaRPr lang="en-US"/>
+          </a:p>
+        </p:txBody>
+      </p:sp>
+      <p:pic>
+        <p:nvPicPr>
+          <p:cNvPr id="1026" name="Picture 2" descr="https://upload.wikimedia.org/wikipedia/commons/thumb/7/74/Ipv4_address.svg/750px-Ipv4_address.svg.png"/>
+          <p:cNvPicPr>
+            <a:picLocks noChangeAspect="1" noChangeArrowheads="1"/>
+          </p:cNvPicPr>
+          <p:nvPr/>
+        </p:nvPicPr>
+        <p:blipFill>
+          <a:blip r:embed="rId2">
+            <a:extLst>
+              <a:ext uri="{28A0092B-C50C-407E-A947-70E740481C1C}">
+                <a14:useLocalDpi xmlns:a14="http://schemas.microsoft.com/office/drawing/2010/main" val="0"/>
+              </a:ext>
+            </a:extLst>
+          </a:blip>
+          <a:srcRect/>
+          <a:stretch>
+            <a:fillRect/>
+          </a:stretch>
+        </p:blipFill>
+        <p:spPr bwMode="auto">
+          <a:xfrm>
+            <a:off x="1000125" y="1600200"/>
+            <a:ext cx="7143750" cy="4286250"/>
+          </a:xfrm>
+          <a:prstGeom prst="rect">
+            <a:avLst/>
+          </a:prstGeom>
+          <a:noFill/>
+          <a:extLst>
+            <a:ext uri="{909E8E84-426E-40DD-AFC4-6F175D3DCCD1}">
+              <a14:hiddenFill xmlns:a14="http://schemas.microsoft.com/office/drawing/2010/main">
+                <a:solidFill>
+                  <a:srgbClr val="FFFFFF"/>
+                </a:solidFill>
+              </a14:hiddenFill>
+            </a:ext>
+          </a:extLst>
+        </p:spPr>
+      </p:pic>
+    </p:spTree>
+    <p:extLst>
+      <p:ext uri="{BB962C8B-B14F-4D97-AF65-F5344CB8AC3E}">
+        <p14:creationId xmlns:p14="http://schemas.microsoft.com/office/powerpoint/2010/main" val="1853517672"/>
+      </p:ext>
+    </p:extLst>
+  </p:cSld>
+  <p:clrMapOvr>
+    <a:masterClrMapping/>
+  </p:clrMapOvr>
+</p:sld>
+</file>
+
+<file path=ppt/slides/slide27.xml><?xml version="1.0" encoding="utf-8"?>
+<p:sld xmlns:a="http://schemas.openxmlformats.org/drawingml/2006/main" xmlns:r="http://schemas.openxmlformats.org/officeDocument/2006/relationships" xmlns:p="http://schemas.openxmlformats.org/presentationml/2006/main">
+  <p:cSld>
+    <p:spTree>
+      <p:nvGrpSpPr>
+        <p:cNvPr id="1" name=""/>
+        <p:cNvGrpSpPr/>
+        <p:nvPr/>
+      </p:nvGrpSpPr>
+      <p:grpSpPr>
+        <a:xfrm>
+          <a:off x="0" y="0"/>
+          <a:ext cx="0" cy="0"/>
+          <a:chOff x="0" y="0"/>
+          <a:chExt cx="0" cy="0"/>
+        </a:xfrm>
+      </p:grpSpPr>
+      <p:sp>
+        <p:nvSpPr>
+          <p:cNvPr id="2" name="Title 1"/>
+          <p:cNvSpPr>
+            <a:spLocks noGrp="1"/>
+          </p:cNvSpPr>
+          <p:nvPr>
+            <p:ph type="title"/>
+          </p:nvPr>
+        </p:nvSpPr>
+        <p:spPr/>
+        <p:txBody>
+          <a:bodyPr/>
+          <a:lstStyle/>
+          <a:p>
+            <a:r>
+              <a:rPr lang="en-US" dirty="0" smtClean="0"/>
+              <a:t>ARP</a:t>
+            </a:r>
+            <a:endParaRPr lang="en-US" dirty="0"/>
+          </a:p>
+        </p:txBody>
+      </p:sp>
+      <p:sp>
+        <p:nvSpPr>
+          <p:cNvPr id="3" name="Content Placeholder 2"/>
+          <p:cNvSpPr>
+            <a:spLocks noGrp="1"/>
+          </p:cNvSpPr>
+          <p:nvPr>
+            <p:ph idx="1"/>
+          </p:nvPr>
+        </p:nvSpPr>
+        <p:spPr/>
+        <p:txBody>
+          <a:bodyPr/>
+          <a:lstStyle/>
+          <a:p>
+            <a:r>
+              <a:rPr lang="en-US" dirty="0" smtClean="0"/>
+              <a:t>How IP addresses </a:t>
+            </a:r>
+            <a:r>
+              <a:rPr lang="en-US" dirty="0" smtClean="0"/>
+              <a:t>are associated</a:t>
+            </a:r>
+            <a:r>
+              <a:rPr lang="en-US" dirty="0" smtClean="0"/>
+              <a:t> </a:t>
+            </a:r>
+            <a:r>
+              <a:rPr lang="en-US" dirty="0" smtClean="0"/>
+              <a:t>to MAC </a:t>
+            </a:r>
+            <a:r>
+              <a:rPr lang="en-US" dirty="0" smtClean="0"/>
+              <a:t>addresses</a:t>
+            </a:r>
+          </a:p>
+          <a:p>
+            <a:r>
+              <a:rPr lang="en-US" dirty="0" smtClean="0"/>
+              <a:t>Allows devices to build up a “phone book” of what MAC addresses are at what IPs</a:t>
+            </a:r>
+            <a:endParaRPr lang="en-US" dirty="0"/>
+          </a:p>
+        </p:txBody>
+      </p:sp>
+      <p:sp>
+        <p:nvSpPr>
+          <p:cNvPr id="4" name="Slide Number Placeholder 3"/>
+          <p:cNvSpPr>
+            <a:spLocks noGrp="1"/>
+          </p:cNvSpPr>
+          <p:nvPr>
+            <p:ph type="sldNum" sz="quarter" idx="12"/>
+          </p:nvPr>
+        </p:nvSpPr>
+        <p:spPr/>
+        <p:txBody>
+          <a:bodyPr/>
+          <a:lstStyle/>
+          <a:p>
+            <a:fld id="{6BE98711-CE87-4D2C-A4EE-CF4DC81676AA}" type="slidenum">
+              <a:rPr lang="en-US" smtClean="0"/>
+              <a:t>27</a:t>
+            </a:fld>
+            <a:endParaRPr lang="en-US"/>
+          </a:p>
+        </p:txBody>
+      </p:sp>
+      <p:pic>
+        <p:nvPicPr>
+          <p:cNvPr id="5" name="Picture 4"/>
+          <p:cNvPicPr>
+            <a:picLocks noChangeAspect="1"/>
+          </p:cNvPicPr>
+          <p:nvPr/>
+        </p:nvPicPr>
+        <p:blipFill>
+          <a:blip r:embed="rId2"/>
+          <a:stretch>
+            <a:fillRect/>
+          </a:stretch>
+        </p:blipFill>
+        <p:spPr>
+          <a:xfrm>
+            <a:off x="76200" y="6391519"/>
+            <a:ext cx="8985733" cy="349987"/>
+          </a:xfrm>
+          <a:prstGeom prst="rect">
+            <a:avLst/>
+          </a:prstGeom>
+        </p:spPr>
+      </p:pic>
+    </p:spTree>
+    <p:extLst>
+      <p:ext uri="{BB962C8B-B14F-4D97-AF65-F5344CB8AC3E}">
+        <p14:creationId xmlns:p14="http://schemas.microsoft.com/office/powerpoint/2010/main" val="1108141622"/>
+      </p:ext>
+    </p:extLst>
+  </p:cSld>
+  <p:clrMapOvr>
+    <a:masterClrMapping/>
+  </p:clrMapOvr>
+</p:sld>
+</file>
+
+<file path=ppt/slides/slide28.xml><?xml version="1.0" encoding="utf-8"?>
+<p:sld xmlns:a="http://schemas.openxmlformats.org/drawingml/2006/main" xmlns:r="http://schemas.openxmlformats.org/officeDocument/2006/relationships" xmlns:p="http://schemas.openxmlformats.org/presentationml/2006/main">
+  <p:cSld>
+    <p:spTree>
+      <p:nvGrpSpPr>
+        <p:cNvPr id="1" name=""/>
+        <p:cNvGrpSpPr/>
+        <p:nvPr/>
+      </p:nvGrpSpPr>
+      <p:grpSpPr>
+        <a:xfrm>
+          <a:off x="0" y="0"/>
+          <a:ext cx="0" cy="0"/>
+          <a:chOff x="0" y="0"/>
+          <a:chExt cx="0" cy="0"/>
+        </a:xfrm>
+      </p:grpSpPr>
+      <p:sp>
+        <p:nvSpPr>
+          <p:cNvPr id="2" name="Title 1"/>
+          <p:cNvSpPr>
+            <a:spLocks noGrp="1"/>
+          </p:cNvSpPr>
+          <p:nvPr>
+            <p:ph type="title"/>
+          </p:nvPr>
+        </p:nvSpPr>
+        <p:spPr/>
+        <p:txBody>
+          <a:bodyPr/>
+          <a:lstStyle/>
+          <a:p>
+            <a:r>
+              <a:rPr lang="en-US" dirty="0" err="1" smtClean="0"/>
+              <a:t>Subnetting</a:t>
+            </a:r>
+            <a:endParaRPr lang="en-US" dirty="0"/>
+          </a:p>
+        </p:txBody>
+      </p:sp>
+      <p:sp>
+        <p:nvSpPr>
+          <p:cNvPr id="3" name="Content Placeholder 2"/>
+          <p:cNvSpPr>
+            <a:spLocks noGrp="1"/>
+          </p:cNvSpPr>
+          <p:nvPr>
+            <p:ph idx="1"/>
+          </p:nvPr>
+        </p:nvSpPr>
+        <p:spPr/>
+        <p:txBody>
+          <a:bodyPr>
+            <a:normAutofit fontScale="92500"/>
+          </a:bodyPr>
+          <a:lstStyle/>
+          <a:p>
+            <a:r>
+              <a:rPr lang="en-US" dirty="0" smtClean="0"/>
+              <a:t>Describes what </a:t>
+            </a:r>
+            <a:r>
+              <a:rPr lang="en-US" dirty="0" smtClean="0"/>
+              <a:t>addresses are on same network </a:t>
+            </a:r>
+            <a:r>
+              <a:rPr lang="en-US" dirty="0" smtClean="0"/>
+              <a:t>(i.e., </a:t>
+            </a:r>
+            <a:r>
+              <a:rPr lang="en-US" dirty="0" smtClean="0"/>
+              <a:t>whether packets </a:t>
+            </a:r>
+            <a:r>
+              <a:rPr lang="en-US" dirty="0" smtClean="0"/>
+              <a:t>must go through a </a:t>
+            </a:r>
+            <a:r>
+              <a:rPr lang="en-US" dirty="0" smtClean="0"/>
+              <a:t>router)</a:t>
+            </a:r>
+            <a:endParaRPr lang="en-US" dirty="0" smtClean="0"/>
+          </a:p>
+          <a:p>
+            <a:r>
+              <a:rPr lang="en-US" dirty="0" smtClean="0"/>
+              <a:t>32-bit </a:t>
+            </a:r>
+            <a:r>
+              <a:rPr lang="en-US" dirty="0"/>
+              <a:t>IPv4 space gives </a:t>
+            </a:r>
+            <a:r>
+              <a:rPr lang="en-US" dirty="0" smtClean="0"/>
+              <a:t>4,294,967,295 </a:t>
+            </a:r>
+            <a:r>
+              <a:rPr lang="en-US" dirty="0" smtClean="0"/>
+              <a:t>addresses</a:t>
+            </a:r>
+            <a:endParaRPr lang="en-US" dirty="0" smtClean="0"/>
+          </a:p>
+          <a:p>
+            <a:pPr lvl="1"/>
+            <a:r>
+              <a:rPr lang="en-US" dirty="0" smtClean="0"/>
+              <a:t>MANY more hosts than that in the world</a:t>
+            </a:r>
+          </a:p>
+          <a:p>
+            <a:r>
+              <a:rPr lang="en-US" dirty="0" smtClean="0"/>
+              <a:t>An organization (e.g. your house) has a “gateway” with a single </a:t>
+            </a:r>
+            <a:r>
+              <a:rPr lang="en-US" b="1" dirty="0" smtClean="0"/>
+              <a:t>public</a:t>
+            </a:r>
+            <a:r>
+              <a:rPr lang="en-US" dirty="0" smtClean="0"/>
+              <a:t> IP that acts as a proxy between the internal network (your house, commonly 192.168.x.x) and the external network (the Internet)</a:t>
+            </a:r>
+            <a:endParaRPr lang="en-US" dirty="0"/>
+          </a:p>
+        </p:txBody>
+      </p:sp>
+      <p:sp>
+        <p:nvSpPr>
+          <p:cNvPr id="4" name="Slide Number Placeholder 3"/>
+          <p:cNvSpPr>
+            <a:spLocks noGrp="1"/>
+          </p:cNvSpPr>
+          <p:nvPr>
+            <p:ph type="sldNum" sz="quarter" idx="12"/>
+          </p:nvPr>
+        </p:nvSpPr>
+        <p:spPr/>
+        <p:txBody>
+          <a:bodyPr/>
+          <a:lstStyle/>
+          <a:p>
+            <a:fld id="{6BE98711-CE87-4D2C-A4EE-CF4DC81676AA}" type="slidenum">
+              <a:rPr lang="en-US" smtClean="0"/>
+              <a:t>28</a:t>
+            </a:fld>
+            <a:endParaRPr lang="en-US"/>
+          </a:p>
+        </p:txBody>
+      </p:sp>
+    </p:spTree>
+    <p:extLst>
+      <p:ext uri="{BB962C8B-B14F-4D97-AF65-F5344CB8AC3E}">
+        <p14:creationId xmlns:p14="http://schemas.microsoft.com/office/powerpoint/2010/main" val="969474934"/>
+      </p:ext>
+    </p:extLst>
+  </p:cSld>
+  <p:clrMapOvr>
+    <a:masterClrMapping/>
+  </p:clrMapOvr>
+</p:sld>
+</file>
+
+<file path=ppt/slides/slide29.xml><?xml version="1.0" encoding="utf-8"?>
+<p:sld xmlns:a="http://schemas.openxmlformats.org/drawingml/2006/main" xmlns:r="http://schemas.openxmlformats.org/officeDocument/2006/relationships" xmlns:p="http://schemas.openxmlformats.org/presentationml/2006/main">
+  <p:cSld>
+    <p:spTree>
+      <p:nvGrpSpPr>
+        <p:cNvPr id="1" name=""/>
+        <p:cNvGrpSpPr/>
+        <p:nvPr/>
+      </p:nvGrpSpPr>
+      <p:grpSpPr>
+        <a:xfrm>
+          <a:off x="0" y="0"/>
+          <a:ext cx="0" cy="0"/>
+          <a:chOff x="0" y="0"/>
+          <a:chExt cx="0" cy="0"/>
+        </a:xfrm>
+      </p:grpSpPr>
+      <p:sp>
+        <p:nvSpPr>
+          <p:cNvPr id="2" name="Title 1"/>
+          <p:cNvSpPr>
+            <a:spLocks noGrp="1"/>
+          </p:cNvSpPr>
+          <p:nvPr>
+            <p:ph type="title"/>
+          </p:nvPr>
+        </p:nvSpPr>
+        <p:spPr/>
+        <p:txBody>
+          <a:bodyPr/>
+          <a:lstStyle/>
+          <a:p>
+            <a:r>
+              <a:rPr lang="en-US" dirty="0" err="1" smtClean="0"/>
+              <a:t>Subnetting</a:t>
+            </a:r>
+            <a:endParaRPr lang="en-US" dirty="0"/>
+          </a:p>
+        </p:txBody>
+      </p:sp>
+      <p:sp>
+        <p:nvSpPr>
+          <p:cNvPr id="3" name="Content Placeholder 2"/>
+          <p:cNvSpPr>
+            <a:spLocks noGrp="1"/>
+          </p:cNvSpPr>
+          <p:nvPr>
+            <p:ph idx="1"/>
+          </p:nvPr>
+        </p:nvSpPr>
+        <p:spPr/>
+        <p:txBody>
+          <a:bodyPr>
+            <a:normAutofit fontScale="92500" lnSpcReduction="20000"/>
+          </a:bodyPr>
+          <a:lstStyle/>
+          <a:p>
+            <a:r>
+              <a:rPr lang="en-US" dirty="0" smtClean="0"/>
+              <a:t>If I’m a host at 192.168.1.23, and I have a message for 192.168.4.89, how do I know if I send it directly or through the gateway?</a:t>
+            </a:r>
+          </a:p>
+          <a:p>
+            <a:r>
+              <a:rPr lang="en-US" dirty="0" smtClean="0"/>
+              <a:t>A subnet mask is a 32-bit number</a:t>
+            </a:r>
+          </a:p>
+          <a:p>
+            <a:pPr lvl="1"/>
+            <a:r>
+              <a:rPr lang="en-US" dirty="0" smtClean="0"/>
+              <a:t>Similar to IP address</a:t>
+            </a:r>
+          </a:p>
+          <a:p>
+            <a:pPr lvl="1"/>
+            <a:r>
+              <a:rPr lang="en-US" b="1" dirty="0" smtClean="0"/>
+              <a:t>However</a:t>
+            </a:r>
+            <a:r>
+              <a:rPr lang="en-US" dirty="0" smtClean="0"/>
+              <a:t>, it’s restricted to (in binary) some 1s followed by some 0s </a:t>
+            </a:r>
+          </a:p>
+          <a:p>
+            <a:pPr lvl="1"/>
+            <a:r>
+              <a:rPr lang="en-US" dirty="0"/>
+              <a:t>E.g</a:t>
+            </a:r>
+            <a:r>
+              <a:rPr lang="en-US" dirty="0" smtClean="0"/>
+              <a:t>. </a:t>
+            </a:r>
+          </a:p>
+          <a:p>
+            <a:pPr lvl="2"/>
+            <a:r>
+              <a:rPr lang="en-US" dirty="0" smtClean="0"/>
+              <a:t>11111111111111111111111100000000</a:t>
+            </a:r>
+          </a:p>
+          <a:p>
+            <a:pPr lvl="2"/>
+            <a:r>
+              <a:rPr lang="en-US" dirty="0" smtClean="0"/>
+              <a:t>11111111111111111111000000000000</a:t>
+            </a:r>
+          </a:p>
+          <a:p>
+            <a:pPr lvl="1"/>
+            <a:r>
+              <a:rPr lang="en-US" b="1" dirty="0" smtClean="0"/>
+              <a:t>Never </a:t>
+            </a:r>
+            <a:r>
+              <a:rPr lang="en-US" dirty="0" smtClean="0"/>
+              <a:t>11111111000011110000000000000000</a:t>
+            </a:r>
+            <a:endParaRPr lang="en-US" b="1" dirty="0"/>
+          </a:p>
+        </p:txBody>
+      </p:sp>
+      <p:sp>
+        <p:nvSpPr>
+          <p:cNvPr id="4" name="Slide Number Placeholder 3"/>
+          <p:cNvSpPr>
+            <a:spLocks noGrp="1"/>
+          </p:cNvSpPr>
+          <p:nvPr>
+            <p:ph type="sldNum" sz="quarter" idx="12"/>
+          </p:nvPr>
+        </p:nvSpPr>
+        <p:spPr/>
+        <p:txBody>
+          <a:bodyPr/>
+          <a:lstStyle/>
+          <a:p>
+            <a:fld id="{6BE98711-CE87-4D2C-A4EE-CF4DC81676AA}" type="slidenum">
+              <a:rPr lang="en-US" smtClean="0"/>
+              <a:t>29</a:t>
+            </a:fld>
+            <a:endParaRPr lang="en-US"/>
+          </a:p>
+        </p:txBody>
+      </p:sp>
+    </p:spTree>
+    <p:extLst>
+      <p:ext uri="{BB962C8B-B14F-4D97-AF65-F5344CB8AC3E}">
+        <p14:creationId xmlns:p14="http://schemas.microsoft.com/office/powerpoint/2010/main" val="2696180027"/>
+      </p:ext>
+    </p:extLst>
+  </p:cSld>
+  <p:clrMapOvr>
+    <a:masterClrMapping/>
+  </p:clrMapOvr>
+</p:sld>
+</file>
+
+<file path=ppt/slides/slide3.xml><?xml version="1.0" encoding="utf-8"?>
+<p:sld xmlns:a="http://schemas.openxmlformats.org/drawingml/2006/main" xmlns:r="http://schemas.openxmlformats.org/officeDocument/2006/relationships" xmlns:p="http://schemas.openxmlformats.org/presentationml/2006/main">
+  <p:cSld>
+    <p:spTree>
+      <p:nvGrpSpPr>
+        <p:cNvPr id="1" name=""/>
+        <p:cNvGrpSpPr/>
+        <p:nvPr/>
+      </p:nvGrpSpPr>
+      <p:grpSpPr>
+        <a:xfrm>
+          <a:off x="0" y="0"/>
+          <a:ext cx="0" cy="0"/>
+          <a:chOff x="0" y="0"/>
+          <a:chExt cx="0" cy="0"/>
+        </a:xfrm>
+      </p:grpSpPr>
+      <p:sp>
+        <p:nvSpPr>
+          <p:cNvPr id="2" name="Title 1"/>
+          <p:cNvSpPr>
+            <a:spLocks noGrp="1"/>
+          </p:cNvSpPr>
+          <p:nvPr>
+            <p:ph type="title"/>
+          </p:nvPr>
+        </p:nvSpPr>
+        <p:spPr/>
+        <p:txBody>
+          <a:bodyPr/>
+          <a:lstStyle/>
+          <a:p>
+            <a:r>
+              <a:rPr lang="en-US" dirty="0" smtClean="0"/>
+              <a:t>Physical Layer</a:t>
+            </a:r>
+            <a:endParaRPr lang="en-US" dirty="0"/>
+          </a:p>
+        </p:txBody>
+      </p:sp>
+      <p:pic>
+        <p:nvPicPr>
+          <p:cNvPr id="4" name="Picture 2" descr="https://fthmb.tqn.com/FJRd1u3NJuT-4w3EoA3Pf7HVX9E=/768x0/filters:no_upscale()/Osi-model-jb.svg-57f7b9af3df78c690f6305e8.png"/>
+          <p:cNvPicPr>
+            <a:picLocks noChangeAspect="1" noChangeArrowheads="1"/>
+          </p:cNvPicPr>
+          <p:nvPr/>
+        </p:nvPicPr>
+        <p:blipFill rotWithShape="1">
+          <a:blip r:embed="rId2">
+            <a:extLst>
+              <a:ext uri="{28A0092B-C50C-407E-A947-70E740481C1C}">
+                <a14:useLocalDpi xmlns:a14="http://schemas.microsoft.com/office/drawing/2010/main" val="0"/>
+              </a:ext>
+            </a:extLst>
+          </a:blip>
+          <a:srcRect t="8983"/>
+          <a:stretch/>
+        </p:blipFill>
+        <p:spPr bwMode="auto">
+          <a:xfrm>
+            <a:off x="1752600" y="1164394"/>
+            <a:ext cx="5410201" cy="5693606"/>
+          </a:xfrm>
+          <a:prstGeom prst="rect">
+            <a:avLst/>
+          </a:prstGeom>
+          <a:noFill/>
+          <a:extLst>
+            <a:ext uri="{909E8E84-426E-40DD-AFC4-6F175D3DCCD1}">
+              <a14:hiddenFill xmlns:a14="http://schemas.microsoft.com/office/drawing/2010/main">
+                <a:solidFill>
+                  <a:srgbClr val="FFFFFF"/>
+                </a:solidFill>
+              </a14:hiddenFill>
+            </a:ext>
+          </a:extLst>
+        </p:spPr>
+      </p:pic>
+      <p:sp>
+        <p:nvSpPr>
+          <p:cNvPr id="5" name="Rectangle 4"/>
+          <p:cNvSpPr/>
+          <p:nvPr/>
+        </p:nvSpPr>
+        <p:spPr>
+          <a:xfrm>
             <a:off x="2362200" y="5956916"/>
             <a:ext cx="4343400" cy="748683"/>
           </a:xfrm>
@@ -3673,10 +6782,1762 @@
           </a:p>
         </p:txBody>
       </p:sp>
+      <p:sp>
+        <p:nvSpPr>
+          <p:cNvPr id="3" name="Slide Number Placeholder 2"/>
+          <p:cNvSpPr>
+            <a:spLocks noGrp="1"/>
+          </p:cNvSpPr>
+          <p:nvPr>
+            <p:ph type="sldNum" sz="quarter" idx="12"/>
+          </p:nvPr>
+        </p:nvSpPr>
+        <p:spPr/>
+        <p:txBody>
+          <a:bodyPr/>
+          <a:lstStyle/>
+          <a:p>
+            <a:fld id="{6BE98711-CE87-4D2C-A4EE-CF4DC81676AA}" type="slidenum">
+              <a:rPr lang="en-US" smtClean="0"/>
+              <a:t>3</a:t>
+            </a:fld>
+            <a:endParaRPr lang="en-US"/>
+          </a:p>
+        </p:txBody>
+      </p:sp>
     </p:spTree>
     <p:extLst>
       <p:ext uri="{BB962C8B-B14F-4D97-AF65-F5344CB8AC3E}">
         <p14:creationId xmlns:p14="http://schemas.microsoft.com/office/powerpoint/2010/main" val="2823748494"/>
+      </p:ext>
+    </p:extLst>
+  </p:cSld>
+  <p:clrMapOvr>
+    <a:masterClrMapping/>
+  </p:clrMapOvr>
+</p:sld>
+</file>
+
+<file path=ppt/slides/slide30.xml><?xml version="1.0" encoding="utf-8"?>
+<p:sld xmlns:a="http://schemas.openxmlformats.org/drawingml/2006/main" xmlns:r="http://schemas.openxmlformats.org/officeDocument/2006/relationships" xmlns:p="http://schemas.openxmlformats.org/presentationml/2006/main">
+  <p:cSld>
+    <p:spTree>
+      <p:nvGrpSpPr>
+        <p:cNvPr id="1" name=""/>
+        <p:cNvGrpSpPr/>
+        <p:nvPr/>
+      </p:nvGrpSpPr>
+      <p:grpSpPr>
+        <a:xfrm>
+          <a:off x="0" y="0"/>
+          <a:ext cx="0" cy="0"/>
+          <a:chOff x="0" y="0"/>
+          <a:chExt cx="0" cy="0"/>
+        </a:xfrm>
+      </p:grpSpPr>
+      <p:sp>
+        <p:nvSpPr>
+          <p:cNvPr id="2" name="Title 1"/>
+          <p:cNvSpPr>
+            <a:spLocks noGrp="1"/>
+          </p:cNvSpPr>
+          <p:nvPr>
+            <p:ph type="title"/>
+          </p:nvPr>
+        </p:nvSpPr>
+        <p:spPr/>
+        <p:txBody>
+          <a:bodyPr/>
+          <a:lstStyle/>
+          <a:p>
+            <a:r>
+              <a:rPr lang="en-US" dirty="0" err="1" smtClean="0"/>
+              <a:t>Subnetting</a:t>
+            </a:r>
+            <a:endParaRPr lang="en-US" dirty="0"/>
+          </a:p>
+        </p:txBody>
+      </p:sp>
+      <p:sp>
+        <p:nvSpPr>
+          <p:cNvPr id="3" name="Content Placeholder 2"/>
+          <p:cNvSpPr>
+            <a:spLocks noGrp="1"/>
+          </p:cNvSpPr>
+          <p:nvPr>
+            <p:ph idx="1"/>
+          </p:nvPr>
+        </p:nvSpPr>
+        <p:spPr>
+          <a:xfrm>
+            <a:off x="457200" y="1143000"/>
+            <a:ext cx="8229600" cy="5486400"/>
+          </a:xfrm>
+        </p:spPr>
+        <p:txBody>
+          <a:bodyPr>
+            <a:normAutofit fontScale="70000" lnSpcReduction="20000"/>
+          </a:bodyPr>
+          <a:lstStyle/>
+          <a:p>
+            <a:r>
+              <a:rPr lang="en-US" dirty="0" smtClean="0"/>
+              <a:t>The subnet mask tells you which bits of the destination address must match the source address to be local</a:t>
+            </a:r>
+          </a:p>
+          <a:p>
+            <a:r>
+              <a:rPr lang="en-US" dirty="0" smtClean="0"/>
+              <a:t>Example:</a:t>
+            </a:r>
+          </a:p>
+          <a:p>
+            <a:pPr lvl="1"/>
+            <a:r>
+              <a:rPr lang="en-US" dirty="0" smtClean="0"/>
+              <a:t>192.168.1.23 = 11000000101010000000000100010111</a:t>
+            </a:r>
+          </a:p>
+          <a:p>
+            <a:pPr lvl="1"/>
+            <a:r>
+              <a:rPr lang="en-US" dirty="0"/>
+              <a:t>192.168.4.89 = </a:t>
+            </a:r>
+            <a:r>
+              <a:rPr lang="en-US" dirty="0" smtClean="0"/>
+              <a:t>11000000101010000000010001011001</a:t>
+            </a:r>
+          </a:p>
+          <a:p>
+            <a:pPr lvl="1"/>
+            <a:r>
+              <a:rPr lang="en-US" dirty="0" smtClean="0"/>
+              <a:t>Suppose </a:t>
+            </a:r>
+            <a:r>
+              <a:rPr lang="en-US" dirty="0"/>
+              <a:t>a subnet mask of 255.255.255.0 = </a:t>
+            </a:r>
+            <a:r>
+              <a:rPr lang="en-US" dirty="0" smtClean="0"/>
+              <a:t>11111111111111111111111100000000</a:t>
+            </a:r>
+          </a:p>
+          <a:p>
+            <a:pPr lvl="1"/>
+            <a:r>
+              <a:rPr lang="en-US" dirty="0" smtClean="0">
+                <a:latin typeface="Courier New" panose="02070309020205020404" pitchFamily="49" charset="0"/>
+                <a:cs typeface="Courier New" panose="02070309020205020404" pitchFamily="49" charset="0"/>
+              </a:rPr>
+              <a:t>Source: </a:t>
+            </a:r>
+            <a:r>
+              <a:rPr lang="en-US" dirty="0" smtClean="0">
+                <a:solidFill>
+                  <a:srgbClr val="92D050"/>
+                </a:solidFill>
+                <a:latin typeface="Courier New" panose="02070309020205020404" pitchFamily="49" charset="0"/>
+                <a:cs typeface="Courier New" panose="02070309020205020404" pitchFamily="49" charset="0"/>
+              </a:rPr>
+              <a:t>110000001010100000000</a:t>
+            </a:r>
+            <a:r>
+              <a:rPr lang="en-US" dirty="0" smtClean="0">
+                <a:latin typeface="Courier New" panose="02070309020205020404" pitchFamily="49" charset="0"/>
+                <a:cs typeface="Courier New" panose="02070309020205020404" pitchFamily="49" charset="0"/>
+              </a:rPr>
+              <a:t>00100010111</a:t>
+            </a:r>
+          </a:p>
+          <a:p>
+            <a:pPr lvl="1"/>
+            <a:r>
+              <a:rPr lang="en-US" dirty="0" err="1" smtClean="0">
+                <a:latin typeface="Courier New" panose="02070309020205020404" pitchFamily="49" charset="0"/>
+                <a:cs typeface="Courier New" panose="02070309020205020404" pitchFamily="49" charset="0"/>
+              </a:rPr>
+              <a:t>Dest</a:t>
+            </a:r>
+            <a:r>
+              <a:rPr lang="en-US" dirty="0" smtClean="0">
+                <a:latin typeface="Courier New" panose="02070309020205020404" pitchFamily="49" charset="0"/>
+                <a:cs typeface="Courier New" panose="02070309020205020404" pitchFamily="49" charset="0"/>
+              </a:rPr>
+              <a:t>:   </a:t>
+            </a:r>
+            <a:r>
+              <a:rPr lang="en-US" dirty="0" smtClean="0">
+                <a:solidFill>
+                  <a:srgbClr val="92D050"/>
+                </a:solidFill>
+                <a:latin typeface="Courier New" panose="02070309020205020404" pitchFamily="49" charset="0"/>
+                <a:cs typeface="Courier New" panose="02070309020205020404" pitchFamily="49" charset="0"/>
+              </a:rPr>
+              <a:t>110000001010100000000</a:t>
+            </a:r>
+            <a:r>
+              <a:rPr lang="en-US" dirty="0" smtClean="0">
+                <a:latin typeface="Courier New" panose="02070309020205020404" pitchFamily="49" charset="0"/>
+                <a:cs typeface="Courier New" panose="02070309020205020404" pitchFamily="49" charset="0"/>
+              </a:rPr>
+              <a:t>10001011001</a:t>
+            </a:r>
+            <a:endParaRPr lang="en-US" dirty="0">
+              <a:latin typeface="Courier New" panose="02070309020205020404" pitchFamily="49" charset="0"/>
+              <a:cs typeface="Courier New" panose="02070309020205020404" pitchFamily="49" charset="0"/>
+            </a:endParaRPr>
+          </a:p>
+          <a:p>
+            <a:pPr lvl="1"/>
+            <a:r>
+              <a:rPr lang="en-US" dirty="0" smtClean="0">
+                <a:latin typeface="Courier New" panose="02070309020205020404" pitchFamily="49" charset="0"/>
+                <a:cs typeface="Courier New" panose="02070309020205020404" pitchFamily="49" charset="0"/>
+              </a:rPr>
+              <a:t>Mask:   </a:t>
+            </a:r>
+            <a:r>
+              <a:rPr lang="en-US" dirty="0" smtClean="0">
+                <a:solidFill>
+                  <a:srgbClr val="92D050"/>
+                </a:solidFill>
+                <a:latin typeface="Courier New" panose="02070309020205020404" pitchFamily="49" charset="0"/>
+                <a:cs typeface="Courier New" panose="02070309020205020404" pitchFamily="49" charset="0"/>
+              </a:rPr>
+              <a:t>111111111111111111111</a:t>
+            </a:r>
+            <a:r>
+              <a:rPr lang="en-US" dirty="0" smtClean="0">
+                <a:solidFill>
+                  <a:srgbClr val="FF0000"/>
+                </a:solidFill>
+                <a:latin typeface="Courier New" panose="02070309020205020404" pitchFamily="49" charset="0"/>
+                <a:cs typeface="Courier New" panose="02070309020205020404" pitchFamily="49" charset="0"/>
+              </a:rPr>
+              <a:t>111</a:t>
+            </a:r>
+            <a:r>
+              <a:rPr lang="en-US" dirty="0" smtClean="0">
+                <a:latin typeface="Courier New" panose="02070309020205020404" pitchFamily="49" charset="0"/>
+                <a:cs typeface="Courier New" panose="02070309020205020404" pitchFamily="49" charset="0"/>
+              </a:rPr>
+              <a:t>00000000</a:t>
+            </a:r>
+            <a:endParaRPr lang="en-US" dirty="0">
+              <a:latin typeface="Courier New" panose="02070309020205020404" pitchFamily="49" charset="0"/>
+              <a:cs typeface="Courier New" panose="02070309020205020404" pitchFamily="49" charset="0"/>
+            </a:endParaRPr>
+          </a:p>
+          <a:p>
+            <a:pPr lvl="1"/>
+            <a:r>
+              <a:rPr lang="en-US" dirty="0" smtClean="0"/>
+              <a:t>Thus, the destination is NOT in the source’s subnet</a:t>
+            </a:r>
+          </a:p>
+          <a:p>
+            <a:pPr lvl="1"/>
+            <a:r>
+              <a:rPr lang="en-US" dirty="0" smtClean="0"/>
+              <a:t>If the subnet were 255.255.0.0 = 11111111111111110000000000000000</a:t>
+            </a:r>
+          </a:p>
+          <a:p>
+            <a:pPr lvl="1"/>
+            <a:r>
+              <a:rPr lang="en-US" dirty="0">
+                <a:latin typeface="Courier New" panose="02070309020205020404" pitchFamily="49" charset="0"/>
+                <a:cs typeface="Courier New" panose="02070309020205020404" pitchFamily="49" charset="0"/>
+              </a:rPr>
+              <a:t>Source: </a:t>
+            </a:r>
+            <a:r>
+              <a:rPr lang="en-US" dirty="0">
+                <a:solidFill>
+                  <a:srgbClr val="92D050"/>
+                </a:solidFill>
+                <a:latin typeface="Courier New" panose="02070309020205020404" pitchFamily="49" charset="0"/>
+                <a:cs typeface="Courier New" panose="02070309020205020404" pitchFamily="49" charset="0"/>
+              </a:rPr>
+              <a:t>110000001010100000000</a:t>
+            </a:r>
+            <a:r>
+              <a:rPr lang="en-US" dirty="0">
+                <a:latin typeface="Courier New" panose="02070309020205020404" pitchFamily="49" charset="0"/>
+                <a:cs typeface="Courier New" panose="02070309020205020404" pitchFamily="49" charset="0"/>
+              </a:rPr>
+              <a:t>00100010111</a:t>
+            </a:r>
+          </a:p>
+          <a:p>
+            <a:pPr lvl="1"/>
+            <a:r>
+              <a:rPr lang="en-US" dirty="0" err="1">
+                <a:latin typeface="Courier New" panose="02070309020205020404" pitchFamily="49" charset="0"/>
+                <a:cs typeface="Courier New" panose="02070309020205020404" pitchFamily="49" charset="0"/>
+              </a:rPr>
+              <a:t>Dest</a:t>
+            </a:r>
+            <a:r>
+              <a:rPr lang="en-US" dirty="0">
+                <a:latin typeface="Courier New" panose="02070309020205020404" pitchFamily="49" charset="0"/>
+                <a:cs typeface="Courier New" panose="02070309020205020404" pitchFamily="49" charset="0"/>
+              </a:rPr>
+              <a:t>:   </a:t>
+            </a:r>
+            <a:r>
+              <a:rPr lang="en-US" dirty="0">
+                <a:solidFill>
+                  <a:srgbClr val="92D050"/>
+                </a:solidFill>
+                <a:latin typeface="Courier New" panose="02070309020205020404" pitchFamily="49" charset="0"/>
+                <a:cs typeface="Courier New" panose="02070309020205020404" pitchFamily="49" charset="0"/>
+              </a:rPr>
+              <a:t>110000001010100000000</a:t>
+            </a:r>
+            <a:r>
+              <a:rPr lang="en-US" dirty="0">
+                <a:latin typeface="Courier New" panose="02070309020205020404" pitchFamily="49" charset="0"/>
+                <a:cs typeface="Courier New" panose="02070309020205020404" pitchFamily="49" charset="0"/>
+              </a:rPr>
+              <a:t>10001011001</a:t>
+            </a:r>
+          </a:p>
+          <a:p>
+            <a:pPr lvl="1"/>
+            <a:r>
+              <a:rPr lang="en-US" dirty="0">
+                <a:latin typeface="Courier New" panose="02070309020205020404" pitchFamily="49" charset="0"/>
+                <a:cs typeface="Courier New" panose="02070309020205020404" pitchFamily="49" charset="0"/>
+              </a:rPr>
+              <a:t>Mask:   </a:t>
+            </a:r>
+            <a:r>
+              <a:rPr lang="en-US" dirty="0" smtClean="0">
+                <a:solidFill>
+                  <a:srgbClr val="92D050"/>
+                </a:solidFill>
+                <a:latin typeface="Courier New" panose="02070309020205020404" pitchFamily="49" charset="0"/>
+                <a:cs typeface="Courier New" panose="02070309020205020404" pitchFamily="49" charset="0"/>
+              </a:rPr>
+              <a:t>1111111111111111</a:t>
+            </a:r>
+            <a:r>
+              <a:rPr lang="en-US" dirty="0" smtClean="0">
+                <a:latin typeface="Courier New" panose="02070309020205020404" pitchFamily="49" charset="0"/>
+                <a:cs typeface="Courier New" panose="02070309020205020404" pitchFamily="49" charset="0"/>
+              </a:rPr>
+              <a:t>0000000000000000</a:t>
+            </a:r>
+            <a:endParaRPr lang="en-US" dirty="0">
+              <a:latin typeface="Courier New" panose="02070309020205020404" pitchFamily="49" charset="0"/>
+              <a:cs typeface="Courier New" panose="02070309020205020404" pitchFamily="49" charset="0"/>
+            </a:endParaRPr>
+          </a:p>
+          <a:p>
+            <a:pPr lvl="1"/>
+            <a:r>
+              <a:rPr lang="en-US" dirty="0" smtClean="0"/>
+              <a:t>Then the destination WOULD be in the source’s subnet</a:t>
+            </a:r>
+            <a:endParaRPr lang="en-US" dirty="0"/>
+          </a:p>
+          <a:p>
+            <a:pPr lvl="1"/>
+            <a:endParaRPr lang="en-US" dirty="0" smtClean="0"/>
+          </a:p>
+          <a:p>
+            <a:pPr lvl="1"/>
+            <a:endParaRPr lang="en-US" dirty="0"/>
+          </a:p>
+        </p:txBody>
+      </p:sp>
+      <p:sp>
+        <p:nvSpPr>
+          <p:cNvPr id="4" name="Slide Number Placeholder 3"/>
+          <p:cNvSpPr>
+            <a:spLocks noGrp="1"/>
+          </p:cNvSpPr>
+          <p:nvPr>
+            <p:ph type="sldNum" sz="quarter" idx="12"/>
+          </p:nvPr>
+        </p:nvSpPr>
+        <p:spPr/>
+        <p:txBody>
+          <a:bodyPr/>
+          <a:lstStyle/>
+          <a:p>
+            <a:fld id="{6BE98711-CE87-4D2C-A4EE-CF4DC81676AA}" type="slidenum">
+              <a:rPr lang="en-US" smtClean="0"/>
+              <a:t>30</a:t>
+            </a:fld>
+            <a:endParaRPr lang="en-US"/>
+          </a:p>
+        </p:txBody>
+      </p:sp>
+    </p:spTree>
+    <p:extLst>
+      <p:ext uri="{BB962C8B-B14F-4D97-AF65-F5344CB8AC3E}">
+        <p14:creationId xmlns:p14="http://schemas.microsoft.com/office/powerpoint/2010/main" val="641296455"/>
+      </p:ext>
+    </p:extLst>
+  </p:cSld>
+  <p:clrMapOvr>
+    <a:masterClrMapping/>
+  </p:clrMapOvr>
+</p:sld>
+</file>
+
+<file path=ppt/slides/slide31.xml><?xml version="1.0" encoding="utf-8"?>
+<p:sld xmlns:a="http://schemas.openxmlformats.org/drawingml/2006/main" xmlns:r="http://schemas.openxmlformats.org/officeDocument/2006/relationships" xmlns:p="http://schemas.openxmlformats.org/presentationml/2006/main">
+  <p:cSld>
+    <p:spTree>
+      <p:nvGrpSpPr>
+        <p:cNvPr id="1" name=""/>
+        <p:cNvGrpSpPr/>
+        <p:nvPr/>
+      </p:nvGrpSpPr>
+      <p:grpSpPr>
+        <a:xfrm>
+          <a:off x="0" y="0"/>
+          <a:ext cx="0" cy="0"/>
+          <a:chOff x="0" y="0"/>
+          <a:chExt cx="0" cy="0"/>
+        </a:xfrm>
+      </p:grpSpPr>
+      <p:sp>
+        <p:nvSpPr>
+          <p:cNvPr id="2" name="Title 1"/>
+          <p:cNvSpPr>
+            <a:spLocks noGrp="1"/>
+          </p:cNvSpPr>
+          <p:nvPr>
+            <p:ph type="title"/>
+          </p:nvPr>
+        </p:nvSpPr>
+        <p:spPr/>
+        <p:txBody>
+          <a:bodyPr/>
+          <a:lstStyle/>
+          <a:p>
+            <a:r>
+              <a:rPr lang="en-US" dirty="0" err="1" smtClean="0"/>
+              <a:t>Subnetting</a:t>
+            </a:r>
+            <a:endParaRPr lang="en-US" dirty="0"/>
+          </a:p>
+        </p:txBody>
+      </p:sp>
+      <p:sp>
+        <p:nvSpPr>
+          <p:cNvPr id="3" name="Content Placeholder 2"/>
+          <p:cNvSpPr>
+            <a:spLocks noGrp="1"/>
+          </p:cNvSpPr>
+          <p:nvPr>
+            <p:ph idx="1"/>
+          </p:nvPr>
+        </p:nvSpPr>
+        <p:spPr/>
+        <p:txBody>
+          <a:bodyPr>
+            <a:normAutofit fontScale="92500" lnSpcReduction="20000"/>
+          </a:bodyPr>
+          <a:lstStyle/>
+          <a:p>
+            <a:r>
+              <a:rPr lang="en-US" dirty="0" smtClean="0"/>
+              <a:t>Subnet masks are </a:t>
+            </a:r>
+            <a:r>
+              <a:rPr lang="en-US" i="1" dirty="0" smtClean="0"/>
+              <a:t>often</a:t>
+            </a:r>
+            <a:r>
+              <a:rPr lang="en-US" dirty="0" smtClean="0"/>
+              <a:t> aligned on byte boundaries</a:t>
+            </a:r>
+          </a:p>
+          <a:p>
+            <a:pPr lvl="1"/>
+            <a:r>
+              <a:rPr lang="en-US" dirty="0" smtClean="0"/>
+              <a:t>E.g., 255.0.0.0, 255.255.255.0</a:t>
+            </a:r>
+          </a:p>
+          <a:p>
+            <a:pPr lvl="1"/>
+            <a:r>
+              <a:rPr lang="en-US" dirty="0" smtClean="0"/>
+              <a:t>Makes mental </a:t>
+            </a:r>
+            <a:r>
+              <a:rPr lang="en-US" dirty="0" err="1" smtClean="0"/>
+              <a:t>subnetting</a:t>
+            </a:r>
+            <a:r>
+              <a:rPr lang="en-US" dirty="0" smtClean="0"/>
+              <a:t> easy:</a:t>
+            </a:r>
+          </a:p>
+          <a:p>
+            <a:pPr lvl="2"/>
+            <a:r>
+              <a:rPr lang="en-US" dirty="0" smtClean="0"/>
+              <a:t>192.168.0.0 with a subnet mask of 255.255.255.0 is addresses 192.168.0.0 – 192.168.0.255 (i.e., last byte is variable</a:t>
+            </a:r>
+          </a:p>
+          <a:p>
+            <a:pPr lvl="2"/>
+            <a:r>
+              <a:rPr lang="en-US" dirty="0" smtClean="0"/>
+              <a:t>192.168.0.0 with a subnet mask of 255.255.0.0 is addresses 192.168.0.0 – 192.168.255.255</a:t>
+            </a:r>
+          </a:p>
+          <a:p>
+            <a:r>
+              <a:rPr lang="en-US" dirty="0" smtClean="0"/>
+              <a:t>Not necessarily, though</a:t>
+            </a:r>
+          </a:p>
+          <a:p>
+            <a:pPr lvl="1"/>
+            <a:r>
+              <a:rPr lang="en-US" dirty="0" smtClean="0"/>
+              <a:t>192.168.0.0 with a subnet mask of 255.255.240.0 is addresses 192.168.0.0 – 192.168.15.255</a:t>
+            </a:r>
+            <a:endParaRPr lang="en-US" dirty="0"/>
+          </a:p>
+        </p:txBody>
+      </p:sp>
+      <p:sp>
+        <p:nvSpPr>
+          <p:cNvPr id="4" name="Slide Number Placeholder 3"/>
+          <p:cNvSpPr>
+            <a:spLocks noGrp="1"/>
+          </p:cNvSpPr>
+          <p:nvPr>
+            <p:ph type="sldNum" sz="quarter" idx="12"/>
+          </p:nvPr>
+        </p:nvSpPr>
+        <p:spPr/>
+        <p:txBody>
+          <a:bodyPr/>
+          <a:lstStyle/>
+          <a:p>
+            <a:fld id="{6BE98711-CE87-4D2C-A4EE-CF4DC81676AA}" type="slidenum">
+              <a:rPr lang="en-US" smtClean="0"/>
+              <a:t>31</a:t>
+            </a:fld>
+            <a:endParaRPr lang="en-US"/>
+          </a:p>
+        </p:txBody>
+      </p:sp>
+    </p:spTree>
+    <p:extLst>
+      <p:ext uri="{BB962C8B-B14F-4D97-AF65-F5344CB8AC3E}">
+        <p14:creationId xmlns:p14="http://schemas.microsoft.com/office/powerpoint/2010/main" val="2278392473"/>
+      </p:ext>
+    </p:extLst>
+  </p:cSld>
+  <p:clrMapOvr>
+    <a:masterClrMapping/>
+  </p:clrMapOvr>
+</p:sld>
+</file>
+
+<file path=ppt/slides/slide32.xml><?xml version="1.0" encoding="utf-8"?>
+<p:sld xmlns:a="http://schemas.openxmlformats.org/drawingml/2006/main" xmlns:r="http://schemas.openxmlformats.org/officeDocument/2006/relationships" xmlns:p="http://schemas.openxmlformats.org/presentationml/2006/main">
+  <p:cSld>
+    <p:spTree>
+      <p:nvGrpSpPr>
+        <p:cNvPr id="1" name=""/>
+        <p:cNvGrpSpPr/>
+        <p:nvPr/>
+      </p:nvGrpSpPr>
+      <p:grpSpPr>
+        <a:xfrm>
+          <a:off x="0" y="0"/>
+          <a:ext cx="0" cy="0"/>
+          <a:chOff x="0" y="0"/>
+          <a:chExt cx="0" cy="0"/>
+        </a:xfrm>
+      </p:grpSpPr>
+      <p:sp>
+        <p:nvSpPr>
+          <p:cNvPr id="2" name="Title 1"/>
+          <p:cNvSpPr>
+            <a:spLocks noGrp="1"/>
+          </p:cNvSpPr>
+          <p:nvPr>
+            <p:ph type="title"/>
+          </p:nvPr>
+        </p:nvSpPr>
+        <p:spPr/>
+        <p:txBody>
+          <a:bodyPr/>
+          <a:lstStyle/>
+          <a:p>
+            <a:r>
+              <a:rPr lang="en-US" dirty="0" err="1" smtClean="0"/>
+              <a:t>Subnetting</a:t>
+            </a:r>
+            <a:endParaRPr lang="en-US" dirty="0"/>
+          </a:p>
+        </p:txBody>
+      </p:sp>
+      <mc:AlternateContent xmlns:mc="http://schemas.openxmlformats.org/markup-compatibility/2006" xmlns:a14="http://schemas.microsoft.com/office/drawing/2010/main">
+        <mc:Choice Requires="a14">
+          <p:sp>
+            <p:nvSpPr>
+              <p:cNvPr id="3" name="Content Placeholder 2"/>
+              <p:cNvSpPr>
+                <a:spLocks noGrp="1"/>
+              </p:cNvSpPr>
+              <p:nvPr>
+                <p:ph idx="1"/>
+              </p:nvPr>
+            </p:nvSpPr>
+            <p:spPr>
+              <a:xfrm>
+                <a:off x="457200" y="1600200"/>
+                <a:ext cx="8229600" cy="5105400"/>
+              </a:xfrm>
+            </p:spPr>
+            <p:txBody>
+              <a:bodyPr>
+                <a:normAutofit fontScale="85000" lnSpcReduction="20000"/>
+              </a:bodyPr>
+              <a:lstStyle/>
+              <a:p>
+                <a:r>
+                  <a:rPr lang="en-US" dirty="0" smtClean="0"/>
+                  <a:t>Subnets are often written in “CIDR notation”</a:t>
+                </a:r>
+              </a:p>
+              <a:p>
+                <a:r>
+                  <a:rPr lang="en-US" dirty="0" smtClean="0"/>
+                  <a:t>Lowest address, slash, number of fixed bits</a:t>
+                </a:r>
+              </a:p>
+              <a:p>
+                <a:pPr lvl="1"/>
+                <a:r>
+                  <a:rPr lang="en-US" dirty="0" smtClean="0"/>
+                  <a:t>I.e. number of 1s in binary subnet mask</a:t>
+                </a:r>
+              </a:p>
+              <a:p>
+                <a:r>
+                  <a:rPr lang="en-US" dirty="0" smtClean="0"/>
+                  <a:t>Examples:</a:t>
+                </a:r>
+              </a:p>
+              <a:p>
+                <a:pPr lvl="1"/>
+                <a:r>
+                  <a:rPr lang="en-US" dirty="0" smtClean="0"/>
+                  <a:t>192.168.0.0 with a subnet mask of 255.255.255.0 is “192.168.0.0/24” or “192.168/24”</a:t>
+                </a:r>
+              </a:p>
+              <a:p>
+                <a:pPr lvl="1"/>
+                <a:r>
+                  <a:rPr lang="en-US" dirty="0" smtClean="0"/>
+                  <a:t>10.0.0.0 with a subnet mask of 255.0.0.0 is “10.0.0.0/8” or “10/8”</a:t>
+                </a:r>
+              </a:p>
+              <a:p>
+                <a:r>
+                  <a:rPr lang="en-US" dirty="0" smtClean="0"/>
+                  <a:t>Subnet sizes are often described with the CIDR suffix; e.g., a subnet with a mask of 255.255.0.0 will be spoken about as a “slash 16” subnet</a:t>
+                </a:r>
+              </a:p>
+              <a:p>
+                <a:r>
+                  <a:rPr lang="en-US" dirty="0" smtClean="0"/>
+                  <a:t>Number of addresses on subnet is </a:t>
+                </a:r>
+                <a14:m>
+                  <m:oMath xmlns:m="http://schemas.openxmlformats.org/officeDocument/2006/math">
+                    <m:sSup>
+                      <m:sSupPr>
+                        <m:ctrlPr>
+                          <a:rPr lang="en-US" i="1" smtClean="0">
+                            <a:latin typeface="Cambria Math" panose="02040503050406030204" pitchFamily="18" charset="0"/>
+                          </a:rPr>
+                        </m:ctrlPr>
+                      </m:sSupPr>
+                      <m:e>
+                        <m:r>
+                          <a:rPr lang="en-US" b="0" i="1" smtClean="0">
+                            <a:latin typeface="Cambria Math" panose="02040503050406030204" pitchFamily="18" charset="0"/>
+                          </a:rPr>
+                          <m:t>2</m:t>
+                        </m:r>
+                      </m:e>
+                      <m:sup>
+                        <m:d>
+                          <m:dPr>
+                            <m:ctrlPr>
+                              <a:rPr lang="en-US" i="1" smtClean="0">
+                                <a:latin typeface="Cambria Math" panose="02040503050406030204" pitchFamily="18" charset="0"/>
+                              </a:rPr>
+                            </m:ctrlPr>
+                          </m:dPr>
+                          <m:e>
+                            <m:r>
+                              <a:rPr lang="en-US" b="0" i="1" smtClean="0">
+                                <a:latin typeface="Cambria Math" panose="02040503050406030204" pitchFamily="18" charset="0"/>
+                              </a:rPr>
+                              <m:t>32−</m:t>
+                            </m:r>
+                            <m:r>
+                              <a:rPr lang="en-US" b="0" i="1" smtClean="0">
+                                <a:latin typeface="Cambria Math" panose="02040503050406030204" pitchFamily="18" charset="0"/>
+                              </a:rPr>
+                              <m:t>𝑛</m:t>
+                            </m:r>
+                          </m:e>
+                        </m:d>
+                      </m:sup>
+                    </m:sSup>
+                  </m:oMath>
+                </a14:m>
+                <a:r>
+                  <a:rPr lang="en-US" dirty="0" smtClean="0"/>
+                  <a:t> where n is CIDR suffix</a:t>
+                </a:r>
+                <a:endParaRPr lang="en-US" dirty="0"/>
+              </a:p>
+            </p:txBody>
+          </p:sp>
+        </mc:Choice>
+        <mc:Fallback xmlns="">
+          <p:sp>
+            <p:nvSpPr>
+              <p:cNvPr id="3" name="Content Placeholder 2"/>
+              <p:cNvSpPr>
+                <a:spLocks noGrp="1" noRot="1" noChangeAspect="1" noMove="1" noResize="1" noEditPoints="1" noAdjustHandles="1" noChangeArrowheads="1" noChangeShapeType="1" noTextEdit="1"/>
+              </p:cNvSpPr>
+              <p:nvPr>
+                <p:ph idx="1"/>
+              </p:nvPr>
+            </p:nvSpPr>
+            <p:spPr>
+              <a:xfrm>
+                <a:off x="457200" y="1600200"/>
+                <a:ext cx="8229600" cy="5105400"/>
+              </a:xfrm>
+              <a:blipFill>
+                <a:blip r:embed="rId2"/>
+                <a:stretch>
+                  <a:fillRect l="-1259" t="-2509" r="-593"/>
+                </a:stretch>
+              </a:blipFill>
+            </p:spPr>
+            <p:txBody>
+              <a:bodyPr/>
+              <a:lstStyle/>
+              <a:p>
+                <a:r>
+                  <a:rPr lang="en-US">
+                    <a:noFill/>
+                  </a:rPr>
+                  <a:t> </a:t>
+                </a:r>
+              </a:p>
+            </p:txBody>
+          </p:sp>
+        </mc:Fallback>
+      </mc:AlternateContent>
+      <p:sp>
+        <p:nvSpPr>
+          <p:cNvPr id="4" name="Slide Number Placeholder 3"/>
+          <p:cNvSpPr>
+            <a:spLocks noGrp="1"/>
+          </p:cNvSpPr>
+          <p:nvPr>
+            <p:ph type="sldNum" sz="quarter" idx="12"/>
+          </p:nvPr>
+        </p:nvSpPr>
+        <p:spPr/>
+        <p:txBody>
+          <a:bodyPr/>
+          <a:lstStyle/>
+          <a:p>
+            <a:fld id="{6BE98711-CE87-4D2C-A4EE-CF4DC81676AA}" type="slidenum">
+              <a:rPr lang="en-US" smtClean="0"/>
+              <a:t>32</a:t>
+            </a:fld>
+            <a:endParaRPr lang="en-US"/>
+          </a:p>
+        </p:txBody>
+      </p:sp>
+    </p:spTree>
+    <p:extLst>
+      <p:ext uri="{BB962C8B-B14F-4D97-AF65-F5344CB8AC3E}">
+        <p14:creationId xmlns:p14="http://schemas.microsoft.com/office/powerpoint/2010/main" val="2358010826"/>
+      </p:ext>
+    </p:extLst>
+  </p:cSld>
+  <p:clrMapOvr>
+    <a:masterClrMapping/>
+  </p:clrMapOvr>
+</p:sld>
+</file>
+
+<file path=ppt/slides/slide33.xml><?xml version="1.0" encoding="utf-8"?>
+<p:sld xmlns:a="http://schemas.openxmlformats.org/drawingml/2006/main" xmlns:r="http://schemas.openxmlformats.org/officeDocument/2006/relationships" xmlns:p="http://schemas.openxmlformats.org/presentationml/2006/main">
+  <p:cSld>
+    <p:spTree>
+      <p:nvGrpSpPr>
+        <p:cNvPr id="1" name=""/>
+        <p:cNvGrpSpPr/>
+        <p:nvPr/>
+      </p:nvGrpSpPr>
+      <p:grpSpPr>
+        <a:xfrm>
+          <a:off x="0" y="0"/>
+          <a:ext cx="0" cy="0"/>
+          <a:chOff x="0" y="0"/>
+          <a:chExt cx="0" cy="0"/>
+        </a:xfrm>
+      </p:grpSpPr>
+      <p:sp>
+        <p:nvSpPr>
+          <p:cNvPr id="2" name="Title 1"/>
+          <p:cNvSpPr>
+            <a:spLocks noGrp="1"/>
+          </p:cNvSpPr>
+          <p:nvPr>
+            <p:ph type="title"/>
+          </p:nvPr>
+        </p:nvSpPr>
+        <p:spPr/>
+        <p:txBody>
+          <a:bodyPr/>
+          <a:lstStyle/>
+          <a:p>
+            <a:r>
+              <a:rPr lang="en-US" dirty="0" smtClean="0"/>
+              <a:t>RFC 1918</a:t>
+            </a:r>
+            <a:endParaRPr lang="en-US" dirty="0"/>
+          </a:p>
+        </p:txBody>
+      </p:sp>
+      <p:sp>
+        <p:nvSpPr>
+          <p:cNvPr id="3" name="Content Placeholder 2"/>
+          <p:cNvSpPr>
+            <a:spLocks noGrp="1"/>
+          </p:cNvSpPr>
+          <p:nvPr>
+            <p:ph idx="1"/>
+          </p:nvPr>
+        </p:nvSpPr>
+        <p:spPr/>
+        <p:txBody>
+          <a:bodyPr>
+            <a:normAutofit fontScale="85000" lnSpcReduction="10000"/>
+          </a:bodyPr>
+          <a:lstStyle/>
+          <a:p>
+            <a:r>
+              <a:rPr lang="en-US" dirty="0" smtClean="0"/>
+              <a:t>You don’t want, for example, a host with a public address of 192.168.1.23</a:t>
+            </a:r>
+          </a:p>
+          <a:p>
+            <a:pPr lvl="1"/>
+            <a:r>
+              <a:rPr lang="en-US" dirty="0" smtClean="0"/>
+              <a:t>If you’re on the 192.168.1.0/24 subnet, it’s ambiguous whether the message should be sent to the 192.168.1.23 on the local subnet, or the one on the Internet</a:t>
+            </a:r>
+          </a:p>
+          <a:p>
+            <a:r>
+              <a:rPr lang="en-US" dirty="0" smtClean="0"/>
+              <a:t>IETF (Internet Engineering Task Force) publishes RFCs (Request For Comment) with recommended networking guidelines</a:t>
+            </a:r>
+          </a:p>
+          <a:p>
+            <a:r>
+              <a:rPr lang="en-US" dirty="0" smtClean="0"/>
+              <a:t>RFC 1918 designates certain address ranges as private (i.e., only to be used in internal networks, never assigned as public IPs)</a:t>
+            </a:r>
+          </a:p>
+        </p:txBody>
+      </p:sp>
+      <p:sp>
+        <p:nvSpPr>
+          <p:cNvPr id="4" name="Slide Number Placeholder 3"/>
+          <p:cNvSpPr>
+            <a:spLocks noGrp="1"/>
+          </p:cNvSpPr>
+          <p:nvPr>
+            <p:ph type="sldNum" sz="quarter" idx="12"/>
+          </p:nvPr>
+        </p:nvSpPr>
+        <p:spPr/>
+        <p:txBody>
+          <a:bodyPr/>
+          <a:lstStyle/>
+          <a:p>
+            <a:fld id="{6BE98711-CE87-4D2C-A4EE-CF4DC81676AA}" type="slidenum">
+              <a:rPr lang="en-US" smtClean="0"/>
+              <a:t>33</a:t>
+            </a:fld>
+            <a:endParaRPr lang="en-US"/>
+          </a:p>
+        </p:txBody>
+      </p:sp>
+    </p:spTree>
+    <p:extLst>
+      <p:ext uri="{BB962C8B-B14F-4D97-AF65-F5344CB8AC3E}">
+        <p14:creationId xmlns:p14="http://schemas.microsoft.com/office/powerpoint/2010/main" val="3453682073"/>
+      </p:ext>
+    </p:extLst>
+  </p:cSld>
+  <p:clrMapOvr>
+    <a:masterClrMapping/>
+  </p:clrMapOvr>
+</p:sld>
+</file>
+
+<file path=ppt/slides/slide34.xml><?xml version="1.0" encoding="utf-8"?>
+<p:sld xmlns:a="http://schemas.openxmlformats.org/drawingml/2006/main" xmlns:r="http://schemas.openxmlformats.org/officeDocument/2006/relationships" xmlns:p="http://schemas.openxmlformats.org/presentationml/2006/main">
+  <p:cSld>
+    <p:spTree>
+      <p:nvGrpSpPr>
+        <p:cNvPr id="1" name=""/>
+        <p:cNvGrpSpPr/>
+        <p:nvPr/>
+      </p:nvGrpSpPr>
+      <p:grpSpPr>
+        <a:xfrm>
+          <a:off x="0" y="0"/>
+          <a:ext cx="0" cy="0"/>
+          <a:chOff x="0" y="0"/>
+          <a:chExt cx="0" cy="0"/>
+        </a:xfrm>
+      </p:grpSpPr>
+      <p:sp>
+        <p:nvSpPr>
+          <p:cNvPr id="2" name="Title 1"/>
+          <p:cNvSpPr>
+            <a:spLocks noGrp="1"/>
+          </p:cNvSpPr>
+          <p:nvPr>
+            <p:ph type="title"/>
+          </p:nvPr>
+        </p:nvSpPr>
+        <p:spPr/>
+        <p:txBody>
+          <a:bodyPr/>
+          <a:lstStyle/>
+          <a:p>
+            <a:r>
+              <a:rPr lang="en-US" dirty="0" smtClean="0"/>
+              <a:t>RFC 1918</a:t>
+            </a:r>
+            <a:endParaRPr lang="en-US" dirty="0"/>
+          </a:p>
+        </p:txBody>
+      </p:sp>
+      <p:sp>
+        <p:nvSpPr>
+          <p:cNvPr id="3" name="Content Placeholder 2"/>
+          <p:cNvSpPr>
+            <a:spLocks noGrp="1"/>
+          </p:cNvSpPr>
+          <p:nvPr>
+            <p:ph idx="1"/>
+          </p:nvPr>
+        </p:nvSpPr>
+        <p:spPr/>
+        <p:txBody>
+          <a:bodyPr>
+            <a:normAutofit fontScale="70000" lnSpcReduction="20000"/>
+          </a:bodyPr>
+          <a:lstStyle/>
+          <a:p>
+            <a:r>
+              <a:rPr lang="en-US" dirty="0" smtClean="0"/>
+              <a:t>Private address ranges:</a:t>
+            </a:r>
+          </a:p>
+          <a:p>
+            <a:pPr lvl="1"/>
+            <a:r>
+              <a:rPr lang="en-US" dirty="0" smtClean="0"/>
+              <a:t>10.0.0.0/8</a:t>
+            </a:r>
+          </a:p>
+          <a:p>
+            <a:pPr lvl="1"/>
+            <a:r>
+              <a:rPr lang="en-US" dirty="0" smtClean="0"/>
+              <a:t>172.16.0.0/12</a:t>
+            </a:r>
+          </a:p>
+          <a:p>
+            <a:pPr lvl="1"/>
+            <a:r>
+              <a:rPr lang="en-US" dirty="0" smtClean="0"/>
+              <a:t>192.168.0.0/24</a:t>
+            </a:r>
+          </a:p>
+          <a:p>
+            <a:r>
+              <a:rPr lang="en-US" dirty="0" smtClean="0"/>
+              <a:t>Other non-publicly-routable addresses:</a:t>
+            </a:r>
+          </a:p>
+          <a:p>
+            <a:pPr lvl="1"/>
+            <a:r>
+              <a:rPr lang="en-US" dirty="0" smtClean="0"/>
+              <a:t>169.254.0.0/16 </a:t>
+            </a:r>
+          </a:p>
+          <a:p>
+            <a:pPr lvl="2"/>
+            <a:r>
+              <a:rPr lang="en-US" i="1" dirty="0" err="1" smtClean="0"/>
+              <a:t>Autoconfiguration</a:t>
+            </a:r>
+            <a:r>
+              <a:rPr lang="en-US" dirty="0" smtClean="0"/>
+              <a:t> or </a:t>
+            </a:r>
+            <a:r>
+              <a:rPr lang="en-US" i="1" dirty="0" smtClean="0"/>
+              <a:t>link-local</a:t>
+            </a:r>
+            <a:r>
+              <a:rPr lang="en-US" dirty="0" smtClean="0"/>
+              <a:t> addresses; a host will often assign itself an address in this range if it was set up for DHCP, but couldn’t contact a DHCP server</a:t>
+            </a:r>
+          </a:p>
+          <a:p>
+            <a:pPr lvl="2"/>
+            <a:r>
+              <a:rPr lang="en-US" dirty="0" smtClean="0"/>
+              <a:t>Designated by RFC 3927</a:t>
+            </a:r>
+          </a:p>
+          <a:p>
+            <a:pPr lvl="1"/>
+            <a:r>
+              <a:rPr lang="en-US" dirty="0" smtClean="0"/>
+              <a:t>127.0.0.1 </a:t>
+            </a:r>
+          </a:p>
+          <a:p>
+            <a:pPr lvl="2"/>
+            <a:r>
+              <a:rPr lang="en-US" i="1" dirty="0" smtClean="0"/>
+              <a:t>Loopback </a:t>
+            </a:r>
+            <a:r>
+              <a:rPr lang="en-US" dirty="0" smtClean="0"/>
+              <a:t>address; used to “talk to yourself”</a:t>
+            </a:r>
+          </a:p>
+          <a:p>
+            <a:pPr lvl="2"/>
+            <a:r>
+              <a:rPr lang="en-US" dirty="0" smtClean="0"/>
+              <a:t>Any traffic sent to this address gets returned to the sender (without ever going “on the wire”)</a:t>
+            </a:r>
+          </a:p>
+          <a:p>
+            <a:pPr lvl="2"/>
+            <a:r>
+              <a:rPr lang="en-US" dirty="0" smtClean="0"/>
+              <a:t>Specified by RFC 1132</a:t>
+            </a:r>
+          </a:p>
+          <a:p>
+            <a:pPr lvl="2"/>
+            <a:r>
+              <a:rPr lang="en-US" dirty="0" smtClean="0"/>
+              <a:t>Always associated with the hostname “localhost”</a:t>
+            </a:r>
+            <a:endParaRPr lang="en-US" dirty="0"/>
+          </a:p>
+        </p:txBody>
+      </p:sp>
+      <p:sp>
+        <p:nvSpPr>
+          <p:cNvPr id="4" name="Slide Number Placeholder 3"/>
+          <p:cNvSpPr>
+            <a:spLocks noGrp="1"/>
+          </p:cNvSpPr>
+          <p:nvPr>
+            <p:ph type="sldNum" sz="quarter" idx="12"/>
+          </p:nvPr>
+        </p:nvSpPr>
+        <p:spPr/>
+        <p:txBody>
+          <a:bodyPr/>
+          <a:lstStyle/>
+          <a:p>
+            <a:fld id="{6BE98711-CE87-4D2C-A4EE-CF4DC81676AA}" type="slidenum">
+              <a:rPr lang="en-US" smtClean="0"/>
+              <a:t>34</a:t>
+            </a:fld>
+            <a:endParaRPr lang="en-US"/>
+          </a:p>
+        </p:txBody>
+      </p:sp>
+    </p:spTree>
+    <p:extLst>
+      <p:ext uri="{BB962C8B-B14F-4D97-AF65-F5344CB8AC3E}">
+        <p14:creationId xmlns:p14="http://schemas.microsoft.com/office/powerpoint/2010/main" val="3104285955"/>
+      </p:ext>
+    </p:extLst>
+  </p:cSld>
+  <p:clrMapOvr>
+    <a:masterClrMapping/>
+  </p:clrMapOvr>
+</p:sld>
+</file>
+
+<file path=ppt/slides/slide35.xml><?xml version="1.0" encoding="utf-8"?>
+<p:sld xmlns:a="http://schemas.openxmlformats.org/drawingml/2006/main" xmlns:r="http://schemas.openxmlformats.org/officeDocument/2006/relationships" xmlns:p="http://schemas.openxmlformats.org/presentationml/2006/main">
+  <p:cSld>
+    <p:spTree>
+      <p:nvGrpSpPr>
+        <p:cNvPr id="1" name=""/>
+        <p:cNvGrpSpPr/>
+        <p:nvPr/>
+      </p:nvGrpSpPr>
+      <p:grpSpPr>
+        <a:xfrm>
+          <a:off x="0" y="0"/>
+          <a:ext cx="0" cy="0"/>
+          <a:chOff x="0" y="0"/>
+          <a:chExt cx="0" cy="0"/>
+        </a:xfrm>
+      </p:grpSpPr>
+      <p:sp>
+        <p:nvSpPr>
+          <p:cNvPr id="2" name="Title 1"/>
+          <p:cNvSpPr>
+            <a:spLocks noGrp="1"/>
+          </p:cNvSpPr>
+          <p:nvPr>
+            <p:ph type="title"/>
+          </p:nvPr>
+        </p:nvSpPr>
+        <p:spPr/>
+        <p:txBody>
+          <a:bodyPr/>
+          <a:lstStyle/>
+          <a:p>
+            <a:r>
+              <a:rPr lang="en-US" dirty="0" smtClean="0"/>
+              <a:t>Routing</a:t>
+            </a:r>
+            <a:endParaRPr lang="en-US" dirty="0"/>
+          </a:p>
+        </p:txBody>
+      </p:sp>
+      <p:sp>
+        <p:nvSpPr>
+          <p:cNvPr id="3" name="Content Placeholder 2"/>
+          <p:cNvSpPr>
+            <a:spLocks noGrp="1"/>
+          </p:cNvSpPr>
+          <p:nvPr>
+            <p:ph idx="1"/>
+          </p:nvPr>
+        </p:nvSpPr>
+        <p:spPr/>
+        <p:txBody>
+          <a:bodyPr/>
+          <a:lstStyle/>
+          <a:p>
+            <a:r>
+              <a:rPr lang="en-US" dirty="0" smtClean="0"/>
+              <a:t>Routers are 2-or-more port devices</a:t>
+            </a:r>
+          </a:p>
+          <a:p>
+            <a:r>
+              <a:rPr lang="en-US" dirty="0" smtClean="0"/>
+              <a:t>They forward packets between networks</a:t>
+            </a:r>
+          </a:p>
+          <a:p>
+            <a:r>
+              <a:rPr lang="en-US" dirty="0" smtClean="0"/>
+              <a:t>Each port has an address on the network connected to it</a:t>
+            </a:r>
+          </a:p>
+          <a:p>
+            <a:r>
+              <a:rPr lang="en-US" dirty="0" smtClean="0"/>
+              <a:t>E.g., your home router normally has one port on your private network (commonly 192.168.1.1), and one port on the public network (Internet)</a:t>
+            </a:r>
+            <a:endParaRPr lang="en-US" dirty="0"/>
+          </a:p>
+        </p:txBody>
+      </p:sp>
+      <p:sp>
+        <p:nvSpPr>
+          <p:cNvPr id="4" name="Slide Number Placeholder 3"/>
+          <p:cNvSpPr>
+            <a:spLocks noGrp="1"/>
+          </p:cNvSpPr>
+          <p:nvPr>
+            <p:ph type="sldNum" sz="quarter" idx="12"/>
+          </p:nvPr>
+        </p:nvSpPr>
+        <p:spPr/>
+        <p:txBody>
+          <a:bodyPr/>
+          <a:lstStyle/>
+          <a:p>
+            <a:fld id="{6BE98711-CE87-4D2C-A4EE-CF4DC81676AA}" type="slidenum">
+              <a:rPr lang="en-US" smtClean="0"/>
+              <a:t>35</a:t>
+            </a:fld>
+            <a:endParaRPr lang="en-US"/>
+          </a:p>
+        </p:txBody>
+      </p:sp>
+    </p:spTree>
+    <p:extLst>
+      <p:ext uri="{BB962C8B-B14F-4D97-AF65-F5344CB8AC3E}">
+        <p14:creationId xmlns:p14="http://schemas.microsoft.com/office/powerpoint/2010/main" val="3875421897"/>
+      </p:ext>
+    </p:extLst>
+  </p:cSld>
+  <p:clrMapOvr>
+    <a:masterClrMapping/>
+  </p:clrMapOvr>
+</p:sld>
+</file>
+
+<file path=ppt/slides/slide36.xml><?xml version="1.0" encoding="utf-8"?>
+<p:sld xmlns:a="http://schemas.openxmlformats.org/drawingml/2006/main" xmlns:r="http://schemas.openxmlformats.org/officeDocument/2006/relationships" xmlns:p="http://schemas.openxmlformats.org/presentationml/2006/main">
+  <p:cSld>
+    <p:spTree>
+      <p:nvGrpSpPr>
+        <p:cNvPr id="1" name=""/>
+        <p:cNvGrpSpPr/>
+        <p:nvPr/>
+      </p:nvGrpSpPr>
+      <p:grpSpPr>
+        <a:xfrm>
+          <a:off x="0" y="0"/>
+          <a:ext cx="0" cy="0"/>
+          <a:chOff x="0" y="0"/>
+          <a:chExt cx="0" cy="0"/>
+        </a:xfrm>
+      </p:grpSpPr>
+      <p:sp>
+        <p:nvSpPr>
+          <p:cNvPr id="2" name="Title 1"/>
+          <p:cNvSpPr>
+            <a:spLocks noGrp="1"/>
+          </p:cNvSpPr>
+          <p:nvPr>
+            <p:ph type="title"/>
+          </p:nvPr>
+        </p:nvSpPr>
+        <p:spPr/>
+        <p:txBody>
+          <a:bodyPr/>
+          <a:lstStyle/>
+          <a:p>
+            <a:r>
+              <a:rPr lang="en-US" dirty="0" smtClean="0"/>
+              <a:t>Routing</a:t>
+            </a:r>
+            <a:endParaRPr lang="en-US" dirty="0"/>
+          </a:p>
+        </p:txBody>
+      </p:sp>
+      <p:sp>
+        <p:nvSpPr>
+          <p:cNvPr id="3" name="Content Placeholder 2"/>
+          <p:cNvSpPr>
+            <a:spLocks noGrp="1"/>
+          </p:cNvSpPr>
+          <p:nvPr>
+            <p:ph idx="1"/>
+          </p:nvPr>
+        </p:nvSpPr>
+        <p:spPr/>
+        <p:txBody>
+          <a:bodyPr/>
+          <a:lstStyle/>
+          <a:p>
+            <a:r>
+              <a:rPr lang="en-US" dirty="0" smtClean="0"/>
+              <a:t>To sent a packet to (for example) 8.8.8.8:</a:t>
+            </a:r>
+          </a:p>
+          <a:p>
+            <a:pPr lvl="1"/>
+            <a:r>
+              <a:rPr lang="en-US" dirty="0" smtClean="0"/>
+              <a:t>Your computer (192.168.1.2) sends a packet to your router (192.168.1.1)</a:t>
+            </a:r>
+          </a:p>
+          <a:p>
+            <a:pPr lvl="1"/>
+            <a:r>
+              <a:rPr lang="en-US" dirty="0" smtClean="0"/>
+              <a:t>Your router inspects the destination IP address and sees that the packet is headed to somewhere outside your private network</a:t>
+            </a:r>
+            <a:endParaRPr lang="en-US" dirty="0" smtClean="0"/>
+          </a:p>
+          <a:p>
+            <a:pPr lvl="1"/>
+            <a:r>
+              <a:rPr lang="en-US" dirty="0" smtClean="0"/>
+              <a:t>Your router sends the packet from its public address to 8.8.8.8</a:t>
+            </a:r>
+            <a:endParaRPr lang="en-US" dirty="0" smtClean="0"/>
+          </a:p>
+        </p:txBody>
+      </p:sp>
+      <p:sp>
+        <p:nvSpPr>
+          <p:cNvPr id="4" name="Slide Number Placeholder 3"/>
+          <p:cNvSpPr>
+            <a:spLocks noGrp="1"/>
+          </p:cNvSpPr>
+          <p:nvPr>
+            <p:ph type="sldNum" sz="quarter" idx="12"/>
+          </p:nvPr>
+        </p:nvSpPr>
+        <p:spPr/>
+        <p:txBody>
+          <a:bodyPr/>
+          <a:lstStyle/>
+          <a:p>
+            <a:fld id="{6BE98711-CE87-4D2C-A4EE-CF4DC81676AA}" type="slidenum">
+              <a:rPr lang="en-US" smtClean="0"/>
+              <a:t>36</a:t>
+            </a:fld>
+            <a:endParaRPr lang="en-US"/>
+          </a:p>
+        </p:txBody>
+      </p:sp>
+    </p:spTree>
+    <p:extLst>
+      <p:ext uri="{BB962C8B-B14F-4D97-AF65-F5344CB8AC3E}">
+        <p14:creationId xmlns:p14="http://schemas.microsoft.com/office/powerpoint/2010/main" val="3797607765"/>
+      </p:ext>
+    </p:extLst>
+  </p:cSld>
+  <p:clrMapOvr>
+    <a:masterClrMapping/>
+  </p:clrMapOvr>
+</p:sld>
+</file>
+
+<file path=ppt/slides/slide37.xml><?xml version="1.0" encoding="utf-8"?>
+<p:sld xmlns:a="http://schemas.openxmlformats.org/drawingml/2006/main" xmlns:r="http://schemas.openxmlformats.org/officeDocument/2006/relationships" xmlns:p="http://schemas.openxmlformats.org/presentationml/2006/main">
+  <p:cSld>
+    <p:spTree>
+      <p:nvGrpSpPr>
+        <p:cNvPr id="1" name=""/>
+        <p:cNvGrpSpPr/>
+        <p:nvPr/>
+      </p:nvGrpSpPr>
+      <p:grpSpPr>
+        <a:xfrm>
+          <a:off x="0" y="0"/>
+          <a:ext cx="0" cy="0"/>
+          <a:chOff x="0" y="0"/>
+          <a:chExt cx="0" cy="0"/>
+        </a:xfrm>
+      </p:grpSpPr>
+      <p:sp>
+        <p:nvSpPr>
+          <p:cNvPr id="2" name="Title 1"/>
+          <p:cNvSpPr>
+            <a:spLocks noGrp="1"/>
+          </p:cNvSpPr>
+          <p:nvPr>
+            <p:ph type="title"/>
+          </p:nvPr>
+        </p:nvSpPr>
+        <p:spPr/>
+        <p:txBody>
+          <a:bodyPr/>
+          <a:lstStyle/>
+          <a:p>
+            <a:r>
+              <a:rPr lang="en-US" dirty="0" smtClean="0"/>
+              <a:t>NAT</a:t>
+            </a:r>
+            <a:endParaRPr lang="en-US" dirty="0"/>
+          </a:p>
+        </p:txBody>
+      </p:sp>
+      <p:sp>
+        <p:nvSpPr>
+          <p:cNvPr id="3" name="Content Placeholder 2"/>
+          <p:cNvSpPr>
+            <a:spLocks noGrp="1"/>
+          </p:cNvSpPr>
+          <p:nvPr>
+            <p:ph idx="1"/>
+          </p:nvPr>
+        </p:nvSpPr>
+        <p:spPr/>
+        <p:txBody>
+          <a:bodyPr/>
+          <a:lstStyle/>
+          <a:p>
+            <a:r>
+              <a:rPr lang="en-US" dirty="0" smtClean="0"/>
+              <a:t>Network Address Translation</a:t>
+            </a:r>
+          </a:p>
+          <a:p>
+            <a:r>
+              <a:rPr lang="en-US" dirty="0" smtClean="0"/>
+              <a:t>Allows many hosts (private network) to be communicate on the Internet with a single public IP</a:t>
+            </a:r>
+          </a:p>
+          <a:p>
+            <a:endParaRPr lang="en-US" dirty="0"/>
+          </a:p>
+        </p:txBody>
+      </p:sp>
+      <p:sp>
+        <p:nvSpPr>
+          <p:cNvPr id="4" name="Slide Number Placeholder 3"/>
+          <p:cNvSpPr>
+            <a:spLocks noGrp="1"/>
+          </p:cNvSpPr>
+          <p:nvPr>
+            <p:ph type="sldNum" sz="quarter" idx="12"/>
+          </p:nvPr>
+        </p:nvSpPr>
+        <p:spPr/>
+        <p:txBody>
+          <a:bodyPr/>
+          <a:lstStyle/>
+          <a:p>
+            <a:fld id="{6BE98711-CE87-4D2C-A4EE-CF4DC81676AA}" type="slidenum">
+              <a:rPr lang="en-US" smtClean="0"/>
+              <a:t>37</a:t>
+            </a:fld>
+            <a:endParaRPr lang="en-US"/>
+          </a:p>
+        </p:txBody>
+      </p:sp>
+    </p:spTree>
+    <p:extLst>
+      <p:ext uri="{BB962C8B-B14F-4D97-AF65-F5344CB8AC3E}">
+        <p14:creationId xmlns:p14="http://schemas.microsoft.com/office/powerpoint/2010/main" val="731414752"/>
+      </p:ext>
+    </p:extLst>
+  </p:cSld>
+  <p:clrMapOvr>
+    <a:masterClrMapping/>
+  </p:clrMapOvr>
+</p:sld>
+</file>
+
+<file path=ppt/slides/slide38.xml><?xml version="1.0" encoding="utf-8"?>
+<p:sld xmlns:a="http://schemas.openxmlformats.org/drawingml/2006/main" xmlns:r="http://schemas.openxmlformats.org/officeDocument/2006/relationships" xmlns:p="http://schemas.openxmlformats.org/presentationml/2006/main">
+  <p:cSld>
+    <p:spTree>
+      <p:nvGrpSpPr>
+        <p:cNvPr id="1" name=""/>
+        <p:cNvGrpSpPr/>
+        <p:nvPr/>
+      </p:nvGrpSpPr>
+      <p:grpSpPr>
+        <a:xfrm>
+          <a:off x="0" y="0"/>
+          <a:ext cx="0" cy="0"/>
+          <a:chOff x="0" y="0"/>
+          <a:chExt cx="0" cy="0"/>
+        </a:xfrm>
+      </p:grpSpPr>
+      <p:sp>
+        <p:nvSpPr>
+          <p:cNvPr id="2" name="Title 1"/>
+          <p:cNvSpPr>
+            <a:spLocks noGrp="1"/>
+          </p:cNvSpPr>
+          <p:nvPr>
+            <p:ph type="title"/>
+          </p:nvPr>
+        </p:nvSpPr>
+        <p:spPr/>
+        <p:txBody>
+          <a:bodyPr/>
+          <a:lstStyle/>
+          <a:p>
+            <a:r>
+              <a:rPr lang="en-US" dirty="0" smtClean="0"/>
+              <a:t>NAT</a:t>
+            </a:r>
+            <a:endParaRPr lang="en-US" dirty="0"/>
+          </a:p>
+        </p:txBody>
+      </p:sp>
+      <p:sp>
+        <p:nvSpPr>
+          <p:cNvPr id="3" name="Content Placeholder 2"/>
+          <p:cNvSpPr>
+            <a:spLocks noGrp="1"/>
+          </p:cNvSpPr>
+          <p:nvPr>
+            <p:ph idx="1"/>
+          </p:nvPr>
+        </p:nvSpPr>
+        <p:spPr/>
+        <p:txBody>
+          <a:bodyPr/>
+          <a:lstStyle/>
+          <a:p>
+            <a:r>
+              <a:rPr lang="en-US" dirty="0" smtClean="0"/>
+              <a:t>Example</a:t>
+            </a:r>
+          </a:p>
+          <a:p>
+            <a:pPr lvl="1"/>
+            <a:r>
+              <a:rPr lang="en-US" dirty="0" smtClean="0"/>
+              <a:t>You have a private IP of 192.168.1.2</a:t>
+            </a:r>
+          </a:p>
+          <a:p>
+            <a:pPr lvl="1"/>
+            <a:r>
+              <a:rPr lang="en-US" dirty="0" smtClean="0"/>
+              <a:t>Your router has a private IP of 192.168.1.1 and a public IP of 47.41.14.152</a:t>
+            </a:r>
+          </a:p>
+          <a:p>
+            <a:endParaRPr lang="en-US" dirty="0"/>
+          </a:p>
+        </p:txBody>
+      </p:sp>
+      <p:sp>
+        <p:nvSpPr>
+          <p:cNvPr id="4" name="Slide Number Placeholder 3"/>
+          <p:cNvSpPr>
+            <a:spLocks noGrp="1"/>
+          </p:cNvSpPr>
+          <p:nvPr>
+            <p:ph type="sldNum" sz="quarter" idx="12"/>
+          </p:nvPr>
+        </p:nvSpPr>
+        <p:spPr/>
+        <p:txBody>
+          <a:bodyPr/>
+          <a:lstStyle/>
+          <a:p>
+            <a:fld id="{6BE98711-CE87-4D2C-A4EE-CF4DC81676AA}" type="slidenum">
+              <a:rPr lang="en-US" smtClean="0"/>
+              <a:t>38</a:t>
+            </a:fld>
+            <a:endParaRPr lang="en-US"/>
+          </a:p>
+        </p:txBody>
+      </p:sp>
+      <p:pic>
+        <p:nvPicPr>
+          <p:cNvPr id="5" name="Picture 4"/>
+          <p:cNvPicPr>
+            <a:picLocks noChangeAspect="1"/>
+          </p:cNvPicPr>
+          <p:nvPr/>
+        </p:nvPicPr>
+        <p:blipFill>
+          <a:blip r:embed="rId2">
+            <a:extLst>
+              <a:ext uri="{28A0092B-C50C-407E-A947-70E740481C1C}">
+                <a14:useLocalDpi xmlns:a14="http://schemas.microsoft.com/office/drawing/2010/main" val="0"/>
+              </a:ext>
+            </a:extLst>
+          </a:blip>
+          <a:stretch>
+            <a:fillRect/>
+          </a:stretch>
+        </p:blipFill>
+        <p:spPr>
+          <a:xfrm>
+            <a:off x="1066800" y="3644900"/>
+            <a:ext cx="6743700" cy="3076575"/>
+          </a:xfrm>
+          <a:prstGeom prst="rect">
+            <a:avLst/>
+          </a:prstGeom>
+        </p:spPr>
+      </p:pic>
+    </p:spTree>
+    <p:extLst>
+      <p:ext uri="{BB962C8B-B14F-4D97-AF65-F5344CB8AC3E}">
+        <p14:creationId xmlns:p14="http://schemas.microsoft.com/office/powerpoint/2010/main" val="3148178401"/>
+      </p:ext>
+    </p:extLst>
+  </p:cSld>
+  <p:clrMapOvr>
+    <a:masterClrMapping/>
+  </p:clrMapOvr>
+</p:sld>
+</file>
+
+<file path=ppt/slides/slide39.xml><?xml version="1.0" encoding="utf-8"?>
+<p:sld xmlns:a="http://schemas.openxmlformats.org/drawingml/2006/main" xmlns:r="http://schemas.openxmlformats.org/officeDocument/2006/relationships" xmlns:p="http://schemas.openxmlformats.org/presentationml/2006/main">
+  <p:cSld>
+    <p:spTree>
+      <p:nvGrpSpPr>
+        <p:cNvPr id="1" name=""/>
+        <p:cNvGrpSpPr/>
+        <p:nvPr/>
+      </p:nvGrpSpPr>
+      <p:grpSpPr>
+        <a:xfrm>
+          <a:off x="0" y="0"/>
+          <a:ext cx="0" cy="0"/>
+          <a:chOff x="0" y="0"/>
+          <a:chExt cx="0" cy="0"/>
+        </a:xfrm>
+      </p:grpSpPr>
+      <p:sp>
+        <p:nvSpPr>
+          <p:cNvPr id="2" name="Title 1"/>
+          <p:cNvSpPr>
+            <a:spLocks noGrp="1"/>
+          </p:cNvSpPr>
+          <p:nvPr>
+            <p:ph type="title"/>
+          </p:nvPr>
+        </p:nvSpPr>
+        <p:spPr/>
+        <p:txBody>
+          <a:bodyPr/>
+          <a:lstStyle/>
+          <a:p>
+            <a:r>
+              <a:rPr lang="en-US" dirty="0" smtClean="0"/>
+              <a:t>NAT</a:t>
+            </a:r>
+            <a:endParaRPr lang="en-US" dirty="0"/>
+          </a:p>
+        </p:txBody>
+      </p:sp>
+      <p:sp>
+        <p:nvSpPr>
+          <p:cNvPr id="3" name="Content Placeholder 2"/>
+          <p:cNvSpPr>
+            <a:spLocks noGrp="1"/>
+          </p:cNvSpPr>
+          <p:nvPr>
+            <p:ph idx="1"/>
+          </p:nvPr>
+        </p:nvSpPr>
+        <p:spPr>
+          <a:xfrm>
+            <a:off x="457200" y="1600201"/>
+            <a:ext cx="8229600" cy="2044700"/>
+          </a:xfrm>
+        </p:spPr>
+        <p:txBody>
+          <a:bodyPr>
+            <a:normAutofit lnSpcReduction="10000"/>
+          </a:bodyPr>
+          <a:lstStyle/>
+          <a:p>
+            <a:r>
+              <a:rPr lang="en-US" dirty="0" smtClean="0"/>
+              <a:t>You send a message to 8.8.8.8</a:t>
+            </a:r>
+          </a:p>
+          <a:p>
+            <a:r>
+              <a:rPr lang="en-US" dirty="0" smtClean="0"/>
+              <a:t>Your router rewrites the packet’s source to 47.41.14.152</a:t>
+            </a:r>
+          </a:p>
+          <a:p>
+            <a:r>
+              <a:rPr lang="en-US" dirty="0" smtClean="0"/>
+              <a:t>Your router sends the packet to 8.8.8.8</a:t>
+            </a:r>
+            <a:endParaRPr lang="en-US" dirty="0"/>
+          </a:p>
+        </p:txBody>
+      </p:sp>
+      <p:sp>
+        <p:nvSpPr>
+          <p:cNvPr id="4" name="Slide Number Placeholder 3"/>
+          <p:cNvSpPr>
+            <a:spLocks noGrp="1"/>
+          </p:cNvSpPr>
+          <p:nvPr>
+            <p:ph type="sldNum" sz="quarter" idx="12"/>
+          </p:nvPr>
+        </p:nvSpPr>
+        <p:spPr/>
+        <p:txBody>
+          <a:bodyPr/>
+          <a:lstStyle/>
+          <a:p>
+            <a:fld id="{6BE98711-CE87-4D2C-A4EE-CF4DC81676AA}" type="slidenum">
+              <a:rPr lang="en-US" smtClean="0"/>
+              <a:t>39</a:t>
+            </a:fld>
+            <a:endParaRPr lang="en-US"/>
+          </a:p>
+        </p:txBody>
+      </p:sp>
+      <p:pic>
+        <p:nvPicPr>
+          <p:cNvPr id="5" name="Picture 4"/>
+          <p:cNvPicPr>
+            <a:picLocks noChangeAspect="1"/>
+          </p:cNvPicPr>
+          <p:nvPr/>
+        </p:nvPicPr>
+        <p:blipFill>
+          <a:blip r:embed="rId2">
+            <a:extLst>
+              <a:ext uri="{28A0092B-C50C-407E-A947-70E740481C1C}">
+                <a14:useLocalDpi xmlns:a14="http://schemas.microsoft.com/office/drawing/2010/main" val="0"/>
+              </a:ext>
+            </a:extLst>
+          </a:blip>
+          <a:stretch>
+            <a:fillRect/>
+          </a:stretch>
+        </p:blipFill>
+        <p:spPr>
+          <a:xfrm>
+            <a:off x="1066800" y="3644900"/>
+            <a:ext cx="6743700" cy="3076575"/>
+          </a:xfrm>
+          <a:prstGeom prst="rect">
+            <a:avLst/>
+          </a:prstGeom>
+        </p:spPr>
+      </p:pic>
+    </p:spTree>
+    <p:extLst>
+      <p:ext uri="{BB962C8B-B14F-4D97-AF65-F5344CB8AC3E}">
+        <p14:creationId xmlns:p14="http://schemas.microsoft.com/office/powerpoint/2010/main" val="1694829000"/>
       </p:ext>
     </p:extLst>
   </p:cSld>
@@ -3776,10 +8637,1469 @@
           </a:p>
         </p:txBody>
       </p:sp>
+      <p:sp>
+        <p:nvSpPr>
+          <p:cNvPr id="4" name="Slide Number Placeholder 3"/>
+          <p:cNvSpPr>
+            <a:spLocks noGrp="1"/>
+          </p:cNvSpPr>
+          <p:nvPr>
+            <p:ph type="sldNum" sz="quarter" idx="12"/>
+          </p:nvPr>
+        </p:nvSpPr>
+        <p:spPr/>
+        <p:txBody>
+          <a:bodyPr/>
+          <a:lstStyle/>
+          <a:p>
+            <a:fld id="{6BE98711-CE87-4D2C-A4EE-CF4DC81676AA}" type="slidenum">
+              <a:rPr lang="en-US" smtClean="0"/>
+              <a:t>4</a:t>
+            </a:fld>
+            <a:endParaRPr lang="en-US"/>
+          </a:p>
+        </p:txBody>
+      </p:sp>
     </p:spTree>
     <p:extLst>
       <p:ext uri="{BB962C8B-B14F-4D97-AF65-F5344CB8AC3E}">
         <p14:creationId xmlns:p14="http://schemas.microsoft.com/office/powerpoint/2010/main" val="3568547489"/>
+      </p:ext>
+    </p:extLst>
+  </p:cSld>
+  <p:clrMapOvr>
+    <a:masterClrMapping/>
+  </p:clrMapOvr>
+</p:sld>
+</file>
+
+<file path=ppt/slides/slide40.xml><?xml version="1.0" encoding="utf-8"?>
+<p:sld xmlns:a="http://schemas.openxmlformats.org/drawingml/2006/main" xmlns:r="http://schemas.openxmlformats.org/officeDocument/2006/relationships" xmlns:p="http://schemas.openxmlformats.org/presentationml/2006/main">
+  <p:cSld>
+    <p:spTree>
+      <p:nvGrpSpPr>
+        <p:cNvPr id="1" name=""/>
+        <p:cNvGrpSpPr/>
+        <p:nvPr/>
+      </p:nvGrpSpPr>
+      <p:grpSpPr>
+        <a:xfrm>
+          <a:off x="0" y="0"/>
+          <a:ext cx="0" cy="0"/>
+          <a:chOff x="0" y="0"/>
+          <a:chExt cx="0" cy="0"/>
+        </a:xfrm>
+      </p:grpSpPr>
+      <p:sp>
+        <p:nvSpPr>
+          <p:cNvPr id="2" name="Title 1"/>
+          <p:cNvSpPr>
+            <a:spLocks noGrp="1"/>
+          </p:cNvSpPr>
+          <p:nvPr>
+            <p:ph type="title"/>
+          </p:nvPr>
+        </p:nvSpPr>
+        <p:spPr/>
+        <p:txBody>
+          <a:bodyPr/>
+          <a:lstStyle/>
+          <a:p>
+            <a:r>
+              <a:rPr lang="en-US" dirty="0" smtClean="0"/>
+              <a:t>NAT</a:t>
+            </a:r>
+            <a:endParaRPr lang="en-US" dirty="0"/>
+          </a:p>
+        </p:txBody>
+      </p:sp>
+      <p:sp>
+        <p:nvSpPr>
+          <p:cNvPr id="3" name="Content Placeholder 2"/>
+          <p:cNvSpPr>
+            <a:spLocks noGrp="1"/>
+          </p:cNvSpPr>
+          <p:nvPr>
+            <p:ph idx="1"/>
+          </p:nvPr>
+        </p:nvSpPr>
+        <p:spPr>
+          <a:xfrm>
+            <a:off x="457200" y="1600201"/>
+            <a:ext cx="8229600" cy="2044700"/>
+          </a:xfrm>
+        </p:spPr>
+        <p:txBody>
+          <a:bodyPr>
+            <a:normAutofit lnSpcReduction="10000"/>
+          </a:bodyPr>
+          <a:lstStyle/>
+          <a:p>
+            <a:r>
+              <a:rPr lang="en-US" dirty="0" smtClean="0"/>
+              <a:t>8.8.8.8 send a reply to 47.41.14.152</a:t>
+            </a:r>
+          </a:p>
+          <a:p>
+            <a:r>
+              <a:rPr lang="en-US" dirty="0" smtClean="0"/>
+              <a:t>Your router rewrites the destination IP to 192.168.1.2</a:t>
+            </a:r>
+          </a:p>
+          <a:p>
+            <a:r>
+              <a:rPr lang="en-US" dirty="0" smtClean="0"/>
+              <a:t>You receive the reply, apparently from 8.8.8.8</a:t>
+            </a:r>
+            <a:endParaRPr lang="en-US" dirty="0"/>
+          </a:p>
+        </p:txBody>
+      </p:sp>
+      <p:sp>
+        <p:nvSpPr>
+          <p:cNvPr id="4" name="Slide Number Placeholder 3"/>
+          <p:cNvSpPr>
+            <a:spLocks noGrp="1"/>
+          </p:cNvSpPr>
+          <p:nvPr>
+            <p:ph type="sldNum" sz="quarter" idx="12"/>
+          </p:nvPr>
+        </p:nvSpPr>
+        <p:spPr/>
+        <p:txBody>
+          <a:bodyPr/>
+          <a:lstStyle/>
+          <a:p>
+            <a:fld id="{6BE98711-CE87-4D2C-A4EE-CF4DC81676AA}" type="slidenum">
+              <a:rPr lang="en-US" smtClean="0"/>
+              <a:t>40</a:t>
+            </a:fld>
+            <a:endParaRPr lang="en-US"/>
+          </a:p>
+        </p:txBody>
+      </p:sp>
+      <p:pic>
+        <p:nvPicPr>
+          <p:cNvPr id="5" name="Picture 4"/>
+          <p:cNvPicPr>
+            <a:picLocks noChangeAspect="1"/>
+          </p:cNvPicPr>
+          <p:nvPr/>
+        </p:nvPicPr>
+        <p:blipFill>
+          <a:blip r:embed="rId2">
+            <a:extLst>
+              <a:ext uri="{28A0092B-C50C-407E-A947-70E740481C1C}">
+                <a14:useLocalDpi xmlns:a14="http://schemas.microsoft.com/office/drawing/2010/main" val="0"/>
+              </a:ext>
+            </a:extLst>
+          </a:blip>
+          <a:stretch>
+            <a:fillRect/>
+          </a:stretch>
+        </p:blipFill>
+        <p:spPr>
+          <a:xfrm>
+            <a:off x="1066800" y="3644900"/>
+            <a:ext cx="6743700" cy="3076575"/>
+          </a:xfrm>
+          <a:prstGeom prst="rect">
+            <a:avLst/>
+          </a:prstGeom>
+        </p:spPr>
+      </p:pic>
+    </p:spTree>
+    <p:extLst>
+      <p:ext uri="{BB962C8B-B14F-4D97-AF65-F5344CB8AC3E}">
+        <p14:creationId xmlns:p14="http://schemas.microsoft.com/office/powerpoint/2010/main" val="4001447842"/>
+      </p:ext>
+    </p:extLst>
+  </p:cSld>
+  <p:clrMapOvr>
+    <a:masterClrMapping/>
+  </p:clrMapOvr>
+</p:sld>
+</file>
+
+<file path=ppt/slides/slide41.xml><?xml version="1.0" encoding="utf-8"?>
+<p:sld xmlns:a="http://schemas.openxmlformats.org/drawingml/2006/main" xmlns:r="http://schemas.openxmlformats.org/officeDocument/2006/relationships" xmlns:p="http://schemas.openxmlformats.org/presentationml/2006/main">
+  <p:cSld>
+    <p:spTree>
+      <p:nvGrpSpPr>
+        <p:cNvPr id="1" name=""/>
+        <p:cNvGrpSpPr/>
+        <p:nvPr/>
+      </p:nvGrpSpPr>
+      <p:grpSpPr>
+        <a:xfrm>
+          <a:off x="0" y="0"/>
+          <a:ext cx="0" cy="0"/>
+          <a:chOff x="0" y="0"/>
+          <a:chExt cx="0" cy="0"/>
+        </a:xfrm>
+      </p:grpSpPr>
+      <p:sp>
+        <p:nvSpPr>
+          <p:cNvPr id="2" name="Title 1"/>
+          <p:cNvSpPr>
+            <a:spLocks noGrp="1"/>
+          </p:cNvSpPr>
+          <p:nvPr>
+            <p:ph type="title"/>
+          </p:nvPr>
+        </p:nvSpPr>
+        <p:spPr/>
+        <p:txBody>
+          <a:bodyPr/>
+          <a:lstStyle/>
+          <a:p>
+            <a:r>
+              <a:rPr lang="en-US" dirty="0" smtClean="0"/>
+              <a:t>DHCP</a:t>
+            </a:r>
+            <a:endParaRPr lang="en-US" dirty="0"/>
+          </a:p>
+        </p:txBody>
+      </p:sp>
+      <p:sp>
+        <p:nvSpPr>
+          <p:cNvPr id="3" name="Content Placeholder 2"/>
+          <p:cNvSpPr>
+            <a:spLocks noGrp="1"/>
+          </p:cNvSpPr>
+          <p:nvPr>
+            <p:ph idx="1"/>
+          </p:nvPr>
+        </p:nvSpPr>
+        <p:spPr/>
+        <p:txBody>
+          <a:bodyPr>
+            <a:normAutofit/>
+          </a:bodyPr>
+          <a:lstStyle/>
+          <a:p>
+            <a:r>
+              <a:rPr lang="en-US" dirty="0" smtClean="0"/>
+              <a:t>“Dynamic Host Configuration Protocol”</a:t>
+            </a:r>
+          </a:p>
+          <a:p>
+            <a:r>
+              <a:rPr lang="en-US" dirty="0" smtClean="0"/>
+              <a:t>Allows hosts to automatically get set up on new </a:t>
+            </a:r>
+            <a:r>
+              <a:rPr lang="en-US" dirty="0" smtClean="0"/>
+              <a:t>networks</a:t>
+            </a:r>
+          </a:p>
+          <a:p>
+            <a:r>
+              <a:rPr lang="en-US" dirty="0" smtClean="0"/>
+              <a:t>The protocol itself is at Layer 7, but assigns Layer 3 addresses</a:t>
+            </a:r>
+            <a:endParaRPr lang="en-US" dirty="0" smtClean="0"/>
+          </a:p>
+          <a:p>
+            <a:endParaRPr lang="en-US" dirty="0"/>
+          </a:p>
+        </p:txBody>
+      </p:sp>
+      <p:sp>
+        <p:nvSpPr>
+          <p:cNvPr id="5" name="Slide Number Placeholder 4"/>
+          <p:cNvSpPr>
+            <a:spLocks noGrp="1"/>
+          </p:cNvSpPr>
+          <p:nvPr>
+            <p:ph type="sldNum" sz="quarter" idx="12"/>
+          </p:nvPr>
+        </p:nvSpPr>
+        <p:spPr/>
+        <p:txBody>
+          <a:bodyPr/>
+          <a:lstStyle/>
+          <a:p>
+            <a:fld id="{6BE98711-CE87-4D2C-A4EE-CF4DC81676AA}" type="slidenum">
+              <a:rPr lang="en-US" smtClean="0"/>
+              <a:t>41</a:t>
+            </a:fld>
+            <a:endParaRPr lang="en-US"/>
+          </a:p>
+        </p:txBody>
+      </p:sp>
+    </p:spTree>
+    <p:extLst>
+      <p:ext uri="{BB962C8B-B14F-4D97-AF65-F5344CB8AC3E}">
+        <p14:creationId xmlns:p14="http://schemas.microsoft.com/office/powerpoint/2010/main" val="53059178"/>
+      </p:ext>
+    </p:extLst>
+  </p:cSld>
+  <p:clrMapOvr>
+    <a:masterClrMapping/>
+  </p:clrMapOvr>
+</p:sld>
+</file>
+
+<file path=ppt/slides/slide42.xml><?xml version="1.0" encoding="utf-8"?>
+<p:sld xmlns:a="http://schemas.openxmlformats.org/drawingml/2006/main" xmlns:r="http://schemas.openxmlformats.org/officeDocument/2006/relationships" xmlns:p="http://schemas.openxmlformats.org/presentationml/2006/main">
+  <p:cSld>
+    <p:spTree>
+      <p:nvGrpSpPr>
+        <p:cNvPr id="1" name=""/>
+        <p:cNvGrpSpPr/>
+        <p:nvPr/>
+      </p:nvGrpSpPr>
+      <p:grpSpPr>
+        <a:xfrm>
+          <a:off x="0" y="0"/>
+          <a:ext cx="0" cy="0"/>
+          <a:chOff x="0" y="0"/>
+          <a:chExt cx="0" cy="0"/>
+        </a:xfrm>
+      </p:grpSpPr>
+      <p:sp>
+        <p:nvSpPr>
+          <p:cNvPr id="2" name="Title 1"/>
+          <p:cNvSpPr>
+            <a:spLocks noGrp="1"/>
+          </p:cNvSpPr>
+          <p:nvPr>
+            <p:ph type="title"/>
+          </p:nvPr>
+        </p:nvSpPr>
+        <p:spPr/>
+        <p:txBody>
+          <a:bodyPr/>
+          <a:lstStyle/>
+          <a:p>
+            <a:r>
+              <a:rPr lang="en-US" dirty="0" smtClean="0"/>
+              <a:t>DHCP</a:t>
+            </a:r>
+            <a:endParaRPr lang="en-US" dirty="0"/>
+          </a:p>
+        </p:txBody>
+      </p:sp>
+      <p:sp>
+        <p:nvSpPr>
+          <p:cNvPr id="3" name="Content Placeholder 2"/>
+          <p:cNvSpPr>
+            <a:spLocks noGrp="1"/>
+          </p:cNvSpPr>
+          <p:nvPr>
+            <p:ph idx="1"/>
+          </p:nvPr>
+        </p:nvSpPr>
+        <p:spPr/>
+        <p:txBody>
+          <a:bodyPr>
+            <a:normAutofit/>
+          </a:bodyPr>
+          <a:lstStyle/>
+          <a:p>
+            <a:r>
+              <a:rPr lang="en-US" dirty="0" smtClean="0"/>
+              <a:t>A </a:t>
+            </a:r>
+            <a:r>
+              <a:rPr lang="en-US" dirty="0"/>
+              <a:t>computer (without IP) sends a DHCP Discover to 255.255.255.255 (broadcast)</a:t>
+            </a:r>
+          </a:p>
+          <a:p>
+            <a:r>
+              <a:rPr lang="en-US" dirty="0"/>
+              <a:t>A DHCP server, if present, responds with an Offer (includes IP, subnet, gateway, etc.)</a:t>
+            </a:r>
+          </a:p>
+          <a:p>
+            <a:r>
+              <a:rPr lang="en-US" dirty="0"/>
+              <a:t>Server “leases” IP to client</a:t>
+            </a:r>
+          </a:p>
+          <a:p>
+            <a:r>
+              <a:rPr lang="en-US" dirty="0"/>
+              <a:t>Leases have configurable lifetime</a:t>
+            </a:r>
+          </a:p>
+          <a:p>
+            <a:r>
+              <a:rPr lang="en-US" dirty="0"/>
+              <a:t>When lease is about to expire, client must Renew</a:t>
+            </a:r>
+          </a:p>
+          <a:p>
+            <a:endParaRPr lang="en-US" dirty="0"/>
+          </a:p>
+        </p:txBody>
+      </p:sp>
+      <p:pic>
+        <p:nvPicPr>
+          <p:cNvPr id="4" name="Picture 3"/>
+          <p:cNvPicPr>
+            <a:picLocks noChangeAspect="1"/>
+          </p:cNvPicPr>
+          <p:nvPr/>
+        </p:nvPicPr>
+        <p:blipFill rotWithShape="1">
+          <a:blip r:embed="rId2"/>
+          <a:srcRect b="18614"/>
+          <a:stretch/>
+        </p:blipFill>
+        <p:spPr>
+          <a:xfrm>
+            <a:off x="152400" y="5896100"/>
+            <a:ext cx="8915400" cy="825249"/>
+          </a:xfrm>
+          <a:prstGeom prst="rect">
+            <a:avLst/>
+          </a:prstGeom>
+        </p:spPr>
+      </p:pic>
+      <p:sp>
+        <p:nvSpPr>
+          <p:cNvPr id="5" name="Slide Number Placeholder 4"/>
+          <p:cNvSpPr>
+            <a:spLocks noGrp="1"/>
+          </p:cNvSpPr>
+          <p:nvPr>
+            <p:ph type="sldNum" sz="quarter" idx="12"/>
+          </p:nvPr>
+        </p:nvSpPr>
+        <p:spPr/>
+        <p:txBody>
+          <a:bodyPr/>
+          <a:lstStyle/>
+          <a:p>
+            <a:fld id="{6BE98711-CE87-4D2C-A4EE-CF4DC81676AA}" type="slidenum">
+              <a:rPr lang="en-US" smtClean="0"/>
+              <a:t>42</a:t>
+            </a:fld>
+            <a:endParaRPr lang="en-US"/>
+          </a:p>
+        </p:txBody>
+      </p:sp>
+    </p:spTree>
+    <p:extLst>
+      <p:ext uri="{BB962C8B-B14F-4D97-AF65-F5344CB8AC3E}">
+        <p14:creationId xmlns:p14="http://schemas.microsoft.com/office/powerpoint/2010/main" val="1231518714"/>
+      </p:ext>
+    </p:extLst>
+  </p:cSld>
+  <p:clrMapOvr>
+    <a:masterClrMapping/>
+  </p:clrMapOvr>
+</p:sld>
+</file>
+
+<file path=ppt/slides/slide43.xml><?xml version="1.0" encoding="utf-8"?>
+<p:sld xmlns:a="http://schemas.openxmlformats.org/drawingml/2006/main" xmlns:r="http://schemas.openxmlformats.org/officeDocument/2006/relationships" xmlns:p="http://schemas.openxmlformats.org/presentationml/2006/main">
+  <p:cSld>
+    <p:spTree>
+      <p:nvGrpSpPr>
+        <p:cNvPr id="1" name=""/>
+        <p:cNvGrpSpPr/>
+        <p:nvPr/>
+      </p:nvGrpSpPr>
+      <p:grpSpPr>
+        <a:xfrm>
+          <a:off x="0" y="0"/>
+          <a:ext cx="0" cy="0"/>
+          <a:chOff x="0" y="0"/>
+          <a:chExt cx="0" cy="0"/>
+        </a:xfrm>
+      </p:grpSpPr>
+      <p:sp>
+        <p:nvSpPr>
+          <p:cNvPr id="2" name="Title 1"/>
+          <p:cNvSpPr>
+            <a:spLocks noGrp="1"/>
+          </p:cNvSpPr>
+          <p:nvPr>
+            <p:ph type="title"/>
+          </p:nvPr>
+        </p:nvSpPr>
+        <p:spPr/>
+        <p:txBody>
+          <a:bodyPr/>
+          <a:lstStyle/>
+          <a:p>
+            <a:r>
+              <a:rPr lang="en-US" dirty="0" smtClean="0"/>
+              <a:t>Transport </a:t>
+            </a:r>
+            <a:r>
+              <a:rPr lang="en-US" dirty="0" smtClean="0"/>
+              <a:t>Layer</a:t>
+            </a:r>
+            <a:endParaRPr lang="en-US" dirty="0"/>
+          </a:p>
+        </p:txBody>
+      </p:sp>
+      <p:pic>
+        <p:nvPicPr>
+          <p:cNvPr id="4" name="Picture 2" descr="https://fthmb.tqn.com/FJRd1u3NJuT-4w3EoA3Pf7HVX9E=/768x0/filters:no_upscale()/Osi-model-jb.svg-57f7b9af3df78c690f6305e8.png"/>
+          <p:cNvPicPr>
+            <a:picLocks noChangeAspect="1" noChangeArrowheads="1"/>
+          </p:cNvPicPr>
+          <p:nvPr/>
+        </p:nvPicPr>
+        <p:blipFill rotWithShape="1">
+          <a:blip r:embed="rId2">
+            <a:extLst>
+              <a:ext uri="{28A0092B-C50C-407E-A947-70E740481C1C}">
+                <a14:useLocalDpi xmlns:a14="http://schemas.microsoft.com/office/drawing/2010/main" val="0"/>
+              </a:ext>
+            </a:extLst>
+          </a:blip>
+          <a:srcRect t="8983"/>
+          <a:stretch/>
+        </p:blipFill>
+        <p:spPr bwMode="auto">
+          <a:xfrm>
+            <a:off x="1752600" y="1164394"/>
+            <a:ext cx="5410201" cy="5693606"/>
+          </a:xfrm>
+          <a:prstGeom prst="rect">
+            <a:avLst/>
+          </a:prstGeom>
+          <a:noFill/>
+          <a:extLst>
+            <a:ext uri="{909E8E84-426E-40DD-AFC4-6F175D3DCCD1}">
+              <a14:hiddenFill xmlns:a14="http://schemas.microsoft.com/office/drawing/2010/main">
+                <a:solidFill>
+                  <a:srgbClr val="FFFFFF"/>
+                </a:solidFill>
+              </a14:hiddenFill>
+            </a:ext>
+          </a:extLst>
+        </p:spPr>
+      </p:pic>
+      <p:sp>
+        <p:nvSpPr>
+          <p:cNvPr id="5" name="Rectangle 4"/>
+          <p:cNvSpPr/>
+          <p:nvPr/>
+        </p:nvSpPr>
+        <p:spPr>
+          <a:xfrm>
+            <a:off x="2400300" y="3763477"/>
+            <a:ext cx="4343400" cy="748683"/>
+          </a:xfrm>
+          <a:prstGeom prst="rect">
+            <a:avLst/>
+          </a:prstGeom>
+          <a:noFill/>
+          <a:ln>
+            <a:solidFill>
+              <a:srgbClr val="FF0000"/>
+            </a:solidFill>
+          </a:ln>
+        </p:spPr>
+        <p:style>
+          <a:lnRef idx="2">
+            <a:schemeClr val="accent1">
+              <a:shade val="50000"/>
+            </a:schemeClr>
+          </a:lnRef>
+          <a:fillRef idx="1">
+            <a:schemeClr val="accent1"/>
+          </a:fillRef>
+          <a:effectRef idx="0">
+            <a:schemeClr val="accent1"/>
+          </a:effectRef>
+          <a:fontRef idx="minor">
+            <a:schemeClr val="lt1"/>
+          </a:fontRef>
+        </p:style>
+        <p:txBody>
+          <a:bodyPr rtlCol="0" anchor="ctr"/>
+          <a:lstStyle/>
+          <a:p>
+            <a:pPr algn="ctr"/>
+            <a:endParaRPr lang="en-US"/>
+          </a:p>
+        </p:txBody>
+      </p:sp>
+      <p:sp>
+        <p:nvSpPr>
+          <p:cNvPr id="3" name="Slide Number Placeholder 2"/>
+          <p:cNvSpPr>
+            <a:spLocks noGrp="1"/>
+          </p:cNvSpPr>
+          <p:nvPr>
+            <p:ph type="sldNum" sz="quarter" idx="12"/>
+          </p:nvPr>
+        </p:nvSpPr>
+        <p:spPr/>
+        <p:txBody>
+          <a:bodyPr/>
+          <a:lstStyle/>
+          <a:p>
+            <a:fld id="{6BE98711-CE87-4D2C-A4EE-CF4DC81676AA}" type="slidenum">
+              <a:rPr lang="en-US" smtClean="0"/>
+              <a:t>43</a:t>
+            </a:fld>
+            <a:endParaRPr lang="en-US"/>
+          </a:p>
+        </p:txBody>
+      </p:sp>
+    </p:spTree>
+    <p:extLst>
+      <p:ext uri="{BB962C8B-B14F-4D97-AF65-F5344CB8AC3E}">
+        <p14:creationId xmlns:p14="http://schemas.microsoft.com/office/powerpoint/2010/main" val="2624879810"/>
+      </p:ext>
+    </p:extLst>
+  </p:cSld>
+  <p:clrMapOvr>
+    <a:masterClrMapping/>
+  </p:clrMapOvr>
+</p:sld>
+</file>
+
+<file path=ppt/slides/slide44.xml><?xml version="1.0" encoding="utf-8"?>
+<p:sld xmlns:a="http://schemas.openxmlformats.org/drawingml/2006/main" xmlns:r="http://schemas.openxmlformats.org/officeDocument/2006/relationships" xmlns:p="http://schemas.openxmlformats.org/presentationml/2006/main">
+  <p:cSld>
+    <p:spTree>
+      <p:nvGrpSpPr>
+        <p:cNvPr id="1" name=""/>
+        <p:cNvGrpSpPr/>
+        <p:nvPr/>
+      </p:nvGrpSpPr>
+      <p:grpSpPr>
+        <a:xfrm>
+          <a:off x="0" y="0"/>
+          <a:ext cx="0" cy="0"/>
+          <a:chOff x="0" y="0"/>
+          <a:chExt cx="0" cy="0"/>
+        </a:xfrm>
+      </p:grpSpPr>
+      <p:sp>
+        <p:nvSpPr>
+          <p:cNvPr id="2" name="Title 1"/>
+          <p:cNvSpPr>
+            <a:spLocks noGrp="1"/>
+          </p:cNvSpPr>
+          <p:nvPr>
+            <p:ph type="title"/>
+          </p:nvPr>
+        </p:nvSpPr>
+        <p:spPr/>
+        <p:txBody>
+          <a:bodyPr>
+            <a:normAutofit/>
+          </a:bodyPr>
+          <a:lstStyle/>
+          <a:p>
+            <a:r>
+              <a:rPr lang="en-US" dirty="0" smtClean="0"/>
+              <a:t>Transport Layer</a:t>
+            </a:r>
+            <a:endParaRPr lang="en-US" dirty="0"/>
+          </a:p>
+        </p:txBody>
+      </p:sp>
+      <p:sp>
+        <p:nvSpPr>
+          <p:cNvPr id="3" name="Content Placeholder 2"/>
+          <p:cNvSpPr>
+            <a:spLocks noGrp="1"/>
+          </p:cNvSpPr>
+          <p:nvPr>
+            <p:ph idx="1"/>
+          </p:nvPr>
+        </p:nvSpPr>
+        <p:spPr/>
+        <p:txBody>
+          <a:bodyPr/>
+          <a:lstStyle/>
+          <a:p>
+            <a:r>
+              <a:rPr lang="en-US" dirty="0" smtClean="0"/>
+              <a:t>Sends </a:t>
+            </a:r>
+            <a:r>
+              <a:rPr lang="en-US" i="1" dirty="0" smtClean="0"/>
+              <a:t>segments</a:t>
+            </a:r>
+            <a:r>
+              <a:rPr lang="en-US" dirty="0" smtClean="0"/>
+              <a:t> between </a:t>
+            </a:r>
+            <a:r>
+              <a:rPr lang="en-US" i="1" dirty="0" smtClean="0"/>
+              <a:t>ports</a:t>
+            </a:r>
+            <a:r>
+              <a:rPr lang="en-US" dirty="0" smtClean="0"/>
+              <a:t> on hosts</a:t>
+            </a:r>
+          </a:p>
+          <a:p>
+            <a:r>
+              <a:rPr lang="en-US" dirty="0" smtClean="0"/>
+              <a:t>Commonly-used protocols include UDP (User Datagram Protocol) and TCP (Transmission Control Protocol)</a:t>
+            </a:r>
+            <a:endParaRPr lang="en-US" dirty="0"/>
+          </a:p>
+        </p:txBody>
+      </p:sp>
+      <p:sp>
+        <p:nvSpPr>
+          <p:cNvPr id="4" name="Slide Number Placeholder 3"/>
+          <p:cNvSpPr>
+            <a:spLocks noGrp="1"/>
+          </p:cNvSpPr>
+          <p:nvPr>
+            <p:ph type="sldNum" sz="quarter" idx="12"/>
+          </p:nvPr>
+        </p:nvSpPr>
+        <p:spPr/>
+        <p:txBody>
+          <a:bodyPr/>
+          <a:lstStyle/>
+          <a:p>
+            <a:fld id="{6BE98711-CE87-4D2C-A4EE-CF4DC81676AA}" type="slidenum">
+              <a:rPr lang="en-US" smtClean="0"/>
+              <a:t>44</a:t>
+            </a:fld>
+            <a:endParaRPr lang="en-US"/>
+          </a:p>
+        </p:txBody>
+      </p:sp>
+    </p:spTree>
+    <p:extLst>
+      <p:ext uri="{BB962C8B-B14F-4D97-AF65-F5344CB8AC3E}">
+        <p14:creationId xmlns:p14="http://schemas.microsoft.com/office/powerpoint/2010/main" val="950616927"/>
+      </p:ext>
+    </p:extLst>
+  </p:cSld>
+  <p:clrMapOvr>
+    <a:masterClrMapping/>
+  </p:clrMapOvr>
+</p:sld>
+</file>
+
+<file path=ppt/slides/slide45.xml><?xml version="1.0" encoding="utf-8"?>
+<p:sld xmlns:a="http://schemas.openxmlformats.org/drawingml/2006/main" xmlns:r="http://schemas.openxmlformats.org/officeDocument/2006/relationships" xmlns:p="http://schemas.openxmlformats.org/presentationml/2006/main">
+  <p:cSld>
+    <p:spTree>
+      <p:nvGrpSpPr>
+        <p:cNvPr id="1" name=""/>
+        <p:cNvGrpSpPr/>
+        <p:nvPr/>
+      </p:nvGrpSpPr>
+      <p:grpSpPr>
+        <a:xfrm>
+          <a:off x="0" y="0"/>
+          <a:ext cx="0" cy="0"/>
+          <a:chOff x="0" y="0"/>
+          <a:chExt cx="0" cy="0"/>
+        </a:xfrm>
+      </p:grpSpPr>
+      <p:sp>
+        <p:nvSpPr>
+          <p:cNvPr id="2" name="Title 1"/>
+          <p:cNvSpPr>
+            <a:spLocks noGrp="1"/>
+          </p:cNvSpPr>
+          <p:nvPr>
+            <p:ph type="title"/>
+          </p:nvPr>
+        </p:nvSpPr>
+        <p:spPr/>
+        <p:txBody>
+          <a:bodyPr/>
+          <a:lstStyle/>
+          <a:p>
+            <a:r>
+              <a:rPr lang="en-US" dirty="0" smtClean="0"/>
+              <a:t>Ports</a:t>
+            </a:r>
+            <a:endParaRPr lang="en-US" dirty="0"/>
+          </a:p>
+        </p:txBody>
+      </p:sp>
+      <p:sp>
+        <p:nvSpPr>
+          <p:cNvPr id="3" name="Content Placeholder 2"/>
+          <p:cNvSpPr>
+            <a:spLocks noGrp="1"/>
+          </p:cNvSpPr>
+          <p:nvPr>
+            <p:ph idx="1"/>
+          </p:nvPr>
+        </p:nvSpPr>
+        <p:spPr/>
+        <p:txBody>
+          <a:bodyPr/>
+          <a:lstStyle/>
+          <a:p>
+            <a:r>
+              <a:rPr lang="en-US" dirty="0" smtClean="0"/>
+              <a:t>Logical “ports” are ways of segregating data between different applications on the same host</a:t>
+            </a:r>
+          </a:p>
+          <a:p>
+            <a:r>
+              <a:rPr lang="en-US" dirty="0" smtClean="0"/>
+              <a:t>E.g., each connection to a website will use a different port on your computer</a:t>
+            </a:r>
+            <a:endParaRPr lang="en-US" dirty="0"/>
+          </a:p>
+        </p:txBody>
+      </p:sp>
+      <p:sp>
+        <p:nvSpPr>
+          <p:cNvPr id="4" name="Slide Number Placeholder 3"/>
+          <p:cNvSpPr>
+            <a:spLocks noGrp="1"/>
+          </p:cNvSpPr>
+          <p:nvPr>
+            <p:ph type="sldNum" sz="quarter" idx="12"/>
+          </p:nvPr>
+        </p:nvSpPr>
+        <p:spPr/>
+        <p:txBody>
+          <a:bodyPr/>
+          <a:lstStyle/>
+          <a:p>
+            <a:fld id="{6BE98711-CE87-4D2C-A4EE-CF4DC81676AA}" type="slidenum">
+              <a:rPr lang="en-US" smtClean="0"/>
+              <a:t>45</a:t>
+            </a:fld>
+            <a:endParaRPr lang="en-US"/>
+          </a:p>
+        </p:txBody>
+      </p:sp>
+    </p:spTree>
+    <p:extLst>
+      <p:ext uri="{BB962C8B-B14F-4D97-AF65-F5344CB8AC3E}">
+        <p14:creationId xmlns:p14="http://schemas.microsoft.com/office/powerpoint/2010/main" val="2157437427"/>
+      </p:ext>
+    </p:extLst>
+  </p:cSld>
+  <p:clrMapOvr>
+    <a:masterClrMapping/>
+  </p:clrMapOvr>
+</p:sld>
+</file>
+
+<file path=ppt/slides/slide46.xml><?xml version="1.0" encoding="utf-8"?>
+<p:sld xmlns:a="http://schemas.openxmlformats.org/drawingml/2006/main" xmlns:r="http://schemas.openxmlformats.org/officeDocument/2006/relationships" xmlns:p="http://schemas.openxmlformats.org/presentationml/2006/main">
+  <p:cSld>
+    <p:spTree>
+      <p:nvGrpSpPr>
+        <p:cNvPr id="1" name=""/>
+        <p:cNvGrpSpPr/>
+        <p:nvPr/>
+      </p:nvGrpSpPr>
+      <p:grpSpPr>
+        <a:xfrm>
+          <a:off x="0" y="0"/>
+          <a:ext cx="0" cy="0"/>
+          <a:chOff x="0" y="0"/>
+          <a:chExt cx="0" cy="0"/>
+        </a:xfrm>
+      </p:grpSpPr>
+      <p:sp>
+        <p:nvSpPr>
+          <p:cNvPr id="2" name="Title 1"/>
+          <p:cNvSpPr>
+            <a:spLocks noGrp="1"/>
+          </p:cNvSpPr>
+          <p:nvPr>
+            <p:ph type="title"/>
+          </p:nvPr>
+        </p:nvSpPr>
+        <p:spPr/>
+        <p:txBody>
+          <a:bodyPr/>
+          <a:lstStyle/>
+          <a:p>
+            <a:r>
+              <a:rPr lang="en-US" dirty="0" smtClean="0"/>
+              <a:t>Ports</a:t>
+            </a:r>
+            <a:endParaRPr lang="en-US" dirty="0"/>
+          </a:p>
+        </p:txBody>
+      </p:sp>
+      <p:sp>
+        <p:nvSpPr>
+          <p:cNvPr id="3" name="Content Placeholder 2"/>
+          <p:cNvSpPr>
+            <a:spLocks noGrp="1"/>
+          </p:cNvSpPr>
+          <p:nvPr>
+            <p:ph idx="1"/>
+          </p:nvPr>
+        </p:nvSpPr>
+        <p:spPr/>
+        <p:txBody>
+          <a:bodyPr>
+            <a:normAutofit lnSpcReduction="10000"/>
+          </a:bodyPr>
+          <a:lstStyle/>
+          <a:p>
+            <a:r>
+              <a:rPr lang="en-US" dirty="0" smtClean="0"/>
+              <a:t>Ports 0-1024 are considered the </a:t>
+            </a:r>
+            <a:r>
+              <a:rPr lang="en-US" i="1" dirty="0" smtClean="0"/>
+              <a:t>well-known</a:t>
+            </a:r>
+            <a:r>
+              <a:rPr lang="en-US" dirty="0" smtClean="0"/>
+              <a:t> or </a:t>
+            </a:r>
+            <a:r>
+              <a:rPr lang="en-US" i="1" dirty="0" smtClean="0"/>
+              <a:t>reserved</a:t>
+            </a:r>
+            <a:r>
+              <a:rPr lang="en-US" dirty="0" smtClean="0"/>
+              <a:t> ports</a:t>
+            </a:r>
+          </a:p>
+          <a:p>
+            <a:r>
+              <a:rPr lang="en-US" dirty="0" smtClean="0"/>
+              <a:t>Examples:</a:t>
+            </a:r>
+          </a:p>
+          <a:p>
+            <a:pPr lvl="1"/>
+            <a:r>
+              <a:rPr lang="en-US" dirty="0" smtClean="0"/>
+              <a:t>21 (FTP)</a:t>
+            </a:r>
+          </a:p>
+          <a:p>
+            <a:pPr lvl="1"/>
+            <a:r>
+              <a:rPr lang="en-US" dirty="0" smtClean="0"/>
+              <a:t>22 (SSH)</a:t>
+            </a:r>
+          </a:p>
+          <a:p>
+            <a:pPr lvl="1"/>
+            <a:r>
+              <a:rPr lang="en-US" dirty="0" smtClean="0"/>
+              <a:t>23 (Telnet)</a:t>
+            </a:r>
+          </a:p>
+          <a:p>
+            <a:pPr lvl="1"/>
+            <a:r>
+              <a:rPr lang="en-US" dirty="0" smtClean="0"/>
+              <a:t>53 (DNS)</a:t>
+            </a:r>
+          </a:p>
+          <a:p>
+            <a:pPr lvl="1"/>
+            <a:r>
+              <a:rPr lang="en-US" dirty="0" smtClean="0"/>
+              <a:t>80 (HTTP)</a:t>
+            </a:r>
+          </a:p>
+          <a:p>
+            <a:pPr lvl="1"/>
+            <a:r>
+              <a:rPr lang="en-US" dirty="0" smtClean="0"/>
+              <a:t>443 (HTTPS)</a:t>
+            </a:r>
+            <a:endParaRPr lang="en-US" dirty="0"/>
+          </a:p>
+        </p:txBody>
+      </p:sp>
+      <p:sp>
+        <p:nvSpPr>
+          <p:cNvPr id="4" name="Slide Number Placeholder 3"/>
+          <p:cNvSpPr>
+            <a:spLocks noGrp="1"/>
+          </p:cNvSpPr>
+          <p:nvPr>
+            <p:ph type="sldNum" sz="quarter" idx="12"/>
+          </p:nvPr>
+        </p:nvSpPr>
+        <p:spPr/>
+        <p:txBody>
+          <a:bodyPr/>
+          <a:lstStyle/>
+          <a:p>
+            <a:fld id="{6BE98711-CE87-4D2C-A4EE-CF4DC81676AA}" type="slidenum">
+              <a:rPr lang="en-US" smtClean="0"/>
+              <a:t>46</a:t>
+            </a:fld>
+            <a:endParaRPr lang="en-US"/>
+          </a:p>
+        </p:txBody>
+      </p:sp>
+    </p:spTree>
+    <p:extLst>
+      <p:ext uri="{BB962C8B-B14F-4D97-AF65-F5344CB8AC3E}">
+        <p14:creationId xmlns:p14="http://schemas.microsoft.com/office/powerpoint/2010/main" val="2643289413"/>
+      </p:ext>
+    </p:extLst>
+  </p:cSld>
+  <p:clrMapOvr>
+    <a:masterClrMapping/>
+  </p:clrMapOvr>
+</p:sld>
+</file>
+
+<file path=ppt/slides/slide47.xml><?xml version="1.0" encoding="utf-8"?>
+<p:sld xmlns:a="http://schemas.openxmlformats.org/drawingml/2006/main" xmlns:r="http://schemas.openxmlformats.org/officeDocument/2006/relationships" xmlns:p="http://schemas.openxmlformats.org/presentationml/2006/main">
+  <p:cSld>
+    <p:spTree>
+      <p:nvGrpSpPr>
+        <p:cNvPr id="1" name=""/>
+        <p:cNvGrpSpPr/>
+        <p:nvPr/>
+      </p:nvGrpSpPr>
+      <p:grpSpPr>
+        <a:xfrm>
+          <a:off x="0" y="0"/>
+          <a:ext cx="0" cy="0"/>
+          <a:chOff x="0" y="0"/>
+          <a:chExt cx="0" cy="0"/>
+        </a:xfrm>
+      </p:grpSpPr>
+      <p:sp>
+        <p:nvSpPr>
+          <p:cNvPr id="2" name="Title 1"/>
+          <p:cNvSpPr>
+            <a:spLocks noGrp="1"/>
+          </p:cNvSpPr>
+          <p:nvPr>
+            <p:ph type="title"/>
+          </p:nvPr>
+        </p:nvSpPr>
+        <p:spPr/>
+        <p:txBody>
+          <a:bodyPr/>
+          <a:lstStyle/>
+          <a:p>
+            <a:r>
+              <a:rPr lang="en-US" dirty="0" smtClean="0"/>
+              <a:t>Ports</a:t>
+            </a:r>
+            <a:endParaRPr lang="en-US" dirty="0"/>
+          </a:p>
+        </p:txBody>
+      </p:sp>
+      <p:sp>
+        <p:nvSpPr>
+          <p:cNvPr id="3" name="Content Placeholder 2"/>
+          <p:cNvSpPr>
+            <a:spLocks noGrp="1"/>
+          </p:cNvSpPr>
+          <p:nvPr>
+            <p:ph idx="1"/>
+          </p:nvPr>
+        </p:nvSpPr>
+        <p:spPr/>
+        <p:txBody>
+          <a:bodyPr>
+            <a:normAutofit lnSpcReduction="10000"/>
+          </a:bodyPr>
+          <a:lstStyle/>
+          <a:p>
+            <a:r>
+              <a:rPr lang="en-US" dirty="0" smtClean="0"/>
+              <a:t>Higher-numbered ports (the lower limit varies) are known as </a:t>
+            </a:r>
+            <a:r>
+              <a:rPr lang="en-US" i="1" dirty="0" smtClean="0"/>
+              <a:t>ephemeral ports</a:t>
+            </a:r>
+            <a:endParaRPr lang="en-US" dirty="0" smtClean="0"/>
+          </a:p>
+          <a:p>
+            <a:r>
+              <a:rPr lang="en-US" dirty="0" smtClean="0"/>
+              <a:t>They are dynamically allocated as requested by applications</a:t>
+            </a:r>
+          </a:p>
+          <a:p>
+            <a:r>
+              <a:rPr lang="en-US" dirty="0" smtClean="0"/>
+              <a:t>E.g., if you have browsers open to www.google.com and www.team696.org, the connections may be between your port 41234 and </a:t>
+            </a:r>
+            <a:r>
+              <a:rPr lang="en-US" dirty="0" err="1" smtClean="0"/>
+              <a:t>google’s</a:t>
+            </a:r>
+            <a:r>
+              <a:rPr lang="en-US" dirty="0" smtClean="0"/>
+              <a:t> port 80 and between your port 59234 and team696’s port 80</a:t>
+            </a:r>
+            <a:endParaRPr lang="en-US" dirty="0"/>
+          </a:p>
+        </p:txBody>
+      </p:sp>
+      <p:sp>
+        <p:nvSpPr>
+          <p:cNvPr id="4" name="Slide Number Placeholder 3"/>
+          <p:cNvSpPr>
+            <a:spLocks noGrp="1"/>
+          </p:cNvSpPr>
+          <p:nvPr>
+            <p:ph type="sldNum" sz="quarter" idx="12"/>
+          </p:nvPr>
+        </p:nvSpPr>
+        <p:spPr/>
+        <p:txBody>
+          <a:bodyPr/>
+          <a:lstStyle/>
+          <a:p>
+            <a:fld id="{6BE98711-CE87-4D2C-A4EE-CF4DC81676AA}" type="slidenum">
+              <a:rPr lang="en-US" smtClean="0"/>
+              <a:t>47</a:t>
+            </a:fld>
+            <a:endParaRPr lang="en-US"/>
+          </a:p>
+        </p:txBody>
+      </p:sp>
+    </p:spTree>
+    <p:extLst>
+      <p:ext uri="{BB962C8B-B14F-4D97-AF65-F5344CB8AC3E}">
+        <p14:creationId xmlns:p14="http://schemas.microsoft.com/office/powerpoint/2010/main" val="2501242919"/>
+      </p:ext>
+    </p:extLst>
+  </p:cSld>
+  <p:clrMapOvr>
+    <a:masterClrMapping/>
+  </p:clrMapOvr>
+</p:sld>
+</file>
+
+<file path=ppt/slides/slide48.xml><?xml version="1.0" encoding="utf-8"?>
+<p:sld xmlns:a="http://schemas.openxmlformats.org/drawingml/2006/main" xmlns:r="http://schemas.openxmlformats.org/officeDocument/2006/relationships" xmlns:p="http://schemas.openxmlformats.org/presentationml/2006/main">
+  <p:cSld>
+    <p:spTree>
+      <p:nvGrpSpPr>
+        <p:cNvPr id="1" name=""/>
+        <p:cNvGrpSpPr/>
+        <p:nvPr/>
+      </p:nvGrpSpPr>
+      <p:grpSpPr>
+        <a:xfrm>
+          <a:off x="0" y="0"/>
+          <a:ext cx="0" cy="0"/>
+          <a:chOff x="0" y="0"/>
+          <a:chExt cx="0" cy="0"/>
+        </a:xfrm>
+      </p:grpSpPr>
+      <p:sp>
+        <p:nvSpPr>
+          <p:cNvPr id="2" name="Title 1"/>
+          <p:cNvSpPr>
+            <a:spLocks noGrp="1"/>
+          </p:cNvSpPr>
+          <p:nvPr>
+            <p:ph type="title"/>
+          </p:nvPr>
+        </p:nvSpPr>
+        <p:spPr/>
+        <p:txBody>
+          <a:bodyPr/>
+          <a:lstStyle/>
+          <a:p>
+            <a:r>
+              <a:rPr lang="en-US" dirty="0" smtClean="0"/>
+              <a:t>Session </a:t>
+            </a:r>
+            <a:r>
+              <a:rPr lang="en-US" dirty="0" smtClean="0"/>
+              <a:t>Layer</a:t>
+            </a:r>
+            <a:endParaRPr lang="en-US" dirty="0"/>
+          </a:p>
+        </p:txBody>
+      </p:sp>
+      <p:pic>
+        <p:nvPicPr>
+          <p:cNvPr id="4" name="Picture 2" descr="https://fthmb.tqn.com/FJRd1u3NJuT-4w3EoA3Pf7HVX9E=/768x0/filters:no_upscale()/Osi-model-jb.svg-57f7b9af3df78c690f6305e8.png"/>
+          <p:cNvPicPr>
+            <a:picLocks noChangeAspect="1" noChangeArrowheads="1"/>
+          </p:cNvPicPr>
+          <p:nvPr/>
+        </p:nvPicPr>
+        <p:blipFill rotWithShape="1">
+          <a:blip r:embed="rId2">
+            <a:extLst>
+              <a:ext uri="{28A0092B-C50C-407E-A947-70E740481C1C}">
+                <a14:useLocalDpi xmlns:a14="http://schemas.microsoft.com/office/drawing/2010/main" val="0"/>
+              </a:ext>
+            </a:extLst>
+          </a:blip>
+          <a:srcRect t="8983"/>
+          <a:stretch/>
+        </p:blipFill>
+        <p:spPr bwMode="auto">
+          <a:xfrm>
+            <a:off x="1752600" y="1164394"/>
+            <a:ext cx="5410201" cy="5693606"/>
+          </a:xfrm>
+          <a:prstGeom prst="rect">
+            <a:avLst/>
+          </a:prstGeom>
+          <a:noFill/>
+          <a:extLst>
+            <a:ext uri="{909E8E84-426E-40DD-AFC4-6F175D3DCCD1}">
+              <a14:hiddenFill xmlns:a14="http://schemas.microsoft.com/office/drawing/2010/main">
+                <a:solidFill>
+                  <a:srgbClr val="FFFFFF"/>
+                </a:solidFill>
+              </a14:hiddenFill>
+            </a:ext>
+          </a:extLst>
+        </p:spPr>
+      </p:pic>
+      <p:sp>
+        <p:nvSpPr>
+          <p:cNvPr id="5" name="Rectangle 4"/>
+          <p:cNvSpPr/>
+          <p:nvPr/>
+        </p:nvSpPr>
+        <p:spPr>
+          <a:xfrm>
+            <a:off x="2400300" y="3014794"/>
+            <a:ext cx="4343400" cy="748683"/>
+          </a:xfrm>
+          <a:prstGeom prst="rect">
+            <a:avLst/>
+          </a:prstGeom>
+          <a:noFill/>
+          <a:ln>
+            <a:solidFill>
+              <a:srgbClr val="FF0000"/>
+            </a:solidFill>
+          </a:ln>
+        </p:spPr>
+        <p:style>
+          <a:lnRef idx="2">
+            <a:schemeClr val="accent1">
+              <a:shade val="50000"/>
+            </a:schemeClr>
+          </a:lnRef>
+          <a:fillRef idx="1">
+            <a:schemeClr val="accent1"/>
+          </a:fillRef>
+          <a:effectRef idx="0">
+            <a:schemeClr val="accent1"/>
+          </a:effectRef>
+          <a:fontRef idx="minor">
+            <a:schemeClr val="lt1"/>
+          </a:fontRef>
+        </p:style>
+        <p:txBody>
+          <a:bodyPr rtlCol="0" anchor="ctr"/>
+          <a:lstStyle/>
+          <a:p>
+            <a:pPr algn="ctr"/>
+            <a:endParaRPr lang="en-US"/>
+          </a:p>
+        </p:txBody>
+      </p:sp>
+      <p:sp>
+        <p:nvSpPr>
+          <p:cNvPr id="3" name="Slide Number Placeholder 2"/>
+          <p:cNvSpPr>
+            <a:spLocks noGrp="1"/>
+          </p:cNvSpPr>
+          <p:nvPr>
+            <p:ph type="sldNum" sz="quarter" idx="12"/>
+          </p:nvPr>
+        </p:nvSpPr>
+        <p:spPr/>
+        <p:txBody>
+          <a:bodyPr/>
+          <a:lstStyle/>
+          <a:p>
+            <a:fld id="{6BE98711-CE87-4D2C-A4EE-CF4DC81676AA}" type="slidenum">
+              <a:rPr lang="en-US" smtClean="0"/>
+              <a:t>48</a:t>
+            </a:fld>
+            <a:endParaRPr lang="en-US"/>
+          </a:p>
+        </p:txBody>
+      </p:sp>
+    </p:spTree>
+    <p:extLst>
+      <p:ext uri="{BB962C8B-B14F-4D97-AF65-F5344CB8AC3E}">
+        <p14:creationId xmlns:p14="http://schemas.microsoft.com/office/powerpoint/2010/main" val="474961373"/>
+      </p:ext>
+    </p:extLst>
+  </p:cSld>
+  <p:clrMapOvr>
+    <a:masterClrMapping/>
+  </p:clrMapOvr>
+</p:sld>
+</file>
+
+<file path=ppt/slides/slide49.xml><?xml version="1.0" encoding="utf-8"?>
+<p:sld xmlns:a="http://schemas.openxmlformats.org/drawingml/2006/main" xmlns:r="http://schemas.openxmlformats.org/officeDocument/2006/relationships" xmlns:p="http://schemas.openxmlformats.org/presentationml/2006/main">
+  <p:cSld>
+    <p:spTree>
+      <p:nvGrpSpPr>
+        <p:cNvPr id="1" name=""/>
+        <p:cNvGrpSpPr/>
+        <p:nvPr/>
+      </p:nvGrpSpPr>
+      <p:grpSpPr>
+        <a:xfrm>
+          <a:off x="0" y="0"/>
+          <a:ext cx="0" cy="0"/>
+          <a:chOff x="0" y="0"/>
+          <a:chExt cx="0" cy="0"/>
+        </a:xfrm>
+      </p:grpSpPr>
+      <p:sp>
+        <p:nvSpPr>
+          <p:cNvPr id="2" name="Title 1"/>
+          <p:cNvSpPr>
+            <a:spLocks noGrp="1"/>
+          </p:cNvSpPr>
+          <p:nvPr>
+            <p:ph type="title"/>
+          </p:nvPr>
+        </p:nvSpPr>
+        <p:spPr/>
+        <p:txBody>
+          <a:bodyPr/>
+          <a:lstStyle/>
+          <a:p>
+            <a:r>
+              <a:rPr lang="en-US" dirty="0" smtClean="0"/>
+              <a:t>Presentation </a:t>
+            </a:r>
+            <a:r>
+              <a:rPr lang="en-US" dirty="0" smtClean="0"/>
+              <a:t>Layer</a:t>
+            </a:r>
+            <a:endParaRPr lang="en-US" dirty="0"/>
+          </a:p>
+        </p:txBody>
+      </p:sp>
+      <p:pic>
+        <p:nvPicPr>
+          <p:cNvPr id="4" name="Picture 2" descr="https://fthmb.tqn.com/FJRd1u3NJuT-4w3EoA3Pf7HVX9E=/768x0/filters:no_upscale()/Osi-model-jb.svg-57f7b9af3df78c690f6305e8.png"/>
+          <p:cNvPicPr>
+            <a:picLocks noChangeAspect="1" noChangeArrowheads="1"/>
+          </p:cNvPicPr>
+          <p:nvPr/>
+        </p:nvPicPr>
+        <p:blipFill rotWithShape="1">
+          <a:blip r:embed="rId2">
+            <a:extLst>
+              <a:ext uri="{28A0092B-C50C-407E-A947-70E740481C1C}">
+                <a14:useLocalDpi xmlns:a14="http://schemas.microsoft.com/office/drawing/2010/main" val="0"/>
+              </a:ext>
+            </a:extLst>
+          </a:blip>
+          <a:srcRect t="8983"/>
+          <a:stretch/>
+        </p:blipFill>
+        <p:spPr bwMode="auto">
+          <a:xfrm>
+            <a:off x="1752600" y="1164394"/>
+            <a:ext cx="5410201" cy="5693606"/>
+          </a:xfrm>
+          <a:prstGeom prst="rect">
+            <a:avLst/>
+          </a:prstGeom>
+          <a:noFill/>
+          <a:extLst>
+            <a:ext uri="{909E8E84-426E-40DD-AFC4-6F175D3DCCD1}">
+              <a14:hiddenFill xmlns:a14="http://schemas.microsoft.com/office/drawing/2010/main">
+                <a:solidFill>
+                  <a:srgbClr val="FFFFFF"/>
+                </a:solidFill>
+              </a14:hiddenFill>
+            </a:ext>
+          </a:extLst>
+        </p:spPr>
+      </p:pic>
+      <p:sp>
+        <p:nvSpPr>
+          <p:cNvPr id="5" name="Rectangle 4"/>
+          <p:cNvSpPr/>
+          <p:nvPr/>
+        </p:nvSpPr>
+        <p:spPr>
+          <a:xfrm>
+            <a:off x="2400300" y="2311671"/>
+            <a:ext cx="4343400" cy="748683"/>
+          </a:xfrm>
+          <a:prstGeom prst="rect">
+            <a:avLst/>
+          </a:prstGeom>
+          <a:noFill/>
+          <a:ln>
+            <a:solidFill>
+              <a:srgbClr val="FF0000"/>
+            </a:solidFill>
+          </a:ln>
+        </p:spPr>
+        <p:style>
+          <a:lnRef idx="2">
+            <a:schemeClr val="accent1">
+              <a:shade val="50000"/>
+            </a:schemeClr>
+          </a:lnRef>
+          <a:fillRef idx="1">
+            <a:schemeClr val="accent1"/>
+          </a:fillRef>
+          <a:effectRef idx="0">
+            <a:schemeClr val="accent1"/>
+          </a:effectRef>
+          <a:fontRef idx="minor">
+            <a:schemeClr val="lt1"/>
+          </a:fontRef>
+        </p:style>
+        <p:txBody>
+          <a:bodyPr rtlCol="0" anchor="ctr"/>
+          <a:lstStyle/>
+          <a:p>
+            <a:pPr algn="ctr"/>
+            <a:endParaRPr lang="en-US"/>
+          </a:p>
+        </p:txBody>
+      </p:sp>
+      <p:sp>
+        <p:nvSpPr>
+          <p:cNvPr id="3" name="Slide Number Placeholder 2"/>
+          <p:cNvSpPr>
+            <a:spLocks noGrp="1"/>
+          </p:cNvSpPr>
+          <p:nvPr>
+            <p:ph type="sldNum" sz="quarter" idx="12"/>
+          </p:nvPr>
+        </p:nvSpPr>
+        <p:spPr/>
+        <p:txBody>
+          <a:bodyPr/>
+          <a:lstStyle/>
+          <a:p>
+            <a:fld id="{6BE98711-CE87-4D2C-A4EE-CF4DC81676AA}" type="slidenum">
+              <a:rPr lang="en-US" smtClean="0"/>
+              <a:t>49</a:t>
+            </a:fld>
+            <a:endParaRPr lang="en-US"/>
+          </a:p>
+        </p:txBody>
+      </p:sp>
+    </p:spTree>
+    <p:extLst>
+      <p:ext uri="{BB962C8B-B14F-4D97-AF65-F5344CB8AC3E}">
+        <p14:creationId xmlns:p14="http://schemas.microsoft.com/office/powerpoint/2010/main" val="2912443757"/>
       </p:ext>
     </p:extLst>
   </p:cSld>
@@ -3878,10 +10198,1629 @@
           </a:p>
         </p:txBody>
       </p:sp>
+      <p:sp>
+        <p:nvSpPr>
+          <p:cNvPr id="4" name="Slide Number Placeholder 3"/>
+          <p:cNvSpPr>
+            <a:spLocks noGrp="1"/>
+          </p:cNvSpPr>
+          <p:nvPr>
+            <p:ph type="sldNum" sz="quarter" idx="12"/>
+          </p:nvPr>
+        </p:nvSpPr>
+        <p:spPr/>
+        <p:txBody>
+          <a:bodyPr/>
+          <a:lstStyle/>
+          <a:p>
+            <a:fld id="{6BE98711-CE87-4D2C-A4EE-CF4DC81676AA}" type="slidenum">
+              <a:rPr lang="en-US" smtClean="0"/>
+              <a:t>5</a:t>
+            </a:fld>
+            <a:endParaRPr lang="en-US"/>
+          </a:p>
+        </p:txBody>
+      </p:sp>
     </p:spTree>
     <p:extLst>
       <p:ext uri="{BB962C8B-B14F-4D97-AF65-F5344CB8AC3E}">
         <p14:creationId xmlns:p14="http://schemas.microsoft.com/office/powerpoint/2010/main" val="400293307"/>
+      </p:ext>
+    </p:extLst>
+  </p:cSld>
+  <p:clrMapOvr>
+    <a:masterClrMapping/>
+  </p:clrMapOvr>
+</p:sld>
+</file>
+
+<file path=ppt/slides/slide50.xml><?xml version="1.0" encoding="utf-8"?>
+<p:sld xmlns:a="http://schemas.openxmlformats.org/drawingml/2006/main" xmlns:r="http://schemas.openxmlformats.org/officeDocument/2006/relationships" xmlns:p="http://schemas.openxmlformats.org/presentationml/2006/main">
+  <p:cSld>
+    <p:spTree>
+      <p:nvGrpSpPr>
+        <p:cNvPr id="1" name=""/>
+        <p:cNvGrpSpPr/>
+        <p:nvPr/>
+      </p:nvGrpSpPr>
+      <p:grpSpPr>
+        <a:xfrm>
+          <a:off x="0" y="0"/>
+          <a:ext cx="0" cy="0"/>
+          <a:chOff x="0" y="0"/>
+          <a:chExt cx="0" cy="0"/>
+        </a:xfrm>
+      </p:grpSpPr>
+      <p:sp>
+        <p:nvSpPr>
+          <p:cNvPr id="2" name="Title 1"/>
+          <p:cNvSpPr>
+            <a:spLocks noGrp="1"/>
+          </p:cNvSpPr>
+          <p:nvPr>
+            <p:ph type="title"/>
+          </p:nvPr>
+        </p:nvSpPr>
+        <p:spPr/>
+        <p:txBody>
+          <a:bodyPr/>
+          <a:lstStyle/>
+          <a:p>
+            <a:r>
+              <a:rPr lang="en-US" dirty="0" smtClean="0"/>
+              <a:t>Application </a:t>
+            </a:r>
+            <a:r>
+              <a:rPr lang="en-US" dirty="0" smtClean="0"/>
+              <a:t>Layer</a:t>
+            </a:r>
+            <a:endParaRPr lang="en-US" dirty="0"/>
+          </a:p>
+        </p:txBody>
+      </p:sp>
+      <p:pic>
+        <p:nvPicPr>
+          <p:cNvPr id="4" name="Picture 2" descr="https://fthmb.tqn.com/FJRd1u3NJuT-4w3EoA3Pf7HVX9E=/768x0/filters:no_upscale()/Osi-model-jb.svg-57f7b9af3df78c690f6305e8.png"/>
+          <p:cNvPicPr>
+            <a:picLocks noChangeAspect="1" noChangeArrowheads="1"/>
+          </p:cNvPicPr>
+          <p:nvPr/>
+        </p:nvPicPr>
+        <p:blipFill rotWithShape="1">
+          <a:blip r:embed="rId2">
+            <a:extLst>
+              <a:ext uri="{28A0092B-C50C-407E-A947-70E740481C1C}">
+                <a14:useLocalDpi xmlns:a14="http://schemas.microsoft.com/office/drawing/2010/main" val="0"/>
+              </a:ext>
+            </a:extLst>
+          </a:blip>
+          <a:srcRect t="8983"/>
+          <a:stretch/>
+        </p:blipFill>
+        <p:spPr bwMode="auto">
+          <a:xfrm>
+            <a:off x="1752600" y="1164394"/>
+            <a:ext cx="5410201" cy="5693606"/>
+          </a:xfrm>
+          <a:prstGeom prst="rect">
+            <a:avLst/>
+          </a:prstGeom>
+          <a:noFill/>
+          <a:extLst>
+            <a:ext uri="{909E8E84-426E-40DD-AFC4-6F175D3DCCD1}">
+              <a14:hiddenFill xmlns:a14="http://schemas.microsoft.com/office/drawing/2010/main">
+                <a:solidFill>
+                  <a:srgbClr val="FFFFFF"/>
+                </a:solidFill>
+              </a14:hiddenFill>
+            </a:ext>
+          </a:extLst>
+        </p:spPr>
+      </p:pic>
+      <p:sp>
+        <p:nvSpPr>
+          <p:cNvPr id="5" name="Rectangle 4"/>
+          <p:cNvSpPr/>
+          <p:nvPr/>
+        </p:nvSpPr>
+        <p:spPr>
+          <a:xfrm>
+            <a:off x="2400300" y="1549475"/>
+            <a:ext cx="4343400" cy="748683"/>
+          </a:xfrm>
+          <a:prstGeom prst="rect">
+            <a:avLst/>
+          </a:prstGeom>
+          <a:noFill/>
+          <a:ln>
+            <a:solidFill>
+              <a:srgbClr val="FF0000"/>
+            </a:solidFill>
+          </a:ln>
+        </p:spPr>
+        <p:style>
+          <a:lnRef idx="2">
+            <a:schemeClr val="accent1">
+              <a:shade val="50000"/>
+            </a:schemeClr>
+          </a:lnRef>
+          <a:fillRef idx="1">
+            <a:schemeClr val="accent1"/>
+          </a:fillRef>
+          <a:effectRef idx="0">
+            <a:schemeClr val="accent1"/>
+          </a:effectRef>
+          <a:fontRef idx="minor">
+            <a:schemeClr val="lt1"/>
+          </a:fontRef>
+        </p:style>
+        <p:txBody>
+          <a:bodyPr rtlCol="0" anchor="ctr"/>
+          <a:lstStyle/>
+          <a:p>
+            <a:pPr algn="ctr"/>
+            <a:endParaRPr lang="en-US"/>
+          </a:p>
+        </p:txBody>
+      </p:sp>
+      <p:sp>
+        <p:nvSpPr>
+          <p:cNvPr id="3" name="Slide Number Placeholder 2"/>
+          <p:cNvSpPr>
+            <a:spLocks noGrp="1"/>
+          </p:cNvSpPr>
+          <p:nvPr>
+            <p:ph type="sldNum" sz="quarter" idx="12"/>
+          </p:nvPr>
+        </p:nvSpPr>
+        <p:spPr/>
+        <p:txBody>
+          <a:bodyPr/>
+          <a:lstStyle/>
+          <a:p>
+            <a:fld id="{6BE98711-CE87-4D2C-A4EE-CF4DC81676AA}" type="slidenum">
+              <a:rPr lang="en-US" smtClean="0"/>
+              <a:t>50</a:t>
+            </a:fld>
+            <a:endParaRPr lang="en-US"/>
+          </a:p>
+        </p:txBody>
+      </p:sp>
+    </p:spTree>
+    <p:extLst>
+      <p:ext uri="{BB962C8B-B14F-4D97-AF65-F5344CB8AC3E}">
+        <p14:creationId xmlns:p14="http://schemas.microsoft.com/office/powerpoint/2010/main" val="177197345"/>
+      </p:ext>
+    </p:extLst>
+  </p:cSld>
+  <p:clrMapOvr>
+    <a:masterClrMapping/>
+  </p:clrMapOvr>
+</p:sld>
+</file>
+
+<file path=ppt/slides/slide51.xml><?xml version="1.0" encoding="utf-8"?>
+<p:sld xmlns:a="http://schemas.openxmlformats.org/drawingml/2006/main" xmlns:r="http://schemas.openxmlformats.org/officeDocument/2006/relationships" xmlns:p="http://schemas.openxmlformats.org/presentationml/2006/main">
+  <p:cSld>
+    <p:spTree>
+      <p:nvGrpSpPr>
+        <p:cNvPr id="1" name=""/>
+        <p:cNvGrpSpPr/>
+        <p:nvPr/>
+      </p:nvGrpSpPr>
+      <p:grpSpPr>
+        <a:xfrm>
+          <a:off x="0" y="0"/>
+          <a:ext cx="0" cy="0"/>
+          <a:chOff x="0" y="0"/>
+          <a:chExt cx="0" cy="0"/>
+        </a:xfrm>
+      </p:grpSpPr>
+      <p:sp>
+        <p:nvSpPr>
+          <p:cNvPr id="2" name="Title 1"/>
+          <p:cNvSpPr>
+            <a:spLocks noGrp="1"/>
+          </p:cNvSpPr>
+          <p:nvPr>
+            <p:ph type="title"/>
+          </p:nvPr>
+        </p:nvSpPr>
+        <p:spPr/>
+        <p:txBody>
+          <a:bodyPr/>
+          <a:lstStyle/>
+          <a:p>
+            <a:r>
+              <a:rPr lang="en-US" dirty="0" smtClean="0"/>
+              <a:t>DNS</a:t>
+            </a:r>
+            <a:endParaRPr lang="en-US" dirty="0"/>
+          </a:p>
+        </p:txBody>
+      </p:sp>
+      <p:sp>
+        <p:nvSpPr>
+          <p:cNvPr id="3" name="Content Placeholder 2"/>
+          <p:cNvSpPr>
+            <a:spLocks noGrp="1"/>
+          </p:cNvSpPr>
+          <p:nvPr>
+            <p:ph idx="1"/>
+          </p:nvPr>
+        </p:nvSpPr>
+        <p:spPr/>
+        <p:txBody>
+          <a:bodyPr/>
+          <a:lstStyle/>
+          <a:p>
+            <a:r>
+              <a:rPr lang="en-US" dirty="0" smtClean="0"/>
+              <a:t>Used to allow IP addresses to be referred to with hostnames</a:t>
+            </a:r>
+          </a:p>
+          <a:p>
+            <a:r>
+              <a:rPr lang="en-US" dirty="0" smtClean="0"/>
+              <a:t>Remembering www.unitednuclear.com is easier </a:t>
+            </a:r>
+            <a:r>
+              <a:rPr lang="en-US" dirty="0"/>
+              <a:t>than remembering </a:t>
+            </a:r>
+            <a:r>
+              <a:rPr lang="en-US" dirty="0" smtClean="0"/>
+              <a:t>96.125.189.9</a:t>
+            </a:r>
+          </a:p>
+          <a:p>
+            <a:r>
+              <a:rPr lang="en-US" dirty="0" smtClean="0"/>
+              <a:t>In order to be routed to the destination, hostnames need to be </a:t>
+            </a:r>
+            <a:r>
+              <a:rPr lang="en-US" i="1" dirty="0" smtClean="0"/>
+              <a:t>resolved</a:t>
+            </a:r>
+            <a:r>
+              <a:rPr lang="en-US" dirty="0" smtClean="0"/>
+              <a:t> to IP addresses</a:t>
+            </a:r>
+            <a:endParaRPr lang="en-US" dirty="0"/>
+          </a:p>
+        </p:txBody>
+      </p:sp>
+      <p:sp>
+        <p:nvSpPr>
+          <p:cNvPr id="4" name="Slide Number Placeholder 3"/>
+          <p:cNvSpPr>
+            <a:spLocks noGrp="1"/>
+          </p:cNvSpPr>
+          <p:nvPr>
+            <p:ph type="sldNum" sz="quarter" idx="12"/>
+          </p:nvPr>
+        </p:nvSpPr>
+        <p:spPr/>
+        <p:txBody>
+          <a:bodyPr/>
+          <a:lstStyle/>
+          <a:p>
+            <a:fld id="{6BE98711-CE87-4D2C-A4EE-CF4DC81676AA}" type="slidenum">
+              <a:rPr lang="en-US" smtClean="0"/>
+              <a:t>51</a:t>
+            </a:fld>
+            <a:endParaRPr lang="en-US"/>
+          </a:p>
+        </p:txBody>
+      </p:sp>
+    </p:spTree>
+    <p:extLst>
+      <p:ext uri="{BB962C8B-B14F-4D97-AF65-F5344CB8AC3E}">
+        <p14:creationId xmlns:p14="http://schemas.microsoft.com/office/powerpoint/2010/main" val="756470130"/>
+      </p:ext>
+    </p:extLst>
+  </p:cSld>
+  <p:clrMapOvr>
+    <a:masterClrMapping/>
+  </p:clrMapOvr>
+</p:sld>
+</file>
+
+<file path=ppt/slides/slide52.xml><?xml version="1.0" encoding="utf-8"?>
+<p:sld xmlns:a="http://schemas.openxmlformats.org/drawingml/2006/main" xmlns:r="http://schemas.openxmlformats.org/officeDocument/2006/relationships" xmlns:p="http://schemas.openxmlformats.org/presentationml/2006/main">
+  <p:cSld>
+    <p:spTree>
+      <p:nvGrpSpPr>
+        <p:cNvPr id="1" name=""/>
+        <p:cNvGrpSpPr/>
+        <p:nvPr/>
+      </p:nvGrpSpPr>
+      <p:grpSpPr>
+        <a:xfrm>
+          <a:off x="0" y="0"/>
+          <a:ext cx="0" cy="0"/>
+          <a:chOff x="0" y="0"/>
+          <a:chExt cx="0" cy="0"/>
+        </a:xfrm>
+      </p:grpSpPr>
+      <p:sp>
+        <p:nvSpPr>
+          <p:cNvPr id="2" name="Title 1"/>
+          <p:cNvSpPr>
+            <a:spLocks noGrp="1"/>
+          </p:cNvSpPr>
+          <p:nvPr>
+            <p:ph type="title"/>
+          </p:nvPr>
+        </p:nvSpPr>
+        <p:spPr/>
+        <p:txBody>
+          <a:bodyPr/>
+          <a:lstStyle/>
+          <a:p>
+            <a:r>
+              <a:rPr lang="en-US" dirty="0" smtClean="0"/>
+              <a:t>DNS</a:t>
+            </a:r>
+            <a:endParaRPr lang="en-US" dirty="0"/>
+          </a:p>
+        </p:txBody>
+      </p:sp>
+      <p:sp>
+        <p:nvSpPr>
+          <p:cNvPr id="3" name="Content Placeholder 2"/>
+          <p:cNvSpPr>
+            <a:spLocks noGrp="1"/>
+          </p:cNvSpPr>
+          <p:nvPr>
+            <p:ph idx="1"/>
+          </p:nvPr>
+        </p:nvSpPr>
+        <p:spPr/>
+        <p:txBody>
+          <a:bodyPr/>
+          <a:lstStyle/>
+          <a:p>
+            <a:r>
+              <a:rPr lang="en-US" dirty="0" smtClean="0"/>
+              <a:t>Two ways to resolve hostnames</a:t>
+            </a:r>
+          </a:p>
+          <a:p>
+            <a:r>
+              <a:rPr lang="en-US" dirty="0" smtClean="0"/>
+              <a:t>Most computers have a “hosts” file</a:t>
+            </a:r>
+          </a:p>
+          <a:p>
+            <a:pPr lvl="1"/>
+            <a:r>
+              <a:rPr lang="en-US" dirty="0" smtClean="0"/>
+              <a:t>This is a bad way to do it; no easy way to distribute hostname changes</a:t>
+            </a:r>
+          </a:p>
+          <a:p>
+            <a:r>
+              <a:rPr lang="en-US" dirty="0" smtClean="0"/>
+              <a:t>“Domain Name System”</a:t>
+            </a:r>
+          </a:p>
+          <a:p>
+            <a:pPr lvl="1"/>
+            <a:r>
+              <a:rPr lang="en-US" dirty="0" smtClean="0"/>
+              <a:t>Hierarchical network of servers (“</a:t>
+            </a:r>
+            <a:r>
+              <a:rPr lang="en-US" dirty="0" err="1" smtClean="0"/>
+              <a:t>nameservers</a:t>
+            </a:r>
+            <a:r>
+              <a:rPr lang="en-US" dirty="0" smtClean="0"/>
+              <a:t>”) which resolve hostnames to IPs</a:t>
+            </a:r>
+            <a:endParaRPr lang="en-US" dirty="0"/>
+          </a:p>
+        </p:txBody>
+      </p:sp>
+      <p:sp>
+        <p:nvSpPr>
+          <p:cNvPr id="4" name="Slide Number Placeholder 3"/>
+          <p:cNvSpPr>
+            <a:spLocks noGrp="1"/>
+          </p:cNvSpPr>
+          <p:nvPr>
+            <p:ph type="sldNum" sz="quarter" idx="12"/>
+          </p:nvPr>
+        </p:nvSpPr>
+        <p:spPr/>
+        <p:txBody>
+          <a:bodyPr/>
+          <a:lstStyle/>
+          <a:p>
+            <a:fld id="{6BE98711-CE87-4D2C-A4EE-CF4DC81676AA}" type="slidenum">
+              <a:rPr lang="en-US" smtClean="0"/>
+              <a:t>52</a:t>
+            </a:fld>
+            <a:endParaRPr lang="en-US"/>
+          </a:p>
+        </p:txBody>
+      </p:sp>
+    </p:spTree>
+    <p:extLst>
+      <p:ext uri="{BB962C8B-B14F-4D97-AF65-F5344CB8AC3E}">
+        <p14:creationId xmlns:p14="http://schemas.microsoft.com/office/powerpoint/2010/main" val="891693674"/>
+      </p:ext>
+    </p:extLst>
+  </p:cSld>
+  <p:clrMapOvr>
+    <a:masterClrMapping/>
+  </p:clrMapOvr>
+</p:sld>
+</file>
+
+<file path=ppt/slides/slide53.xml><?xml version="1.0" encoding="utf-8"?>
+<p:sld xmlns:a="http://schemas.openxmlformats.org/drawingml/2006/main" xmlns:r="http://schemas.openxmlformats.org/officeDocument/2006/relationships" xmlns:p="http://schemas.openxmlformats.org/presentationml/2006/main">
+  <p:cSld>
+    <p:spTree>
+      <p:nvGrpSpPr>
+        <p:cNvPr id="1" name=""/>
+        <p:cNvGrpSpPr/>
+        <p:nvPr/>
+      </p:nvGrpSpPr>
+      <p:grpSpPr>
+        <a:xfrm>
+          <a:off x="0" y="0"/>
+          <a:ext cx="0" cy="0"/>
+          <a:chOff x="0" y="0"/>
+          <a:chExt cx="0" cy="0"/>
+        </a:xfrm>
+      </p:grpSpPr>
+      <p:sp>
+        <p:nvSpPr>
+          <p:cNvPr id="2" name="Title 1"/>
+          <p:cNvSpPr>
+            <a:spLocks noGrp="1"/>
+          </p:cNvSpPr>
+          <p:nvPr>
+            <p:ph type="title"/>
+          </p:nvPr>
+        </p:nvSpPr>
+        <p:spPr/>
+        <p:txBody>
+          <a:bodyPr/>
+          <a:lstStyle/>
+          <a:p>
+            <a:r>
+              <a:rPr lang="en-US" dirty="0" smtClean="0"/>
+              <a:t>DNS</a:t>
+            </a:r>
+            <a:endParaRPr lang="en-US" dirty="0"/>
+          </a:p>
+        </p:txBody>
+      </p:sp>
+      <p:sp>
+        <p:nvSpPr>
+          <p:cNvPr id="3" name="Content Placeholder 2"/>
+          <p:cNvSpPr>
+            <a:spLocks noGrp="1"/>
+          </p:cNvSpPr>
+          <p:nvPr>
+            <p:ph idx="1"/>
+          </p:nvPr>
+        </p:nvSpPr>
+        <p:spPr/>
+        <p:txBody>
+          <a:bodyPr/>
+          <a:lstStyle/>
+          <a:p>
+            <a:r>
+              <a:rPr lang="en-US" dirty="0" smtClean="0"/>
+              <a:t>There are public DNS servers</a:t>
+            </a:r>
+          </a:p>
+          <a:p>
+            <a:pPr lvl="1"/>
+            <a:r>
+              <a:rPr lang="en-US" dirty="0" smtClean="0"/>
+              <a:t>Easy to remember: Google’s public </a:t>
+            </a:r>
+            <a:r>
+              <a:rPr lang="en-US" dirty="0" err="1" smtClean="0"/>
+              <a:t>nameserver</a:t>
+            </a:r>
+            <a:r>
+              <a:rPr lang="en-US" dirty="0" smtClean="0"/>
+              <a:t> at 8.8.8.8</a:t>
+            </a:r>
+          </a:p>
+          <a:p>
+            <a:r>
+              <a:rPr lang="en-US" dirty="0" smtClean="0"/>
+              <a:t>Many organizations have internal </a:t>
+            </a:r>
+            <a:r>
+              <a:rPr lang="en-US" dirty="0" err="1" smtClean="0"/>
+              <a:t>nameservers</a:t>
+            </a:r>
+            <a:endParaRPr lang="en-US" dirty="0" smtClean="0"/>
+          </a:p>
+          <a:p>
+            <a:pPr lvl="1"/>
+            <a:r>
+              <a:rPr lang="en-US" dirty="0" smtClean="0"/>
+              <a:t>Allows access to internal services</a:t>
+            </a:r>
+            <a:endParaRPr lang="en-US" dirty="0"/>
+          </a:p>
+        </p:txBody>
+      </p:sp>
+      <p:sp>
+        <p:nvSpPr>
+          <p:cNvPr id="4" name="Slide Number Placeholder 3"/>
+          <p:cNvSpPr>
+            <a:spLocks noGrp="1"/>
+          </p:cNvSpPr>
+          <p:nvPr>
+            <p:ph type="sldNum" sz="quarter" idx="12"/>
+          </p:nvPr>
+        </p:nvSpPr>
+        <p:spPr/>
+        <p:txBody>
+          <a:bodyPr/>
+          <a:lstStyle/>
+          <a:p>
+            <a:fld id="{6BE98711-CE87-4D2C-A4EE-CF4DC81676AA}" type="slidenum">
+              <a:rPr lang="en-US" smtClean="0"/>
+              <a:t>53</a:t>
+            </a:fld>
+            <a:endParaRPr lang="en-US"/>
+          </a:p>
+        </p:txBody>
+      </p:sp>
+    </p:spTree>
+    <p:extLst>
+      <p:ext uri="{BB962C8B-B14F-4D97-AF65-F5344CB8AC3E}">
+        <p14:creationId xmlns:p14="http://schemas.microsoft.com/office/powerpoint/2010/main" val="3987943022"/>
+      </p:ext>
+    </p:extLst>
+  </p:cSld>
+  <p:clrMapOvr>
+    <a:masterClrMapping/>
+  </p:clrMapOvr>
+</p:sld>
+</file>
+
+<file path=ppt/slides/slide54.xml><?xml version="1.0" encoding="utf-8"?>
+<p:sld xmlns:a="http://schemas.openxmlformats.org/drawingml/2006/main" xmlns:r="http://schemas.openxmlformats.org/officeDocument/2006/relationships" xmlns:p="http://schemas.openxmlformats.org/presentationml/2006/main">
+  <p:cSld>
+    <p:spTree>
+      <p:nvGrpSpPr>
+        <p:cNvPr id="1" name=""/>
+        <p:cNvGrpSpPr/>
+        <p:nvPr/>
+      </p:nvGrpSpPr>
+      <p:grpSpPr>
+        <a:xfrm>
+          <a:off x="0" y="0"/>
+          <a:ext cx="0" cy="0"/>
+          <a:chOff x="0" y="0"/>
+          <a:chExt cx="0" cy="0"/>
+        </a:xfrm>
+      </p:grpSpPr>
+      <p:sp>
+        <p:nvSpPr>
+          <p:cNvPr id="2" name="Title 1"/>
+          <p:cNvSpPr>
+            <a:spLocks noGrp="1"/>
+          </p:cNvSpPr>
+          <p:nvPr>
+            <p:ph type="title"/>
+          </p:nvPr>
+        </p:nvSpPr>
+        <p:spPr/>
+        <p:txBody>
+          <a:bodyPr>
+            <a:normAutofit/>
+          </a:bodyPr>
+          <a:lstStyle/>
+          <a:p>
+            <a:r>
+              <a:rPr lang="en-US" dirty="0" smtClean="0"/>
+              <a:t>DNS</a:t>
+            </a:r>
+            <a:endParaRPr lang="en-US" dirty="0"/>
+          </a:p>
+        </p:txBody>
+      </p:sp>
+      <p:sp>
+        <p:nvSpPr>
+          <p:cNvPr id="3" name="Content Placeholder 2"/>
+          <p:cNvSpPr>
+            <a:spLocks noGrp="1"/>
+          </p:cNvSpPr>
+          <p:nvPr>
+            <p:ph idx="1"/>
+          </p:nvPr>
+        </p:nvSpPr>
+        <p:spPr/>
+        <p:txBody>
+          <a:bodyPr>
+            <a:normAutofit fontScale="77500" lnSpcReduction="20000"/>
+          </a:bodyPr>
+          <a:lstStyle/>
+          <a:p>
+            <a:r>
+              <a:rPr lang="en-US" dirty="0" smtClean="0"/>
+              <a:t>Domains are </a:t>
+            </a:r>
+            <a:r>
+              <a:rPr lang="en-US" i="1" dirty="0" smtClean="0"/>
+              <a:t>hierarchical</a:t>
+            </a:r>
+            <a:endParaRPr lang="en-US" dirty="0" smtClean="0"/>
+          </a:p>
+          <a:p>
+            <a:r>
+              <a:rPr lang="en-US" dirty="0" smtClean="0"/>
+              <a:t>Suppose you want to visit www.dus.jpl.nasa.gov</a:t>
+            </a:r>
+          </a:p>
+          <a:p>
+            <a:r>
+              <a:rPr lang="en-US" i="1" dirty="0" smtClean="0"/>
+              <a:t>Root </a:t>
+            </a:r>
+            <a:r>
+              <a:rPr lang="en-US" i="1" dirty="0" err="1" smtClean="0"/>
+              <a:t>nameserver</a:t>
+            </a:r>
+            <a:r>
+              <a:rPr lang="en-US" dirty="0" smtClean="0"/>
+              <a:t> gives you the address for the “.</a:t>
+            </a:r>
+            <a:r>
+              <a:rPr lang="en-US" dirty="0" err="1" smtClean="0"/>
+              <a:t>gov</a:t>
+            </a:r>
+            <a:r>
+              <a:rPr lang="en-US" dirty="0" smtClean="0"/>
+              <a:t>” (TLDN) </a:t>
+            </a:r>
+            <a:r>
+              <a:rPr lang="en-US" dirty="0" err="1" smtClean="0"/>
+              <a:t>nameserver</a:t>
+            </a:r>
+            <a:endParaRPr lang="en-US" dirty="0" smtClean="0"/>
+          </a:p>
+          <a:p>
+            <a:r>
+              <a:rPr lang="en-US" dirty="0" smtClean="0"/>
+              <a:t>.</a:t>
+            </a:r>
+            <a:r>
+              <a:rPr lang="en-US" dirty="0" err="1" smtClean="0"/>
+              <a:t>gov</a:t>
+            </a:r>
+            <a:r>
+              <a:rPr lang="en-US" dirty="0" smtClean="0"/>
+              <a:t> </a:t>
+            </a:r>
+            <a:r>
+              <a:rPr lang="en-US" dirty="0" err="1" smtClean="0"/>
+              <a:t>nameserver</a:t>
+            </a:r>
+            <a:r>
+              <a:rPr lang="en-US" dirty="0" smtClean="0"/>
+              <a:t> gives you the address for the nasa.gov </a:t>
+            </a:r>
+            <a:r>
+              <a:rPr lang="en-US" dirty="0" err="1" smtClean="0"/>
+              <a:t>nameserver</a:t>
+            </a:r>
+            <a:endParaRPr lang="en-US" dirty="0" smtClean="0"/>
+          </a:p>
+          <a:p>
+            <a:r>
+              <a:rPr lang="en-US" dirty="0" smtClean="0"/>
+              <a:t>nasa.gov </a:t>
+            </a:r>
+            <a:r>
+              <a:rPr lang="en-US" dirty="0" err="1" smtClean="0"/>
+              <a:t>nameserver</a:t>
+            </a:r>
+            <a:r>
+              <a:rPr lang="en-US" dirty="0" smtClean="0"/>
+              <a:t> gives you the address for the jpl.nasa.gov </a:t>
+            </a:r>
+            <a:r>
+              <a:rPr lang="en-US" dirty="0" err="1" smtClean="0"/>
+              <a:t>nameserver</a:t>
+            </a:r>
+            <a:endParaRPr lang="en-US" dirty="0" smtClean="0"/>
+          </a:p>
+          <a:p>
+            <a:r>
+              <a:rPr lang="en-US" dirty="0" smtClean="0"/>
+              <a:t>Etc…</a:t>
+            </a:r>
+          </a:p>
+          <a:p>
+            <a:r>
+              <a:rPr lang="en-US" dirty="0" smtClean="0"/>
+              <a:t>Until you reach a </a:t>
+            </a:r>
+            <a:r>
+              <a:rPr lang="en-US" dirty="0" err="1" smtClean="0"/>
+              <a:t>nameserver</a:t>
+            </a:r>
+            <a:r>
+              <a:rPr lang="en-US" dirty="0" smtClean="0"/>
+              <a:t> that has the IP for the requested address (</a:t>
+            </a:r>
+            <a:r>
+              <a:rPr lang="en-US" i="1" dirty="0" smtClean="0"/>
+              <a:t>authoritative answer</a:t>
+            </a:r>
+            <a:r>
+              <a:rPr lang="en-US" dirty="0" smtClean="0"/>
+              <a:t>: “www.dus.jpl.nasa.gov is </a:t>
+            </a:r>
+            <a:r>
+              <a:rPr lang="en-US" dirty="0"/>
+              <a:t>at </a:t>
+            </a:r>
+            <a:r>
+              <a:rPr lang="en-US" dirty="0" smtClean="0"/>
+              <a:t>128.149.113.60”)</a:t>
+            </a:r>
+            <a:endParaRPr lang="en-US" dirty="0"/>
+          </a:p>
+        </p:txBody>
+      </p:sp>
+      <p:sp>
+        <p:nvSpPr>
+          <p:cNvPr id="4" name="Slide Number Placeholder 3"/>
+          <p:cNvSpPr>
+            <a:spLocks noGrp="1"/>
+          </p:cNvSpPr>
+          <p:nvPr>
+            <p:ph type="sldNum" sz="quarter" idx="12"/>
+          </p:nvPr>
+        </p:nvSpPr>
+        <p:spPr/>
+        <p:txBody>
+          <a:bodyPr/>
+          <a:lstStyle/>
+          <a:p>
+            <a:fld id="{6BE98711-CE87-4D2C-A4EE-CF4DC81676AA}" type="slidenum">
+              <a:rPr lang="en-US" smtClean="0"/>
+              <a:t>54</a:t>
+            </a:fld>
+            <a:endParaRPr lang="en-US"/>
+          </a:p>
+        </p:txBody>
+      </p:sp>
+    </p:spTree>
+    <p:extLst>
+      <p:ext uri="{BB962C8B-B14F-4D97-AF65-F5344CB8AC3E}">
+        <p14:creationId xmlns:p14="http://schemas.microsoft.com/office/powerpoint/2010/main" val="2565641356"/>
+      </p:ext>
+    </p:extLst>
+  </p:cSld>
+  <p:clrMapOvr>
+    <a:masterClrMapping/>
+  </p:clrMapOvr>
+</p:sld>
+</file>
+
+<file path=ppt/slides/slide55.xml><?xml version="1.0" encoding="utf-8"?>
+<p:sld xmlns:a="http://schemas.openxmlformats.org/drawingml/2006/main" xmlns:r="http://schemas.openxmlformats.org/officeDocument/2006/relationships" xmlns:p="http://schemas.openxmlformats.org/presentationml/2006/main">
+  <p:cSld>
+    <p:spTree>
+      <p:nvGrpSpPr>
+        <p:cNvPr id="1" name=""/>
+        <p:cNvGrpSpPr/>
+        <p:nvPr/>
+      </p:nvGrpSpPr>
+      <p:grpSpPr>
+        <a:xfrm>
+          <a:off x="0" y="0"/>
+          <a:ext cx="0" cy="0"/>
+          <a:chOff x="0" y="0"/>
+          <a:chExt cx="0" cy="0"/>
+        </a:xfrm>
+      </p:grpSpPr>
+      <p:sp>
+        <p:nvSpPr>
+          <p:cNvPr id="2" name="Title 1"/>
+          <p:cNvSpPr>
+            <a:spLocks noGrp="1"/>
+          </p:cNvSpPr>
+          <p:nvPr>
+            <p:ph type="title"/>
+          </p:nvPr>
+        </p:nvSpPr>
+        <p:spPr/>
+        <p:txBody>
+          <a:bodyPr/>
+          <a:lstStyle/>
+          <a:p>
+            <a:r>
+              <a:rPr lang="en-US" dirty="0" smtClean="0"/>
+              <a:t>DNS</a:t>
+            </a:r>
+            <a:endParaRPr lang="en-US" dirty="0"/>
+          </a:p>
+        </p:txBody>
+      </p:sp>
+      <p:sp>
+        <p:nvSpPr>
+          <p:cNvPr id="3" name="Content Placeholder 2"/>
+          <p:cNvSpPr>
+            <a:spLocks noGrp="1"/>
+          </p:cNvSpPr>
+          <p:nvPr>
+            <p:ph idx="1"/>
+          </p:nvPr>
+        </p:nvSpPr>
+        <p:spPr/>
+        <p:txBody>
+          <a:bodyPr>
+            <a:normAutofit lnSpcReduction="10000"/>
+          </a:bodyPr>
+          <a:lstStyle/>
+          <a:p>
+            <a:r>
+              <a:rPr lang="en-US" dirty="0" smtClean="0"/>
+              <a:t>To cut down on traffic, DNS servers use </a:t>
+            </a:r>
+            <a:r>
+              <a:rPr lang="en-US" i="1" dirty="0" smtClean="0"/>
+              <a:t>caching</a:t>
+            </a:r>
+          </a:p>
+          <a:p>
+            <a:r>
+              <a:rPr lang="en-US" dirty="0" smtClean="0"/>
+              <a:t>E.g., if the previous example was done through the 8.8.8.8 </a:t>
+            </a:r>
+            <a:r>
+              <a:rPr lang="en-US" dirty="0" err="1" smtClean="0"/>
+              <a:t>nameserver</a:t>
+            </a:r>
+            <a:r>
+              <a:rPr lang="en-US" dirty="0" smtClean="0"/>
+              <a:t>, in future, the </a:t>
+            </a:r>
+            <a:r>
+              <a:rPr lang="en-US" dirty="0" err="1" smtClean="0"/>
+              <a:t>nameserver</a:t>
+            </a:r>
+            <a:r>
+              <a:rPr lang="en-US" dirty="0" smtClean="0"/>
+              <a:t> would remember the resolution, and immediately reply with “www.dus.jpl.nasa.gov </a:t>
+            </a:r>
+            <a:r>
+              <a:rPr lang="en-US" dirty="0"/>
+              <a:t>is at </a:t>
+            </a:r>
+            <a:r>
+              <a:rPr lang="en-US" dirty="0" smtClean="0"/>
+              <a:t>128.149.113.60” (</a:t>
+            </a:r>
+            <a:r>
+              <a:rPr lang="en-US" i="1" dirty="0" smtClean="0"/>
+              <a:t>non-authoritative answer</a:t>
+            </a:r>
+            <a:r>
+              <a:rPr lang="en-US" dirty="0" smtClean="0"/>
+              <a:t>)</a:t>
+            </a:r>
+          </a:p>
+          <a:p>
+            <a:r>
+              <a:rPr lang="en-US" dirty="0" smtClean="0"/>
+              <a:t>Cached values have TTL (time-to-live) values</a:t>
+            </a:r>
+            <a:endParaRPr lang="en-US" dirty="0"/>
+          </a:p>
+        </p:txBody>
+      </p:sp>
+      <p:sp>
+        <p:nvSpPr>
+          <p:cNvPr id="4" name="Slide Number Placeholder 3"/>
+          <p:cNvSpPr>
+            <a:spLocks noGrp="1"/>
+          </p:cNvSpPr>
+          <p:nvPr>
+            <p:ph type="sldNum" sz="quarter" idx="12"/>
+          </p:nvPr>
+        </p:nvSpPr>
+        <p:spPr/>
+        <p:txBody>
+          <a:bodyPr/>
+          <a:lstStyle/>
+          <a:p>
+            <a:fld id="{6BE98711-CE87-4D2C-A4EE-CF4DC81676AA}" type="slidenum">
+              <a:rPr lang="en-US" smtClean="0"/>
+              <a:t>55</a:t>
+            </a:fld>
+            <a:endParaRPr lang="en-US"/>
+          </a:p>
+        </p:txBody>
+      </p:sp>
+    </p:spTree>
+    <p:extLst>
+      <p:ext uri="{BB962C8B-B14F-4D97-AF65-F5344CB8AC3E}">
+        <p14:creationId xmlns:p14="http://schemas.microsoft.com/office/powerpoint/2010/main" val="2423919783"/>
+      </p:ext>
+    </p:extLst>
+  </p:cSld>
+  <p:clrMapOvr>
+    <a:masterClrMapping/>
+  </p:clrMapOvr>
+</p:sld>
+</file>
+
+<file path=ppt/slides/slide56.xml><?xml version="1.0" encoding="utf-8"?>
+<p:sld xmlns:a="http://schemas.openxmlformats.org/drawingml/2006/main" xmlns:r="http://schemas.openxmlformats.org/officeDocument/2006/relationships" xmlns:p="http://schemas.openxmlformats.org/presentationml/2006/main">
+  <p:cSld>
+    <p:spTree>
+      <p:nvGrpSpPr>
+        <p:cNvPr id="1" name=""/>
+        <p:cNvGrpSpPr/>
+        <p:nvPr/>
+      </p:nvGrpSpPr>
+      <p:grpSpPr>
+        <a:xfrm>
+          <a:off x="0" y="0"/>
+          <a:ext cx="0" cy="0"/>
+          <a:chOff x="0" y="0"/>
+          <a:chExt cx="0" cy="0"/>
+        </a:xfrm>
+      </p:grpSpPr>
+      <p:sp>
+        <p:nvSpPr>
+          <p:cNvPr id="2" name="Title 1"/>
+          <p:cNvSpPr>
+            <a:spLocks noGrp="1"/>
+          </p:cNvSpPr>
+          <p:nvPr>
+            <p:ph type="title"/>
+          </p:nvPr>
+        </p:nvSpPr>
+        <p:spPr/>
+        <p:txBody>
+          <a:bodyPr/>
+          <a:lstStyle/>
+          <a:p>
+            <a:r>
+              <a:rPr lang="en-US" dirty="0" smtClean="0"/>
+              <a:t>DNS</a:t>
+            </a:r>
+            <a:endParaRPr lang="en-US" dirty="0"/>
+          </a:p>
+        </p:txBody>
+      </p:sp>
+      <p:sp>
+        <p:nvSpPr>
+          <p:cNvPr id="3" name="Content Placeholder 2"/>
+          <p:cNvSpPr>
+            <a:spLocks noGrp="1"/>
+          </p:cNvSpPr>
+          <p:nvPr>
+            <p:ph idx="1"/>
+          </p:nvPr>
+        </p:nvSpPr>
+        <p:spPr/>
+        <p:txBody>
+          <a:bodyPr/>
+          <a:lstStyle/>
+          <a:p>
+            <a:r>
+              <a:rPr lang="en-US" dirty="0" smtClean="0"/>
+              <a:t>For example, I bought the domain “696private.org” from </a:t>
+            </a:r>
+            <a:r>
+              <a:rPr lang="en-US" dirty="0" err="1" smtClean="0"/>
+              <a:t>Namecheap</a:t>
+            </a:r>
+            <a:endParaRPr lang="en-US" dirty="0" smtClean="0"/>
+          </a:p>
+          <a:p>
+            <a:r>
+              <a:rPr lang="en-US" dirty="0" smtClean="0"/>
+              <a:t>I told </a:t>
+            </a:r>
+            <a:r>
+              <a:rPr lang="en-US" dirty="0" err="1" smtClean="0"/>
+              <a:t>Namecheap</a:t>
+            </a:r>
+            <a:r>
+              <a:rPr lang="en-US" dirty="0" smtClean="0"/>
+              <a:t> that </a:t>
+            </a:r>
+            <a:r>
+              <a:rPr lang="en-US" dirty="0" err="1" smtClean="0"/>
+              <a:t>DigitalOcean’s</a:t>
+            </a:r>
+            <a:r>
+              <a:rPr lang="en-US" dirty="0" smtClean="0"/>
+              <a:t> </a:t>
+            </a:r>
+            <a:r>
+              <a:rPr lang="en-US" dirty="0" err="1" smtClean="0"/>
+              <a:t>nameservers</a:t>
+            </a:r>
+            <a:r>
+              <a:rPr lang="en-US" dirty="0" smtClean="0"/>
+              <a:t> would serve the 696private.org domain</a:t>
+            </a:r>
+          </a:p>
+          <a:p>
+            <a:r>
+              <a:rPr lang="en-US" dirty="0" smtClean="0"/>
+              <a:t>I then set up DNS records for 696private.org (and subdomains) on </a:t>
+            </a:r>
+            <a:r>
+              <a:rPr lang="en-US" dirty="0" err="1" smtClean="0"/>
+              <a:t>DigitalOcean’s</a:t>
+            </a:r>
+            <a:r>
+              <a:rPr lang="en-US" dirty="0" smtClean="0"/>
+              <a:t> </a:t>
+            </a:r>
+            <a:r>
+              <a:rPr lang="en-US" dirty="0" err="1" smtClean="0"/>
+              <a:t>nameservers</a:t>
+            </a:r>
+            <a:endParaRPr lang="en-US" dirty="0"/>
+          </a:p>
+        </p:txBody>
+      </p:sp>
+      <p:sp>
+        <p:nvSpPr>
+          <p:cNvPr id="4" name="Slide Number Placeholder 3"/>
+          <p:cNvSpPr>
+            <a:spLocks noGrp="1"/>
+          </p:cNvSpPr>
+          <p:nvPr>
+            <p:ph type="sldNum" sz="quarter" idx="12"/>
+          </p:nvPr>
+        </p:nvSpPr>
+        <p:spPr/>
+        <p:txBody>
+          <a:bodyPr/>
+          <a:lstStyle/>
+          <a:p>
+            <a:fld id="{6BE98711-CE87-4D2C-A4EE-CF4DC81676AA}" type="slidenum">
+              <a:rPr lang="en-US" smtClean="0"/>
+              <a:t>56</a:t>
+            </a:fld>
+            <a:endParaRPr lang="en-US"/>
+          </a:p>
+        </p:txBody>
+      </p:sp>
+    </p:spTree>
+    <p:extLst>
+      <p:ext uri="{BB962C8B-B14F-4D97-AF65-F5344CB8AC3E}">
+        <p14:creationId xmlns:p14="http://schemas.microsoft.com/office/powerpoint/2010/main" val="480099079"/>
+      </p:ext>
+    </p:extLst>
+  </p:cSld>
+  <p:clrMapOvr>
+    <a:masterClrMapping/>
+  </p:clrMapOvr>
+</p:sld>
+</file>
+
+<file path=ppt/slides/slide57.xml><?xml version="1.0" encoding="utf-8"?>
+<p:sld xmlns:a="http://schemas.openxmlformats.org/drawingml/2006/main" xmlns:r="http://schemas.openxmlformats.org/officeDocument/2006/relationships" xmlns:p="http://schemas.openxmlformats.org/presentationml/2006/main">
+  <p:cSld>
+    <p:spTree>
+      <p:nvGrpSpPr>
+        <p:cNvPr id="1" name=""/>
+        <p:cNvGrpSpPr/>
+        <p:nvPr/>
+      </p:nvGrpSpPr>
+      <p:grpSpPr>
+        <a:xfrm>
+          <a:off x="0" y="0"/>
+          <a:ext cx="0" cy="0"/>
+          <a:chOff x="0" y="0"/>
+          <a:chExt cx="0" cy="0"/>
+        </a:xfrm>
+      </p:grpSpPr>
+      <p:sp>
+        <p:nvSpPr>
+          <p:cNvPr id="2" name="Title 1"/>
+          <p:cNvSpPr>
+            <a:spLocks noGrp="1"/>
+          </p:cNvSpPr>
+          <p:nvPr>
+            <p:ph type="title"/>
+          </p:nvPr>
+        </p:nvSpPr>
+        <p:spPr/>
+        <p:txBody>
+          <a:bodyPr/>
+          <a:lstStyle/>
+          <a:p>
+            <a:r>
+              <a:rPr lang="en-US" dirty="0" smtClean="0"/>
+              <a:t>DNS</a:t>
+            </a:r>
+            <a:endParaRPr lang="en-US" dirty="0"/>
+          </a:p>
+        </p:txBody>
+      </p:sp>
+      <p:pic>
+        <p:nvPicPr>
+          <p:cNvPr id="4" name="Picture 3"/>
+          <p:cNvPicPr>
+            <a:picLocks noChangeAspect="1"/>
+          </p:cNvPicPr>
+          <p:nvPr/>
+        </p:nvPicPr>
+        <p:blipFill>
+          <a:blip r:embed="rId2"/>
+          <a:stretch>
+            <a:fillRect/>
+          </a:stretch>
+        </p:blipFill>
+        <p:spPr>
+          <a:xfrm>
+            <a:off x="558901" y="1260764"/>
+            <a:ext cx="8026197" cy="5570517"/>
+          </a:xfrm>
+          <a:prstGeom prst="rect">
+            <a:avLst/>
+          </a:prstGeom>
+        </p:spPr>
+      </p:pic>
+      <p:sp>
+        <p:nvSpPr>
+          <p:cNvPr id="5" name="Slide Number Placeholder 4"/>
+          <p:cNvSpPr>
+            <a:spLocks noGrp="1"/>
+          </p:cNvSpPr>
+          <p:nvPr>
+            <p:ph type="sldNum" sz="quarter" idx="12"/>
+          </p:nvPr>
+        </p:nvSpPr>
+        <p:spPr/>
+        <p:txBody>
+          <a:bodyPr/>
+          <a:lstStyle/>
+          <a:p>
+            <a:fld id="{6BE98711-CE87-4D2C-A4EE-CF4DC81676AA}" type="slidenum">
+              <a:rPr lang="en-US" smtClean="0"/>
+              <a:t>57</a:t>
+            </a:fld>
+            <a:endParaRPr lang="en-US"/>
+          </a:p>
+        </p:txBody>
+      </p:sp>
+    </p:spTree>
+    <p:extLst>
+      <p:ext uri="{BB962C8B-B14F-4D97-AF65-F5344CB8AC3E}">
+        <p14:creationId xmlns:p14="http://schemas.microsoft.com/office/powerpoint/2010/main" val="102865253"/>
+      </p:ext>
+    </p:extLst>
+  </p:cSld>
+  <p:clrMapOvr>
+    <a:masterClrMapping/>
+  </p:clrMapOvr>
+</p:sld>
+</file>
+
+<file path=ppt/slides/slide58.xml><?xml version="1.0" encoding="utf-8"?>
+<p:sld xmlns:a="http://schemas.openxmlformats.org/drawingml/2006/main" xmlns:r="http://schemas.openxmlformats.org/officeDocument/2006/relationships" xmlns:p="http://schemas.openxmlformats.org/presentationml/2006/main">
+  <p:cSld>
+    <p:spTree>
+      <p:nvGrpSpPr>
+        <p:cNvPr id="1" name=""/>
+        <p:cNvGrpSpPr/>
+        <p:nvPr/>
+      </p:nvGrpSpPr>
+      <p:grpSpPr>
+        <a:xfrm>
+          <a:off x="0" y="0"/>
+          <a:ext cx="0" cy="0"/>
+          <a:chOff x="0" y="0"/>
+          <a:chExt cx="0" cy="0"/>
+        </a:xfrm>
+      </p:grpSpPr>
+      <p:sp>
+        <p:nvSpPr>
+          <p:cNvPr id="2" name="Title 1"/>
+          <p:cNvSpPr>
+            <a:spLocks noGrp="1"/>
+          </p:cNvSpPr>
+          <p:nvPr>
+            <p:ph type="title"/>
+          </p:nvPr>
+        </p:nvSpPr>
+        <p:spPr/>
+        <p:txBody>
+          <a:bodyPr/>
+          <a:lstStyle/>
+          <a:p>
+            <a:r>
+              <a:rPr lang="en-US" dirty="0" smtClean="0"/>
+              <a:t>DNS</a:t>
+            </a:r>
+            <a:endParaRPr lang="en-US" dirty="0"/>
+          </a:p>
+        </p:txBody>
+      </p:sp>
+      <p:sp>
+        <p:nvSpPr>
+          <p:cNvPr id="3" name="Content Placeholder 2"/>
+          <p:cNvSpPr>
+            <a:spLocks noGrp="1"/>
+          </p:cNvSpPr>
+          <p:nvPr>
+            <p:ph idx="1"/>
+          </p:nvPr>
+        </p:nvSpPr>
+        <p:spPr>
+          <a:xfrm>
+            <a:off x="457200" y="1600200"/>
+            <a:ext cx="8610600" cy="5181600"/>
+          </a:xfrm>
+        </p:spPr>
+        <p:txBody>
+          <a:bodyPr>
+            <a:normAutofit/>
+          </a:bodyPr>
+          <a:lstStyle/>
+          <a:p>
+            <a:r>
+              <a:rPr lang="en-US" sz="2800" i="1" dirty="0" smtClean="0"/>
+              <a:t>A records</a:t>
+            </a:r>
+            <a:r>
+              <a:rPr lang="en-US" sz="2800" dirty="0" smtClean="0"/>
+              <a:t> designate IPv4 addresses (Authoritative)</a:t>
+            </a:r>
+          </a:p>
+          <a:p>
+            <a:endParaRPr lang="en-US" sz="2800" i="1" dirty="0"/>
+          </a:p>
+          <a:p>
+            <a:endParaRPr lang="en-US" sz="2800" i="1" dirty="0" smtClean="0"/>
+          </a:p>
+          <a:p>
+            <a:r>
+              <a:rPr lang="en-US" sz="2800" i="1" dirty="0" smtClean="0"/>
+              <a:t>NS records </a:t>
+            </a:r>
+            <a:r>
+              <a:rPr lang="en-US" sz="2800" dirty="0" smtClean="0"/>
+              <a:t>give the </a:t>
+            </a:r>
+            <a:r>
+              <a:rPr lang="en-US" sz="2800" dirty="0" err="1" smtClean="0"/>
+              <a:t>nameserver</a:t>
+            </a:r>
+            <a:r>
+              <a:rPr lang="en-US" sz="2800" dirty="0" smtClean="0"/>
+              <a:t>(s) for a domain</a:t>
+            </a:r>
+          </a:p>
+          <a:p>
+            <a:endParaRPr lang="en-US" sz="2800" i="1" dirty="0"/>
+          </a:p>
+          <a:p>
+            <a:endParaRPr lang="en-US" sz="2800" i="1" dirty="0" smtClean="0"/>
+          </a:p>
+          <a:p>
+            <a:endParaRPr lang="en-US" sz="2800" i="1" dirty="0"/>
+          </a:p>
+          <a:p>
+            <a:r>
+              <a:rPr lang="en-US" sz="2800" i="1" dirty="0" smtClean="0"/>
+              <a:t>MX records</a:t>
+            </a:r>
+            <a:r>
+              <a:rPr lang="en-US" sz="2800" dirty="0" smtClean="0"/>
+              <a:t> designate servers that handle e-mail going to a domain</a:t>
+            </a:r>
+            <a:endParaRPr lang="en-US" sz="2800" i="1" dirty="0"/>
+          </a:p>
+        </p:txBody>
+      </p:sp>
+      <p:pic>
+        <p:nvPicPr>
+          <p:cNvPr id="5" name="Picture 4"/>
+          <p:cNvPicPr>
+            <a:picLocks noChangeAspect="1"/>
+          </p:cNvPicPr>
+          <p:nvPr/>
+        </p:nvPicPr>
+        <p:blipFill>
+          <a:blip r:embed="rId2"/>
+          <a:stretch>
+            <a:fillRect/>
+          </a:stretch>
+        </p:blipFill>
+        <p:spPr>
+          <a:xfrm>
+            <a:off x="762000" y="2057400"/>
+            <a:ext cx="7157437" cy="578790"/>
+          </a:xfrm>
+          <a:prstGeom prst="rect">
+            <a:avLst/>
+          </a:prstGeom>
+        </p:spPr>
+      </p:pic>
+      <p:pic>
+        <p:nvPicPr>
+          <p:cNvPr id="6" name="Picture 5"/>
+          <p:cNvPicPr>
+            <a:picLocks noChangeAspect="1"/>
+          </p:cNvPicPr>
+          <p:nvPr/>
+        </p:nvPicPr>
+        <p:blipFill>
+          <a:blip r:embed="rId3"/>
+          <a:stretch>
+            <a:fillRect/>
+          </a:stretch>
+        </p:blipFill>
+        <p:spPr>
+          <a:xfrm>
+            <a:off x="762000" y="2653775"/>
+            <a:ext cx="7433163" cy="582280"/>
+          </a:xfrm>
+          <a:prstGeom prst="rect">
+            <a:avLst/>
+          </a:prstGeom>
+        </p:spPr>
+      </p:pic>
+      <p:pic>
+        <p:nvPicPr>
+          <p:cNvPr id="7" name="Picture 6"/>
+          <p:cNvPicPr>
+            <a:picLocks noChangeAspect="1"/>
+          </p:cNvPicPr>
+          <p:nvPr/>
+        </p:nvPicPr>
+        <p:blipFill>
+          <a:blip r:embed="rId4"/>
+          <a:stretch>
+            <a:fillRect/>
+          </a:stretch>
+        </p:blipFill>
+        <p:spPr>
+          <a:xfrm>
+            <a:off x="747112" y="3666319"/>
+            <a:ext cx="7172325" cy="1480691"/>
+          </a:xfrm>
+          <a:prstGeom prst="rect">
+            <a:avLst/>
+          </a:prstGeom>
+        </p:spPr>
+      </p:pic>
+      <p:pic>
+        <p:nvPicPr>
+          <p:cNvPr id="8" name="Picture 7"/>
+          <p:cNvPicPr>
+            <a:picLocks noChangeAspect="1"/>
+          </p:cNvPicPr>
+          <p:nvPr/>
+        </p:nvPicPr>
+        <p:blipFill>
+          <a:blip r:embed="rId5"/>
+          <a:stretch>
+            <a:fillRect/>
+          </a:stretch>
+        </p:blipFill>
+        <p:spPr>
+          <a:xfrm>
+            <a:off x="773723" y="6096000"/>
+            <a:ext cx="7038975" cy="581518"/>
+          </a:xfrm>
+          <a:prstGeom prst="rect">
+            <a:avLst/>
+          </a:prstGeom>
+        </p:spPr>
+      </p:pic>
+      <p:sp>
+        <p:nvSpPr>
+          <p:cNvPr id="9" name="Slide Number Placeholder 8"/>
+          <p:cNvSpPr>
+            <a:spLocks noGrp="1"/>
+          </p:cNvSpPr>
+          <p:nvPr>
+            <p:ph type="sldNum" sz="quarter" idx="12"/>
+          </p:nvPr>
+        </p:nvSpPr>
+        <p:spPr/>
+        <p:txBody>
+          <a:bodyPr/>
+          <a:lstStyle/>
+          <a:p>
+            <a:fld id="{6BE98711-CE87-4D2C-A4EE-CF4DC81676AA}" type="slidenum">
+              <a:rPr lang="en-US" smtClean="0"/>
+              <a:t>58</a:t>
+            </a:fld>
+            <a:endParaRPr lang="en-US"/>
+          </a:p>
+        </p:txBody>
+      </p:sp>
+    </p:spTree>
+    <p:extLst>
+      <p:ext uri="{BB962C8B-B14F-4D97-AF65-F5344CB8AC3E}">
+        <p14:creationId xmlns:p14="http://schemas.microsoft.com/office/powerpoint/2010/main" val="449439185"/>
+      </p:ext>
+    </p:extLst>
+  </p:cSld>
+  <p:clrMapOvr>
+    <a:masterClrMapping/>
+  </p:clrMapOvr>
+</p:sld>
+</file>
+
+<file path=ppt/slides/slide59.xml><?xml version="1.0" encoding="utf-8"?>
+<p:sld xmlns:a="http://schemas.openxmlformats.org/drawingml/2006/main" xmlns:r="http://schemas.openxmlformats.org/officeDocument/2006/relationships" xmlns:p="http://schemas.openxmlformats.org/presentationml/2006/main">
+  <p:cSld>
+    <p:spTree>
+      <p:nvGrpSpPr>
+        <p:cNvPr id="1" name=""/>
+        <p:cNvGrpSpPr/>
+        <p:nvPr/>
+      </p:nvGrpSpPr>
+      <p:grpSpPr>
+        <a:xfrm>
+          <a:off x="0" y="0"/>
+          <a:ext cx="0" cy="0"/>
+          <a:chOff x="0" y="0"/>
+          <a:chExt cx="0" cy="0"/>
+        </a:xfrm>
+      </p:grpSpPr>
+      <p:sp>
+        <p:nvSpPr>
+          <p:cNvPr id="2" name="Title 1"/>
+          <p:cNvSpPr>
+            <a:spLocks noGrp="1"/>
+          </p:cNvSpPr>
+          <p:nvPr>
+            <p:ph type="title"/>
+          </p:nvPr>
+        </p:nvSpPr>
+        <p:spPr/>
+        <p:txBody>
+          <a:bodyPr/>
+          <a:lstStyle/>
+          <a:p>
+            <a:r>
+              <a:rPr lang="en-US" dirty="0" smtClean="0"/>
+              <a:t>DNS</a:t>
+            </a:r>
+            <a:endParaRPr lang="en-US" dirty="0"/>
+          </a:p>
+        </p:txBody>
+      </p:sp>
+      <p:sp>
+        <p:nvSpPr>
+          <p:cNvPr id="3" name="Content Placeholder 2"/>
+          <p:cNvSpPr>
+            <a:spLocks noGrp="1"/>
+          </p:cNvSpPr>
+          <p:nvPr>
+            <p:ph idx="1"/>
+          </p:nvPr>
+        </p:nvSpPr>
+        <p:spPr/>
+        <p:txBody>
+          <a:bodyPr>
+            <a:normAutofit/>
+          </a:bodyPr>
+          <a:lstStyle/>
+          <a:p>
+            <a:r>
+              <a:rPr lang="en-US" sz="2800" i="1" dirty="0" smtClean="0"/>
+              <a:t>CNAME records </a:t>
+            </a:r>
+            <a:r>
+              <a:rPr lang="en-US" sz="2800" dirty="0" smtClean="0"/>
+              <a:t>are aliases to other hostnames</a:t>
+            </a:r>
+          </a:p>
+          <a:p>
+            <a:endParaRPr lang="en-US" sz="2800" i="1" dirty="0"/>
+          </a:p>
+          <a:p>
+            <a:r>
+              <a:rPr lang="en-US" sz="2800" i="1" dirty="0" smtClean="0"/>
+              <a:t>TXT records</a:t>
+            </a:r>
+            <a:r>
+              <a:rPr lang="en-US" sz="2800" dirty="0" smtClean="0"/>
+              <a:t> store arbitrary data</a:t>
+            </a:r>
+            <a:endParaRPr lang="en-US" sz="2800" i="1" dirty="0"/>
+          </a:p>
+        </p:txBody>
+      </p:sp>
+      <p:pic>
+        <p:nvPicPr>
+          <p:cNvPr id="4" name="Picture 3"/>
+          <p:cNvPicPr>
+            <a:picLocks noChangeAspect="1"/>
+          </p:cNvPicPr>
+          <p:nvPr/>
+        </p:nvPicPr>
+        <p:blipFill>
+          <a:blip r:embed="rId2"/>
+          <a:stretch>
+            <a:fillRect/>
+          </a:stretch>
+        </p:blipFill>
+        <p:spPr>
+          <a:xfrm>
+            <a:off x="762000" y="2133600"/>
+            <a:ext cx="7620000" cy="548751"/>
+          </a:xfrm>
+          <a:prstGeom prst="rect">
+            <a:avLst/>
+          </a:prstGeom>
+        </p:spPr>
+      </p:pic>
+      <p:pic>
+        <p:nvPicPr>
+          <p:cNvPr id="5" name="Picture 4"/>
+          <p:cNvPicPr>
+            <a:picLocks noChangeAspect="1"/>
+          </p:cNvPicPr>
+          <p:nvPr/>
+        </p:nvPicPr>
+        <p:blipFill>
+          <a:blip r:embed="rId3"/>
+          <a:stretch>
+            <a:fillRect/>
+          </a:stretch>
+        </p:blipFill>
+        <p:spPr>
+          <a:xfrm>
+            <a:off x="697706" y="3124200"/>
+            <a:ext cx="7748587" cy="592249"/>
+          </a:xfrm>
+          <a:prstGeom prst="rect">
+            <a:avLst/>
+          </a:prstGeom>
+        </p:spPr>
+      </p:pic>
+      <p:sp>
+        <p:nvSpPr>
+          <p:cNvPr id="6" name="Slide Number Placeholder 5"/>
+          <p:cNvSpPr>
+            <a:spLocks noGrp="1"/>
+          </p:cNvSpPr>
+          <p:nvPr>
+            <p:ph type="sldNum" sz="quarter" idx="12"/>
+          </p:nvPr>
+        </p:nvSpPr>
+        <p:spPr/>
+        <p:txBody>
+          <a:bodyPr/>
+          <a:lstStyle/>
+          <a:p>
+            <a:fld id="{6BE98711-CE87-4D2C-A4EE-CF4DC81676AA}" type="slidenum">
+              <a:rPr lang="en-US" smtClean="0"/>
+              <a:t>59</a:t>
+            </a:fld>
+            <a:endParaRPr lang="en-US"/>
+          </a:p>
+        </p:txBody>
+      </p:sp>
+    </p:spTree>
+    <p:extLst>
+      <p:ext uri="{BB962C8B-B14F-4D97-AF65-F5344CB8AC3E}">
+        <p14:creationId xmlns:p14="http://schemas.microsoft.com/office/powerpoint/2010/main" val="1344477589"/>
       </p:ext>
     </p:extLst>
   </p:cSld>
@@ -3984,10 +11923,128 @@
           </a:p>
         </p:txBody>
       </p:sp>
+      <p:sp>
+        <p:nvSpPr>
+          <p:cNvPr id="4" name="Slide Number Placeholder 3"/>
+          <p:cNvSpPr>
+            <a:spLocks noGrp="1"/>
+          </p:cNvSpPr>
+          <p:nvPr>
+            <p:ph type="sldNum" sz="quarter" idx="12"/>
+          </p:nvPr>
+        </p:nvSpPr>
+        <p:spPr/>
+        <p:txBody>
+          <a:bodyPr/>
+          <a:lstStyle/>
+          <a:p>
+            <a:fld id="{6BE98711-CE87-4D2C-A4EE-CF4DC81676AA}" type="slidenum">
+              <a:rPr lang="en-US" smtClean="0"/>
+              <a:t>6</a:t>
+            </a:fld>
+            <a:endParaRPr lang="en-US"/>
+          </a:p>
+        </p:txBody>
+      </p:sp>
     </p:spTree>
     <p:extLst>
       <p:ext uri="{BB962C8B-B14F-4D97-AF65-F5344CB8AC3E}">
         <p14:creationId xmlns:p14="http://schemas.microsoft.com/office/powerpoint/2010/main" val="3118739357"/>
+      </p:ext>
+    </p:extLst>
+  </p:cSld>
+  <p:clrMapOvr>
+    <a:masterClrMapping/>
+  </p:clrMapOvr>
+</p:sld>
+</file>
+
+<file path=ppt/slides/slide60.xml><?xml version="1.0" encoding="utf-8"?>
+<p:sld xmlns:a="http://schemas.openxmlformats.org/drawingml/2006/main" xmlns:r="http://schemas.openxmlformats.org/officeDocument/2006/relationships" xmlns:p="http://schemas.openxmlformats.org/presentationml/2006/main">
+  <p:cSld>
+    <p:spTree>
+      <p:nvGrpSpPr>
+        <p:cNvPr id="1" name=""/>
+        <p:cNvGrpSpPr/>
+        <p:nvPr/>
+      </p:nvGrpSpPr>
+      <p:grpSpPr>
+        <a:xfrm>
+          <a:off x="0" y="0"/>
+          <a:ext cx="0" cy="0"/>
+          <a:chOff x="0" y="0"/>
+          <a:chExt cx="0" cy="0"/>
+        </a:xfrm>
+      </p:grpSpPr>
+      <p:sp>
+        <p:nvSpPr>
+          <p:cNvPr id="2" name="Title 1"/>
+          <p:cNvSpPr>
+            <a:spLocks noGrp="1"/>
+          </p:cNvSpPr>
+          <p:nvPr>
+            <p:ph type="title"/>
+          </p:nvPr>
+        </p:nvSpPr>
+        <p:spPr/>
+        <p:txBody>
+          <a:bodyPr/>
+          <a:lstStyle/>
+          <a:p>
+            <a:r>
+              <a:rPr lang="en-US" dirty="0" err="1" smtClean="0"/>
+              <a:t>WiFi</a:t>
+            </a:r>
+            <a:endParaRPr lang="en-US" dirty="0"/>
+          </a:p>
+        </p:txBody>
+      </p:sp>
+      <p:sp>
+        <p:nvSpPr>
+          <p:cNvPr id="3" name="Content Placeholder 2"/>
+          <p:cNvSpPr>
+            <a:spLocks noGrp="1"/>
+          </p:cNvSpPr>
+          <p:nvPr>
+            <p:ph idx="1"/>
+          </p:nvPr>
+        </p:nvSpPr>
+        <p:spPr/>
+        <p:txBody>
+          <a:bodyPr/>
+          <a:lstStyle/>
+          <a:p>
+            <a:endParaRPr lang="en-US"/>
+          </a:p>
+        </p:txBody>
+      </p:sp>
+      <p:sp>
+        <p:nvSpPr>
+          <p:cNvPr id="4" name="Slide Number Placeholder 3"/>
+          <p:cNvSpPr>
+            <a:spLocks noGrp="1"/>
+          </p:cNvSpPr>
+          <p:nvPr>
+            <p:ph type="sldNum" sz="quarter" idx="12"/>
+          </p:nvPr>
+        </p:nvSpPr>
+        <p:spPr/>
+        <p:txBody>
+          <a:bodyPr/>
+          <a:lstStyle/>
+          <a:p>
+            <a:fld id="{6BE98711-CE87-4D2C-A4EE-CF4DC81676AA}" type="slidenum">
+              <a:rPr lang="en-US" smtClean="0"/>
+              <a:t>60</a:t>
+            </a:fld>
+            <a:endParaRPr lang="en-US"/>
+          </a:p>
+        </p:txBody>
+      </p:sp>
+    </p:spTree>
+    <p:extLst>
+      <p:ext uri="{BB962C8B-B14F-4D97-AF65-F5344CB8AC3E}">
+        <p14:creationId xmlns:p14="http://schemas.microsoft.com/office/powerpoint/2010/main" val="592456617"/>
       </p:ext>
     </p:extLst>
   </p:cSld>
@@ -4086,6 +12143,29 @@
           </a:p>
           <a:p>
             <a:endParaRPr lang="en-US" dirty="0"/>
+          </a:p>
+        </p:txBody>
+      </p:sp>
+      <p:sp>
+        <p:nvSpPr>
+          <p:cNvPr id="4" name="Slide Number Placeholder 3"/>
+          <p:cNvSpPr>
+            <a:spLocks noGrp="1"/>
+          </p:cNvSpPr>
+          <p:nvPr>
+            <p:ph type="sldNum" sz="quarter" idx="12"/>
+          </p:nvPr>
+        </p:nvSpPr>
+        <p:spPr/>
+        <p:txBody>
+          <a:bodyPr/>
+          <a:lstStyle/>
+          <a:p>
+            <a:fld id="{6BE98711-CE87-4D2C-A4EE-CF4DC81676AA}" type="slidenum">
+              <a:rPr lang="en-US" smtClean="0"/>
+              <a:t>7</a:t>
+            </a:fld>
+            <a:endParaRPr lang="en-US"/>
           </a:p>
         </p:txBody>
       </p:sp>
@@ -4180,6 +12260,29 @@
               <a:t>Consists of four pairs: orange/orange-white, green/green-white, blue/blue-white, and brown/brown-white</a:t>
             </a:r>
             <a:endParaRPr lang="en-US" dirty="0"/>
+          </a:p>
+        </p:txBody>
+      </p:sp>
+      <p:sp>
+        <p:nvSpPr>
+          <p:cNvPr id="4" name="Slide Number Placeholder 3"/>
+          <p:cNvSpPr>
+            <a:spLocks noGrp="1"/>
+          </p:cNvSpPr>
+          <p:nvPr>
+            <p:ph type="sldNum" sz="quarter" idx="12"/>
+          </p:nvPr>
+        </p:nvSpPr>
+        <p:spPr/>
+        <p:txBody>
+          <a:bodyPr/>
+          <a:lstStyle/>
+          <a:p>
+            <a:fld id="{6BE98711-CE87-4D2C-A4EE-CF4DC81676AA}" type="slidenum">
+              <a:rPr lang="en-US" smtClean="0"/>
+              <a:t>8</a:t>
+            </a:fld>
+            <a:endParaRPr lang="en-US"/>
           </a:p>
         </p:txBody>
       </p:sp>
@@ -4364,6 +12467,29 @@
           </a:extLst>
         </p:spPr>
       </p:pic>
+      <p:sp>
+        <p:nvSpPr>
+          <p:cNvPr id="4" name="Slide Number Placeholder 3"/>
+          <p:cNvSpPr>
+            <a:spLocks noGrp="1"/>
+          </p:cNvSpPr>
+          <p:nvPr>
+            <p:ph type="sldNum" sz="quarter" idx="12"/>
+          </p:nvPr>
+        </p:nvSpPr>
+        <p:spPr/>
+        <p:txBody>
+          <a:bodyPr/>
+          <a:lstStyle/>
+          <a:p>
+            <a:fld id="{6BE98711-CE87-4D2C-A4EE-CF4DC81676AA}" type="slidenum">
+              <a:rPr lang="en-US" smtClean="0"/>
+              <a:t>9</a:t>
+            </a:fld>
+            <a:endParaRPr lang="en-US"/>
+          </a:p>
+        </p:txBody>
+      </p:sp>
     </p:spTree>
     <p:extLst>
       <p:ext uri="{BB962C8B-B14F-4D97-AF65-F5344CB8AC3E}">
@@ -4660,4 +12786,265 @@
   <a:objectDefaults/>
   <a:extraClrSchemeLst/>
 </a:theme>
+</file>
+
+<file path=ppt/theme/theme2.xml><?xml version="1.0" encoding="utf-8"?>
+<a:theme xmlns:a="http://schemas.openxmlformats.org/drawingml/2006/main" name="Office Theme">
+  <a:themeElements>
+    <a:clrScheme name="Office">
+      <a:dk1>
+        <a:sysClr val="windowText" lastClr="000000"/>
+      </a:dk1>
+      <a:lt1>
+        <a:sysClr val="window" lastClr="FFFFFF"/>
+      </a:lt1>
+      <a:dk2>
+        <a:srgbClr val="44546A"/>
+      </a:dk2>
+      <a:lt2>
+        <a:srgbClr val="E7E6E6"/>
+      </a:lt2>
+      <a:accent1>
+        <a:srgbClr val="5B9BD5"/>
+      </a:accent1>
+      <a:accent2>
+        <a:srgbClr val="ED7D31"/>
+      </a:accent2>
+      <a:accent3>
+        <a:srgbClr val="A5A5A5"/>
+      </a:accent3>
+      <a:accent4>
+        <a:srgbClr val="FFC000"/>
+      </a:accent4>
+      <a:accent5>
+        <a:srgbClr val="4472C4"/>
+      </a:accent5>
+      <a:accent6>
+        <a:srgbClr val="70AD47"/>
+      </a:accent6>
+      <a:hlink>
+        <a:srgbClr val="0563C1"/>
+      </a:hlink>
+      <a:folHlink>
+        <a:srgbClr val="954F72"/>
+      </a:folHlink>
+    </a:clrScheme>
+    <a:fontScheme name="Office">
+      <a:majorFont>
+        <a:latin typeface="Calibri Light" panose="020F0302020204030204"/>
+        <a:ea typeface=""/>
+        <a:cs typeface=""/>
+        <a:font script="Jpan" typeface="游ゴシック Light"/>
+        <a:font script="Hang" typeface="맑은 고딕"/>
+        <a:font script="Hans" typeface="等线 Light"/>
+        <a:font script="Hant" typeface="新細明體"/>
+        <a:font script="Arab" typeface="Times New Roman"/>
+        <a:font script="Hebr" typeface="Times New Roman"/>
+        <a:font script="Thai" typeface="Angsana New"/>
+        <a:font script="Ethi" typeface="Nyala"/>
+        <a:font script="Beng" typeface="Vrinda"/>
+        <a:font script="Gujr" typeface="Shruti"/>
+        <a:font script="Khmr" typeface="MoolBoran"/>
+        <a:font script="Knda" typeface="Tunga"/>
+        <a:font script="Guru" typeface="Raavi"/>
+        <a:font script="Cans" typeface="Euphemia"/>
+        <a:font script="Cher" typeface="Plantagenet Cherokee"/>
+        <a:font script="Yiii" typeface="Microsoft Yi Baiti"/>
+        <a:font script="Tibt" typeface="Microsoft Himalaya"/>
+        <a:font script="Thaa" typeface="MV Boli"/>
+        <a:font script="Deva" typeface="Mangal"/>
+        <a:font script="Telu" typeface="Gautami"/>
+        <a:font script="Taml" typeface="Latha"/>
+        <a:font script="Syrc" typeface="Estrangelo Edessa"/>
+        <a:font script="Orya" typeface="Kalinga"/>
+        <a:font script="Mlym" typeface="Kartika"/>
+        <a:font script="Laoo" typeface="DokChampa"/>
+        <a:font script="Sinh" typeface="Iskoola Pota"/>
+        <a:font script="Mong" typeface="Mongolian Baiti"/>
+        <a:font script="Viet" typeface="Times New Roman"/>
+        <a:font script="Uigh" typeface="Microsoft Uighur"/>
+        <a:font script="Geor" typeface="Sylfaen"/>
+      </a:majorFont>
+      <a:minorFont>
+        <a:latin typeface="Calibri" panose="020F0502020204030204"/>
+        <a:ea typeface=""/>
+        <a:cs typeface=""/>
+        <a:font script="Jpan" typeface="游ゴシック"/>
+        <a:font script="Hang" typeface="맑은 고딕"/>
+        <a:font script="Hans" typeface="等线"/>
+        <a:font script="Hant" typeface="新細明體"/>
+        <a:font script="Arab" typeface="Arial"/>
+        <a:font script="Hebr" typeface="Arial"/>
+        <a:font script="Thai" typeface="Cordia New"/>
+        <a:font script="Ethi" typeface="Nyala"/>
+        <a:font script="Beng" typeface="Vrinda"/>
+        <a:font script="Gujr" typeface="Shruti"/>
+        <a:font script="Khmr" typeface="DaunPenh"/>
+        <a:font script="Knda" typeface="Tunga"/>
+        <a:font script="Guru" typeface="Raavi"/>
+        <a:font script="Cans" typeface="Euphemia"/>
+        <a:font script="Cher" typeface="Plantagenet Cherokee"/>
+        <a:font script="Yiii" typeface="Microsoft Yi Baiti"/>
+        <a:font script="Tibt" typeface="Microsoft Himalaya"/>
+        <a:font script="Thaa" typeface="MV Boli"/>
+        <a:font script="Deva" typeface="Mangal"/>
+        <a:font script="Telu" typeface="Gautami"/>
+        <a:font script="Taml" typeface="Latha"/>
+        <a:font script="Syrc" typeface="Estrangelo Edessa"/>
+        <a:font script="Orya" typeface="Kalinga"/>
+        <a:font script="Mlym" typeface="Kartika"/>
+        <a:font script="Laoo" typeface="DokChampa"/>
+        <a:font script="Sinh" typeface="Iskoola Pota"/>
+        <a:font script="Mong" typeface="Mongolian Baiti"/>
+        <a:font script="Viet" typeface="Arial"/>
+        <a:font script="Uigh" typeface="Microsoft Uighur"/>
+        <a:font script="Geor" typeface="Sylfaen"/>
+      </a:minorFont>
+    </a:fontScheme>
+    <a:fmtScheme name="Office">
+      <a:fillStyleLst>
+        <a:solidFill>
+          <a:schemeClr val="phClr"/>
+        </a:solidFill>
+        <a:gradFill rotWithShape="1">
+          <a:gsLst>
+            <a:gs pos="0">
+              <a:schemeClr val="phClr">
+                <a:lumMod val="110000"/>
+                <a:satMod val="105000"/>
+                <a:tint val="67000"/>
+              </a:schemeClr>
+            </a:gs>
+            <a:gs pos="50000">
+              <a:schemeClr val="phClr">
+                <a:lumMod val="105000"/>
+                <a:satMod val="103000"/>
+                <a:tint val="73000"/>
+              </a:schemeClr>
+            </a:gs>
+            <a:gs pos="100000">
+              <a:schemeClr val="phClr">
+                <a:lumMod val="105000"/>
+                <a:satMod val="109000"/>
+                <a:tint val="81000"/>
+              </a:schemeClr>
+            </a:gs>
+          </a:gsLst>
+          <a:lin ang="5400000" scaled="0"/>
+        </a:gradFill>
+        <a:gradFill rotWithShape="1">
+          <a:gsLst>
+            <a:gs pos="0">
+              <a:schemeClr val="phClr">
+                <a:satMod val="103000"/>
+                <a:lumMod val="102000"/>
+                <a:tint val="94000"/>
+              </a:schemeClr>
+            </a:gs>
+            <a:gs pos="50000">
+              <a:schemeClr val="phClr">
+                <a:satMod val="110000"/>
+                <a:lumMod val="100000"/>
+                <a:shade val="100000"/>
+              </a:schemeClr>
+            </a:gs>
+            <a:gs pos="100000">
+              <a:schemeClr val="phClr">
+                <a:lumMod val="99000"/>
+                <a:satMod val="120000"/>
+                <a:shade val="78000"/>
+              </a:schemeClr>
+            </a:gs>
+          </a:gsLst>
+          <a:lin ang="5400000" scaled="0"/>
+        </a:gradFill>
+      </a:fillStyleLst>
+      <a:lnStyleLst>
+        <a:ln w="6350" cap="flat" cmpd="sng" algn="ctr">
+          <a:solidFill>
+            <a:schemeClr val="phClr"/>
+          </a:solidFill>
+          <a:prstDash val="solid"/>
+          <a:miter lim="800000"/>
+        </a:ln>
+        <a:ln w="12700" cap="flat" cmpd="sng" algn="ctr">
+          <a:solidFill>
+            <a:schemeClr val="phClr"/>
+          </a:solidFill>
+          <a:prstDash val="solid"/>
+          <a:miter lim="800000"/>
+        </a:ln>
+        <a:ln w="19050" cap="flat" cmpd="sng" algn="ctr">
+          <a:solidFill>
+            <a:schemeClr val="phClr"/>
+          </a:solidFill>
+          <a:prstDash val="solid"/>
+          <a:miter lim="800000"/>
+        </a:ln>
+      </a:lnStyleLst>
+      <a:effectStyleLst>
+        <a:effectStyle>
+          <a:effectLst/>
+        </a:effectStyle>
+        <a:effectStyle>
+          <a:effectLst/>
+        </a:effectStyle>
+        <a:effectStyle>
+          <a:effectLst>
+            <a:outerShdw blurRad="57150" dist="19050" dir="5400000" algn="ctr" rotWithShape="0">
+              <a:srgbClr val="000000">
+                <a:alpha val="63000"/>
+              </a:srgbClr>
+            </a:outerShdw>
+          </a:effectLst>
+        </a:effectStyle>
+      </a:effectStyleLst>
+      <a:bgFillStyleLst>
+        <a:solidFill>
+          <a:schemeClr val="phClr"/>
+        </a:solidFill>
+        <a:solidFill>
+          <a:schemeClr val="phClr">
+            <a:tint val="95000"/>
+            <a:satMod val="170000"/>
+          </a:schemeClr>
+        </a:solidFill>
+        <a:gradFill rotWithShape="1">
+          <a:gsLst>
+            <a:gs pos="0">
+              <a:schemeClr val="phClr">
+                <a:tint val="93000"/>
+                <a:satMod val="150000"/>
+                <a:shade val="98000"/>
+                <a:lumMod val="102000"/>
+              </a:schemeClr>
+            </a:gs>
+            <a:gs pos="50000">
+              <a:schemeClr val="phClr">
+                <a:tint val="98000"/>
+                <a:satMod val="130000"/>
+                <a:shade val="90000"/>
+                <a:lumMod val="103000"/>
+              </a:schemeClr>
+            </a:gs>
+            <a:gs pos="100000">
+              <a:schemeClr val="phClr">
+                <a:shade val="63000"/>
+                <a:satMod val="120000"/>
+              </a:schemeClr>
+            </a:gs>
+          </a:gsLst>
+          <a:lin ang="5400000" scaled="0"/>
+        </a:gradFill>
+      </a:bgFillStyleLst>
+    </a:fmtScheme>
+  </a:themeElements>
+  <a:objectDefaults/>
+  <a:extraClrSchemeLst/>
+  <a:extLst>
+    <a:ext uri="{05A4C25C-085E-4340-85A3-A5531E510DB2}">
+      <thm15:themeFamily xmlns:thm15="http://schemas.microsoft.com/office/thememl/2012/main" name="Office Theme" id="{62F939B6-93AF-4DB8-9C6B-D6C7DFDC589F}" vid="{4A3C46E8-61CC-4603-A589-7422A47A8E4A}"/>
+    </a:ext>
+  </a:extLst>
+</a:theme>
 </file>
--- a/Networking Basics.pptx
+++ b/Networking Basics.pptx
@@ -168,7 +168,7 @@
   </p:defaultTextStyle>
   <p:extLst>
     <p:ext uri="{EFAFB233-063F-42B5-8137-9DF3F51BA10A}">
-      <p15:sldGuideLst xmlns:p15="http://schemas.microsoft.com/office/powerpoint/2012/main">
+      <p15:sldGuideLst xmlns:p15="http://schemas.microsoft.com/office/powerpoint/2012/main" xmlns="">
         <p15:guide id="1" orient="horz" pos="2160">
           <p15:clr>
             <a:srgbClr val="A4A3A4"/>
@@ -267,7 +267,7 @@
           <a:p>
             <a:fld id="{B89A8916-BB5C-43AE-872A-20905A312B2F}" type="datetimeFigureOut">
               <a:rPr lang="en-US" smtClean="0"/>
-              <a:t>2/4/2018</a:t>
+              <a:t>2/18/2018</a:t>
             </a:fld>
             <a:endParaRPr lang="en-US"/>
           </a:p>
@@ -716,7 +716,7 @@
           <a:p>
             <a:fld id="{BEA81583-D4EE-468F-86A6-00E4EF156DBA}" type="datetime1">
               <a:rPr lang="en-US" smtClean="0"/>
-              <a:t>2/4/2018</a:t>
+              <a:t>2/18/2018</a:t>
             </a:fld>
             <a:endParaRPr lang="en-US"/>
           </a:p>
@@ -886,7 +886,7 @@
           <a:p>
             <a:fld id="{287A12D8-A7B3-45E9-A3E8-3D0B62171605}" type="datetime1">
               <a:rPr lang="en-US" smtClean="0"/>
-              <a:t>2/4/2018</a:t>
+              <a:t>2/18/2018</a:t>
             </a:fld>
             <a:endParaRPr lang="en-US"/>
           </a:p>
@@ -1066,7 +1066,7 @@
           <a:p>
             <a:fld id="{10187B54-9443-4AEF-AB9E-EF6680AC1751}" type="datetime1">
               <a:rPr lang="en-US" smtClean="0"/>
-              <a:t>2/4/2018</a:t>
+              <a:t>2/18/2018</a:t>
             </a:fld>
             <a:endParaRPr lang="en-US"/>
           </a:p>
@@ -1236,7 +1236,7 @@
           <a:p>
             <a:fld id="{A6A6948D-CF92-4258-BF22-254EDB56B35D}" type="datetime1">
               <a:rPr lang="en-US" smtClean="0"/>
-              <a:t>2/4/2018</a:t>
+              <a:t>2/18/2018</a:t>
             </a:fld>
             <a:endParaRPr lang="en-US"/>
           </a:p>
@@ -1482,7 +1482,7 @@
           <a:p>
             <a:fld id="{C27425B5-41AD-4238-B95F-F2EF00ADFF39}" type="datetime1">
               <a:rPr lang="en-US" smtClean="0"/>
-              <a:t>2/4/2018</a:t>
+              <a:t>2/18/2018</a:t>
             </a:fld>
             <a:endParaRPr lang="en-US"/>
           </a:p>
@@ -1770,7 +1770,7 @@
           <a:p>
             <a:fld id="{1DD0D592-9780-4BCA-AA6D-C06726BF30B3}" type="datetime1">
               <a:rPr lang="en-US" smtClean="0"/>
-              <a:t>2/4/2018</a:t>
+              <a:t>2/18/2018</a:t>
             </a:fld>
             <a:endParaRPr lang="en-US"/>
           </a:p>
@@ -2192,7 +2192,7 @@
           <a:p>
             <a:fld id="{5A8B08AD-278E-4479-9F8D-E663E1755627}" type="datetime1">
               <a:rPr lang="en-US" smtClean="0"/>
-              <a:t>2/4/2018</a:t>
+              <a:t>2/18/2018</a:t>
             </a:fld>
             <a:endParaRPr lang="en-US"/>
           </a:p>
@@ -2310,7 +2310,7 @@
           <a:p>
             <a:fld id="{887FD6E6-8E8B-4B13-90D0-C4596B48F709}" type="datetime1">
               <a:rPr lang="en-US" smtClean="0"/>
-              <a:t>2/4/2018</a:t>
+              <a:t>2/18/2018</a:t>
             </a:fld>
             <a:endParaRPr lang="en-US"/>
           </a:p>
@@ -2405,7 +2405,7 @@
           <a:p>
             <a:fld id="{2840A99A-D776-49DC-9D96-AC13F57B09C9}" type="datetime1">
               <a:rPr lang="en-US" smtClean="0"/>
-              <a:t>2/4/2018</a:t>
+              <a:t>2/18/2018</a:t>
             </a:fld>
             <a:endParaRPr lang="en-US"/>
           </a:p>
@@ -2682,7 +2682,7 @@
           <a:p>
             <a:fld id="{774EF7EA-B172-4460-B76C-7979E106B013}" type="datetime1">
               <a:rPr lang="en-US" smtClean="0"/>
-              <a:t>2/4/2018</a:t>
+              <a:t>2/18/2018</a:t>
             </a:fld>
             <a:endParaRPr lang="en-US"/>
           </a:p>
@@ -2935,7 +2935,7 @@
           <a:p>
             <a:fld id="{86A320C0-E132-4DB6-A29E-C18E915FAE10}" type="datetime1">
               <a:rPr lang="en-US" smtClean="0"/>
-              <a:t>2/4/2018</a:t>
+              <a:t>2/18/2018</a:t>
             </a:fld>
             <a:endParaRPr lang="en-US"/>
           </a:p>
@@ -3148,7 +3148,7 @@
           <a:p>
             <a:fld id="{0A6F50C6-2154-45E6-BB0B-C3883BB0EEDF}" type="datetime1">
               <a:rPr lang="en-US" smtClean="0"/>
-              <a:t>2/4/2018</a:t>
+              <a:t>2/18/2018</a:t>
             </a:fld>
             <a:endParaRPr lang="en-US"/>
           </a:p>
@@ -3665,7 +3665,11 @@
           <a:p>
             <a:r>
               <a:rPr lang="en-US" dirty="0" smtClean="0"/>
-              <a:t>The -B standard is slightly better at reducing crosstalk, but the most important thing is that both ends of a cable are wired the same</a:t>
+              <a:t>The </a:t>
+            </a:r>
+            <a:r>
+              <a:rPr lang="en-US" dirty="0" smtClean="0"/>
+              <a:t>most important thing is that both ends of a cable are wired the same</a:t>
             </a:r>
             <a:endParaRPr lang="en-US" dirty="0"/>
           </a:p>
@@ -3960,11 +3964,7 @@
           <a:p>
             <a:r>
               <a:rPr lang="en-US" dirty="0" smtClean="0"/>
-              <a:t>Alternative B</a:t>
-            </a:r>
-            <a:r>
-              <a:rPr lang="en-US" dirty="0" smtClean="0"/>
-              <a:t> uses the two unused pairs in 10BASE-T or 100BASE-T as dedicated power wires</a:t>
+              <a:t>Alternative B uses the two unused pairs in 10BASE-T or 100BASE-T as dedicated power wires</a:t>
             </a:r>
           </a:p>
           <a:p>
@@ -4110,36 +4110,6 @@
           </a:p>
         </p:txBody>
       </p:sp>
-      <p:pic>
-        <p:nvPicPr>
-          <p:cNvPr id="5" name="Picture 4"/>
-          <p:cNvPicPr>
-            <a:picLocks noChangeAspect="1"/>
-          </p:cNvPicPr>
-          <p:nvPr/>
-        </p:nvPicPr>
-        <p:blipFill>
-          <a:blip r:embed="rId2">
-            <a:extLst>
-              <a:ext uri="{28A0092B-C50C-407E-A947-70E740481C1C}">
-                <a14:useLocalDpi xmlns:a14="http://schemas.microsoft.com/office/drawing/2010/main" val="0"/>
-              </a:ext>
-            </a:extLst>
-          </a:blip>
-          <a:stretch>
-            <a:fillRect/>
-          </a:stretch>
-        </p:blipFill>
-        <p:spPr>
-          <a:xfrm>
-            <a:off x="1609725" y="4577917"/>
-            <a:ext cx="6010275" cy="1924050"/>
-          </a:xfrm>
-          <a:prstGeom prst="rect">
-            <a:avLst/>
-          </a:prstGeom>
-        </p:spPr>
-      </p:pic>
     </p:spTree>
     <p:extLst>
       <p:ext uri="{BB962C8B-B14F-4D97-AF65-F5344CB8AC3E}">
@@ -5402,11 +5372,7 @@
           <a:p>
             <a:r>
               <a:rPr lang="en-US" dirty="0" smtClean="0"/>
-              <a:t>Network </a:t>
-            </a:r>
-            <a:r>
-              <a:rPr lang="en-US" dirty="0" smtClean="0"/>
-              <a:t>Layer</a:t>
+              <a:t>Network Layer</a:t>
             </a:r>
             <a:endParaRPr lang="en-US" dirty="0"/>
           </a:p>
@@ -6246,23 +6212,7 @@
           <a:p>
             <a:r>
               <a:rPr lang="en-US" dirty="0" smtClean="0"/>
-              <a:t>How IP addresses </a:t>
-            </a:r>
-            <a:r>
-              <a:rPr lang="en-US" dirty="0" smtClean="0"/>
-              <a:t>are associated</a:t>
-            </a:r>
-            <a:r>
-              <a:rPr lang="en-US" dirty="0" smtClean="0"/>
-              <a:t> </a:t>
-            </a:r>
-            <a:r>
-              <a:rPr lang="en-US" dirty="0" smtClean="0"/>
-              <a:t>to MAC </a:t>
-            </a:r>
-            <a:r>
-              <a:rPr lang="en-US" dirty="0" smtClean="0"/>
-              <a:t>addresses</a:t>
+              <a:t>How IP addresses are associated to MAC addresses</a:t>
             </a:r>
           </a:p>
           <a:p>
@@ -6393,29 +6343,8 @@
           <a:p>
             <a:r>
               <a:rPr lang="en-US" dirty="0" smtClean="0"/>
-              <a:t>Describes what </a:t>
-            </a:r>
-            <a:r>
-              <a:rPr lang="en-US" dirty="0" smtClean="0"/>
-              <a:t>addresses are on same network </a:t>
-            </a:r>
-            <a:r>
-              <a:rPr lang="en-US" dirty="0" smtClean="0"/>
-              <a:t>(i.e., </a:t>
-            </a:r>
-            <a:r>
-              <a:rPr lang="en-US" dirty="0" smtClean="0"/>
-              <a:t>whether packets </a:t>
-            </a:r>
-            <a:r>
-              <a:rPr lang="en-US" dirty="0" smtClean="0"/>
-              <a:t>must go through a </a:t>
-            </a:r>
-            <a:r>
-              <a:rPr lang="en-US" dirty="0" smtClean="0"/>
-              <a:t>router)</a:t>
-            </a:r>
-            <a:endParaRPr lang="en-US" dirty="0" smtClean="0"/>
+              <a:t>Describes what addresses are on same network (i.e., whether packets must go through a router)</a:t>
+            </a:r>
           </a:p>
           <a:p>
             <a:r>
@@ -6428,13 +6357,8 @@
             </a:r>
             <a:r>
               <a:rPr lang="en-US" dirty="0" smtClean="0"/>
-              <a:t>4,294,967,295 </a:t>
-            </a:r>
-            <a:r>
-              <a:rPr lang="en-US" dirty="0" smtClean="0"/>
-              <a:t>addresses</a:t>
-            </a:r>
-            <a:endParaRPr lang="en-US" dirty="0" smtClean="0"/>
+              <a:t>4,294,967,295 addresses</a:t>
+            </a:r>
           </a:p>
           <a:p>
             <a:pPr lvl="1"/>
@@ -7467,7 +7391,7 @@
                       <m:sSupPr>
                         <m:ctrlPr>
                           <a:rPr lang="en-US" i="1" smtClean="0">
-                            <a:latin typeface="Cambria Math" panose="02040503050406030204" pitchFamily="18" charset="0"/>
+                            <a:latin typeface="Cambria Math"/>
                           </a:rPr>
                         </m:ctrlPr>
                       </m:sSupPr>
@@ -7484,7 +7408,7 @@
                           <m:dPr>
                             <m:ctrlPr>
                               <a:rPr lang="en-US" i="1" smtClean="0">
-                                <a:latin typeface="Cambria Math" panose="02040503050406030204" pitchFamily="18" charset="0"/>
+                                <a:latin typeface="Cambria Math"/>
                               </a:rPr>
                             </m:ctrlPr>
                           </m:dPr>
@@ -8099,7 +8023,6 @@
               <a:rPr lang="en-US" dirty="0" smtClean="0"/>
               <a:t>Your router inspects the destination IP address and sees that the packet is headed to somewhere outside your private network</a:t>
             </a:r>
-            <a:endParaRPr lang="en-US" dirty="0" smtClean="0"/>
           </a:p>
           <a:p>
             <a:pPr lvl="1"/>
@@ -8107,7 +8030,6 @@
               <a:rPr lang="en-US" dirty="0" smtClean="0"/>
               <a:t>Your router sends the packet from its public address to 8.8.8.8</a:t>
             </a:r>
-            <a:endParaRPr lang="en-US" dirty="0" smtClean="0"/>
           </a:p>
         </p:txBody>
       </p:sp>
@@ -8886,11 +8808,7 @@
           <a:p>
             <a:r>
               <a:rPr lang="en-US" dirty="0" smtClean="0"/>
-              <a:t>Allows hosts to automatically get set up on new </a:t>
-            </a:r>
-            <a:r>
-              <a:rPr lang="en-US" dirty="0" smtClean="0"/>
-              <a:t>networks</a:t>
+              <a:t>Allows hosts to automatically get set up on new networks</a:t>
             </a:r>
           </a:p>
           <a:p>
@@ -8898,7 +8816,6 @@
               <a:rPr lang="en-US" dirty="0" smtClean="0"/>
               <a:t>The protocol itself is at Layer 7, but assigns Layer 3 addresses</a:t>
             </a:r>
-            <a:endParaRPr lang="en-US" dirty="0" smtClean="0"/>
           </a:p>
           <a:p>
             <a:endParaRPr lang="en-US" dirty="0"/>
@@ -9129,11 +9046,7 @@
           <a:p>
             <a:r>
               <a:rPr lang="en-US" dirty="0" smtClean="0"/>
-              <a:t>Transport </a:t>
-            </a:r>
-            <a:r>
-              <a:rPr lang="en-US" dirty="0" smtClean="0"/>
-              <a:t>Layer</a:t>
+              <a:t>Transport Layer</a:t>
             </a:r>
             <a:endParaRPr lang="en-US" dirty="0"/>
           </a:p>
@@ -9813,11 +9726,7 @@
           <a:p>
             <a:r>
               <a:rPr lang="en-US" dirty="0" smtClean="0"/>
-              <a:t>Session </a:t>
-            </a:r>
-            <a:r>
-              <a:rPr lang="en-US" dirty="0" smtClean="0"/>
-              <a:t>Layer</a:t>
+              <a:t>Session Layer</a:t>
             </a:r>
             <a:endParaRPr lang="en-US" dirty="0"/>
           </a:p>
@@ -9978,11 +9887,7 @@
           <a:p>
             <a:r>
               <a:rPr lang="en-US" dirty="0" smtClean="0"/>
-              <a:t>Presentation </a:t>
-            </a:r>
-            <a:r>
-              <a:rPr lang="en-US" dirty="0" smtClean="0"/>
-              <a:t>Layer</a:t>
+              <a:t>Presentation Layer</a:t>
             </a:r>
             <a:endParaRPr lang="en-US" dirty="0"/>
           </a:p>
@@ -10268,11 +10173,7 @@
           <a:p>
             <a:r>
               <a:rPr lang="en-US" dirty="0" smtClean="0"/>
-              <a:t>Application </a:t>
-            </a:r>
-            <a:r>
-              <a:rPr lang="en-US" dirty="0" smtClean="0"/>
-              <a:t>Layer</a:t>
+              <a:t>Application Layer</a:t>
             </a:r>
             <a:endParaRPr lang="en-US" dirty="0"/>
           </a:p>
@@ -12831,7 +12732,7 @@
     </a:clrScheme>
     <a:fontScheme name="Office">
       <a:majorFont>
-        <a:latin typeface="Calibri Light" panose="020F0302020204030204"/>
+        <a:latin typeface="Calibri Light"/>
         <a:ea typeface=""/>
         <a:cs typeface=""/>
         <a:font script="Jpan" typeface="游ゴシック Light"/>
@@ -12866,7 +12767,7 @@
         <a:font script="Geor" typeface="Sylfaen"/>
       </a:majorFont>
       <a:minorFont>
-        <a:latin typeface="Calibri" panose="020F0502020204030204"/>
+        <a:latin typeface="Calibri"/>
         <a:ea typeface=""/>
         <a:cs typeface=""/>
         <a:font script="Jpan" typeface="游ゴシック"/>
@@ -13043,7 +12944,7 @@
   <a:extraClrSchemeLst/>
   <a:extLst>
     <a:ext uri="{05A4C25C-085E-4340-85A3-A5531E510DB2}">
-      <thm15:themeFamily xmlns:thm15="http://schemas.microsoft.com/office/thememl/2012/main" name="Office Theme" id="{62F939B6-93AF-4DB8-9C6B-D6C7DFDC589F}" vid="{4A3C46E8-61CC-4603-A589-7422A47A8E4A}"/>
+      <thm15:themeFamily xmlns:thm15="http://schemas.microsoft.com/office/thememl/2012/main" xmlns="" name="Office Theme" id="{62F939B6-93AF-4DB8-9C6B-D6C7DFDC589F}" vid="{4A3C46E8-61CC-4603-A589-7422A47A8E4A}"/>
     </a:ext>
   </a:extLst>
 </a:theme>

--- a/Networking Basics.pptx
+++ b/Networking Basics.pptx
@@ -5,7 +5,7 @@
     <p:sldMasterId id="2147483648" r:id="rId1"/>
   </p:sldMasterIdLst>
   <p:notesMasterIdLst>
-    <p:notesMasterId r:id="rId62"/>
+    <p:notesMasterId r:id="rId65"/>
   </p:notesMasterIdLst>
   <p:sldIdLst>
     <p:sldId id="256" r:id="rId2"/>
@@ -68,6 +68,9 @@
     <p:sldId id="283" r:id="rId59"/>
     <p:sldId id="285" r:id="rId60"/>
     <p:sldId id="290" r:id="rId61"/>
+    <p:sldId id="316" r:id="rId62"/>
+    <p:sldId id="317" r:id="rId63"/>
+    <p:sldId id="318" r:id="rId64"/>
   </p:sldIdLst>
   <p:sldSz cx="9144000" cy="6858000" type="screen4x3"/>
   <p:notesSz cx="6858000" cy="9144000"/>
@@ -168,7 +171,7 @@
   </p:defaultTextStyle>
   <p:extLst>
     <p:ext uri="{EFAFB233-063F-42B5-8137-9DF3F51BA10A}">
-      <p15:sldGuideLst xmlns:p15="http://schemas.microsoft.com/office/powerpoint/2012/main" xmlns="">
+      <p15:sldGuideLst xmlns:p15="http://schemas.microsoft.com/office/powerpoint/2012/main">
         <p15:guide id="1" orient="horz" pos="2160">
           <p15:clr>
             <a:srgbClr val="A4A3A4"/>
@@ -267,7 +270,7 @@
           <a:p>
             <a:fld id="{B89A8916-BB5C-43AE-872A-20905A312B2F}" type="datetimeFigureOut">
               <a:rPr lang="en-US" smtClean="0"/>
-              <a:t>2/18/2018</a:t>
+              <a:t>3/28/2018</a:t>
             </a:fld>
             <a:endParaRPr lang="en-US"/>
           </a:p>
@@ -716,7 +719,7 @@
           <a:p>
             <a:fld id="{BEA81583-D4EE-468F-86A6-00E4EF156DBA}" type="datetime1">
               <a:rPr lang="en-US" smtClean="0"/>
-              <a:t>2/18/2018</a:t>
+              <a:t>3/28/2018</a:t>
             </a:fld>
             <a:endParaRPr lang="en-US"/>
           </a:p>
@@ -886,7 +889,7 @@
           <a:p>
             <a:fld id="{287A12D8-A7B3-45E9-A3E8-3D0B62171605}" type="datetime1">
               <a:rPr lang="en-US" smtClean="0"/>
-              <a:t>2/18/2018</a:t>
+              <a:t>3/28/2018</a:t>
             </a:fld>
             <a:endParaRPr lang="en-US"/>
           </a:p>
@@ -1066,7 +1069,7 @@
           <a:p>
             <a:fld id="{10187B54-9443-4AEF-AB9E-EF6680AC1751}" type="datetime1">
               <a:rPr lang="en-US" smtClean="0"/>
-              <a:t>2/18/2018</a:t>
+              <a:t>3/28/2018</a:t>
             </a:fld>
             <a:endParaRPr lang="en-US"/>
           </a:p>
@@ -1236,7 +1239,7 @@
           <a:p>
             <a:fld id="{A6A6948D-CF92-4258-BF22-254EDB56B35D}" type="datetime1">
               <a:rPr lang="en-US" smtClean="0"/>
-              <a:t>2/18/2018</a:t>
+              <a:t>3/28/2018</a:t>
             </a:fld>
             <a:endParaRPr lang="en-US"/>
           </a:p>
@@ -1482,7 +1485,7 @@
           <a:p>
             <a:fld id="{C27425B5-41AD-4238-B95F-F2EF00ADFF39}" type="datetime1">
               <a:rPr lang="en-US" smtClean="0"/>
-              <a:t>2/18/2018</a:t>
+              <a:t>3/28/2018</a:t>
             </a:fld>
             <a:endParaRPr lang="en-US"/>
           </a:p>
@@ -1770,7 +1773,7 @@
           <a:p>
             <a:fld id="{1DD0D592-9780-4BCA-AA6D-C06726BF30B3}" type="datetime1">
               <a:rPr lang="en-US" smtClean="0"/>
-              <a:t>2/18/2018</a:t>
+              <a:t>3/28/2018</a:t>
             </a:fld>
             <a:endParaRPr lang="en-US"/>
           </a:p>
@@ -2192,7 +2195,7 @@
           <a:p>
             <a:fld id="{5A8B08AD-278E-4479-9F8D-E663E1755627}" type="datetime1">
               <a:rPr lang="en-US" smtClean="0"/>
-              <a:t>2/18/2018</a:t>
+              <a:t>3/28/2018</a:t>
             </a:fld>
             <a:endParaRPr lang="en-US"/>
           </a:p>
@@ -2310,7 +2313,7 @@
           <a:p>
             <a:fld id="{887FD6E6-8E8B-4B13-90D0-C4596B48F709}" type="datetime1">
               <a:rPr lang="en-US" smtClean="0"/>
-              <a:t>2/18/2018</a:t>
+              <a:t>3/28/2018</a:t>
             </a:fld>
             <a:endParaRPr lang="en-US"/>
           </a:p>
@@ -2405,7 +2408,7 @@
           <a:p>
             <a:fld id="{2840A99A-D776-49DC-9D96-AC13F57B09C9}" type="datetime1">
               <a:rPr lang="en-US" smtClean="0"/>
-              <a:t>2/18/2018</a:t>
+              <a:t>3/28/2018</a:t>
             </a:fld>
             <a:endParaRPr lang="en-US"/>
           </a:p>
@@ -2682,7 +2685,7 @@
           <a:p>
             <a:fld id="{774EF7EA-B172-4460-B76C-7979E106B013}" type="datetime1">
               <a:rPr lang="en-US" smtClean="0"/>
-              <a:t>2/18/2018</a:t>
+              <a:t>3/28/2018</a:t>
             </a:fld>
             <a:endParaRPr lang="en-US"/>
           </a:p>
@@ -2935,7 +2938,7 @@
           <a:p>
             <a:fld id="{86A320C0-E132-4DB6-A29E-C18E915FAE10}" type="datetime1">
               <a:rPr lang="en-US" smtClean="0"/>
-              <a:t>2/18/2018</a:t>
+              <a:t>3/28/2018</a:t>
             </a:fld>
             <a:endParaRPr lang="en-US"/>
           </a:p>
@@ -3148,7 +3151,7 @@
           <a:p>
             <a:fld id="{0A6F50C6-2154-45E6-BB0B-C3883BB0EEDF}" type="datetime1">
               <a:rPr lang="en-US" smtClean="0"/>
-              <a:t>2/18/2018</a:t>
+              <a:t>3/28/2018</a:t>
             </a:fld>
             <a:endParaRPr lang="en-US"/>
           </a:p>
@@ -3665,11 +3668,7 @@
           <a:p>
             <a:r>
               <a:rPr lang="en-US" dirty="0" smtClean="0"/>
-              <a:t>The </a:t>
-            </a:r>
-            <a:r>
-              <a:rPr lang="en-US" dirty="0" smtClean="0"/>
-              <a:t>most important thing is that both ends of a cable are wired the same</a:t>
+              <a:t>The most important thing is that both ends of a cable are wired the same</a:t>
             </a:r>
             <a:endParaRPr lang="en-US" dirty="0"/>
           </a:p>
@@ -4180,7 +4179,7 @@
           <a:p>
             <a:r>
               <a:rPr lang="en-US" dirty="0" smtClean="0"/>
-              <a:t>Standards provide for powered devices to negotiate with power-supplying equipment to provide the amount of power needed</a:t>
+              <a:t>Standards (e.g. 802.3af) provide for powered devices to negotiate with power-supplying equipment to provide the amount of power needed</a:t>
             </a:r>
           </a:p>
           <a:p>
@@ -7391,7 +7390,7 @@
                       <m:sSupPr>
                         <m:ctrlPr>
                           <a:rPr lang="en-US" i="1" smtClean="0">
-                            <a:latin typeface="Cambria Math"/>
+                            <a:latin typeface="Cambria Math" panose="02040503050406030204" pitchFamily="18" charset="0"/>
                           </a:rPr>
                         </m:ctrlPr>
                       </m:sSupPr>
@@ -7408,7 +7407,7 @@
                           <m:dPr>
                             <m:ctrlPr>
                               <a:rPr lang="en-US" i="1" smtClean="0">
-                                <a:latin typeface="Cambria Math"/>
+                                <a:latin typeface="Cambria Math" panose="02040503050406030204" pitchFamily="18" charset="0"/>
                               </a:rPr>
                             </m:ctrlPr>
                           </m:dPr>
@@ -11915,7 +11914,33 @@
           <a:bodyPr/>
           <a:lstStyle/>
           <a:p>
-            <a:endParaRPr lang="en-US"/>
+            <a:r>
+              <a:rPr lang="en-US" dirty="0" smtClean="0"/>
+              <a:t>Physical layer protocol(s)</a:t>
+            </a:r>
+          </a:p>
+          <a:p>
+            <a:r>
+              <a:rPr lang="en-US" dirty="0" smtClean="0"/>
+              <a:t>Standardized as IEEE 802.11</a:t>
+            </a:r>
+          </a:p>
+          <a:p>
+            <a:r>
+              <a:rPr lang="en-US" dirty="0" smtClean="0"/>
+              <a:t>Generally uses 2.4 GHz or 5 GHz frequency bands</a:t>
+            </a:r>
+          </a:p>
+          <a:p>
+            <a:r>
+              <a:rPr lang="en-US" dirty="0" smtClean="0"/>
+              <a:t>Defines 20 MHz or 40 MHz wide </a:t>
+            </a:r>
+            <a:r>
+              <a:rPr lang="en-US" i="1" dirty="0" smtClean="0"/>
+              <a:t>channels</a:t>
+            </a:r>
+            <a:endParaRPr lang="en-US" dirty="0"/>
           </a:p>
         </p:txBody>
       </p:sp>
@@ -11946,6 +11971,407 @@
     <p:extLst>
       <p:ext uri="{BB962C8B-B14F-4D97-AF65-F5344CB8AC3E}">
         <p14:creationId xmlns:p14="http://schemas.microsoft.com/office/powerpoint/2010/main" val="592456617"/>
+      </p:ext>
+    </p:extLst>
+  </p:cSld>
+  <p:clrMapOvr>
+    <a:masterClrMapping/>
+  </p:clrMapOvr>
+</p:sld>
+</file>
+
+<file path=ppt/slides/slide61.xml><?xml version="1.0" encoding="utf-8"?>
+<p:sld xmlns:a="http://schemas.openxmlformats.org/drawingml/2006/main" xmlns:r="http://schemas.openxmlformats.org/officeDocument/2006/relationships" xmlns:p="http://schemas.openxmlformats.org/presentationml/2006/main">
+  <p:cSld>
+    <p:spTree>
+      <p:nvGrpSpPr>
+        <p:cNvPr id="1" name=""/>
+        <p:cNvGrpSpPr/>
+        <p:nvPr/>
+      </p:nvGrpSpPr>
+      <p:grpSpPr>
+        <a:xfrm>
+          <a:off x="0" y="0"/>
+          <a:ext cx="0" cy="0"/>
+          <a:chOff x="0" y="0"/>
+          <a:chExt cx="0" cy="0"/>
+        </a:xfrm>
+      </p:grpSpPr>
+      <p:sp>
+        <p:nvSpPr>
+          <p:cNvPr id="2" name="Title 1"/>
+          <p:cNvSpPr>
+            <a:spLocks noGrp="1"/>
+          </p:cNvSpPr>
+          <p:nvPr>
+            <p:ph type="title"/>
+          </p:nvPr>
+        </p:nvSpPr>
+        <p:spPr/>
+        <p:txBody>
+          <a:bodyPr/>
+          <a:lstStyle/>
+          <a:p>
+            <a:r>
+              <a:rPr lang="en-US" dirty="0" err="1" smtClean="0"/>
+              <a:t>WiFi</a:t>
+            </a:r>
+            <a:endParaRPr lang="en-US" dirty="0"/>
+          </a:p>
+        </p:txBody>
+      </p:sp>
+      <p:sp>
+        <p:nvSpPr>
+          <p:cNvPr id="3" name="Content Placeholder 2"/>
+          <p:cNvSpPr>
+            <a:spLocks noGrp="1"/>
+          </p:cNvSpPr>
+          <p:nvPr>
+            <p:ph idx="1"/>
+          </p:nvPr>
+        </p:nvSpPr>
+        <p:spPr/>
+        <p:txBody>
+          <a:bodyPr/>
+          <a:lstStyle/>
+          <a:p>
+            <a:r>
+              <a:rPr lang="en-US" dirty="0" smtClean="0"/>
+              <a:t>Generally, a radio acting as a </a:t>
+            </a:r>
+            <a:r>
+              <a:rPr lang="en-US" i="1" dirty="0" smtClean="0"/>
+              <a:t>wireless access point</a:t>
+            </a:r>
+            <a:r>
+              <a:rPr lang="en-US" dirty="0" smtClean="0"/>
+              <a:t> broadcasts an </a:t>
+            </a:r>
+            <a:r>
+              <a:rPr lang="en-US" i="1" dirty="0" smtClean="0"/>
+              <a:t>SSID </a:t>
+            </a:r>
+            <a:r>
+              <a:rPr lang="en-US" dirty="0" smtClean="0"/>
+              <a:t>(service set identification)</a:t>
+            </a:r>
+          </a:p>
+          <a:p>
+            <a:r>
+              <a:rPr lang="en-US" dirty="0" smtClean="0"/>
+              <a:t>Clients (laptops, etc.) can </a:t>
+            </a:r>
+            <a:r>
+              <a:rPr lang="en-US" i="1" dirty="0" smtClean="0"/>
+              <a:t>associate</a:t>
+            </a:r>
+            <a:r>
+              <a:rPr lang="en-US" dirty="0" smtClean="0"/>
+              <a:t> with the WAP</a:t>
+            </a:r>
+          </a:p>
+          <a:p>
+            <a:r>
+              <a:rPr lang="en-US" dirty="0" smtClean="0"/>
+              <a:t>In many cases, the WAP has an Ethernet port, to allow </a:t>
+            </a:r>
+            <a:r>
+              <a:rPr lang="en-US" dirty="0" err="1" smtClean="0"/>
+              <a:t>wifi</a:t>
+            </a:r>
+            <a:r>
+              <a:rPr lang="en-US" dirty="0" smtClean="0"/>
+              <a:t> clients to access a hardwired network</a:t>
+            </a:r>
+            <a:endParaRPr lang="en-US" dirty="0"/>
+          </a:p>
+        </p:txBody>
+      </p:sp>
+      <p:sp>
+        <p:nvSpPr>
+          <p:cNvPr id="4" name="Slide Number Placeholder 3"/>
+          <p:cNvSpPr>
+            <a:spLocks noGrp="1"/>
+          </p:cNvSpPr>
+          <p:nvPr>
+            <p:ph type="sldNum" sz="quarter" idx="12"/>
+          </p:nvPr>
+        </p:nvSpPr>
+        <p:spPr/>
+        <p:txBody>
+          <a:bodyPr/>
+          <a:lstStyle/>
+          <a:p>
+            <a:fld id="{6BE98711-CE87-4D2C-A4EE-CF4DC81676AA}" type="slidenum">
+              <a:rPr lang="en-US" smtClean="0"/>
+              <a:t>61</a:t>
+            </a:fld>
+            <a:endParaRPr lang="en-US"/>
+          </a:p>
+        </p:txBody>
+      </p:sp>
+    </p:spTree>
+    <p:extLst>
+      <p:ext uri="{BB962C8B-B14F-4D97-AF65-F5344CB8AC3E}">
+        <p14:creationId xmlns:p14="http://schemas.microsoft.com/office/powerpoint/2010/main" val="374380611"/>
+      </p:ext>
+    </p:extLst>
+  </p:cSld>
+  <p:clrMapOvr>
+    <a:masterClrMapping/>
+  </p:clrMapOvr>
+</p:sld>
+</file>
+
+<file path=ppt/slides/slide62.xml><?xml version="1.0" encoding="utf-8"?>
+<p:sld xmlns:a="http://schemas.openxmlformats.org/drawingml/2006/main" xmlns:r="http://schemas.openxmlformats.org/officeDocument/2006/relationships" xmlns:p="http://schemas.openxmlformats.org/presentationml/2006/main">
+  <p:cSld>
+    <p:spTree>
+      <p:nvGrpSpPr>
+        <p:cNvPr id="1" name=""/>
+        <p:cNvGrpSpPr/>
+        <p:nvPr/>
+      </p:nvGrpSpPr>
+      <p:grpSpPr>
+        <a:xfrm>
+          <a:off x="0" y="0"/>
+          <a:ext cx="0" cy="0"/>
+          <a:chOff x="0" y="0"/>
+          <a:chExt cx="0" cy="0"/>
+        </a:xfrm>
+      </p:grpSpPr>
+      <p:sp>
+        <p:nvSpPr>
+          <p:cNvPr id="2" name="Title 1"/>
+          <p:cNvSpPr>
+            <a:spLocks noGrp="1"/>
+          </p:cNvSpPr>
+          <p:nvPr>
+            <p:ph type="title"/>
+          </p:nvPr>
+        </p:nvSpPr>
+        <p:spPr/>
+        <p:txBody>
+          <a:bodyPr/>
+          <a:lstStyle/>
+          <a:p>
+            <a:r>
+              <a:rPr lang="en-US" dirty="0" err="1" smtClean="0"/>
+              <a:t>WiFi</a:t>
+            </a:r>
+            <a:endParaRPr lang="en-US" dirty="0"/>
+          </a:p>
+        </p:txBody>
+      </p:sp>
+      <p:sp>
+        <p:nvSpPr>
+          <p:cNvPr id="3" name="Content Placeholder 2"/>
+          <p:cNvSpPr>
+            <a:spLocks noGrp="1"/>
+          </p:cNvSpPr>
+          <p:nvPr>
+            <p:ph idx="1"/>
+          </p:nvPr>
+        </p:nvSpPr>
+        <p:spPr/>
+        <p:txBody>
+          <a:bodyPr/>
+          <a:lstStyle/>
+          <a:p>
+            <a:r>
+              <a:rPr lang="en-US" dirty="0" smtClean="0"/>
+              <a:t>Radios in “access point mode” generally implement a DHCP server and NAT, to allow clients to share a single public IP</a:t>
+            </a:r>
+            <a:endParaRPr lang="en-US" dirty="0"/>
+          </a:p>
+        </p:txBody>
+      </p:sp>
+      <p:sp>
+        <p:nvSpPr>
+          <p:cNvPr id="4" name="Slide Number Placeholder 3"/>
+          <p:cNvSpPr>
+            <a:spLocks noGrp="1"/>
+          </p:cNvSpPr>
+          <p:nvPr>
+            <p:ph type="sldNum" sz="quarter" idx="12"/>
+          </p:nvPr>
+        </p:nvSpPr>
+        <p:spPr/>
+        <p:txBody>
+          <a:bodyPr/>
+          <a:lstStyle/>
+          <a:p>
+            <a:fld id="{6BE98711-CE87-4D2C-A4EE-CF4DC81676AA}" type="slidenum">
+              <a:rPr lang="en-US" smtClean="0"/>
+              <a:t>62</a:t>
+            </a:fld>
+            <a:endParaRPr lang="en-US"/>
+          </a:p>
+        </p:txBody>
+      </p:sp>
+      <p:pic>
+        <p:nvPicPr>
+          <p:cNvPr id="8" name="Picture 7"/>
+          <p:cNvPicPr>
+            <a:picLocks noChangeAspect="1"/>
+          </p:cNvPicPr>
+          <p:nvPr/>
+        </p:nvPicPr>
+        <p:blipFill>
+          <a:blip r:embed="rId2">
+            <a:extLst>
+              <a:ext uri="{28A0092B-C50C-407E-A947-70E740481C1C}">
+                <a14:useLocalDpi xmlns:a14="http://schemas.microsoft.com/office/drawing/2010/main" val="0"/>
+              </a:ext>
+            </a:extLst>
+          </a:blip>
+          <a:stretch>
+            <a:fillRect/>
+          </a:stretch>
+        </p:blipFill>
+        <p:spPr>
+          <a:xfrm>
+            <a:off x="1219200" y="3200400"/>
+            <a:ext cx="6238875" cy="3257550"/>
+          </a:xfrm>
+          <a:prstGeom prst="rect">
+            <a:avLst/>
+          </a:prstGeom>
+        </p:spPr>
+      </p:pic>
+    </p:spTree>
+    <p:extLst>
+      <p:ext uri="{BB962C8B-B14F-4D97-AF65-F5344CB8AC3E}">
+        <p14:creationId xmlns:p14="http://schemas.microsoft.com/office/powerpoint/2010/main" val="2679051972"/>
+      </p:ext>
+    </p:extLst>
+  </p:cSld>
+  <p:clrMapOvr>
+    <a:masterClrMapping/>
+  </p:clrMapOvr>
+</p:sld>
+</file>
+
+<file path=ppt/slides/slide63.xml><?xml version="1.0" encoding="utf-8"?>
+<p:sld xmlns:a="http://schemas.openxmlformats.org/drawingml/2006/main" xmlns:r="http://schemas.openxmlformats.org/officeDocument/2006/relationships" xmlns:p="http://schemas.openxmlformats.org/presentationml/2006/main">
+  <p:cSld>
+    <p:spTree>
+      <p:nvGrpSpPr>
+        <p:cNvPr id="1" name=""/>
+        <p:cNvGrpSpPr/>
+        <p:nvPr/>
+      </p:nvGrpSpPr>
+      <p:grpSpPr>
+        <a:xfrm>
+          <a:off x="0" y="0"/>
+          <a:ext cx="0" cy="0"/>
+          <a:chOff x="0" y="0"/>
+          <a:chExt cx="0" cy="0"/>
+        </a:xfrm>
+      </p:grpSpPr>
+      <p:sp>
+        <p:nvSpPr>
+          <p:cNvPr id="2" name="Title 1"/>
+          <p:cNvSpPr>
+            <a:spLocks noGrp="1"/>
+          </p:cNvSpPr>
+          <p:nvPr>
+            <p:ph type="title"/>
+          </p:nvPr>
+        </p:nvSpPr>
+        <p:spPr/>
+        <p:txBody>
+          <a:bodyPr/>
+          <a:lstStyle/>
+          <a:p>
+            <a:r>
+              <a:rPr lang="en-US" dirty="0" err="1" smtClean="0"/>
+              <a:t>WiFi</a:t>
+            </a:r>
+            <a:endParaRPr lang="en-US" dirty="0"/>
+          </a:p>
+        </p:txBody>
+      </p:sp>
+      <p:sp>
+        <p:nvSpPr>
+          <p:cNvPr id="3" name="Content Placeholder 2"/>
+          <p:cNvSpPr>
+            <a:spLocks noGrp="1"/>
+          </p:cNvSpPr>
+          <p:nvPr>
+            <p:ph idx="1"/>
+          </p:nvPr>
+        </p:nvSpPr>
+        <p:spPr/>
+        <p:txBody>
+          <a:bodyPr/>
+          <a:lstStyle/>
+          <a:p>
+            <a:r>
+              <a:rPr lang="en-US" dirty="0" smtClean="0"/>
+              <a:t>Radios in “bridge mode” just connect wireless clients to a hardwired network</a:t>
+            </a:r>
+            <a:endParaRPr lang="en-US" dirty="0"/>
+          </a:p>
+        </p:txBody>
+      </p:sp>
+      <p:sp>
+        <p:nvSpPr>
+          <p:cNvPr id="4" name="Slide Number Placeholder 3"/>
+          <p:cNvSpPr>
+            <a:spLocks noGrp="1"/>
+          </p:cNvSpPr>
+          <p:nvPr>
+            <p:ph type="sldNum" sz="quarter" idx="12"/>
+          </p:nvPr>
+        </p:nvSpPr>
+        <p:spPr/>
+        <p:txBody>
+          <a:bodyPr/>
+          <a:lstStyle/>
+          <a:p>
+            <a:fld id="{6BE98711-CE87-4D2C-A4EE-CF4DC81676AA}" type="slidenum">
+              <a:rPr lang="en-US" smtClean="0"/>
+              <a:t>63</a:t>
+            </a:fld>
+            <a:endParaRPr lang="en-US"/>
+          </a:p>
+        </p:txBody>
+      </p:sp>
+      <p:pic>
+        <p:nvPicPr>
+          <p:cNvPr id="6" name="Picture 5"/>
+          <p:cNvPicPr>
+            <a:picLocks noChangeAspect="1"/>
+          </p:cNvPicPr>
+          <p:nvPr/>
+        </p:nvPicPr>
+        <p:blipFill>
+          <a:blip r:embed="rId2">
+            <a:extLst>
+              <a:ext uri="{28A0092B-C50C-407E-A947-70E740481C1C}">
+                <a14:useLocalDpi xmlns:a14="http://schemas.microsoft.com/office/drawing/2010/main" val="0"/>
+              </a:ext>
+            </a:extLst>
+          </a:blip>
+          <a:stretch>
+            <a:fillRect/>
+          </a:stretch>
+        </p:blipFill>
+        <p:spPr>
+          <a:xfrm>
+            <a:off x="990600" y="2936555"/>
+            <a:ext cx="7162800" cy="3567188"/>
+          </a:xfrm>
+          <a:prstGeom prst="rect">
+            <a:avLst/>
+          </a:prstGeom>
+        </p:spPr>
+      </p:pic>
+    </p:spTree>
+    <p:extLst>
+      <p:ext uri="{BB962C8B-B14F-4D97-AF65-F5344CB8AC3E}">
+        <p14:creationId xmlns:p14="http://schemas.microsoft.com/office/powerpoint/2010/main" val="1193182104"/>
       </p:ext>
     </p:extLst>
   </p:cSld>
@@ -12944,7 +13370,7 @@
   <a:extraClrSchemeLst/>
   <a:extLst>
     <a:ext uri="{05A4C25C-085E-4340-85A3-A5531E510DB2}">
-      <thm15:themeFamily xmlns:thm15="http://schemas.microsoft.com/office/thememl/2012/main" xmlns="" name="Office Theme" id="{62F939B6-93AF-4DB8-9C6B-D6C7DFDC589F}" vid="{4A3C46E8-61CC-4603-A589-7422A47A8E4A}"/>
+      <thm15:themeFamily xmlns:thm15="http://schemas.microsoft.com/office/thememl/2012/main" name="Office Theme" id="{62F939B6-93AF-4DB8-9C6B-D6C7DFDC589F}" vid="{4A3C46E8-61CC-4603-A589-7422A47A8E4A}"/>
     </a:ext>
   </a:extLst>
 </a:theme>

--- a/Networking Basics.pptx
+++ b/Networking Basics.pptx
@@ -5,7 +5,7 @@
     <p:sldMasterId id="2147483648" r:id="rId1"/>
   </p:sldMasterIdLst>
   <p:notesMasterIdLst>
-    <p:notesMasterId r:id="rId65"/>
+    <p:notesMasterId r:id="rId67"/>
   </p:notesMasterIdLst>
   <p:sldIdLst>
     <p:sldId id="256" r:id="rId2"/>
@@ -15,62 +15,64 @@
     <p:sldId id="260" r:id="rId6"/>
     <p:sldId id="261" r:id="rId7"/>
     <p:sldId id="262" r:id="rId8"/>
-    <p:sldId id="263" r:id="rId9"/>
-    <p:sldId id="264" r:id="rId10"/>
-    <p:sldId id="265" r:id="rId11"/>
-    <p:sldId id="266" r:id="rId12"/>
-    <p:sldId id="286" r:id="rId13"/>
-    <p:sldId id="310" r:id="rId14"/>
-    <p:sldId id="311" r:id="rId15"/>
-    <p:sldId id="268" r:id="rId16"/>
-    <p:sldId id="294" r:id="rId17"/>
-    <p:sldId id="293" r:id="rId18"/>
-    <p:sldId id="292" r:id="rId19"/>
-    <p:sldId id="295" r:id="rId20"/>
-    <p:sldId id="287" r:id="rId21"/>
-    <p:sldId id="296" r:id="rId22"/>
-    <p:sldId id="297" r:id="rId23"/>
-    <p:sldId id="299" r:id="rId24"/>
-    <p:sldId id="300" r:id="rId25"/>
-    <p:sldId id="269" r:id="rId26"/>
-    <p:sldId id="298" r:id="rId27"/>
-    <p:sldId id="291" r:id="rId28"/>
-    <p:sldId id="270" r:id="rId29"/>
-    <p:sldId id="271" r:id="rId30"/>
-    <p:sldId id="272" r:id="rId31"/>
-    <p:sldId id="273" r:id="rId32"/>
-    <p:sldId id="274" r:id="rId33"/>
-    <p:sldId id="275" r:id="rId34"/>
-    <p:sldId id="276" r:id="rId35"/>
-    <p:sldId id="288" r:id="rId36"/>
-    <p:sldId id="312" r:id="rId37"/>
-    <p:sldId id="289" r:id="rId38"/>
-    <p:sldId id="313" r:id="rId39"/>
-    <p:sldId id="314" r:id="rId40"/>
-    <p:sldId id="315" r:id="rId41"/>
-    <p:sldId id="267" r:id="rId42"/>
-    <p:sldId id="302" r:id="rId43"/>
-    <p:sldId id="301" r:id="rId44"/>
-    <p:sldId id="306" r:id="rId45"/>
-    <p:sldId id="307" r:id="rId46"/>
-    <p:sldId id="308" r:id="rId47"/>
-    <p:sldId id="309" r:id="rId48"/>
-    <p:sldId id="303" r:id="rId49"/>
-    <p:sldId id="304" r:id="rId50"/>
-    <p:sldId id="305" r:id="rId51"/>
-    <p:sldId id="277" r:id="rId52"/>
-    <p:sldId id="278" r:id="rId53"/>
-    <p:sldId id="279" r:id="rId54"/>
-    <p:sldId id="280" r:id="rId55"/>
-    <p:sldId id="281" r:id="rId56"/>
-    <p:sldId id="282" r:id="rId57"/>
-    <p:sldId id="284" r:id="rId58"/>
-    <p:sldId id="283" r:id="rId59"/>
-    <p:sldId id="285" r:id="rId60"/>
-    <p:sldId id="290" r:id="rId61"/>
-    <p:sldId id="316" r:id="rId62"/>
-    <p:sldId id="317" r:id="rId63"/>
-    <p:sldId id="318" r:id="rId64"/>
+    <p:sldId id="319" r:id="rId9"/>
+    <p:sldId id="320" r:id="rId10"/>
+    <p:sldId id="263" r:id="rId11"/>
+    <p:sldId id="264" r:id="rId12"/>
+    <p:sldId id="265" r:id="rId13"/>
+    <p:sldId id="266" r:id="rId14"/>
+    <p:sldId id="286" r:id="rId15"/>
+    <p:sldId id="310" r:id="rId16"/>
+    <p:sldId id="311" r:id="rId17"/>
+    <p:sldId id="294" r:id="rId18"/>
+    <p:sldId id="293" r:id="rId19"/>
+    <p:sldId id="292" r:id="rId20"/>
+    <p:sldId id="295" r:id="rId21"/>
+    <p:sldId id="287" r:id="rId22"/>
+    <p:sldId id="268" r:id="rId23"/>
+    <p:sldId id="296" r:id="rId24"/>
+    <p:sldId id="297" r:id="rId25"/>
+    <p:sldId id="299" r:id="rId26"/>
+    <p:sldId id="300" r:id="rId27"/>
+    <p:sldId id="269" r:id="rId28"/>
+    <p:sldId id="298" r:id="rId29"/>
+    <p:sldId id="291" r:id="rId30"/>
+    <p:sldId id="270" r:id="rId31"/>
+    <p:sldId id="271" r:id="rId32"/>
+    <p:sldId id="272" r:id="rId33"/>
+    <p:sldId id="273" r:id="rId34"/>
+    <p:sldId id="274" r:id="rId35"/>
+    <p:sldId id="275" r:id="rId36"/>
+    <p:sldId id="276" r:id="rId37"/>
+    <p:sldId id="288" r:id="rId38"/>
+    <p:sldId id="312" r:id="rId39"/>
+    <p:sldId id="289" r:id="rId40"/>
+    <p:sldId id="313" r:id="rId41"/>
+    <p:sldId id="314" r:id="rId42"/>
+    <p:sldId id="315" r:id="rId43"/>
+    <p:sldId id="267" r:id="rId44"/>
+    <p:sldId id="302" r:id="rId45"/>
+    <p:sldId id="301" r:id="rId46"/>
+    <p:sldId id="306" r:id="rId47"/>
+    <p:sldId id="307" r:id="rId48"/>
+    <p:sldId id="308" r:id="rId49"/>
+    <p:sldId id="309" r:id="rId50"/>
+    <p:sldId id="303" r:id="rId51"/>
+    <p:sldId id="304" r:id="rId52"/>
+    <p:sldId id="305" r:id="rId53"/>
+    <p:sldId id="277" r:id="rId54"/>
+    <p:sldId id="278" r:id="rId55"/>
+    <p:sldId id="279" r:id="rId56"/>
+    <p:sldId id="280" r:id="rId57"/>
+    <p:sldId id="281" r:id="rId58"/>
+    <p:sldId id="282" r:id="rId59"/>
+    <p:sldId id="284" r:id="rId60"/>
+    <p:sldId id="283" r:id="rId61"/>
+    <p:sldId id="285" r:id="rId62"/>
+    <p:sldId id="290" r:id="rId63"/>
+    <p:sldId id="316" r:id="rId64"/>
+    <p:sldId id="317" r:id="rId65"/>
+    <p:sldId id="318" r:id="rId66"/>
   </p:sldIdLst>
   <p:sldSz cx="9144000" cy="6858000" type="screen4x3"/>
   <p:notesSz cx="6858000" cy="9144000"/>
@@ -270,7 +272,7 @@
           <a:p>
             <a:fld id="{B89A8916-BB5C-43AE-872A-20905A312B2F}" type="datetimeFigureOut">
               <a:rPr lang="en-US" smtClean="0"/>
-              <a:t>3/28/2018</a:t>
+              <a:t>5/24/2018</a:t>
             </a:fld>
             <a:endParaRPr lang="en-US"/>
           </a:p>
@@ -719,7 +721,7 @@
           <a:p>
             <a:fld id="{BEA81583-D4EE-468F-86A6-00E4EF156DBA}" type="datetime1">
               <a:rPr lang="en-US" smtClean="0"/>
-              <a:t>3/28/2018</a:t>
+              <a:t>5/24/2018</a:t>
             </a:fld>
             <a:endParaRPr lang="en-US"/>
           </a:p>
@@ -889,7 +891,7 @@
           <a:p>
             <a:fld id="{287A12D8-A7B3-45E9-A3E8-3D0B62171605}" type="datetime1">
               <a:rPr lang="en-US" smtClean="0"/>
-              <a:t>3/28/2018</a:t>
+              <a:t>5/24/2018</a:t>
             </a:fld>
             <a:endParaRPr lang="en-US"/>
           </a:p>
@@ -1069,7 +1071,7 @@
           <a:p>
             <a:fld id="{10187B54-9443-4AEF-AB9E-EF6680AC1751}" type="datetime1">
               <a:rPr lang="en-US" smtClean="0"/>
-              <a:t>3/28/2018</a:t>
+              <a:t>5/24/2018</a:t>
             </a:fld>
             <a:endParaRPr lang="en-US"/>
           </a:p>
@@ -1239,7 +1241,7 @@
           <a:p>
             <a:fld id="{A6A6948D-CF92-4258-BF22-254EDB56B35D}" type="datetime1">
               <a:rPr lang="en-US" smtClean="0"/>
-              <a:t>3/28/2018</a:t>
+              <a:t>5/24/2018</a:t>
             </a:fld>
             <a:endParaRPr lang="en-US"/>
           </a:p>
@@ -1485,7 +1487,7 @@
           <a:p>
             <a:fld id="{C27425B5-41AD-4238-B95F-F2EF00ADFF39}" type="datetime1">
               <a:rPr lang="en-US" smtClean="0"/>
-              <a:t>3/28/2018</a:t>
+              <a:t>5/24/2018</a:t>
             </a:fld>
             <a:endParaRPr lang="en-US"/>
           </a:p>
@@ -1773,7 +1775,7 @@
           <a:p>
             <a:fld id="{1DD0D592-9780-4BCA-AA6D-C06726BF30B3}" type="datetime1">
               <a:rPr lang="en-US" smtClean="0"/>
-              <a:t>3/28/2018</a:t>
+              <a:t>5/24/2018</a:t>
             </a:fld>
             <a:endParaRPr lang="en-US"/>
           </a:p>
@@ -2195,7 +2197,7 @@
           <a:p>
             <a:fld id="{5A8B08AD-278E-4479-9F8D-E663E1755627}" type="datetime1">
               <a:rPr lang="en-US" smtClean="0"/>
-              <a:t>3/28/2018</a:t>
+              <a:t>5/24/2018</a:t>
             </a:fld>
             <a:endParaRPr lang="en-US"/>
           </a:p>
@@ -2313,7 +2315,7 @@
           <a:p>
             <a:fld id="{887FD6E6-8E8B-4B13-90D0-C4596B48F709}" type="datetime1">
               <a:rPr lang="en-US" smtClean="0"/>
-              <a:t>3/28/2018</a:t>
+              <a:t>5/24/2018</a:t>
             </a:fld>
             <a:endParaRPr lang="en-US"/>
           </a:p>
@@ -2408,7 +2410,7 @@
           <a:p>
             <a:fld id="{2840A99A-D776-49DC-9D96-AC13F57B09C9}" type="datetime1">
               <a:rPr lang="en-US" smtClean="0"/>
-              <a:t>3/28/2018</a:t>
+              <a:t>5/24/2018</a:t>
             </a:fld>
             <a:endParaRPr lang="en-US"/>
           </a:p>
@@ -2685,7 +2687,7 @@
           <a:p>
             <a:fld id="{774EF7EA-B172-4460-B76C-7979E106B013}" type="datetime1">
               <a:rPr lang="en-US" smtClean="0"/>
-              <a:t>3/28/2018</a:t>
+              <a:t>5/24/2018</a:t>
             </a:fld>
             <a:endParaRPr lang="en-US"/>
           </a:p>
@@ -2938,7 +2940,7 @@
           <a:p>
             <a:fld id="{86A320C0-E132-4DB6-A29E-C18E915FAE10}" type="datetime1">
               <a:rPr lang="en-US" smtClean="0"/>
-              <a:t>3/28/2018</a:t>
+              <a:t>5/24/2018</a:t>
             </a:fld>
             <a:endParaRPr lang="en-US"/>
           </a:p>
@@ -3003,9 +3005,12 @@
 <p:sldMaster xmlns:a="http://schemas.openxmlformats.org/drawingml/2006/main" xmlns:r="http://schemas.openxmlformats.org/officeDocument/2006/relationships" xmlns:p="http://schemas.openxmlformats.org/presentationml/2006/main">
   <p:cSld>
     <p:bg>
-      <p:bgRef idx="1001">
-        <a:schemeClr val="bg1"/>
-      </p:bgRef>
+      <p:bgPr>
+        <a:solidFill>
+          <a:schemeClr val="tx1"/>
+        </a:solidFill>
+        <a:effectLst/>
+      </p:bgPr>
     </p:bg>
     <p:spTree>
       <p:nvGrpSpPr>
@@ -3047,10 +3052,10 @@
           <a:lstStyle/>
           <a:p>
             <a:r>
-              <a:rPr lang="en-US" smtClean="0"/>
+              <a:rPr lang="en-US" dirty="0" smtClean="0"/>
               <a:t>Click to edit Master title style</a:t>
             </a:r>
-            <a:endParaRPr lang="en-US"/>
+            <a:endParaRPr lang="en-US" dirty="0"/>
           </a:p>
         </p:txBody>
       </p:sp>
@@ -3081,38 +3086,38 @@
           <a:p>
             <a:pPr lvl="0"/>
             <a:r>
-              <a:rPr lang="en-US" smtClean="0"/>
+              <a:rPr lang="en-US" dirty="0" smtClean="0"/>
               <a:t>Click to edit Master text styles</a:t>
             </a:r>
           </a:p>
           <a:p>
             <a:pPr lvl="1"/>
             <a:r>
-              <a:rPr lang="en-US" smtClean="0"/>
+              <a:rPr lang="en-US" dirty="0" smtClean="0"/>
               <a:t>Second level</a:t>
             </a:r>
           </a:p>
           <a:p>
             <a:pPr lvl="2"/>
             <a:r>
-              <a:rPr lang="en-US" smtClean="0"/>
+              <a:rPr lang="en-US" dirty="0" smtClean="0"/>
               <a:t>Third level</a:t>
             </a:r>
           </a:p>
           <a:p>
             <a:pPr lvl="3"/>
             <a:r>
-              <a:rPr lang="en-US" smtClean="0"/>
+              <a:rPr lang="en-US" dirty="0" smtClean="0"/>
               <a:t>Fourth level</a:t>
             </a:r>
           </a:p>
           <a:p>
             <a:pPr lvl="4"/>
             <a:r>
-              <a:rPr lang="en-US" smtClean="0"/>
+              <a:rPr lang="en-US" dirty="0" smtClean="0"/>
               <a:t>Fifth level</a:t>
             </a:r>
-            <a:endParaRPr lang="en-US"/>
+            <a:endParaRPr lang="en-US" dirty="0"/>
           </a:p>
         </p:txBody>
       </p:sp>
@@ -3141,9 +3146,7 @@
             <a:lvl1pPr algn="l">
               <a:defRPr sz="1200">
                 <a:solidFill>
-                  <a:schemeClr val="tx1">
-                    <a:tint val="75000"/>
-                  </a:schemeClr>
+                  <a:schemeClr val="bg1"/>
                 </a:solidFill>
               </a:defRPr>
             </a:lvl1pPr>
@@ -3151,9 +3154,10 @@
           <a:p>
             <a:fld id="{0A6F50C6-2154-45E6-BB0B-C3883BB0EEDF}" type="datetime1">
               <a:rPr lang="en-US" smtClean="0"/>
-              <a:t>3/28/2018</a:t>
+              <a:pPr/>
+              <a:t>5/24/2018</a:t>
             </a:fld>
-            <a:endParaRPr lang="en-US"/>
+            <a:endParaRPr lang="en-US" dirty="0"/>
           </a:p>
         </p:txBody>
       </p:sp>
@@ -3219,9 +3223,7 @@
             <a:lvl1pPr algn="r">
               <a:defRPr sz="1200">
                 <a:solidFill>
-                  <a:schemeClr val="tx1">
-                    <a:tint val="75000"/>
-                  </a:schemeClr>
+                  <a:schemeClr val="bg1"/>
                 </a:solidFill>
               </a:defRPr>
             </a:lvl1pPr>
@@ -3229,12 +3231,43 @@
           <a:p>
             <a:fld id="{6BE98711-CE87-4D2C-A4EE-CF4DC81676AA}" type="slidenum">
               <a:rPr lang="en-US" smtClean="0"/>
+              <a:pPr/>
               <a:t>‹#›</a:t>
             </a:fld>
-            <a:endParaRPr lang="en-US"/>
-          </a:p>
-        </p:txBody>
-      </p:sp>
+            <a:endParaRPr lang="en-US" dirty="0"/>
+          </a:p>
+        </p:txBody>
+      </p:sp>
+      <p:pic>
+        <p:nvPicPr>
+          <p:cNvPr id="7" name="Picture 6"/>
+          <p:cNvPicPr>
+            <a:picLocks noChangeAspect="1"/>
+          </p:cNvPicPr>
+          <p:nvPr userDrawn="1"/>
+        </p:nvPicPr>
+        <p:blipFill>
+          <a:blip r:embed="rId13" cstate="print">
+            <a:extLst>
+              <a:ext uri="{28A0092B-C50C-407E-A947-70E740481C1C}">
+                <a14:useLocalDpi xmlns:a14="http://schemas.microsoft.com/office/drawing/2010/main" val="0"/>
+              </a:ext>
+            </a:extLst>
+          </a:blip>
+          <a:stretch>
+            <a:fillRect/>
+          </a:stretch>
+        </p:blipFill>
+        <p:spPr>
+          <a:xfrm>
+            <a:off x="0" y="32094"/>
+            <a:ext cx="1371600" cy="771525"/>
+          </a:xfrm>
+          <a:prstGeom prst="rect">
+            <a:avLst/>
+          </a:prstGeom>
+        </p:spPr>
+      </p:pic>
     </p:spTree>
     <p:extLst>
       <p:ext uri="{BB962C8B-B14F-4D97-AF65-F5344CB8AC3E}">
@@ -3266,7 +3299,7 @@
         <a:buNone/>
         <a:defRPr sz="4400" kern="1200">
           <a:solidFill>
-            <a:schemeClr val="tx1"/>
+            <a:schemeClr val="bg1"/>
           </a:solidFill>
           <a:latin typeface="+mj-lt"/>
           <a:ea typeface="+mj-ea"/>
@@ -3283,7 +3316,7 @@
         <a:buChar char="•"/>
         <a:defRPr sz="3200" kern="1200">
           <a:solidFill>
-            <a:schemeClr val="tx1"/>
+            <a:schemeClr val="bg1"/>
           </a:solidFill>
           <a:latin typeface="+mn-lt"/>
           <a:ea typeface="+mn-ea"/>
@@ -3298,7 +3331,7 @@
         <a:buChar char="–"/>
         <a:defRPr sz="2800" kern="1200">
           <a:solidFill>
-            <a:schemeClr val="tx1"/>
+            <a:schemeClr val="bg1"/>
           </a:solidFill>
           <a:latin typeface="+mn-lt"/>
           <a:ea typeface="+mn-ea"/>
@@ -3313,7 +3346,7 @@
         <a:buChar char="•"/>
         <a:defRPr sz="2400" kern="1200">
           <a:solidFill>
-            <a:schemeClr val="tx1"/>
+            <a:schemeClr val="bg1"/>
           </a:solidFill>
           <a:latin typeface="+mn-lt"/>
           <a:ea typeface="+mn-ea"/>
@@ -3328,7 +3361,7 @@
         <a:buChar char="–"/>
         <a:defRPr sz="2000" kern="1200">
           <a:solidFill>
-            <a:schemeClr val="tx1"/>
+            <a:schemeClr val="bg1"/>
           </a:solidFill>
           <a:latin typeface="+mn-lt"/>
           <a:ea typeface="+mn-ea"/>
@@ -3343,7 +3376,7 @@
         <a:buChar char="»"/>
         <a:defRPr sz="2000" kern="1200">
           <a:solidFill>
-            <a:schemeClr val="tx1"/>
+            <a:schemeClr val="bg1"/>
           </a:solidFill>
           <a:latin typeface="+mn-lt"/>
           <a:ea typeface="+mn-ea"/>
@@ -3565,7 +3598,19 @@
           <a:bodyPr/>
           <a:lstStyle/>
           <a:p>
-            <a:endParaRPr lang="en-US" dirty="0"/>
+            <a:r>
+              <a:rPr lang="en-US" sz="2400" dirty="0" smtClean="0">
+                <a:solidFill>
+                  <a:schemeClr val="tx1"/>
+                </a:solidFill>
+              </a:rPr>
+              <a:t>Carlos Gross Jones</a:t>
+            </a:r>
+            <a:endParaRPr lang="en-US" sz="2400" dirty="0">
+              <a:solidFill>
+                <a:schemeClr val="tx1"/>
+              </a:solidFill>
+            </a:endParaRPr>
           </a:p>
         </p:txBody>
       </p:sp>
@@ -3639,6 +3684,123 @@
           <a:p>
             <a:r>
               <a:rPr lang="en-US" dirty="0" smtClean="0"/>
+              <a:t>Cat 5e</a:t>
+            </a:r>
+            <a:endParaRPr lang="en-US" dirty="0"/>
+          </a:p>
+        </p:txBody>
+      </p:sp>
+      <p:sp>
+        <p:nvSpPr>
+          <p:cNvPr id="3" name="Content Placeholder 2"/>
+          <p:cNvSpPr>
+            <a:spLocks noGrp="1"/>
+          </p:cNvSpPr>
+          <p:nvPr>
+            <p:ph idx="1"/>
+          </p:nvPr>
+        </p:nvSpPr>
+        <p:spPr/>
+        <p:txBody>
+          <a:bodyPr/>
+          <a:lstStyle/>
+          <a:p>
+            <a:r>
+              <a:rPr lang="en-US" dirty="0" smtClean="0"/>
+              <a:t>Most common “Ethernet” cables</a:t>
+            </a:r>
+          </a:p>
+          <a:p>
+            <a:r>
+              <a:rPr lang="en-US" dirty="0" smtClean="0"/>
+              <a:t>Refers to “Category 5, enhanced”</a:t>
+            </a:r>
+          </a:p>
+          <a:p>
+            <a:r>
+              <a:rPr lang="en-US" dirty="0" smtClean="0"/>
+              <a:t>Cat 3, cat 5, etc. are standards published by the Telecommunications Industry Association (TIA)</a:t>
+            </a:r>
+          </a:p>
+          <a:p>
+            <a:r>
+              <a:rPr lang="en-US" dirty="0" smtClean="0"/>
+              <a:t>Consists of four pairs: orange/orange-white, green/green-white, blue/blue-white, and brown/brown-white</a:t>
+            </a:r>
+            <a:endParaRPr lang="en-US" dirty="0"/>
+          </a:p>
+        </p:txBody>
+      </p:sp>
+      <p:sp>
+        <p:nvSpPr>
+          <p:cNvPr id="4" name="Slide Number Placeholder 3"/>
+          <p:cNvSpPr>
+            <a:spLocks noGrp="1"/>
+          </p:cNvSpPr>
+          <p:nvPr>
+            <p:ph type="sldNum" sz="quarter" idx="12"/>
+          </p:nvPr>
+        </p:nvSpPr>
+        <p:spPr/>
+        <p:txBody>
+          <a:bodyPr/>
+          <a:lstStyle/>
+          <a:p>
+            <a:fld id="{6BE98711-CE87-4D2C-A4EE-CF4DC81676AA}" type="slidenum">
+              <a:rPr lang="en-US" smtClean="0"/>
+              <a:t>10</a:t>
+            </a:fld>
+            <a:endParaRPr lang="en-US"/>
+          </a:p>
+        </p:txBody>
+      </p:sp>
+    </p:spTree>
+    <p:extLst>
+      <p:ext uri="{BB962C8B-B14F-4D97-AF65-F5344CB8AC3E}">
+        <p14:creationId xmlns:p14="http://schemas.microsoft.com/office/powerpoint/2010/main" val="518852797"/>
+      </p:ext>
+    </p:extLst>
+  </p:cSld>
+  <p:clrMapOvr>
+    <a:masterClrMapping/>
+  </p:clrMapOvr>
+</p:sld>
+</file>
+
+<file path=ppt/slides/slide11.xml><?xml version="1.0" encoding="utf-8"?>
+<p:sld xmlns:a="http://schemas.openxmlformats.org/drawingml/2006/main" xmlns:r="http://schemas.openxmlformats.org/officeDocument/2006/relationships" xmlns:p="http://schemas.openxmlformats.org/presentationml/2006/main">
+  <p:cSld>
+    <p:spTree>
+      <p:nvGrpSpPr>
+        <p:cNvPr id="1" name=""/>
+        <p:cNvGrpSpPr/>
+        <p:nvPr/>
+      </p:nvGrpSpPr>
+      <p:grpSpPr>
+        <a:xfrm>
+          <a:off x="0" y="0"/>
+          <a:ext cx="0" cy="0"/>
+          <a:chOff x="0" y="0"/>
+          <a:chExt cx="0" cy="0"/>
+        </a:xfrm>
+      </p:grpSpPr>
+      <p:sp>
+        <p:nvSpPr>
+          <p:cNvPr id="2" name="Title 1"/>
+          <p:cNvSpPr>
+            <a:spLocks noGrp="1"/>
+          </p:cNvSpPr>
+          <p:nvPr>
+            <p:ph type="title"/>
+          </p:nvPr>
+        </p:nvSpPr>
+        <p:spPr/>
+        <p:txBody>
+          <a:bodyPr/>
+          <a:lstStyle/>
+          <a:p>
+            <a:r>
+              <a:rPr lang="en-US" dirty="0" smtClean="0"/>
               <a:t>8P8C Connector</a:t>
             </a:r>
             <a:endParaRPr lang="en-US" dirty="0"/>
@@ -3655,6 +3817,222 @@
             <p:ph idx="1"/>
           </p:nvPr>
         </p:nvSpPr>
+        <p:spPr>
+          <a:xfrm>
+            <a:off x="457200" y="2514600"/>
+            <a:ext cx="8229600" cy="3611563"/>
+          </a:xfrm>
+        </p:spPr>
+        <p:txBody>
+          <a:bodyPr/>
+          <a:lstStyle/>
+          <a:p>
+            <a:r>
+              <a:rPr lang="en-US" dirty="0" smtClean="0"/>
+              <a:t>Often incorrectly referred to as “Ethernet” or “RJ45” connector</a:t>
+            </a:r>
+          </a:p>
+          <a:p>
+            <a:r>
+              <a:rPr lang="en-US" dirty="0" smtClean="0"/>
+              <a:t>“8P” – 8 positions</a:t>
+            </a:r>
+          </a:p>
+          <a:p>
+            <a:r>
+              <a:rPr lang="en-US" dirty="0" smtClean="0"/>
+              <a:t>“8C” – 8 contacts (i.e., all positions populated)</a:t>
+            </a:r>
+          </a:p>
+          <a:p>
+            <a:r>
+              <a:rPr lang="en-US" dirty="0" smtClean="0"/>
+              <a:t>Compare 8P4C connector:</a:t>
+            </a:r>
+            <a:endParaRPr lang="en-US" dirty="0"/>
+          </a:p>
+        </p:txBody>
+      </p:sp>
+      <p:pic>
+        <p:nvPicPr>
+          <p:cNvPr id="2050" name="Picture 2" descr="https://www.altex.com/Assets/ProductImages/106162C.jpg"/>
+          <p:cNvPicPr>
+            <a:picLocks noChangeAspect="1" noChangeArrowheads="1"/>
+          </p:cNvPicPr>
+          <p:nvPr/>
+        </p:nvPicPr>
+        <p:blipFill>
+          <a:blip r:embed="rId2">
+            <a:extLst>
+              <a:ext uri="{BEBA8EAE-BF5A-486C-A8C5-ECC9F3942E4B}">
+                <a14:imgProps xmlns:a14="http://schemas.microsoft.com/office/drawing/2010/main">
+                  <a14:imgLayer r:embed="rId3">
+                    <a14:imgEffect>
+                      <a14:backgroundRemoval t="10000" b="90000" l="10000" r="90000"/>
+                    </a14:imgEffect>
+                  </a14:imgLayer>
+                </a14:imgProps>
+              </a:ext>
+              <a:ext uri="{28A0092B-C50C-407E-A947-70E740481C1C}">
+                <a14:useLocalDpi xmlns:a14="http://schemas.microsoft.com/office/drawing/2010/main" val="0"/>
+              </a:ext>
+            </a:extLst>
+          </a:blip>
+          <a:srcRect/>
+          <a:stretch>
+            <a:fillRect/>
+          </a:stretch>
+        </p:blipFill>
+        <p:spPr bwMode="auto">
+          <a:xfrm>
+            <a:off x="3733800" y="1066800"/>
+            <a:ext cx="1600200" cy="1600200"/>
+          </a:xfrm>
+          <a:prstGeom prst="rect">
+            <a:avLst/>
+          </a:prstGeom>
+          <a:solidFill>
+            <a:schemeClr val="tx1"/>
+          </a:solidFill>
+          <a:extLst/>
+        </p:spPr>
+      </p:pic>
+      <p:pic>
+        <p:nvPicPr>
+          <p:cNvPr id="2052" name="Picture 4" descr="http://cdn.shopify.com/s/files/1/0833/3315/products/RJ458P4C_grande.jpeg?v=1444784581"/>
+          <p:cNvPicPr>
+            <a:picLocks noChangeAspect="1" noChangeArrowheads="1"/>
+          </p:cNvPicPr>
+          <p:nvPr/>
+        </p:nvPicPr>
+        <p:blipFill>
+          <a:blip r:embed="rId4">
+            <a:extLst>
+              <a:ext uri="{BEBA8EAE-BF5A-486C-A8C5-ECC9F3942E4B}">
+                <a14:imgProps xmlns:a14="http://schemas.microsoft.com/office/drawing/2010/main">
+                  <a14:imgLayer r:embed="rId5">
+                    <a14:imgEffect>
+                      <a14:backgroundRemoval t="10000" b="90000" l="10000" r="90000"/>
+                    </a14:imgEffect>
+                  </a14:imgLayer>
+                </a14:imgProps>
+              </a:ext>
+              <a:ext uri="{28A0092B-C50C-407E-A947-70E740481C1C}">
+                <a14:useLocalDpi xmlns:a14="http://schemas.microsoft.com/office/drawing/2010/main" val="0"/>
+              </a:ext>
+            </a:extLst>
+          </a:blip>
+          <a:srcRect/>
+          <a:stretch>
+            <a:fillRect/>
+          </a:stretch>
+        </p:blipFill>
+        <p:spPr bwMode="auto">
+          <a:xfrm>
+            <a:off x="5867400" y="4724400"/>
+            <a:ext cx="2096360" cy="2121023"/>
+          </a:xfrm>
+          <a:prstGeom prst="rect">
+            <a:avLst/>
+          </a:prstGeom>
+          <a:noFill/>
+          <a:extLst>
+            <a:ext uri="{909E8E84-426E-40DD-AFC4-6F175D3DCCD1}">
+              <a14:hiddenFill xmlns:a14="http://schemas.microsoft.com/office/drawing/2010/main">
+                <a:solidFill>
+                  <a:srgbClr val="FFFFFF"/>
+                </a:solidFill>
+              </a14:hiddenFill>
+            </a:ext>
+          </a:extLst>
+        </p:spPr>
+      </p:pic>
+      <p:sp>
+        <p:nvSpPr>
+          <p:cNvPr id="4" name="Slide Number Placeholder 3"/>
+          <p:cNvSpPr>
+            <a:spLocks noGrp="1"/>
+          </p:cNvSpPr>
+          <p:nvPr>
+            <p:ph type="sldNum" sz="quarter" idx="12"/>
+          </p:nvPr>
+        </p:nvSpPr>
+        <p:spPr/>
+        <p:txBody>
+          <a:bodyPr/>
+          <a:lstStyle/>
+          <a:p>
+            <a:fld id="{6BE98711-CE87-4D2C-A4EE-CF4DC81676AA}" type="slidenum">
+              <a:rPr lang="en-US" smtClean="0"/>
+              <a:t>11</a:t>
+            </a:fld>
+            <a:endParaRPr lang="en-US"/>
+          </a:p>
+        </p:txBody>
+      </p:sp>
+    </p:spTree>
+    <p:extLst>
+      <p:ext uri="{BB962C8B-B14F-4D97-AF65-F5344CB8AC3E}">
+        <p14:creationId xmlns:p14="http://schemas.microsoft.com/office/powerpoint/2010/main" val="2789290934"/>
+      </p:ext>
+    </p:extLst>
+  </p:cSld>
+  <p:clrMapOvr>
+    <a:masterClrMapping/>
+  </p:clrMapOvr>
+</p:sld>
+</file>
+
+<file path=ppt/slides/slide12.xml><?xml version="1.0" encoding="utf-8"?>
+<p:sld xmlns:a="http://schemas.openxmlformats.org/drawingml/2006/main" xmlns:r="http://schemas.openxmlformats.org/officeDocument/2006/relationships" xmlns:p="http://schemas.openxmlformats.org/presentationml/2006/main">
+  <p:cSld>
+    <p:spTree>
+      <p:nvGrpSpPr>
+        <p:cNvPr id="1" name=""/>
+        <p:cNvGrpSpPr/>
+        <p:nvPr/>
+      </p:nvGrpSpPr>
+      <p:grpSpPr>
+        <a:xfrm>
+          <a:off x="0" y="0"/>
+          <a:ext cx="0" cy="0"/>
+          <a:chOff x="0" y="0"/>
+          <a:chExt cx="0" cy="0"/>
+        </a:xfrm>
+      </p:grpSpPr>
+      <p:sp>
+        <p:nvSpPr>
+          <p:cNvPr id="2" name="Title 1"/>
+          <p:cNvSpPr>
+            <a:spLocks noGrp="1"/>
+          </p:cNvSpPr>
+          <p:nvPr>
+            <p:ph type="title"/>
+          </p:nvPr>
+        </p:nvSpPr>
+        <p:spPr/>
+        <p:txBody>
+          <a:bodyPr/>
+          <a:lstStyle/>
+          <a:p>
+            <a:r>
+              <a:rPr lang="en-US" dirty="0" smtClean="0"/>
+              <a:t>8P8C Connector</a:t>
+            </a:r>
+            <a:endParaRPr lang="en-US" dirty="0"/>
+          </a:p>
+        </p:txBody>
+      </p:sp>
+      <p:sp>
+        <p:nvSpPr>
+          <p:cNvPr id="3" name="Content Placeholder 2"/>
+          <p:cNvSpPr>
+            <a:spLocks noGrp="1"/>
+          </p:cNvSpPr>
+          <p:nvPr>
+            <p:ph idx="1"/>
+          </p:nvPr>
+        </p:nvSpPr>
         <p:spPr/>
         <p:txBody>
           <a:bodyPr/>
@@ -3691,7 +4069,7 @@
           <a:p>
             <a:fld id="{6BE98711-CE87-4D2C-A4EE-CF4DC81676AA}" type="slidenum">
               <a:rPr lang="en-US" smtClean="0"/>
-              <a:t>10</a:t>
+              <a:t>12</a:t>
             </a:fld>
             <a:endParaRPr lang="en-US"/>
           </a:p>
@@ -3710,7 +4088,7 @@
 </p:sld>
 </file>
 
-<file path=ppt/slides/slide11.xml><?xml version="1.0" encoding="utf-8"?>
+<file path=ppt/slides/slide13.xml><?xml version="1.0" encoding="utf-8"?>
 <p:sld xmlns:a="http://schemas.openxmlformats.org/drawingml/2006/main" xmlns:r="http://schemas.openxmlformats.org/officeDocument/2006/relationships" xmlns:p="http://schemas.openxmlformats.org/presentationml/2006/main">
   <p:cSld>
     <p:spTree>
@@ -3861,7 +4239,7 @@
           <a:p>
             <a:fld id="{6BE98711-CE87-4D2C-A4EE-CF4DC81676AA}" type="slidenum">
               <a:rPr lang="en-US" smtClean="0"/>
-              <a:t>11</a:t>
+              <a:t>13</a:t>
             </a:fld>
             <a:endParaRPr lang="en-US"/>
           </a:p>
@@ -3871,248 +4249,6 @@
     <p:extLst>
       <p:ext uri="{BB962C8B-B14F-4D97-AF65-F5344CB8AC3E}">
         <p14:creationId xmlns:p14="http://schemas.microsoft.com/office/powerpoint/2010/main" val="2202032522"/>
-      </p:ext>
-    </p:extLst>
-  </p:cSld>
-  <p:clrMapOvr>
-    <a:masterClrMapping/>
-  </p:clrMapOvr>
-</p:sld>
-</file>
-
-<file path=ppt/slides/slide12.xml><?xml version="1.0" encoding="utf-8"?>
-<p:sld xmlns:a="http://schemas.openxmlformats.org/drawingml/2006/main" xmlns:r="http://schemas.openxmlformats.org/officeDocument/2006/relationships" xmlns:p="http://schemas.openxmlformats.org/presentationml/2006/main">
-  <p:cSld>
-    <p:spTree>
-      <p:nvGrpSpPr>
-        <p:cNvPr id="1" name=""/>
-        <p:cNvGrpSpPr/>
-        <p:nvPr/>
-      </p:nvGrpSpPr>
-      <p:grpSpPr>
-        <a:xfrm>
-          <a:off x="0" y="0"/>
-          <a:ext cx="0" cy="0"/>
-          <a:chOff x="0" y="0"/>
-          <a:chExt cx="0" cy="0"/>
-        </a:xfrm>
-      </p:grpSpPr>
-      <p:sp>
-        <p:nvSpPr>
-          <p:cNvPr id="2" name="Title 1"/>
-          <p:cNvSpPr>
-            <a:spLocks noGrp="1"/>
-          </p:cNvSpPr>
-          <p:nvPr>
-            <p:ph type="title"/>
-          </p:nvPr>
-        </p:nvSpPr>
-        <p:spPr/>
-        <p:txBody>
-          <a:bodyPr/>
-          <a:lstStyle/>
-          <a:p>
-            <a:r>
-              <a:rPr lang="en-US" dirty="0" smtClean="0"/>
-              <a:t>Power Over Ethernet</a:t>
-            </a:r>
-            <a:endParaRPr lang="en-US" dirty="0"/>
-          </a:p>
-        </p:txBody>
-      </p:sp>
-      <p:sp>
-        <p:nvSpPr>
-          <p:cNvPr id="3" name="Content Placeholder 2"/>
-          <p:cNvSpPr>
-            <a:spLocks noGrp="1"/>
-          </p:cNvSpPr>
-          <p:nvPr>
-            <p:ph idx="1"/>
-          </p:nvPr>
-        </p:nvSpPr>
-        <p:spPr/>
-        <p:txBody>
-          <a:bodyPr>
-            <a:normAutofit lnSpcReduction="10000"/>
-          </a:bodyPr>
-          <a:lstStyle/>
-          <a:p>
-            <a:r>
-              <a:rPr lang="en-US" dirty="0" smtClean="0"/>
-              <a:t>Allows power and data to run over the same cable</a:t>
-            </a:r>
-          </a:p>
-          <a:p>
-            <a:r>
-              <a:rPr lang="en-US" dirty="0" smtClean="0"/>
-              <a:t>Two basic types: </a:t>
-            </a:r>
-            <a:r>
-              <a:rPr lang="en-US" i="1" dirty="0" smtClean="0"/>
-              <a:t>Alternative A </a:t>
-            </a:r>
-            <a:r>
-              <a:rPr lang="en-US" dirty="0" smtClean="0"/>
-              <a:t>and </a:t>
-            </a:r>
-            <a:r>
-              <a:rPr lang="en-US" i="1" dirty="0" smtClean="0"/>
-              <a:t>Alternative B</a:t>
-            </a:r>
-          </a:p>
-          <a:p>
-            <a:r>
-              <a:rPr lang="en-US" dirty="0" smtClean="0"/>
-              <a:t>Alternative B uses the two unused pairs in 10BASE-T or 100BASE-T as dedicated power wires</a:t>
-            </a:r>
-          </a:p>
-          <a:p>
-            <a:r>
-              <a:rPr lang="en-US" dirty="0" smtClean="0"/>
-              <a:t>Alternative A passes “phantom power” (exploits the differential signaling)</a:t>
-            </a:r>
-            <a:endParaRPr lang="en-US" dirty="0"/>
-          </a:p>
-        </p:txBody>
-      </p:sp>
-      <p:sp>
-        <p:nvSpPr>
-          <p:cNvPr id="4" name="Slide Number Placeholder 3"/>
-          <p:cNvSpPr>
-            <a:spLocks noGrp="1"/>
-          </p:cNvSpPr>
-          <p:nvPr>
-            <p:ph type="sldNum" sz="quarter" idx="12"/>
-          </p:nvPr>
-        </p:nvSpPr>
-        <p:spPr/>
-        <p:txBody>
-          <a:bodyPr/>
-          <a:lstStyle/>
-          <a:p>
-            <a:fld id="{6BE98711-CE87-4D2C-A4EE-CF4DC81676AA}" type="slidenum">
-              <a:rPr lang="en-US" smtClean="0"/>
-              <a:t>12</a:t>
-            </a:fld>
-            <a:endParaRPr lang="en-US"/>
-          </a:p>
-        </p:txBody>
-      </p:sp>
-    </p:spTree>
-    <p:extLst>
-      <p:ext uri="{BB962C8B-B14F-4D97-AF65-F5344CB8AC3E}">
-        <p14:creationId xmlns:p14="http://schemas.microsoft.com/office/powerpoint/2010/main" val="1481472100"/>
-      </p:ext>
-    </p:extLst>
-  </p:cSld>
-  <p:clrMapOvr>
-    <a:masterClrMapping/>
-  </p:clrMapOvr>
-</p:sld>
-</file>
-
-<file path=ppt/slides/slide13.xml><?xml version="1.0" encoding="utf-8"?>
-<p:sld xmlns:a="http://schemas.openxmlformats.org/drawingml/2006/main" xmlns:r="http://schemas.openxmlformats.org/officeDocument/2006/relationships" xmlns:p="http://schemas.openxmlformats.org/presentationml/2006/main">
-  <p:cSld>
-    <p:spTree>
-      <p:nvGrpSpPr>
-        <p:cNvPr id="1" name=""/>
-        <p:cNvGrpSpPr/>
-        <p:nvPr/>
-      </p:nvGrpSpPr>
-      <p:grpSpPr>
-        <a:xfrm>
-          <a:off x="0" y="0"/>
-          <a:ext cx="0" cy="0"/>
-          <a:chOff x="0" y="0"/>
-          <a:chExt cx="0" cy="0"/>
-        </a:xfrm>
-      </p:grpSpPr>
-      <p:sp>
-        <p:nvSpPr>
-          <p:cNvPr id="2" name="Title 1"/>
-          <p:cNvSpPr>
-            <a:spLocks noGrp="1"/>
-          </p:cNvSpPr>
-          <p:nvPr>
-            <p:ph type="title"/>
-          </p:nvPr>
-        </p:nvSpPr>
-        <p:spPr/>
-        <p:txBody>
-          <a:bodyPr/>
-          <a:lstStyle/>
-          <a:p>
-            <a:r>
-              <a:rPr lang="en-US" dirty="0" smtClean="0"/>
-              <a:t>Power Over Ethernet</a:t>
-            </a:r>
-            <a:endParaRPr lang="en-US" dirty="0"/>
-          </a:p>
-        </p:txBody>
-      </p:sp>
-      <p:sp>
-        <p:nvSpPr>
-          <p:cNvPr id="3" name="Content Placeholder 2"/>
-          <p:cNvSpPr>
-            <a:spLocks noGrp="1"/>
-          </p:cNvSpPr>
-          <p:nvPr>
-            <p:ph idx="1"/>
-          </p:nvPr>
-        </p:nvSpPr>
-        <p:spPr/>
-        <p:txBody>
-          <a:bodyPr/>
-          <a:lstStyle/>
-          <a:p>
-            <a:r>
-              <a:rPr lang="en-US" dirty="0" smtClean="0"/>
-              <a:t>Alternative A</a:t>
-            </a:r>
-          </a:p>
-          <a:p>
-            <a:r>
-              <a:rPr lang="en-US" dirty="0" smtClean="0"/>
-              <a:t>Two pairs are used for positive power, two for ground</a:t>
-            </a:r>
-          </a:p>
-          <a:p>
-            <a:r>
-              <a:rPr lang="en-US" dirty="0" smtClean="0"/>
-              <a:t>Transformers block DC voltage, but pass differential pulses (data)</a:t>
-            </a:r>
-            <a:endParaRPr lang="en-US" dirty="0"/>
-          </a:p>
-        </p:txBody>
-      </p:sp>
-      <p:sp>
-        <p:nvSpPr>
-          <p:cNvPr id="4" name="Slide Number Placeholder 3"/>
-          <p:cNvSpPr>
-            <a:spLocks noGrp="1"/>
-          </p:cNvSpPr>
-          <p:nvPr>
-            <p:ph type="sldNum" sz="quarter" idx="12"/>
-          </p:nvPr>
-        </p:nvSpPr>
-        <p:spPr/>
-        <p:txBody>
-          <a:bodyPr/>
-          <a:lstStyle/>
-          <a:p>
-            <a:fld id="{6BE98711-CE87-4D2C-A4EE-CF4DC81676AA}" type="slidenum">
-              <a:rPr lang="en-US" smtClean="0"/>
-              <a:t>13</a:t>
-            </a:fld>
-            <a:endParaRPr lang="en-US"/>
-          </a:p>
-        </p:txBody>
-      </p:sp>
-    </p:spTree>
-    <p:extLst>
-      <p:ext uri="{BB962C8B-B14F-4D97-AF65-F5344CB8AC3E}">
-        <p14:creationId xmlns:p14="http://schemas.microsoft.com/office/powerpoint/2010/main" val="1816271439"/>
       </p:ext>
     </p:extLst>
   </p:cSld>
@@ -4174,30 +4310,44 @@
         </p:nvSpPr>
         <p:spPr/>
         <p:txBody>
-          <a:bodyPr/>
-          <a:lstStyle/>
-          <a:p>
-            <a:r>
-              <a:rPr lang="en-US" dirty="0" smtClean="0"/>
-              <a:t>Standards (e.g. 802.3af) provide for powered devices to negotiate with power-supplying equipment to provide the amount of power needed</a:t>
-            </a:r>
-          </a:p>
-          <a:p>
-            <a:r>
-              <a:rPr lang="en-US" dirty="0" smtClean="0"/>
-              <a:t>Some implementations use </a:t>
+          <a:bodyPr>
+            <a:normAutofit lnSpcReduction="10000"/>
+          </a:bodyPr>
+          <a:lstStyle/>
+          <a:p>
+            <a:r>
+              <a:rPr lang="en-US" dirty="0" smtClean="0"/>
+              <a:t>Allows power and data to run over the same cable</a:t>
+            </a:r>
+          </a:p>
+          <a:p>
+            <a:r>
+              <a:rPr lang="en-US" dirty="0" smtClean="0"/>
+              <a:t>Two basic types: </a:t>
             </a:r>
             <a:r>
               <a:rPr lang="en-US" i="1" dirty="0" smtClean="0"/>
-              <a:t>passive </a:t>
-            </a:r>
-            <a:r>
-              <a:rPr lang="en-US" i="1" dirty="0" err="1" smtClean="0"/>
-              <a:t>PoE</a:t>
-            </a:r>
-            <a:r>
-              <a:rPr lang="en-US" dirty="0" smtClean="0"/>
-              <a:t> (constant voltage supplied at all times)</a:t>
+              <a:t>Alternative A </a:t>
+            </a:r>
+            <a:r>
+              <a:rPr lang="en-US" dirty="0" smtClean="0"/>
+              <a:t>and </a:t>
+            </a:r>
+            <a:r>
+              <a:rPr lang="en-US" i="1" dirty="0" smtClean="0"/>
+              <a:t>Alternative B</a:t>
+            </a:r>
+          </a:p>
+          <a:p>
+            <a:r>
+              <a:rPr lang="en-US" dirty="0" smtClean="0"/>
+              <a:t>Alternative B uses the two unused pairs in 10BASE-T or 100BASE-T as dedicated power wires</a:t>
+            </a:r>
+          </a:p>
+          <a:p>
+            <a:r>
+              <a:rPr lang="en-US" dirty="0" smtClean="0"/>
+              <a:t>Alternative A passes “phantom power” (exploits the differential signaling)</a:t>
             </a:r>
             <a:endParaRPr lang="en-US" dirty="0"/>
           </a:p>
@@ -4229,7 +4379,7 @@
     </p:spTree>
     <p:extLst>
       <p:ext uri="{BB962C8B-B14F-4D97-AF65-F5344CB8AC3E}">
-        <p14:creationId xmlns:p14="http://schemas.microsoft.com/office/powerpoint/2010/main" val="3523549659"/>
+        <p14:creationId xmlns:p14="http://schemas.microsoft.com/office/powerpoint/2010/main" val="1481472100"/>
       </p:ext>
     </p:extLst>
   </p:cSld>
@@ -4273,6 +4423,1203 @@
           <a:p>
             <a:r>
               <a:rPr lang="en-US" dirty="0" smtClean="0"/>
+              <a:t>Power Over Ethernet</a:t>
+            </a:r>
+            <a:endParaRPr lang="en-US" dirty="0"/>
+          </a:p>
+        </p:txBody>
+      </p:sp>
+      <p:sp>
+        <p:nvSpPr>
+          <p:cNvPr id="3" name="Content Placeholder 2"/>
+          <p:cNvSpPr>
+            <a:spLocks noGrp="1"/>
+          </p:cNvSpPr>
+          <p:nvPr>
+            <p:ph idx="1"/>
+          </p:nvPr>
+        </p:nvSpPr>
+        <p:spPr/>
+        <p:txBody>
+          <a:bodyPr/>
+          <a:lstStyle/>
+          <a:p>
+            <a:r>
+              <a:rPr lang="en-US" dirty="0" smtClean="0"/>
+              <a:t>Alternative A</a:t>
+            </a:r>
+          </a:p>
+          <a:p>
+            <a:r>
+              <a:rPr lang="en-US" dirty="0" smtClean="0"/>
+              <a:t>Two pairs are used for positive power, two for ground</a:t>
+            </a:r>
+          </a:p>
+          <a:p>
+            <a:r>
+              <a:rPr lang="en-US" dirty="0" smtClean="0"/>
+              <a:t>Transformers block DC voltage, but pass differential pulses (data)</a:t>
+            </a:r>
+            <a:endParaRPr lang="en-US" dirty="0"/>
+          </a:p>
+        </p:txBody>
+      </p:sp>
+      <p:sp>
+        <p:nvSpPr>
+          <p:cNvPr id="4" name="Slide Number Placeholder 3"/>
+          <p:cNvSpPr>
+            <a:spLocks noGrp="1"/>
+          </p:cNvSpPr>
+          <p:nvPr>
+            <p:ph type="sldNum" sz="quarter" idx="12"/>
+          </p:nvPr>
+        </p:nvSpPr>
+        <p:spPr/>
+        <p:txBody>
+          <a:bodyPr/>
+          <a:lstStyle/>
+          <a:p>
+            <a:fld id="{6BE98711-CE87-4D2C-A4EE-CF4DC81676AA}" type="slidenum">
+              <a:rPr lang="en-US" smtClean="0"/>
+              <a:t>15</a:t>
+            </a:fld>
+            <a:endParaRPr lang="en-US"/>
+          </a:p>
+        </p:txBody>
+      </p:sp>
+    </p:spTree>
+    <p:extLst>
+      <p:ext uri="{BB962C8B-B14F-4D97-AF65-F5344CB8AC3E}">
+        <p14:creationId xmlns:p14="http://schemas.microsoft.com/office/powerpoint/2010/main" val="1816271439"/>
+      </p:ext>
+    </p:extLst>
+  </p:cSld>
+  <p:clrMapOvr>
+    <a:masterClrMapping/>
+  </p:clrMapOvr>
+</p:sld>
+</file>
+
+<file path=ppt/slides/slide16.xml><?xml version="1.0" encoding="utf-8"?>
+<p:sld xmlns:a="http://schemas.openxmlformats.org/drawingml/2006/main" xmlns:r="http://schemas.openxmlformats.org/officeDocument/2006/relationships" xmlns:p="http://schemas.openxmlformats.org/presentationml/2006/main">
+  <p:cSld>
+    <p:spTree>
+      <p:nvGrpSpPr>
+        <p:cNvPr id="1" name=""/>
+        <p:cNvGrpSpPr/>
+        <p:nvPr/>
+      </p:nvGrpSpPr>
+      <p:grpSpPr>
+        <a:xfrm>
+          <a:off x="0" y="0"/>
+          <a:ext cx="0" cy="0"/>
+          <a:chOff x="0" y="0"/>
+          <a:chExt cx="0" cy="0"/>
+        </a:xfrm>
+      </p:grpSpPr>
+      <p:sp>
+        <p:nvSpPr>
+          <p:cNvPr id="2" name="Title 1"/>
+          <p:cNvSpPr>
+            <a:spLocks noGrp="1"/>
+          </p:cNvSpPr>
+          <p:nvPr>
+            <p:ph type="title"/>
+          </p:nvPr>
+        </p:nvSpPr>
+        <p:spPr/>
+        <p:txBody>
+          <a:bodyPr/>
+          <a:lstStyle/>
+          <a:p>
+            <a:r>
+              <a:rPr lang="en-US" dirty="0" smtClean="0"/>
+              <a:t>Power Over Ethernet</a:t>
+            </a:r>
+            <a:endParaRPr lang="en-US" dirty="0"/>
+          </a:p>
+        </p:txBody>
+      </p:sp>
+      <p:sp>
+        <p:nvSpPr>
+          <p:cNvPr id="3" name="Content Placeholder 2"/>
+          <p:cNvSpPr>
+            <a:spLocks noGrp="1"/>
+          </p:cNvSpPr>
+          <p:nvPr>
+            <p:ph idx="1"/>
+          </p:nvPr>
+        </p:nvSpPr>
+        <p:spPr/>
+        <p:txBody>
+          <a:bodyPr/>
+          <a:lstStyle/>
+          <a:p>
+            <a:r>
+              <a:rPr lang="en-US" dirty="0" smtClean="0"/>
+              <a:t>Standards (e.g. 802.3af) provide for powered devices to negotiate with power-supplying equipment to provide the amount of power needed</a:t>
+            </a:r>
+          </a:p>
+          <a:p>
+            <a:r>
+              <a:rPr lang="en-US" dirty="0" smtClean="0"/>
+              <a:t>Some implementations use </a:t>
+            </a:r>
+            <a:r>
+              <a:rPr lang="en-US" i="1" dirty="0" smtClean="0"/>
+              <a:t>passive </a:t>
+            </a:r>
+            <a:r>
+              <a:rPr lang="en-US" i="1" dirty="0" err="1" smtClean="0"/>
+              <a:t>PoE</a:t>
+            </a:r>
+            <a:r>
+              <a:rPr lang="en-US" dirty="0" smtClean="0"/>
+              <a:t> (constant voltage supplied at all times)</a:t>
+            </a:r>
+            <a:endParaRPr lang="en-US" dirty="0"/>
+          </a:p>
+        </p:txBody>
+      </p:sp>
+      <p:sp>
+        <p:nvSpPr>
+          <p:cNvPr id="4" name="Slide Number Placeholder 3"/>
+          <p:cNvSpPr>
+            <a:spLocks noGrp="1"/>
+          </p:cNvSpPr>
+          <p:nvPr>
+            <p:ph type="sldNum" sz="quarter" idx="12"/>
+          </p:nvPr>
+        </p:nvSpPr>
+        <p:spPr/>
+        <p:txBody>
+          <a:bodyPr/>
+          <a:lstStyle/>
+          <a:p>
+            <a:fld id="{6BE98711-CE87-4D2C-A4EE-CF4DC81676AA}" type="slidenum">
+              <a:rPr lang="en-US" smtClean="0"/>
+              <a:t>16</a:t>
+            </a:fld>
+            <a:endParaRPr lang="en-US"/>
+          </a:p>
+        </p:txBody>
+      </p:sp>
+    </p:spTree>
+    <p:extLst>
+      <p:ext uri="{BB962C8B-B14F-4D97-AF65-F5344CB8AC3E}">
+        <p14:creationId xmlns:p14="http://schemas.microsoft.com/office/powerpoint/2010/main" val="3523549659"/>
+      </p:ext>
+    </p:extLst>
+  </p:cSld>
+  <p:clrMapOvr>
+    <a:masterClrMapping/>
+  </p:clrMapOvr>
+</p:sld>
+</file>
+
+<file path=ppt/slides/slide17.xml><?xml version="1.0" encoding="utf-8"?>
+<p:sld xmlns:a="http://schemas.openxmlformats.org/drawingml/2006/main" xmlns:r="http://schemas.openxmlformats.org/officeDocument/2006/relationships" xmlns:p="http://schemas.openxmlformats.org/presentationml/2006/main">
+  <p:cSld>
+    <p:spTree>
+      <p:nvGrpSpPr>
+        <p:cNvPr id="1" name=""/>
+        <p:cNvGrpSpPr/>
+        <p:nvPr/>
+      </p:nvGrpSpPr>
+      <p:grpSpPr>
+        <a:xfrm>
+          <a:off x="0" y="0"/>
+          <a:ext cx="0" cy="0"/>
+          <a:chOff x="0" y="0"/>
+          <a:chExt cx="0" cy="0"/>
+        </a:xfrm>
+      </p:grpSpPr>
+      <p:sp>
+        <p:nvSpPr>
+          <p:cNvPr id="2" name="Title 1"/>
+          <p:cNvSpPr>
+            <a:spLocks noGrp="1"/>
+          </p:cNvSpPr>
+          <p:nvPr>
+            <p:ph type="title"/>
+          </p:nvPr>
+        </p:nvSpPr>
+        <p:spPr/>
+        <p:txBody>
+          <a:bodyPr/>
+          <a:lstStyle/>
+          <a:p>
+            <a:r>
+              <a:rPr lang="en-US" dirty="0" smtClean="0"/>
+              <a:t>Data Link Layer</a:t>
+            </a:r>
+            <a:endParaRPr lang="en-US" dirty="0"/>
+          </a:p>
+        </p:txBody>
+      </p:sp>
+      <p:pic>
+        <p:nvPicPr>
+          <p:cNvPr id="4" name="Picture 2" descr="https://fthmb.tqn.com/FJRd1u3NJuT-4w3EoA3Pf7HVX9E=/768x0/filters:no_upscale()/Osi-model-jb.svg-57f7b9af3df78c690f6305e8.png"/>
+          <p:cNvPicPr>
+            <a:picLocks noChangeAspect="1" noChangeArrowheads="1"/>
+          </p:cNvPicPr>
+          <p:nvPr/>
+        </p:nvPicPr>
+        <p:blipFill rotWithShape="1">
+          <a:blip r:embed="rId2">
+            <a:extLst>
+              <a:ext uri="{28A0092B-C50C-407E-A947-70E740481C1C}">
+                <a14:useLocalDpi xmlns:a14="http://schemas.microsoft.com/office/drawing/2010/main" val="0"/>
+              </a:ext>
+            </a:extLst>
+          </a:blip>
+          <a:srcRect t="8983"/>
+          <a:stretch/>
+        </p:blipFill>
+        <p:spPr bwMode="auto">
+          <a:xfrm>
+            <a:off x="1752600" y="1164394"/>
+            <a:ext cx="5410201" cy="5693606"/>
+          </a:xfrm>
+          <a:prstGeom prst="rect">
+            <a:avLst/>
+          </a:prstGeom>
+          <a:noFill/>
+          <a:extLst>
+            <a:ext uri="{909E8E84-426E-40DD-AFC4-6F175D3DCCD1}">
+              <a14:hiddenFill xmlns:a14="http://schemas.microsoft.com/office/drawing/2010/main">
+                <a:solidFill>
+                  <a:srgbClr val="FFFFFF"/>
+                </a:solidFill>
+              </a14:hiddenFill>
+            </a:ext>
+          </a:extLst>
+        </p:spPr>
+      </p:pic>
+      <p:sp>
+        <p:nvSpPr>
+          <p:cNvPr id="5" name="Rectangle 4"/>
+          <p:cNvSpPr/>
+          <p:nvPr/>
+        </p:nvSpPr>
+        <p:spPr>
+          <a:xfrm>
+            <a:off x="2362200" y="5200778"/>
+            <a:ext cx="4343400" cy="748683"/>
+          </a:xfrm>
+          <a:prstGeom prst="rect">
+            <a:avLst/>
+          </a:prstGeom>
+          <a:noFill/>
+          <a:ln>
+            <a:solidFill>
+              <a:srgbClr val="FF0000"/>
+            </a:solidFill>
+          </a:ln>
+        </p:spPr>
+        <p:style>
+          <a:lnRef idx="2">
+            <a:schemeClr val="accent1">
+              <a:shade val="50000"/>
+            </a:schemeClr>
+          </a:lnRef>
+          <a:fillRef idx="1">
+            <a:schemeClr val="accent1"/>
+          </a:fillRef>
+          <a:effectRef idx="0">
+            <a:schemeClr val="accent1"/>
+          </a:effectRef>
+          <a:fontRef idx="minor">
+            <a:schemeClr val="lt1"/>
+          </a:fontRef>
+        </p:style>
+        <p:txBody>
+          <a:bodyPr rtlCol="0" anchor="ctr"/>
+          <a:lstStyle/>
+          <a:p>
+            <a:pPr algn="ctr"/>
+            <a:endParaRPr lang="en-US"/>
+          </a:p>
+        </p:txBody>
+      </p:sp>
+      <p:sp>
+        <p:nvSpPr>
+          <p:cNvPr id="3" name="Slide Number Placeholder 2"/>
+          <p:cNvSpPr>
+            <a:spLocks noGrp="1"/>
+          </p:cNvSpPr>
+          <p:nvPr>
+            <p:ph type="sldNum" sz="quarter" idx="12"/>
+          </p:nvPr>
+        </p:nvSpPr>
+        <p:spPr/>
+        <p:txBody>
+          <a:bodyPr/>
+          <a:lstStyle/>
+          <a:p>
+            <a:fld id="{6BE98711-CE87-4D2C-A4EE-CF4DC81676AA}" type="slidenum">
+              <a:rPr lang="en-US" smtClean="0"/>
+              <a:t>17</a:t>
+            </a:fld>
+            <a:endParaRPr lang="en-US"/>
+          </a:p>
+        </p:txBody>
+      </p:sp>
+    </p:spTree>
+    <p:extLst>
+      <p:ext uri="{BB962C8B-B14F-4D97-AF65-F5344CB8AC3E}">
+        <p14:creationId xmlns:p14="http://schemas.microsoft.com/office/powerpoint/2010/main" val="2421048070"/>
+      </p:ext>
+    </p:extLst>
+  </p:cSld>
+  <p:clrMapOvr>
+    <a:masterClrMapping/>
+  </p:clrMapOvr>
+</p:sld>
+</file>
+
+<file path=ppt/slides/slide18.xml><?xml version="1.0" encoding="utf-8"?>
+<p:sld xmlns:a="http://schemas.openxmlformats.org/drawingml/2006/main" xmlns:r="http://schemas.openxmlformats.org/officeDocument/2006/relationships" xmlns:p="http://schemas.openxmlformats.org/presentationml/2006/main">
+  <p:cSld>
+    <p:spTree>
+      <p:nvGrpSpPr>
+        <p:cNvPr id="1" name=""/>
+        <p:cNvGrpSpPr/>
+        <p:nvPr/>
+      </p:nvGrpSpPr>
+      <p:grpSpPr>
+        <a:xfrm>
+          <a:off x="0" y="0"/>
+          <a:ext cx="0" cy="0"/>
+          <a:chOff x="0" y="0"/>
+          <a:chExt cx="0" cy="0"/>
+        </a:xfrm>
+      </p:grpSpPr>
+      <p:sp>
+        <p:nvSpPr>
+          <p:cNvPr id="2" name="Title 1"/>
+          <p:cNvSpPr>
+            <a:spLocks noGrp="1"/>
+          </p:cNvSpPr>
+          <p:nvPr>
+            <p:ph type="title"/>
+          </p:nvPr>
+        </p:nvSpPr>
+        <p:spPr/>
+        <p:txBody>
+          <a:bodyPr/>
+          <a:lstStyle/>
+          <a:p>
+            <a:r>
+              <a:rPr lang="en-US" dirty="0" smtClean="0"/>
+              <a:t>Ethernet</a:t>
+            </a:r>
+            <a:endParaRPr lang="en-US" dirty="0"/>
+          </a:p>
+        </p:txBody>
+      </p:sp>
+      <p:sp>
+        <p:nvSpPr>
+          <p:cNvPr id="3" name="Content Placeholder 2"/>
+          <p:cNvSpPr>
+            <a:spLocks noGrp="1"/>
+          </p:cNvSpPr>
+          <p:nvPr>
+            <p:ph idx="1"/>
+          </p:nvPr>
+        </p:nvSpPr>
+        <p:spPr/>
+        <p:txBody>
+          <a:bodyPr/>
+          <a:lstStyle/>
+          <a:p>
+            <a:r>
+              <a:rPr lang="en-US" dirty="0" smtClean="0"/>
+              <a:t>Ethernet properly refers to a </a:t>
+            </a:r>
+            <a:r>
+              <a:rPr lang="en-US" i="1" dirty="0" smtClean="0"/>
+              <a:t>frame</a:t>
+            </a:r>
+            <a:r>
+              <a:rPr lang="en-US" dirty="0" smtClean="0"/>
+              <a:t> structure which encapsulates data</a:t>
+            </a:r>
+          </a:p>
+          <a:p>
+            <a:endParaRPr lang="en-US" dirty="0"/>
+          </a:p>
+          <a:p>
+            <a:endParaRPr lang="en-US" dirty="0" smtClean="0"/>
+          </a:p>
+          <a:p>
+            <a:r>
+              <a:rPr lang="en-US" dirty="0" smtClean="0"/>
+              <a:t>Ethernet frames are sent from one </a:t>
+            </a:r>
+            <a:r>
+              <a:rPr lang="en-US" i="1" dirty="0" smtClean="0"/>
+              <a:t>MAC address</a:t>
+            </a:r>
+            <a:r>
+              <a:rPr lang="en-US" dirty="0" smtClean="0"/>
+              <a:t> to another</a:t>
+            </a:r>
+            <a:endParaRPr lang="en-US" dirty="0"/>
+          </a:p>
+        </p:txBody>
+      </p:sp>
+      <p:sp>
+        <p:nvSpPr>
+          <p:cNvPr id="4" name="Slide Number Placeholder 3"/>
+          <p:cNvSpPr>
+            <a:spLocks noGrp="1"/>
+          </p:cNvSpPr>
+          <p:nvPr>
+            <p:ph type="sldNum" sz="quarter" idx="12"/>
+          </p:nvPr>
+        </p:nvSpPr>
+        <p:spPr/>
+        <p:txBody>
+          <a:bodyPr/>
+          <a:lstStyle/>
+          <a:p>
+            <a:fld id="{6BE98711-CE87-4D2C-A4EE-CF4DC81676AA}" type="slidenum">
+              <a:rPr lang="en-US" smtClean="0"/>
+              <a:t>18</a:t>
+            </a:fld>
+            <a:endParaRPr lang="en-US"/>
+          </a:p>
+        </p:txBody>
+      </p:sp>
+      <p:pic>
+        <p:nvPicPr>
+          <p:cNvPr id="1026" name="Picture 2" descr="https://upload.wikimedia.org/wikipedia/commons/thumb/4/42/Ethernet_frame.svg/925px-Ethernet_frame.svg.png"/>
+          <p:cNvPicPr>
+            <a:picLocks noChangeAspect="1" noChangeArrowheads="1"/>
+          </p:cNvPicPr>
+          <p:nvPr/>
+        </p:nvPicPr>
+        <p:blipFill>
+          <a:blip r:embed="rId2">
+            <a:extLst>
+              <a:ext uri="{28A0092B-C50C-407E-A947-70E740481C1C}">
+                <a14:useLocalDpi xmlns:a14="http://schemas.microsoft.com/office/drawing/2010/main" val="0"/>
+              </a:ext>
+            </a:extLst>
+          </a:blip>
+          <a:srcRect/>
+          <a:stretch>
+            <a:fillRect/>
+          </a:stretch>
+        </p:blipFill>
+        <p:spPr bwMode="auto">
+          <a:xfrm>
+            <a:off x="812800" y="2743200"/>
+            <a:ext cx="7518400" cy="926592"/>
+          </a:xfrm>
+          <a:prstGeom prst="rect">
+            <a:avLst/>
+          </a:prstGeom>
+          <a:noFill/>
+          <a:extLst>
+            <a:ext uri="{909E8E84-426E-40DD-AFC4-6F175D3DCCD1}">
+              <a14:hiddenFill xmlns:a14="http://schemas.microsoft.com/office/drawing/2010/main">
+                <a:solidFill>
+                  <a:srgbClr val="FFFFFF"/>
+                </a:solidFill>
+              </a14:hiddenFill>
+            </a:ext>
+          </a:extLst>
+        </p:spPr>
+      </p:pic>
+    </p:spTree>
+    <p:extLst>
+      <p:ext uri="{BB962C8B-B14F-4D97-AF65-F5344CB8AC3E}">
+        <p14:creationId xmlns:p14="http://schemas.microsoft.com/office/powerpoint/2010/main" val="1620021285"/>
+      </p:ext>
+    </p:extLst>
+  </p:cSld>
+  <p:clrMapOvr>
+    <a:masterClrMapping/>
+  </p:clrMapOvr>
+</p:sld>
+</file>
+
+<file path=ppt/slides/slide19.xml><?xml version="1.0" encoding="utf-8"?>
+<p:sld xmlns:a="http://schemas.openxmlformats.org/drawingml/2006/main" xmlns:r="http://schemas.openxmlformats.org/officeDocument/2006/relationships" xmlns:p="http://schemas.openxmlformats.org/presentationml/2006/main">
+  <p:cSld>
+    <p:spTree>
+      <p:nvGrpSpPr>
+        <p:cNvPr id="1" name=""/>
+        <p:cNvGrpSpPr/>
+        <p:nvPr/>
+      </p:nvGrpSpPr>
+      <p:grpSpPr>
+        <a:xfrm>
+          <a:off x="0" y="0"/>
+          <a:ext cx="0" cy="0"/>
+          <a:chOff x="0" y="0"/>
+          <a:chExt cx="0" cy="0"/>
+        </a:xfrm>
+      </p:grpSpPr>
+      <p:sp>
+        <p:nvSpPr>
+          <p:cNvPr id="2" name="Title 1"/>
+          <p:cNvSpPr>
+            <a:spLocks noGrp="1"/>
+          </p:cNvSpPr>
+          <p:nvPr>
+            <p:ph type="title"/>
+          </p:nvPr>
+        </p:nvSpPr>
+        <p:spPr/>
+        <p:txBody>
+          <a:bodyPr/>
+          <a:lstStyle/>
+          <a:p>
+            <a:r>
+              <a:rPr lang="en-US" dirty="0" smtClean="0"/>
+              <a:t>MAC Addresses</a:t>
+            </a:r>
+            <a:endParaRPr lang="en-US" dirty="0"/>
+          </a:p>
+        </p:txBody>
+      </p:sp>
+      <p:sp>
+        <p:nvSpPr>
+          <p:cNvPr id="3" name="Content Placeholder 2"/>
+          <p:cNvSpPr>
+            <a:spLocks noGrp="1"/>
+          </p:cNvSpPr>
+          <p:nvPr>
+            <p:ph idx="1"/>
+          </p:nvPr>
+        </p:nvSpPr>
+        <p:spPr/>
+        <p:txBody>
+          <a:bodyPr>
+            <a:normAutofit lnSpcReduction="10000"/>
+          </a:bodyPr>
+          <a:lstStyle/>
+          <a:p>
+            <a:r>
+              <a:rPr lang="en-US" dirty="0" smtClean="0"/>
+              <a:t>A MAC (Media Access Controller) </a:t>
+            </a:r>
+            <a:r>
+              <a:rPr lang="en-US" dirty="0" smtClean="0"/>
+              <a:t>address is </a:t>
+            </a:r>
+            <a:r>
+              <a:rPr lang="en-US" dirty="0" smtClean="0"/>
+              <a:t>the </a:t>
+            </a:r>
+            <a:r>
+              <a:rPr lang="en-US" i="1" dirty="0" smtClean="0"/>
+              <a:t>hardware</a:t>
+            </a:r>
+            <a:r>
+              <a:rPr lang="en-US" dirty="0" smtClean="0"/>
+              <a:t> address of a </a:t>
+            </a:r>
+            <a:r>
+              <a:rPr lang="en-US" dirty="0" smtClean="0"/>
+              <a:t>NIC (Network Interface Controller)</a:t>
+            </a:r>
+            <a:endParaRPr lang="en-US" dirty="0" smtClean="0"/>
+          </a:p>
+          <a:p>
+            <a:r>
+              <a:rPr lang="en-US" dirty="0" smtClean="0"/>
+              <a:t>Compare IP addresses, which change depending on the network they’re connected to</a:t>
+            </a:r>
+          </a:p>
+          <a:p>
+            <a:r>
+              <a:rPr lang="en-US" dirty="0" smtClean="0"/>
+              <a:t>64-bit </a:t>
+            </a:r>
+            <a:r>
+              <a:rPr lang="en-US" dirty="0" smtClean="0"/>
+              <a:t>number (2</a:t>
+            </a:r>
+            <a:r>
+              <a:rPr lang="en-US" baseline="30000" dirty="0" smtClean="0"/>
+              <a:t>64 </a:t>
+            </a:r>
+            <a:r>
+              <a:rPr lang="en-US" dirty="0" smtClean="0"/>
+              <a:t>possible; ≈10</a:t>
+            </a:r>
+            <a:r>
+              <a:rPr lang="en-US" baseline="30000" dirty="0" smtClean="0"/>
+              <a:t>19</a:t>
+            </a:r>
+            <a:r>
+              <a:rPr lang="en-US" dirty="0" smtClean="0"/>
+              <a:t>)</a:t>
+            </a:r>
+            <a:endParaRPr lang="en-US" baseline="30000" dirty="0" smtClean="0"/>
+          </a:p>
+          <a:p>
+            <a:r>
+              <a:rPr lang="en-US" dirty="0" smtClean="0"/>
+              <a:t>Every NIC in the world </a:t>
+            </a:r>
+            <a:r>
+              <a:rPr lang="en-US" i="1" dirty="0" smtClean="0"/>
+              <a:t>should </a:t>
+            </a:r>
+            <a:r>
+              <a:rPr lang="en-US" dirty="0" smtClean="0"/>
+              <a:t>have a unique MAC address</a:t>
+            </a:r>
+            <a:endParaRPr lang="en-US" dirty="0"/>
+          </a:p>
+        </p:txBody>
+      </p:sp>
+      <p:sp>
+        <p:nvSpPr>
+          <p:cNvPr id="4" name="Slide Number Placeholder 3"/>
+          <p:cNvSpPr>
+            <a:spLocks noGrp="1"/>
+          </p:cNvSpPr>
+          <p:nvPr>
+            <p:ph type="sldNum" sz="quarter" idx="12"/>
+          </p:nvPr>
+        </p:nvSpPr>
+        <p:spPr/>
+        <p:txBody>
+          <a:bodyPr/>
+          <a:lstStyle/>
+          <a:p>
+            <a:fld id="{6BE98711-CE87-4D2C-A4EE-CF4DC81676AA}" type="slidenum">
+              <a:rPr lang="en-US" smtClean="0"/>
+              <a:t>19</a:t>
+            </a:fld>
+            <a:endParaRPr lang="en-US"/>
+          </a:p>
+        </p:txBody>
+      </p:sp>
+    </p:spTree>
+    <p:extLst>
+      <p:ext uri="{BB962C8B-B14F-4D97-AF65-F5344CB8AC3E}">
+        <p14:creationId xmlns:p14="http://schemas.microsoft.com/office/powerpoint/2010/main" val="4256090747"/>
+      </p:ext>
+    </p:extLst>
+  </p:cSld>
+  <p:clrMapOvr>
+    <a:masterClrMapping/>
+  </p:clrMapOvr>
+</p:sld>
+</file>
+
+<file path=ppt/slides/slide2.xml><?xml version="1.0" encoding="utf-8"?>
+<p:sld xmlns:a="http://schemas.openxmlformats.org/drawingml/2006/main" xmlns:r="http://schemas.openxmlformats.org/officeDocument/2006/relationships" xmlns:p="http://schemas.openxmlformats.org/presentationml/2006/main">
+  <p:cSld>
+    <p:spTree>
+      <p:nvGrpSpPr>
+        <p:cNvPr id="1" name=""/>
+        <p:cNvGrpSpPr/>
+        <p:nvPr/>
+      </p:nvGrpSpPr>
+      <p:grpSpPr>
+        <a:xfrm>
+          <a:off x="0" y="0"/>
+          <a:ext cx="0" cy="0"/>
+          <a:chOff x="0" y="0"/>
+          <a:chExt cx="0" cy="0"/>
+        </a:xfrm>
+      </p:grpSpPr>
+      <p:sp>
+        <p:nvSpPr>
+          <p:cNvPr id="2" name="Title 1"/>
+          <p:cNvSpPr>
+            <a:spLocks noGrp="1"/>
+          </p:cNvSpPr>
+          <p:nvPr>
+            <p:ph type="title"/>
+          </p:nvPr>
+        </p:nvSpPr>
+        <p:spPr/>
+        <p:txBody>
+          <a:bodyPr>
+            <a:normAutofit/>
+          </a:bodyPr>
+          <a:lstStyle/>
+          <a:p>
+            <a:r>
+              <a:rPr lang="en-US" dirty="0" smtClean="0"/>
+              <a:t>OSI Model</a:t>
+            </a:r>
+            <a:br>
+              <a:rPr lang="en-US" dirty="0" smtClean="0"/>
+            </a:br>
+            <a:r>
+              <a:rPr lang="en-US" sz="2000" dirty="0" smtClean="0"/>
+              <a:t>(A.K.A. “seven-layer model”)</a:t>
+            </a:r>
+            <a:endParaRPr lang="en-US" dirty="0"/>
+          </a:p>
+        </p:txBody>
+      </p:sp>
+      <p:sp>
+        <p:nvSpPr>
+          <p:cNvPr id="3" name="Content Placeholder 2"/>
+          <p:cNvSpPr>
+            <a:spLocks noGrp="1"/>
+          </p:cNvSpPr>
+          <p:nvPr>
+            <p:ph idx="1"/>
+          </p:nvPr>
+        </p:nvSpPr>
+        <p:spPr>
+          <a:xfrm>
+            <a:off x="4800600" y="1600200"/>
+            <a:ext cx="3886200" cy="5181600"/>
+          </a:xfrm>
+        </p:spPr>
+        <p:txBody>
+          <a:bodyPr>
+            <a:normAutofit/>
+          </a:bodyPr>
+          <a:lstStyle/>
+          <a:p>
+            <a:r>
+              <a:rPr lang="en-US" sz="2000" dirty="0" smtClean="0"/>
+              <a:t>Each layer </a:t>
+            </a:r>
+            <a:r>
+              <a:rPr lang="en-US" sz="2000" i="1" dirty="0" smtClean="0"/>
+              <a:t>encodes </a:t>
+            </a:r>
+            <a:r>
+              <a:rPr lang="en-US" sz="2000" dirty="0" smtClean="0"/>
+              <a:t>or </a:t>
+            </a:r>
+            <a:r>
+              <a:rPr lang="en-US" sz="2000" i="1" dirty="0" smtClean="0"/>
+              <a:t>encapsulates </a:t>
+            </a:r>
+            <a:r>
+              <a:rPr lang="en-US" sz="2000" dirty="0" smtClean="0"/>
+              <a:t>data from the layer above</a:t>
+            </a:r>
+          </a:p>
+          <a:p>
+            <a:r>
+              <a:rPr lang="en-US" sz="2000" dirty="0" smtClean="0"/>
+              <a:t>A given layer shouldn’t care about how the layer below encodes its data</a:t>
+            </a:r>
+          </a:p>
+          <a:p>
+            <a:r>
+              <a:rPr lang="en-US" sz="2000" dirty="0" smtClean="0"/>
+              <a:t>E.g., the data link layer shouldn’t care if its data is encoded as electrical signals on copper wire or pulses of light in a fiber in the physical layer</a:t>
+            </a:r>
+            <a:endParaRPr lang="en-US" sz="2000" dirty="0"/>
+          </a:p>
+        </p:txBody>
+      </p:sp>
+      <p:pic>
+        <p:nvPicPr>
+          <p:cNvPr id="1026" name="Picture 2" descr="https://fthmb.tqn.com/FJRd1u3NJuT-4w3EoA3Pf7HVX9E=/768x0/filters:no_upscale()/Osi-model-jb.svg-57f7b9af3df78c690f6305e8.png"/>
+          <p:cNvPicPr>
+            <a:picLocks noChangeAspect="1" noChangeArrowheads="1"/>
+          </p:cNvPicPr>
+          <p:nvPr/>
+        </p:nvPicPr>
+        <p:blipFill rotWithShape="1">
+          <a:blip r:embed="rId2">
+            <a:extLst>
+              <a:ext uri="{28A0092B-C50C-407E-A947-70E740481C1C}">
+                <a14:useLocalDpi xmlns:a14="http://schemas.microsoft.com/office/drawing/2010/main" val="0"/>
+              </a:ext>
+            </a:extLst>
+          </a:blip>
+          <a:srcRect t="8983"/>
+          <a:stretch/>
+        </p:blipFill>
+        <p:spPr bwMode="auto">
+          <a:xfrm>
+            <a:off x="-228601" y="1304888"/>
+            <a:ext cx="5410201" cy="5693606"/>
+          </a:xfrm>
+          <a:prstGeom prst="rect">
+            <a:avLst/>
+          </a:prstGeom>
+          <a:noFill/>
+          <a:extLst>
+            <a:ext uri="{909E8E84-426E-40DD-AFC4-6F175D3DCCD1}">
+              <a14:hiddenFill xmlns:a14="http://schemas.microsoft.com/office/drawing/2010/main">
+                <a:solidFill>
+                  <a:srgbClr val="FFFFFF"/>
+                </a:solidFill>
+              </a14:hiddenFill>
+            </a:ext>
+          </a:extLst>
+        </p:spPr>
+      </p:pic>
+      <p:sp>
+        <p:nvSpPr>
+          <p:cNvPr id="4" name="Slide Number Placeholder 3"/>
+          <p:cNvSpPr>
+            <a:spLocks noGrp="1"/>
+          </p:cNvSpPr>
+          <p:nvPr>
+            <p:ph type="sldNum" sz="quarter" idx="12"/>
+          </p:nvPr>
+        </p:nvSpPr>
+        <p:spPr/>
+        <p:txBody>
+          <a:bodyPr/>
+          <a:lstStyle/>
+          <a:p>
+            <a:fld id="{6BE98711-CE87-4D2C-A4EE-CF4DC81676AA}" type="slidenum">
+              <a:rPr lang="en-US" smtClean="0"/>
+              <a:t>2</a:t>
+            </a:fld>
+            <a:endParaRPr lang="en-US"/>
+          </a:p>
+        </p:txBody>
+      </p:sp>
+    </p:spTree>
+    <p:extLst>
+      <p:ext uri="{BB962C8B-B14F-4D97-AF65-F5344CB8AC3E}">
+        <p14:creationId xmlns:p14="http://schemas.microsoft.com/office/powerpoint/2010/main" val="2387082081"/>
+      </p:ext>
+    </p:extLst>
+  </p:cSld>
+  <p:clrMapOvr>
+    <a:masterClrMapping/>
+  </p:clrMapOvr>
+</p:sld>
+</file>
+
+<file path=ppt/slides/slide20.xml><?xml version="1.0" encoding="utf-8"?>
+<p:sld xmlns:a="http://schemas.openxmlformats.org/drawingml/2006/main" xmlns:r="http://schemas.openxmlformats.org/officeDocument/2006/relationships" xmlns:p="http://schemas.openxmlformats.org/presentationml/2006/main">
+  <p:cSld>
+    <p:spTree>
+      <p:nvGrpSpPr>
+        <p:cNvPr id="1" name=""/>
+        <p:cNvGrpSpPr/>
+        <p:nvPr/>
+      </p:nvGrpSpPr>
+      <p:grpSpPr>
+        <a:xfrm>
+          <a:off x="0" y="0"/>
+          <a:ext cx="0" cy="0"/>
+          <a:chOff x="0" y="0"/>
+          <a:chExt cx="0" cy="0"/>
+        </a:xfrm>
+      </p:grpSpPr>
+      <p:sp>
+        <p:nvSpPr>
+          <p:cNvPr id="2" name="Title 1"/>
+          <p:cNvSpPr>
+            <a:spLocks noGrp="1"/>
+          </p:cNvSpPr>
+          <p:nvPr>
+            <p:ph type="title"/>
+          </p:nvPr>
+        </p:nvSpPr>
+        <p:spPr/>
+        <p:txBody>
+          <a:bodyPr/>
+          <a:lstStyle/>
+          <a:p>
+            <a:r>
+              <a:rPr lang="en-US" dirty="0" smtClean="0"/>
+              <a:t>Ethernet Hubs</a:t>
+            </a:r>
+            <a:endParaRPr lang="en-US" dirty="0"/>
+          </a:p>
+        </p:txBody>
+      </p:sp>
+      <p:sp>
+        <p:nvSpPr>
+          <p:cNvPr id="3" name="Content Placeholder 2"/>
+          <p:cNvSpPr>
+            <a:spLocks noGrp="1"/>
+          </p:cNvSpPr>
+          <p:nvPr>
+            <p:ph idx="1"/>
+          </p:nvPr>
+        </p:nvSpPr>
+        <p:spPr/>
+        <p:txBody>
+          <a:bodyPr/>
+          <a:lstStyle/>
+          <a:p>
+            <a:r>
+              <a:rPr lang="en-US" dirty="0" smtClean="0"/>
+              <a:t>Hubs are active or passive devices which merely retransmit packets coming into one port to all the other ports</a:t>
+            </a:r>
+          </a:p>
+          <a:p>
+            <a:endParaRPr lang="en-US" dirty="0"/>
+          </a:p>
+          <a:p>
+            <a:endParaRPr lang="en-US" dirty="0" smtClean="0"/>
+          </a:p>
+          <a:p>
+            <a:endParaRPr lang="en-US" dirty="0" smtClean="0"/>
+          </a:p>
+          <a:p>
+            <a:r>
+              <a:rPr lang="en-US" dirty="0" smtClean="0"/>
+              <a:t>This is inefficient; all hosts receive all data</a:t>
+            </a:r>
+          </a:p>
+          <a:p>
+            <a:r>
+              <a:rPr lang="en-US" dirty="0" smtClean="0"/>
+              <a:t>Raises the possibility of </a:t>
+            </a:r>
+            <a:r>
+              <a:rPr lang="en-US" i="1" dirty="0" smtClean="0"/>
+              <a:t>packet collisions</a:t>
+            </a:r>
+            <a:endParaRPr lang="en-US" dirty="0"/>
+          </a:p>
+        </p:txBody>
+      </p:sp>
+      <p:sp>
+        <p:nvSpPr>
+          <p:cNvPr id="4" name="Slide Number Placeholder 3"/>
+          <p:cNvSpPr>
+            <a:spLocks noGrp="1"/>
+          </p:cNvSpPr>
+          <p:nvPr>
+            <p:ph type="sldNum" sz="quarter" idx="12"/>
+          </p:nvPr>
+        </p:nvSpPr>
+        <p:spPr/>
+        <p:txBody>
+          <a:bodyPr/>
+          <a:lstStyle/>
+          <a:p>
+            <a:fld id="{6BE98711-CE87-4D2C-A4EE-CF4DC81676AA}" type="slidenum">
+              <a:rPr lang="en-US" smtClean="0"/>
+              <a:t>20</a:t>
+            </a:fld>
+            <a:endParaRPr lang="en-US"/>
+          </a:p>
+        </p:txBody>
+      </p:sp>
+      <p:pic>
+        <p:nvPicPr>
+          <p:cNvPr id="5" name="Picture 4"/>
+          <p:cNvPicPr>
+            <a:picLocks noChangeAspect="1"/>
+          </p:cNvPicPr>
+          <p:nvPr/>
+        </p:nvPicPr>
+        <p:blipFill>
+          <a:blip r:embed="rId2">
+            <a:extLst>
+              <a:ext uri="{28A0092B-C50C-407E-A947-70E740481C1C}">
+                <a14:useLocalDpi xmlns:a14="http://schemas.microsoft.com/office/drawing/2010/main" val="0"/>
+              </a:ext>
+            </a:extLst>
+          </a:blip>
+          <a:stretch>
+            <a:fillRect/>
+          </a:stretch>
+        </p:blipFill>
+        <p:spPr>
+          <a:xfrm>
+            <a:off x="5181600" y="2982564"/>
+            <a:ext cx="3505200" cy="1761233"/>
+          </a:xfrm>
+          <a:prstGeom prst="rect">
+            <a:avLst/>
+          </a:prstGeom>
+        </p:spPr>
+      </p:pic>
+    </p:spTree>
+    <p:extLst>
+      <p:ext uri="{BB962C8B-B14F-4D97-AF65-F5344CB8AC3E}">
+        <p14:creationId xmlns:p14="http://schemas.microsoft.com/office/powerpoint/2010/main" val="2169588827"/>
+      </p:ext>
+    </p:extLst>
+  </p:cSld>
+  <p:clrMapOvr>
+    <a:masterClrMapping/>
+  </p:clrMapOvr>
+</p:sld>
+</file>
+
+<file path=ppt/slides/slide21.xml><?xml version="1.0" encoding="utf-8"?>
+<p:sld xmlns:a="http://schemas.openxmlformats.org/drawingml/2006/main" xmlns:r="http://schemas.openxmlformats.org/officeDocument/2006/relationships" xmlns:p="http://schemas.openxmlformats.org/presentationml/2006/main">
+  <p:cSld>
+    <p:spTree>
+      <p:nvGrpSpPr>
+        <p:cNvPr id="1" name=""/>
+        <p:cNvGrpSpPr/>
+        <p:nvPr/>
+      </p:nvGrpSpPr>
+      <p:grpSpPr>
+        <a:xfrm>
+          <a:off x="0" y="0"/>
+          <a:ext cx="0" cy="0"/>
+          <a:chOff x="0" y="0"/>
+          <a:chExt cx="0" cy="0"/>
+        </a:xfrm>
+      </p:grpSpPr>
+      <p:sp>
+        <p:nvSpPr>
+          <p:cNvPr id="2" name="Title 1"/>
+          <p:cNvSpPr>
+            <a:spLocks noGrp="1"/>
+          </p:cNvSpPr>
+          <p:nvPr>
+            <p:ph type="title"/>
+          </p:nvPr>
+        </p:nvSpPr>
+        <p:spPr/>
+        <p:txBody>
+          <a:bodyPr/>
+          <a:lstStyle/>
+          <a:p>
+            <a:r>
+              <a:rPr lang="en-US" dirty="0" smtClean="0"/>
+              <a:t>Ethernet Switches</a:t>
+            </a:r>
+            <a:endParaRPr lang="en-US" dirty="0"/>
+          </a:p>
+        </p:txBody>
+      </p:sp>
+      <p:sp>
+        <p:nvSpPr>
+          <p:cNvPr id="3" name="Content Placeholder 2"/>
+          <p:cNvSpPr>
+            <a:spLocks noGrp="1"/>
+          </p:cNvSpPr>
+          <p:nvPr>
+            <p:ph idx="1"/>
+          </p:nvPr>
+        </p:nvSpPr>
+        <p:spPr>
+          <a:xfrm>
+            <a:off x="457200" y="1600200"/>
+            <a:ext cx="8229600" cy="4876800"/>
+          </a:xfrm>
+        </p:spPr>
+        <p:txBody>
+          <a:bodyPr>
+            <a:normAutofit fontScale="92500" lnSpcReduction="10000"/>
+          </a:bodyPr>
+          <a:lstStyle/>
+          <a:p>
+            <a:r>
+              <a:rPr lang="en-US" dirty="0" smtClean="0"/>
+              <a:t>Switches are “smart” devices</a:t>
+            </a:r>
+          </a:p>
+          <a:p>
+            <a:r>
+              <a:rPr lang="en-US" dirty="0" smtClean="0"/>
+              <a:t>They can inspect the Ethernet frame header of incoming packets to see the source and destination MAC addresses</a:t>
+            </a:r>
+          </a:p>
+          <a:p>
+            <a:r>
+              <a:rPr lang="en-US" dirty="0" smtClean="0"/>
+              <a:t>They build an internal table of which MAC addresses are on which ports</a:t>
+            </a:r>
+          </a:p>
+          <a:p>
+            <a:pPr lvl="1"/>
+            <a:r>
+              <a:rPr lang="en-US" dirty="0"/>
+              <a:t>E.g., “I can reach </a:t>
+            </a:r>
+            <a:r>
+              <a:rPr lang="en-US" dirty="0" smtClean="0"/>
+              <a:t>84:7B:EB:51:88:F9 on port 3.”</a:t>
+            </a:r>
+          </a:p>
+          <a:p>
+            <a:r>
+              <a:rPr lang="en-US" dirty="0" smtClean="0"/>
+              <a:t>Thus, incoming packets are only retransmitted on the port their destination is connected to, not the whole network</a:t>
+            </a:r>
+            <a:endParaRPr lang="en-US" dirty="0"/>
+          </a:p>
+        </p:txBody>
+      </p:sp>
+      <p:sp>
+        <p:nvSpPr>
+          <p:cNvPr id="4" name="Slide Number Placeholder 3"/>
+          <p:cNvSpPr>
+            <a:spLocks noGrp="1"/>
+          </p:cNvSpPr>
+          <p:nvPr>
+            <p:ph type="sldNum" sz="quarter" idx="12"/>
+          </p:nvPr>
+        </p:nvSpPr>
+        <p:spPr/>
+        <p:txBody>
+          <a:bodyPr/>
+          <a:lstStyle/>
+          <a:p>
+            <a:fld id="{6BE98711-CE87-4D2C-A4EE-CF4DC81676AA}" type="slidenum">
+              <a:rPr lang="en-US" smtClean="0"/>
+              <a:t>21</a:t>
+            </a:fld>
+            <a:endParaRPr lang="en-US"/>
+          </a:p>
+        </p:txBody>
+      </p:sp>
+    </p:spTree>
+    <p:extLst>
+      <p:ext uri="{BB962C8B-B14F-4D97-AF65-F5344CB8AC3E}">
+        <p14:creationId xmlns:p14="http://schemas.microsoft.com/office/powerpoint/2010/main" val="2403300569"/>
+      </p:ext>
+    </p:extLst>
+  </p:cSld>
+  <p:clrMapOvr>
+    <a:masterClrMapping/>
+  </p:clrMapOvr>
+</p:sld>
+</file>
+
+<file path=ppt/slides/slide22.xml><?xml version="1.0" encoding="utf-8"?>
+<p:sld xmlns:a="http://schemas.openxmlformats.org/drawingml/2006/main" xmlns:r="http://schemas.openxmlformats.org/officeDocument/2006/relationships" xmlns:p="http://schemas.openxmlformats.org/presentationml/2006/main">
+  <p:cSld>
+    <p:spTree>
+      <p:nvGrpSpPr>
+        <p:cNvPr id="1" name=""/>
+        <p:cNvGrpSpPr/>
+        <p:nvPr/>
+      </p:nvGrpSpPr>
+      <p:grpSpPr>
+        <a:xfrm>
+          <a:off x="0" y="0"/>
+          <a:ext cx="0" cy="0"/>
+          <a:chOff x="0" y="0"/>
+          <a:chExt cx="0" cy="0"/>
+        </a:xfrm>
+      </p:grpSpPr>
+      <p:sp>
+        <p:nvSpPr>
+          <p:cNvPr id="2" name="Title 1"/>
+          <p:cNvSpPr>
+            <a:spLocks noGrp="1"/>
+          </p:cNvSpPr>
+          <p:nvPr>
+            <p:ph type="title"/>
+          </p:nvPr>
+        </p:nvSpPr>
+        <p:spPr/>
+        <p:txBody>
+          <a:bodyPr/>
+          <a:lstStyle/>
+          <a:p>
+            <a:r>
+              <a:rPr lang="en-US" dirty="0" smtClean="0"/>
               <a:t>Wireshark</a:t>
             </a:r>
             <a:endParaRPr lang="en-US" dirty="0"/>
@@ -4338,7 +5685,7 @@
           <a:p>
             <a:fld id="{6BE98711-CE87-4D2C-A4EE-CF4DC81676AA}" type="slidenum">
               <a:rPr lang="en-US" smtClean="0"/>
-              <a:t>15</a:t>
+              <a:t>22</a:t>
             </a:fld>
             <a:endParaRPr lang="en-US"/>
           </a:p>
@@ -4404,7 +5751,7 @@
 </p:sld>
 </file>
 
-<file path=ppt/slides/slide16.xml><?xml version="1.0" encoding="utf-8"?>
+<file path=ppt/slides/slide23.xml><?xml version="1.0" encoding="utf-8"?>
 <p:sld xmlns:a="http://schemas.openxmlformats.org/drawingml/2006/main" xmlns:r="http://schemas.openxmlformats.org/officeDocument/2006/relationships" xmlns:p="http://schemas.openxmlformats.org/presentationml/2006/main">
   <p:cSld>
     <p:spTree>
@@ -4438,7 +5785,7 @@
           <a:p>
             <a:r>
               <a:rPr lang="en-US" dirty="0" smtClean="0"/>
-              <a:t>Data Link Layer</a:t>
+              <a:t>Network Layer</a:t>
             </a:r>
             <a:endParaRPr lang="en-US" dirty="0"/>
           </a:p>
@@ -4491,939 +5838,6 @@
         </p:nvSpPr>
         <p:spPr>
           <a:xfrm>
-            <a:off x="2362200" y="5200778"/>
-            <a:ext cx="4343400" cy="748683"/>
-          </a:xfrm>
-          <a:prstGeom prst="rect">
-            <a:avLst/>
-          </a:prstGeom>
-          <a:noFill/>
-          <a:ln>
-            <a:solidFill>
-              <a:srgbClr val="FF0000"/>
-            </a:solidFill>
-          </a:ln>
-        </p:spPr>
-        <p:style>
-          <a:lnRef idx="2">
-            <a:schemeClr val="accent1">
-              <a:shade val="50000"/>
-            </a:schemeClr>
-          </a:lnRef>
-          <a:fillRef idx="1">
-            <a:schemeClr val="accent1"/>
-          </a:fillRef>
-          <a:effectRef idx="0">
-            <a:schemeClr val="accent1"/>
-          </a:effectRef>
-          <a:fontRef idx="minor">
-            <a:schemeClr val="lt1"/>
-          </a:fontRef>
-        </p:style>
-        <p:txBody>
-          <a:bodyPr rtlCol="0" anchor="ctr"/>
-          <a:lstStyle/>
-          <a:p>
-            <a:pPr algn="ctr"/>
-            <a:endParaRPr lang="en-US"/>
-          </a:p>
-        </p:txBody>
-      </p:sp>
-      <p:sp>
-        <p:nvSpPr>
-          <p:cNvPr id="3" name="Slide Number Placeholder 2"/>
-          <p:cNvSpPr>
-            <a:spLocks noGrp="1"/>
-          </p:cNvSpPr>
-          <p:nvPr>
-            <p:ph type="sldNum" sz="quarter" idx="12"/>
-          </p:nvPr>
-        </p:nvSpPr>
-        <p:spPr/>
-        <p:txBody>
-          <a:bodyPr/>
-          <a:lstStyle/>
-          <a:p>
-            <a:fld id="{6BE98711-CE87-4D2C-A4EE-CF4DC81676AA}" type="slidenum">
-              <a:rPr lang="en-US" smtClean="0"/>
-              <a:t>16</a:t>
-            </a:fld>
-            <a:endParaRPr lang="en-US"/>
-          </a:p>
-        </p:txBody>
-      </p:sp>
-    </p:spTree>
-    <p:extLst>
-      <p:ext uri="{BB962C8B-B14F-4D97-AF65-F5344CB8AC3E}">
-        <p14:creationId xmlns:p14="http://schemas.microsoft.com/office/powerpoint/2010/main" val="2421048070"/>
-      </p:ext>
-    </p:extLst>
-  </p:cSld>
-  <p:clrMapOvr>
-    <a:masterClrMapping/>
-  </p:clrMapOvr>
-</p:sld>
-</file>
-
-<file path=ppt/slides/slide17.xml><?xml version="1.0" encoding="utf-8"?>
-<p:sld xmlns:a="http://schemas.openxmlformats.org/drawingml/2006/main" xmlns:r="http://schemas.openxmlformats.org/officeDocument/2006/relationships" xmlns:p="http://schemas.openxmlformats.org/presentationml/2006/main">
-  <p:cSld>
-    <p:spTree>
-      <p:nvGrpSpPr>
-        <p:cNvPr id="1" name=""/>
-        <p:cNvGrpSpPr/>
-        <p:nvPr/>
-      </p:nvGrpSpPr>
-      <p:grpSpPr>
-        <a:xfrm>
-          <a:off x="0" y="0"/>
-          <a:ext cx="0" cy="0"/>
-          <a:chOff x="0" y="0"/>
-          <a:chExt cx="0" cy="0"/>
-        </a:xfrm>
-      </p:grpSpPr>
-      <p:sp>
-        <p:nvSpPr>
-          <p:cNvPr id="2" name="Title 1"/>
-          <p:cNvSpPr>
-            <a:spLocks noGrp="1"/>
-          </p:cNvSpPr>
-          <p:nvPr>
-            <p:ph type="title"/>
-          </p:nvPr>
-        </p:nvSpPr>
-        <p:spPr/>
-        <p:txBody>
-          <a:bodyPr/>
-          <a:lstStyle/>
-          <a:p>
-            <a:r>
-              <a:rPr lang="en-US" dirty="0" smtClean="0"/>
-              <a:t>Ethernet</a:t>
-            </a:r>
-            <a:endParaRPr lang="en-US" dirty="0"/>
-          </a:p>
-        </p:txBody>
-      </p:sp>
-      <p:sp>
-        <p:nvSpPr>
-          <p:cNvPr id="3" name="Content Placeholder 2"/>
-          <p:cNvSpPr>
-            <a:spLocks noGrp="1"/>
-          </p:cNvSpPr>
-          <p:nvPr>
-            <p:ph idx="1"/>
-          </p:nvPr>
-        </p:nvSpPr>
-        <p:spPr/>
-        <p:txBody>
-          <a:bodyPr/>
-          <a:lstStyle/>
-          <a:p>
-            <a:r>
-              <a:rPr lang="en-US" dirty="0" smtClean="0"/>
-              <a:t>Ethernet properly refers to a </a:t>
-            </a:r>
-            <a:r>
-              <a:rPr lang="en-US" i="1" dirty="0" smtClean="0"/>
-              <a:t>frame</a:t>
-            </a:r>
-            <a:r>
-              <a:rPr lang="en-US" dirty="0" smtClean="0"/>
-              <a:t> structure which encapsulates data</a:t>
-            </a:r>
-          </a:p>
-          <a:p>
-            <a:endParaRPr lang="en-US" dirty="0"/>
-          </a:p>
-          <a:p>
-            <a:endParaRPr lang="en-US" dirty="0" smtClean="0"/>
-          </a:p>
-          <a:p>
-            <a:r>
-              <a:rPr lang="en-US" dirty="0" smtClean="0"/>
-              <a:t>Ethernet frames are sent from one </a:t>
-            </a:r>
-            <a:r>
-              <a:rPr lang="en-US" i="1" dirty="0" smtClean="0"/>
-              <a:t>MAC address</a:t>
-            </a:r>
-            <a:r>
-              <a:rPr lang="en-US" dirty="0" smtClean="0"/>
-              <a:t> to another</a:t>
-            </a:r>
-            <a:endParaRPr lang="en-US" dirty="0"/>
-          </a:p>
-        </p:txBody>
-      </p:sp>
-      <p:sp>
-        <p:nvSpPr>
-          <p:cNvPr id="4" name="Slide Number Placeholder 3"/>
-          <p:cNvSpPr>
-            <a:spLocks noGrp="1"/>
-          </p:cNvSpPr>
-          <p:nvPr>
-            <p:ph type="sldNum" sz="quarter" idx="12"/>
-          </p:nvPr>
-        </p:nvSpPr>
-        <p:spPr/>
-        <p:txBody>
-          <a:bodyPr/>
-          <a:lstStyle/>
-          <a:p>
-            <a:fld id="{6BE98711-CE87-4D2C-A4EE-CF4DC81676AA}" type="slidenum">
-              <a:rPr lang="en-US" smtClean="0"/>
-              <a:t>17</a:t>
-            </a:fld>
-            <a:endParaRPr lang="en-US"/>
-          </a:p>
-        </p:txBody>
-      </p:sp>
-      <p:pic>
-        <p:nvPicPr>
-          <p:cNvPr id="1026" name="Picture 2" descr="https://upload.wikimedia.org/wikipedia/commons/thumb/4/42/Ethernet_frame.svg/925px-Ethernet_frame.svg.png"/>
-          <p:cNvPicPr>
-            <a:picLocks noChangeAspect="1" noChangeArrowheads="1"/>
-          </p:cNvPicPr>
-          <p:nvPr/>
-        </p:nvPicPr>
-        <p:blipFill>
-          <a:blip r:embed="rId2">
-            <a:extLst>
-              <a:ext uri="{28A0092B-C50C-407E-A947-70E740481C1C}">
-                <a14:useLocalDpi xmlns:a14="http://schemas.microsoft.com/office/drawing/2010/main" val="0"/>
-              </a:ext>
-            </a:extLst>
-          </a:blip>
-          <a:srcRect/>
-          <a:stretch>
-            <a:fillRect/>
-          </a:stretch>
-        </p:blipFill>
-        <p:spPr bwMode="auto">
-          <a:xfrm>
-            <a:off x="812800" y="2743200"/>
-            <a:ext cx="7518400" cy="926592"/>
-          </a:xfrm>
-          <a:prstGeom prst="rect">
-            <a:avLst/>
-          </a:prstGeom>
-          <a:noFill/>
-          <a:extLst>
-            <a:ext uri="{909E8E84-426E-40DD-AFC4-6F175D3DCCD1}">
-              <a14:hiddenFill xmlns:a14="http://schemas.microsoft.com/office/drawing/2010/main">
-                <a:solidFill>
-                  <a:srgbClr val="FFFFFF"/>
-                </a:solidFill>
-              </a14:hiddenFill>
-            </a:ext>
-          </a:extLst>
-        </p:spPr>
-      </p:pic>
-    </p:spTree>
-    <p:extLst>
-      <p:ext uri="{BB962C8B-B14F-4D97-AF65-F5344CB8AC3E}">
-        <p14:creationId xmlns:p14="http://schemas.microsoft.com/office/powerpoint/2010/main" val="1620021285"/>
-      </p:ext>
-    </p:extLst>
-  </p:cSld>
-  <p:clrMapOvr>
-    <a:masterClrMapping/>
-  </p:clrMapOvr>
-</p:sld>
-</file>
-
-<file path=ppt/slides/slide18.xml><?xml version="1.0" encoding="utf-8"?>
-<p:sld xmlns:a="http://schemas.openxmlformats.org/drawingml/2006/main" xmlns:r="http://schemas.openxmlformats.org/officeDocument/2006/relationships" xmlns:p="http://schemas.openxmlformats.org/presentationml/2006/main">
-  <p:cSld>
-    <p:spTree>
-      <p:nvGrpSpPr>
-        <p:cNvPr id="1" name=""/>
-        <p:cNvGrpSpPr/>
-        <p:nvPr/>
-      </p:nvGrpSpPr>
-      <p:grpSpPr>
-        <a:xfrm>
-          <a:off x="0" y="0"/>
-          <a:ext cx="0" cy="0"/>
-          <a:chOff x="0" y="0"/>
-          <a:chExt cx="0" cy="0"/>
-        </a:xfrm>
-      </p:grpSpPr>
-      <p:sp>
-        <p:nvSpPr>
-          <p:cNvPr id="2" name="Title 1"/>
-          <p:cNvSpPr>
-            <a:spLocks noGrp="1"/>
-          </p:cNvSpPr>
-          <p:nvPr>
-            <p:ph type="title"/>
-          </p:nvPr>
-        </p:nvSpPr>
-        <p:spPr/>
-        <p:txBody>
-          <a:bodyPr/>
-          <a:lstStyle/>
-          <a:p>
-            <a:r>
-              <a:rPr lang="en-US" dirty="0" smtClean="0"/>
-              <a:t>MAC Addresses</a:t>
-            </a:r>
-            <a:endParaRPr lang="en-US" dirty="0"/>
-          </a:p>
-        </p:txBody>
-      </p:sp>
-      <p:sp>
-        <p:nvSpPr>
-          <p:cNvPr id="3" name="Content Placeholder 2"/>
-          <p:cNvSpPr>
-            <a:spLocks noGrp="1"/>
-          </p:cNvSpPr>
-          <p:nvPr>
-            <p:ph idx="1"/>
-          </p:nvPr>
-        </p:nvSpPr>
-        <p:spPr/>
-        <p:txBody>
-          <a:bodyPr/>
-          <a:lstStyle/>
-          <a:p>
-            <a:r>
-              <a:rPr lang="en-US" dirty="0" smtClean="0"/>
-              <a:t>A MAC (Media Access Controller) is the </a:t>
-            </a:r>
-            <a:r>
-              <a:rPr lang="en-US" i="1" dirty="0" smtClean="0"/>
-              <a:t>hardware</a:t>
-            </a:r>
-            <a:r>
-              <a:rPr lang="en-US" dirty="0" smtClean="0"/>
-              <a:t> address of a NIC</a:t>
-            </a:r>
-          </a:p>
-          <a:p>
-            <a:r>
-              <a:rPr lang="en-US" dirty="0" smtClean="0"/>
-              <a:t>Compare IP addresses, which change depending on the network they’re connected to</a:t>
-            </a:r>
-          </a:p>
-          <a:p>
-            <a:r>
-              <a:rPr lang="en-US" dirty="0" smtClean="0"/>
-              <a:t>64-bit number</a:t>
-            </a:r>
-          </a:p>
-          <a:p>
-            <a:r>
-              <a:rPr lang="en-US" dirty="0" smtClean="0"/>
-              <a:t>Every NIC in the world </a:t>
-            </a:r>
-            <a:r>
-              <a:rPr lang="en-US" i="1" dirty="0" smtClean="0"/>
-              <a:t>should </a:t>
-            </a:r>
-            <a:r>
-              <a:rPr lang="en-US" dirty="0" smtClean="0"/>
-              <a:t>have a unique MAC address</a:t>
-            </a:r>
-            <a:endParaRPr lang="en-US" dirty="0"/>
-          </a:p>
-        </p:txBody>
-      </p:sp>
-      <p:sp>
-        <p:nvSpPr>
-          <p:cNvPr id="4" name="Slide Number Placeholder 3"/>
-          <p:cNvSpPr>
-            <a:spLocks noGrp="1"/>
-          </p:cNvSpPr>
-          <p:nvPr>
-            <p:ph type="sldNum" sz="quarter" idx="12"/>
-          </p:nvPr>
-        </p:nvSpPr>
-        <p:spPr/>
-        <p:txBody>
-          <a:bodyPr/>
-          <a:lstStyle/>
-          <a:p>
-            <a:fld id="{6BE98711-CE87-4D2C-A4EE-CF4DC81676AA}" type="slidenum">
-              <a:rPr lang="en-US" smtClean="0"/>
-              <a:t>18</a:t>
-            </a:fld>
-            <a:endParaRPr lang="en-US"/>
-          </a:p>
-        </p:txBody>
-      </p:sp>
-    </p:spTree>
-    <p:extLst>
-      <p:ext uri="{BB962C8B-B14F-4D97-AF65-F5344CB8AC3E}">
-        <p14:creationId xmlns:p14="http://schemas.microsoft.com/office/powerpoint/2010/main" val="4256090747"/>
-      </p:ext>
-    </p:extLst>
-  </p:cSld>
-  <p:clrMapOvr>
-    <a:masterClrMapping/>
-  </p:clrMapOvr>
-</p:sld>
-</file>
-
-<file path=ppt/slides/slide19.xml><?xml version="1.0" encoding="utf-8"?>
-<p:sld xmlns:a="http://schemas.openxmlformats.org/drawingml/2006/main" xmlns:r="http://schemas.openxmlformats.org/officeDocument/2006/relationships" xmlns:p="http://schemas.openxmlformats.org/presentationml/2006/main">
-  <p:cSld>
-    <p:spTree>
-      <p:nvGrpSpPr>
-        <p:cNvPr id="1" name=""/>
-        <p:cNvGrpSpPr/>
-        <p:nvPr/>
-      </p:nvGrpSpPr>
-      <p:grpSpPr>
-        <a:xfrm>
-          <a:off x="0" y="0"/>
-          <a:ext cx="0" cy="0"/>
-          <a:chOff x="0" y="0"/>
-          <a:chExt cx="0" cy="0"/>
-        </a:xfrm>
-      </p:grpSpPr>
-      <p:sp>
-        <p:nvSpPr>
-          <p:cNvPr id="2" name="Title 1"/>
-          <p:cNvSpPr>
-            <a:spLocks noGrp="1"/>
-          </p:cNvSpPr>
-          <p:nvPr>
-            <p:ph type="title"/>
-          </p:nvPr>
-        </p:nvSpPr>
-        <p:spPr/>
-        <p:txBody>
-          <a:bodyPr/>
-          <a:lstStyle/>
-          <a:p>
-            <a:r>
-              <a:rPr lang="en-US" dirty="0" smtClean="0"/>
-              <a:t>Ethernet Hubs</a:t>
-            </a:r>
-            <a:endParaRPr lang="en-US" dirty="0"/>
-          </a:p>
-        </p:txBody>
-      </p:sp>
-      <p:sp>
-        <p:nvSpPr>
-          <p:cNvPr id="3" name="Content Placeholder 2"/>
-          <p:cNvSpPr>
-            <a:spLocks noGrp="1"/>
-          </p:cNvSpPr>
-          <p:nvPr>
-            <p:ph idx="1"/>
-          </p:nvPr>
-        </p:nvSpPr>
-        <p:spPr/>
-        <p:txBody>
-          <a:bodyPr/>
-          <a:lstStyle/>
-          <a:p>
-            <a:r>
-              <a:rPr lang="en-US" dirty="0" smtClean="0"/>
-              <a:t>Hubs are active or passive devices which merely retransmit packets coming into one port to all the other ports</a:t>
-            </a:r>
-          </a:p>
-          <a:p>
-            <a:endParaRPr lang="en-US" dirty="0"/>
-          </a:p>
-          <a:p>
-            <a:endParaRPr lang="en-US" dirty="0" smtClean="0"/>
-          </a:p>
-          <a:p>
-            <a:endParaRPr lang="en-US" dirty="0" smtClean="0"/>
-          </a:p>
-          <a:p>
-            <a:r>
-              <a:rPr lang="en-US" dirty="0" smtClean="0"/>
-              <a:t>This is inefficient; all hosts receive all data</a:t>
-            </a:r>
-          </a:p>
-          <a:p>
-            <a:r>
-              <a:rPr lang="en-US" dirty="0" smtClean="0"/>
-              <a:t>Raises the possibility of </a:t>
-            </a:r>
-            <a:r>
-              <a:rPr lang="en-US" i="1" dirty="0" smtClean="0"/>
-              <a:t>packet collisions</a:t>
-            </a:r>
-            <a:endParaRPr lang="en-US" dirty="0"/>
-          </a:p>
-        </p:txBody>
-      </p:sp>
-      <p:sp>
-        <p:nvSpPr>
-          <p:cNvPr id="4" name="Slide Number Placeholder 3"/>
-          <p:cNvSpPr>
-            <a:spLocks noGrp="1"/>
-          </p:cNvSpPr>
-          <p:nvPr>
-            <p:ph type="sldNum" sz="quarter" idx="12"/>
-          </p:nvPr>
-        </p:nvSpPr>
-        <p:spPr/>
-        <p:txBody>
-          <a:bodyPr/>
-          <a:lstStyle/>
-          <a:p>
-            <a:fld id="{6BE98711-CE87-4D2C-A4EE-CF4DC81676AA}" type="slidenum">
-              <a:rPr lang="en-US" smtClean="0"/>
-              <a:t>19</a:t>
-            </a:fld>
-            <a:endParaRPr lang="en-US"/>
-          </a:p>
-        </p:txBody>
-      </p:sp>
-      <p:pic>
-        <p:nvPicPr>
-          <p:cNvPr id="5" name="Picture 4"/>
-          <p:cNvPicPr>
-            <a:picLocks noChangeAspect="1"/>
-          </p:cNvPicPr>
-          <p:nvPr/>
-        </p:nvPicPr>
-        <p:blipFill>
-          <a:blip r:embed="rId2">
-            <a:extLst>
-              <a:ext uri="{28A0092B-C50C-407E-A947-70E740481C1C}">
-                <a14:useLocalDpi xmlns:a14="http://schemas.microsoft.com/office/drawing/2010/main" val="0"/>
-              </a:ext>
-            </a:extLst>
-          </a:blip>
-          <a:stretch>
-            <a:fillRect/>
-          </a:stretch>
-        </p:blipFill>
-        <p:spPr>
-          <a:xfrm>
-            <a:off x="5181600" y="2982564"/>
-            <a:ext cx="3505200" cy="1761233"/>
-          </a:xfrm>
-          <a:prstGeom prst="rect">
-            <a:avLst/>
-          </a:prstGeom>
-        </p:spPr>
-      </p:pic>
-    </p:spTree>
-    <p:extLst>
-      <p:ext uri="{BB962C8B-B14F-4D97-AF65-F5344CB8AC3E}">
-        <p14:creationId xmlns:p14="http://schemas.microsoft.com/office/powerpoint/2010/main" val="2169588827"/>
-      </p:ext>
-    </p:extLst>
-  </p:cSld>
-  <p:clrMapOvr>
-    <a:masterClrMapping/>
-  </p:clrMapOvr>
-</p:sld>
-</file>
-
-<file path=ppt/slides/slide2.xml><?xml version="1.0" encoding="utf-8"?>
-<p:sld xmlns:a="http://schemas.openxmlformats.org/drawingml/2006/main" xmlns:r="http://schemas.openxmlformats.org/officeDocument/2006/relationships" xmlns:p="http://schemas.openxmlformats.org/presentationml/2006/main">
-  <p:cSld>
-    <p:spTree>
-      <p:nvGrpSpPr>
-        <p:cNvPr id="1" name=""/>
-        <p:cNvGrpSpPr/>
-        <p:nvPr/>
-      </p:nvGrpSpPr>
-      <p:grpSpPr>
-        <a:xfrm>
-          <a:off x="0" y="0"/>
-          <a:ext cx="0" cy="0"/>
-          <a:chOff x="0" y="0"/>
-          <a:chExt cx="0" cy="0"/>
-        </a:xfrm>
-      </p:grpSpPr>
-      <p:sp>
-        <p:nvSpPr>
-          <p:cNvPr id="2" name="Title 1"/>
-          <p:cNvSpPr>
-            <a:spLocks noGrp="1"/>
-          </p:cNvSpPr>
-          <p:nvPr>
-            <p:ph type="title"/>
-          </p:nvPr>
-        </p:nvSpPr>
-        <p:spPr/>
-        <p:txBody>
-          <a:bodyPr>
-            <a:normAutofit/>
-          </a:bodyPr>
-          <a:lstStyle/>
-          <a:p>
-            <a:r>
-              <a:rPr lang="en-US" dirty="0" smtClean="0"/>
-              <a:t>OSI Model</a:t>
-            </a:r>
-            <a:br>
-              <a:rPr lang="en-US" dirty="0" smtClean="0"/>
-            </a:br>
-            <a:r>
-              <a:rPr lang="en-US" sz="2000" dirty="0" smtClean="0"/>
-              <a:t>(A.K.A. “seven-layer model”)</a:t>
-            </a:r>
-            <a:endParaRPr lang="en-US" dirty="0"/>
-          </a:p>
-        </p:txBody>
-      </p:sp>
-      <p:sp>
-        <p:nvSpPr>
-          <p:cNvPr id="3" name="Content Placeholder 2"/>
-          <p:cNvSpPr>
-            <a:spLocks noGrp="1"/>
-          </p:cNvSpPr>
-          <p:nvPr>
-            <p:ph idx="1"/>
-          </p:nvPr>
-        </p:nvSpPr>
-        <p:spPr>
-          <a:xfrm>
-            <a:off x="4800600" y="1600200"/>
-            <a:ext cx="3886200" cy="5181600"/>
-          </a:xfrm>
-        </p:spPr>
-        <p:txBody>
-          <a:bodyPr>
-            <a:normAutofit/>
-          </a:bodyPr>
-          <a:lstStyle/>
-          <a:p>
-            <a:r>
-              <a:rPr lang="en-US" sz="2000" dirty="0" smtClean="0"/>
-              <a:t>Each layer </a:t>
-            </a:r>
-            <a:r>
-              <a:rPr lang="en-US" sz="2000" i="1" dirty="0" smtClean="0"/>
-              <a:t>encodes </a:t>
-            </a:r>
-            <a:r>
-              <a:rPr lang="en-US" sz="2000" dirty="0" smtClean="0"/>
-              <a:t>or </a:t>
-            </a:r>
-            <a:r>
-              <a:rPr lang="en-US" sz="2000" i="1" dirty="0" smtClean="0"/>
-              <a:t>encapsulates </a:t>
-            </a:r>
-            <a:r>
-              <a:rPr lang="en-US" sz="2000" dirty="0" smtClean="0"/>
-              <a:t>data from the layer above</a:t>
-            </a:r>
-          </a:p>
-          <a:p>
-            <a:r>
-              <a:rPr lang="en-US" sz="2000" dirty="0" smtClean="0"/>
-              <a:t>A given layer shouldn’t care about how the layer below encodes its data</a:t>
-            </a:r>
-          </a:p>
-          <a:p>
-            <a:r>
-              <a:rPr lang="en-US" sz="2000" dirty="0" smtClean="0"/>
-              <a:t>E.g., the data link layer shouldn’t care if its data is encoded as electrical signals on copper wire or pulses of light in a fiber in the physical layer</a:t>
-            </a:r>
-            <a:endParaRPr lang="en-US" sz="2000" dirty="0"/>
-          </a:p>
-        </p:txBody>
-      </p:sp>
-      <p:pic>
-        <p:nvPicPr>
-          <p:cNvPr id="1026" name="Picture 2" descr="https://fthmb.tqn.com/FJRd1u3NJuT-4w3EoA3Pf7HVX9E=/768x0/filters:no_upscale()/Osi-model-jb.svg-57f7b9af3df78c690f6305e8.png"/>
-          <p:cNvPicPr>
-            <a:picLocks noChangeAspect="1" noChangeArrowheads="1"/>
-          </p:cNvPicPr>
-          <p:nvPr/>
-        </p:nvPicPr>
-        <p:blipFill rotWithShape="1">
-          <a:blip r:embed="rId2">
-            <a:extLst>
-              <a:ext uri="{28A0092B-C50C-407E-A947-70E740481C1C}">
-                <a14:useLocalDpi xmlns:a14="http://schemas.microsoft.com/office/drawing/2010/main" val="0"/>
-              </a:ext>
-            </a:extLst>
-          </a:blip>
-          <a:srcRect t="8983"/>
-          <a:stretch/>
-        </p:blipFill>
-        <p:spPr bwMode="auto">
-          <a:xfrm>
-            <a:off x="-228601" y="1304888"/>
-            <a:ext cx="5410201" cy="5693606"/>
-          </a:xfrm>
-          <a:prstGeom prst="rect">
-            <a:avLst/>
-          </a:prstGeom>
-          <a:noFill/>
-          <a:extLst>
-            <a:ext uri="{909E8E84-426E-40DD-AFC4-6F175D3DCCD1}">
-              <a14:hiddenFill xmlns:a14="http://schemas.microsoft.com/office/drawing/2010/main">
-                <a:solidFill>
-                  <a:srgbClr val="FFFFFF"/>
-                </a:solidFill>
-              </a14:hiddenFill>
-            </a:ext>
-          </a:extLst>
-        </p:spPr>
-      </p:pic>
-      <p:sp>
-        <p:nvSpPr>
-          <p:cNvPr id="4" name="Slide Number Placeholder 3"/>
-          <p:cNvSpPr>
-            <a:spLocks noGrp="1"/>
-          </p:cNvSpPr>
-          <p:nvPr>
-            <p:ph type="sldNum" sz="quarter" idx="12"/>
-          </p:nvPr>
-        </p:nvSpPr>
-        <p:spPr/>
-        <p:txBody>
-          <a:bodyPr/>
-          <a:lstStyle/>
-          <a:p>
-            <a:fld id="{6BE98711-CE87-4D2C-A4EE-CF4DC81676AA}" type="slidenum">
-              <a:rPr lang="en-US" smtClean="0"/>
-              <a:t>2</a:t>
-            </a:fld>
-            <a:endParaRPr lang="en-US"/>
-          </a:p>
-        </p:txBody>
-      </p:sp>
-    </p:spTree>
-    <p:extLst>
-      <p:ext uri="{BB962C8B-B14F-4D97-AF65-F5344CB8AC3E}">
-        <p14:creationId xmlns:p14="http://schemas.microsoft.com/office/powerpoint/2010/main" val="2387082081"/>
-      </p:ext>
-    </p:extLst>
-  </p:cSld>
-  <p:clrMapOvr>
-    <a:masterClrMapping/>
-  </p:clrMapOvr>
-</p:sld>
-</file>
-
-<file path=ppt/slides/slide20.xml><?xml version="1.0" encoding="utf-8"?>
-<p:sld xmlns:a="http://schemas.openxmlformats.org/drawingml/2006/main" xmlns:r="http://schemas.openxmlformats.org/officeDocument/2006/relationships" xmlns:p="http://schemas.openxmlformats.org/presentationml/2006/main">
-  <p:cSld>
-    <p:spTree>
-      <p:nvGrpSpPr>
-        <p:cNvPr id="1" name=""/>
-        <p:cNvGrpSpPr/>
-        <p:nvPr/>
-      </p:nvGrpSpPr>
-      <p:grpSpPr>
-        <a:xfrm>
-          <a:off x="0" y="0"/>
-          <a:ext cx="0" cy="0"/>
-          <a:chOff x="0" y="0"/>
-          <a:chExt cx="0" cy="0"/>
-        </a:xfrm>
-      </p:grpSpPr>
-      <p:sp>
-        <p:nvSpPr>
-          <p:cNvPr id="2" name="Title 1"/>
-          <p:cNvSpPr>
-            <a:spLocks noGrp="1"/>
-          </p:cNvSpPr>
-          <p:nvPr>
-            <p:ph type="title"/>
-          </p:nvPr>
-        </p:nvSpPr>
-        <p:spPr/>
-        <p:txBody>
-          <a:bodyPr/>
-          <a:lstStyle/>
-          <a:p>
-            <a:r>
-              <a:rPr lang="en-US" dirty="0" smtClean="0"/>
-              <a:t>Ethernet Switches</a:t>
-            </a:r>
-            <a:endParaRPr lang="en-US" dirty="0"/>
-          </a:p>
-        </p:txBody>
-      </p:sp>
-      <p:sp>
-        <p:nvSpPr>
-          <p:cNvPr id="3" name="Content Placeholder 2"/>
-          <p:cNvSpPr>
-            <a:spLocks noGrp="1"/>
-          </p:cNvSpPr>
-          <p:nvPr>
-            <p:ph idx="1"/>
-          </p:nvPr>
-        </p:nvSpPr>
-        <p:spPr>
-          <a:xfrm>
-            <a:off x="457200" y="1600200"/>
-            <a:ext cx="8229600" cy="4876800"/>
-          </a:xfrm>
-        </p:spPr>
-        <p:txBody>
-          <a:bodyPr>
-            <a:normAutofit fontScale="92500" lnSpcReduction="10000"/>
-          </a:bodyPr>
-          <a:lstStyle/>
-          <a:p>
-            <a:r>
-              <a:rPr lang="en-US" dirty="0" smtClean="0"/>
-              <a:t>Switches are “smart” devices</a:t>
-            </a:r>
-          </a:p>
-          <a:p>
-            <a:r>
-              <a:rPr lang="en-US" dirty="0" smtClean="0"/>
-              <a:t>They can inspect the Ethernet frame header of incoming packets to see the source and destination MAC addresses</a:t>
-            </a:r>
-          </a:p>
-          <a:p>
-            <a:r>
-              <a:rPr lang="en-US" dirty="0" smtClean="0"/>
-              <a:t>They build an internal table of which MAC addresses are on which ports</a:t>
-            </a:r>
-          </a:p>
-          <a:p>
-            <a:pPr lvl="1"/>
-            <a:r>
-              <a:rPr lang="en-US" dirty="0"/>
-              <a:t>E.g., “I can reach </a:t>
-            </a:r>
-            <a:r>
-              <a:rPr lang="en-US" dirty="0" smtClean="0"/>
-              <a:t>84:7B:EB:51:88:F9 on port 3.”</a:t>
-            </a:r>
-          </a:p>
-          <a:p>
-            <a:r>
-              <a:rPr lang="en-US" dirty="0" smtClean="0"/>
-              <a:t>Thus, incoming packets are only retransmitted on the port their destination is connected to, not the whole network</a:t>
-            </a:r>
-            <a:endParaRPr lang="en-US" dirty="0"/>
-          </a:p>
-        </p:txBody>
-      </p:sp>
-      <p:sp>
-        <p:nvSpPr>
-          <p:cNvPr id="4" name="Slide Number Placeholder 3"/>
-          <p:cNvSpPr>
-            <a:spLocks noGrp="1"/>
-          </p:cNvSpPr>
-          <p:nvPr>
-            <p:ph type="sldNum" sz="quarter" idx="12"/>
-          </p:nvPr>
-        </p:nvSpPr>
-        <p:spPr/>
-        <p:txBody>
-          <a:bodyPr/>
-          <a:lstStyle/>
-          <a:p>
-            <a:fld id="{6BE98711-CE87-4D2C-A4EE-CF4DC81676AA}" type="slidenum">
-              <a:rPr lang="en-US" smtClean="0"/>
-              <a:t>20</a:t>
-            </a:fld>
-            <a:endParaRPr lang="en-US"/>
-          </a:p>
-        </p:txBody>
-      </p:sp>
-    </p:spTree>
-    <p:extLst>
-      <p:ext uri="{BB962C8B-B14F-4D97-AF65-F5344CB8AC3E}">
-        <p14:creationId xmlns:p14="http://schemas.microsoft.com/office/powerpoint/2010/main" val="2403300569"/>
-      </p:ext>
-    </p:extLst>
-  </p:cSld>
-  <p:clrMapOvr>
-    <a:masterClrMapping/>
-  </p:clrMapOvr>
-</p:sld>
-</file>
-
-<file path=ppt/slides/slide21.xml><?xml version="1.0" encoding="utf-8"?>
-<p:sld xmlns:a="http://schemas.openxmlformats.org/drawingml/2006/main" xmlns:r="http://schemas.openxmlformats.org/officeDocument/2006/relationships" xmlns:p="http://schemas.openxmlformats.org/presentationml/2006/main">
-  <p:cSld>
-    <p:spTree>
-      <p:nvGrpSpPr>
-        <p:cNvPr id="1" name=""/>
-        <p:cNvGrpSpPr/>
-        <p:nvPr/>
-      </p:nvGrpSpPr>
-      <p:grpSpPr>
-        <a:xfrm>
-          <a:off x="0" y="0"/>
-          <a:ext cx="0" cy="0"/>
-          <a:chOff x="0" y="0"/>
-          <a:chExt cx="0" cy="0"/>
-        </a:xfrm>
-      </p:grpSpPr>
-      <p:sp>
-        <p:nvSpPr>
-          <p:cNvPr id="2" name="Title 1"/>
-          <p:cNvSpPr>
-            <a:spLocks noGrp="1"/>
-          </p:cNvSpPr>
-          <p:nvPr>
-            <p:ph type="title"/>
-          </p:nvPr>
-        </p:nvSpPr>
-        <p:spPr/>
-        <p:txBody>
-          <a:bodyPr/>
-          <a:lstStyle/>
-          <a:p>
-            <a:r>
-              <a:rPr lang="en-US" dirty="0" smtClean="0"/>
-              <a:t>Network Layer</a:t>
-            </a:r>
-            <a:endParaRPr lang="en-US" dirty="0"/>
-          </a:p>
-        </p:txBody>
-      </p:sp>
-      <p:pic>
-        <p:nvPicPr>
-          <p:cNvPr id="4" name="Picture 2" descr="https://fthmb.tqn.com/FJRd1u3NJuT-4w3EoA3Pf7HVX9E=/768x0/filters:no_upscale()/Osi-model-jb.svg-57f7b9af3df78c690f6305e8.png"/>
-          <p:cNvPicPr>
-            <a:picLocks noChangeAspect="1" noChangeArrowheads="1"/>
-          </p:cNvPicPr>
-          <p:nvPr/>
-        </p:nvPicPr>
-        <p:blipFill rotWithShape="1">
-          <a:blip r:embed="rId2">
-            <a:extLst>
-              <a:ext uri="{28A0092B-C50C-407E-A947-70E740481C1C}">
-                <a14:useLocalDpi xmlns:a14="http://schemas.microsoft.com/office/drawing/2010/main" val="0"/>
-              </a:ext>
-            </a:extLst>
-          </a:blip>
-          <a:srcRect t="8983"/>
-          <a:stretch/>
-        </p:blipFill>
-        <p:spPr bwMode="auto">
-          <a:xfrm>
-            <a:off x="1752600" y="1164394"/>
-            <a:ext cx="5410201" cy="5693606"/>
-          </a:xfrm>
-          <a:prstGeom prst="rect">
-            <a:avLst/>
-          </a:prstGeom>
-          <a:noFill/>
-          <a:extLst>
-            <a:ext uri="{909E8E84-426E-40DD-AFC4-6F175D3DCCD1}">
-              <a14:hiddenFill xmlns:a14="http://schemas.microsoft.com/office/drawing/2010/main">
-                <a:solidFill>
-                  <a:srgbClr val="FFFFFF"/>
-                </a:solidFill>
-              </a14:hiddenFill>
-            </a:ext>
-          </a:extLst>
-        </p:spPr>
-      </p:pic>
-      <p:sp>
-        <p:nvSpPr>
-          <p:cNvPr id="5" name="Rectangle 4"/>
-          <p:cNvSpPr/>
-          <p:nvPr/>
-        </p:nvSpPr>
-        <p:spPr>
-          <a:xfrm>
             <a:off x="2400300" y="4495800"/>
             <a:ext cx="4343400" cy="748683"/>
           </a:xfrm>
@@ -5479,7 +5893,7 @@
           <a:p>
             <a:fld id="{6BE98711-CE87-4D2C-A4EE-CF4DC81676AA}" type="slidenum">
               <a:rPr lang="en-US" smtClean="0"/>
-              <a:t>21</a:t>
+              <a:t>23</a:t>
             </a:fld>
             <a:endParaRPr lang="en-US"/>
           </a:p>
@@ -5498,7 +5912,7 @@
 </p:sld>
 </file>
 
-<file path=ppt/slides/slide22.xml><?xml version="1.0" encoding="utf-8"?>
+<file path=ppt/slides/slide24.xml><?xml version="1.0" encoding="utf-8"?>
 <p:sld xmlns:a="http://schemas.openxmlformats.org/drawingml/2006/main" xmlns:r="http://schemas.openxmlformats.org/officeDocument/2006/relationships" xmlns:p="http://schemas.openxmlformats.org/presentationml/2006/main">
   <p:cSld>
     <p:spTree>
@@ -5606,7 +6020,7 @@
           <a:p>
             <a:fld id="{6BE98711-CE87-4D2C-A4EE-CF4DC81676AA}" type="slidenum">
               <a:rPr lang="en-US" smtClean="0"/>
-              <a:t>22</a:t>
+              <a:t>24</a:t>
             </a:fld>
             <a:endParaRPr lang="en-US"/>
           </a:p>
@@ -5625,7 +6039,7 @@
 </p:sld>
 </file>
 
-<file path=ppt/slides/slide23.xml><?xml version="1.0" encoding="utf-8"?>
+<file path=ppt/slides/slide25.xml><?xml version="1.0" encoding="utf-8"?>
 <p:sld xmlns:a="http://schemas.openxmlformats.org/drawingml/2006/main" xmlns:r="http://schemas.openxmlformats.org/officeDocument/2006/relationships" xmlns:p="http://schemas.openxmlformats.org/presentationml/2006/main">
   <p:cSld>
     <p:spTree>
@@ -5705,7 +6119,7 @@
           <a:p>
             <a:fld id="{6BE98711-CE87-4D2C-A4EE-CF4DC81676AA}" type="slidenum">
               <a:rPr lang="en-US" smtClean="0"/>
-              <a:t>23</a:t>
+              <a:t>25</a:t>
             </a:fld>
             <a:endParaRPr lang="en-US"/>
           </a:p>
@@ -5754,7 +6168,7 @@
 </p:sld>
 </file>
 
-<file path=ppt/slides/slide24.xml><?xml version="1.0" encoding="utf-8"?>
+<file path=ppt/slides/slide26.xml><?xml version="1.0" encoding="utf-8"?>
 <p:sld xmlns:a="http://schemas.openxmlformats.org/drawingml/2006/main" xmlns:r="http://schemas.openxmlformats.org/officeDocument/2006/relationships" xmlns:p="http://schemas.openxmlformats.org/presentationml/2006/main">
   <p:cSld>
     <p:spTree>
@@ -5849,7 +6263,7 @@
           <a:p>
             <a:fld id="{6BE98711-CE87-4D2C-A4EE-CF4DC81676AA}" type="slidenum">
               <a:rPr lang="en-US" smtClean="0"/>
-              <a:t>24</a:t>
+              <a:t>26</a:t>
             </a:fld>
             <a:endParaRPr lang="en-US"/>
           </a:p>
@@ -5898,7 +6312,7 @@
 </p:sld>
 </file>
 
-<file path=ppt/slides/slide25.xml><?xml version="1.0" encoding="utf-8"?>
+<file path=ppt/slides/slide27.xml><?xml version="1.0" encoding="utf-8"?>
 <p:sld xmlns:a="http://schemas.openxmlformats.org/drawingml/2006/main" xmlns:r="http://schemas.openxmlformats.org/officeDocument/2006/relationships" xmlns:p="http://schemas.openxmlformats.org/presentationml/2006/main">
   <p:cSld>
     <p:spTree>
@@ -6018,7 +6432,7 @@
           <a:p>
             <a:fld id="{6BE98711-CE87-4D2C-A4EE-CF4DC81676AA}" type="slidenum">
               <a:rPr lang="en-US" smtClean="0"/>
-              <a:t>25</a:t>
+              <a:t>27</a:t>
             </a:fld>
             <a:endParaRPr lang="en-US"/>
           </a:p>
@@ -6037,7 +6451,7 @@
 </p:sld>
 </file>
 
-<file path=ppt/slides/slide26.xml><?xml version="1.0" encoding="utf-8"?>
+<file path=ppt/slides/slide28.xml><?xml version="1.0" encoding="utf-8"?>
 <p:sld xmlns:a="http://schemas.openxmlformats.org/drawingml/2006/main" xmlns:r="http://schemas.openxmlformats.org/officeDocument/2006/relationships" xmlns:p="http://schemas.openxmlformats.org/presentationml/2006/main">
   <p:cSld>
     <p:spTree>
@@ -6094,7 +6508,7 @@
           <a:p>
             <a:fld id="{6BE98711-CE87-4D2C-A4EE-CF4DC81676AA}" type="slidenum">
               <a:rPr lang="en-US" smtClean="0"/>
-              <a:t>26</a:t>
+              <a:t>28</a:t>
             </a:fld>
             <a:endParaRPr lang="en-US"/>
           </a:p>
@@ -6110,6 +6524,7 @@
         </p:nvPicPr>
         <p:blipFill>
           <a:blip r:embed="rId2">
+            <a:lum bright="70000" contrast="-70000"/>
             <a:extLst>
               <a:ext uri="{28A0092B-C50C-407E-A947-70E740481C1C}">
                 <a14:useLocalDpi xmlns:a14="http://schemas.microsoft.com/office/drawing/2010/main" val="0"/>
@@ -6154,271 +6569,6 @@
 </p:sld>
 </file>
 
-<file path=ppt/slides/slide27.xml><?xml version="1.0" encoding="utf-8"?>
-<p:sld xmlns:a="http://schemas.openxmlformats.org/drawingml/2006/main" xmlns:r="http://schemas.openxmlformats.org/officeDocument/2006/relationships" xmlns:p="http://schemas.openxmlformats.org/presentationml/2006/main">
-  <p:cSld>
-    <p:spTree>
-      <p:nvGrpSpPr>
-        <p:cNvPr id="1" name=""/>
-        <p:cNvGrpSpPr/>
-        <p:nvPr/>
-      </p:nvGrpSpPr>
-      <p:grpSpPr>
-        <a:xfrm>
-          <a:off x="0" y="0"/>
-          <a:ext cx="0" cy="0"/>
-          <a:chOff x="0" y="0"/>
-          <a:chExt cx="0" cy="0"/>
-        </a:xfrm>
-      </p:grpSpPr>
-      <p:sp>
-        <p:nvSpPr>
-          <p:cNvPr id="2" name="Title 1"/>
-          <p:cNvSpPr>
-            <a:spLocks noGrp="1"/>
-          </p:cNvSpPr>
-          <p:nvPr>
-            <p:ph type="title"/>
-          </p:nvPr>
-        </p:nvSpPr>
-        <p:spPr/>
-        <p:txBody>
-          <a:bodyPr/>
-          <a:lstStyle/>
-          <a:p>
-            <a:r>
-              <a:rPr lang="en-US" dirty="0" smtClean="0"/>
-              <a:t>ARP</a:t>
-            </a:r>
-            <a:endParaRPr lang="en-US" dirty="0"/>
-          </a:p>
-        </p:txBody>
-      </p:sp>
-      <p:sp>
-        <p:nvSpPr>
-          <p:cNvPr id="3" name="Content Placeholder 2"/>
-          <p:cNvSpPr>
-            <a:spLocks noGrp="1"/>
-          </p:cNvSpPr>
-          <p:nvPr>
-            <p:ph idx="1"/>
-          </p:nvPr>
-        </p:nvSpPr>
-        <p:spPr/>
-        <p:txBody>
-          <a:bodyPr/>
-          <a:lstStyle/>
-          <a:p>
-            <a:r>
-              <a:rPr lang="en-US" dirty="0" smtClean="0"/>
-              <a:t>How IP addresses are associated to MAC addresses</a:t>
-            </a:r>
-          </a:p>
-          <a:p>
-            <a:r>
-              <a:rPr lang="en-US" dirty="0" smtClean="0"/>
-              <a:t>Allows devices to build up a “phone book” of what MAC addresses are at what IPs</a:t>
-            </a:r>
-            <a:endParaRPr lang="en-US" dirty="0"/>
-          </a:p>
-        </p:txBody>
-      </p:sp>
-      <p:sp>
-        <p:nvSpPr>
-          <p:cNvPr id="4" name="Slide Number Placeholder 3"/>
-          <p:cNvSpPr>
-            <a:spLocks noGrp="1"/>
-          </p:cNvSpPr>
-          <p:nvPr>
-            <p:ph type="sldNum" sz="quarter" idx="12"/>
-          </p:nvPr>
-        </p:nvSpPr>
-        <p:spPr/>
-        <p:txBody>
-          <a:bodyPr/>
-          <a:lstStyle/>
-          <a:p>
-            <a:fld id="{6BE98711-CE87-4D2C-A4EE-CF4DC81676AA}" type="slidenum">
-              <a:rPr lang="en-US" smtClean="0"/>
-              <a:t>27</a:t>
-            </a:fld>
-            <a:endParaRPr lang="en-US"/>
-          </a:p>
-        </p:txBody>
-      </p:sp>
-      <p:pic>
-        <p:nvPicPr>
-          <p:cNvPr id="5" name="Picture 4"/>
-          <p:cNvPicPr>
-            <a:picLocks noChangeAspect="1"/>
-          </p:cNvPicPr>
-          <p:nvPr/>
-        </p:nvPicPr>
-        <p:blipFill>
-          <a:blip r:embed="rId2"/>
-          <a:stretch>
-            <a:fillRect/>
-          </a:stretch>
-        </p:blipFill>
-        <p:spPr>
-          <a:xfrm>
-            <a:off x="76200" y="6391519"/>
-            <a:ext cx="8985733" cy="349987"/>
-          </a:xfrm>
-          <a:prstGeom prst="rect">
-            <a:avLst/>
-          </a:prstGeom>
-        </p:spPr>
-      </p:pic>
-    </p:spTree>
-    <p:extLst>
-      <p:ext uri="{BB962C8B-B14F-4D97-AF65-F5344CB8AC3E}">
-        <p14:creationId xmlns:p14="http://schemas.microsoft.com/office/powerpoint/2010/main" val="1108141622"/>
-      </p:ext>
-    </p:extLst>
-  </p:cSld>
-  <p:clrMapOvr>
-    <a:masterClrMapping/>
-  </p:clrMapOvr>
-</p:sld>
-</file>
-
-<file path=ppt/slides/slide28.xml><?xml version="1.0" encoding="utf-8"?>
-<p:sld xmlns:a="http://schemas.openxmlformats.org/drawingml/2006/main" xmlns:r="http://schemas.openxmlformats.org/officeDocument/2006/relationships" xmlns:p="http://schemas.openxmlformats.org/presentationml/2006/main">
-  <p:cSld>
-    <p:spTree>
-      <p:nvGrpSpPr>
-        <p:cNvPr id="1" name=""/>
-        <p:cNvGrpSpPr/>
-        <p:nvPr/>
-      </p:nvGrpSpPr>
-      <p:grpSpPr>
-        <a:xfrm>
-          <a:off x="0" y="0"/>
-          <a:ext cx="0" cy="0"/>
-          <a:chOff x="0" y="0"/>
-          <a:chExt cx="0" cy="0"/>
-        </a:xfrm>
-      </p:grpSpPr>
-      <p:sp>
-        <p:nvSpPr>
-          <p:cNvPr id="2" name="Title 1"/>
-          <p:cNvSpPr>
-            <a:spLocks noGrp="1"/>
-          </p:cNvSpPr>
-          <p:nvPr>
-            <p:ph type="title"/>
-          </p:nvPr>
-        </p:nvSpPr>
-        <p:spPr/>
-        <p:txBody>
-          <a:bodyPr/>
-          <a:lstStyle/>
-          <a:p>
-            <a:r>
-              <a:rPr lang="en-US" dirty="0" err="1" smtClean="0"/>
-              <a:t>Subnetting</a:t>
-            </a:r>
-            <a:endParaRPr lang="en-US" dirty="0"/>
-          </a:p>
-        </p:txBody>
-      </p:sp>
-      <p:sp>
-        <p:nvSpPr>
-          <p:cNvPr id="3" name="Content Placeholder 2"/>
-          <p:cNvSpPr>
-            <a:spLocks noGrp="1"/>
-          </p:cNvSpPr>
-          <p:nvPr>
-            <p:ph idx="1"/>
-          </p:nvPr>
-        </p:nvSpPr>
-        <p:spPr/>
-        <p:txBody>
-          <a:bodyPr>
-            <a:normAutofit fontScale="92500"/>
-          </a:bodyPr>
-          <a:lstStyle/>
-          <a:p>
-            <a:r>
-              <a:rPr lang="en-US" dirty="0" smtClean="0"/>
-              <a:t>Describes what addresses are on same network (i.e., whether packets must go through a router)</a:t>
-            </a:r>
-          </a:p>
-          <a:p>
-            <a:r>
-              <a:rPr lang="en-US" dirty="0" smtClean="0"/>
-              <a:t>32-bit </a:t>
-            </a:r>
-            <a:r>
-              <a:rPr lang="en-US" dirty="0"/>
-              <a:t>IPv4 space gives </a:t>
-            </a:r>
-            <a:r>
-              <a:rPr lang="en-US" dirty="0" smtClean="0"/>
-              <a:t>4,294,967,295 addresses</a:t>
-            </a:r>
-          </a:p>
-          <a:p>
-            <a:pPr lvl="1"/>
-            <a:r>
-              <a:rPr lang="en-US" dirty="0" smtClean="0"/>
-              <a:t>MANY more hosts than that in the world</a:t>
-            </a:r>
-          </a:p>
-          <a:p>
-            <a:r>
-              <a:rPr lang="en-US" dirty="0" smtClean="0"/>
-              <a:t>An organization (e.g. your house) has a “gateway” with a single </a:t>
-            </a:r>
-            <a:r>
-              <a:rPr lang="en-US" b="1" dirty="0" smtClean="0"/>
-              <a:t>public</a:t>
-            </a:r>
-            <a:r>
-              <a:rPr lang="en-US" dirty="0" smtClean="0"/>
-              <a:t> IP that acts as a proxy between the internal network (your house, commonly 192.168.x.x) and the external network (the Internet)</a:t>
-            </a:r>
-            <a:endParaRPr lang="en-US" dirty="0"/>
-          </a:p>
-        </p:txBody>
-      </p:sp>
-      <p:sp>
-        <p:nvSpPr>
-          <p:cNvPr id="4" name="Slide Number Placeholder 3"/>
-          <p:cNvSpPr>
-            <a:spLocks noGrp="1"/>
-          </p:cNvSpPr>
-          <p:nvPr>
-            <p:ph type="sldNum" sz="quarter" idx="12"/>
-          </p:nvPr>
-        </p:nvSpPr>
-        <p:spPr/>
-        <p:txBody>
-          <a:bodyPr/>
-          <a:lstStyle/>
-          <a:p>
-            <a:fld id="{6BE98711-CE87-4D2C-A4EE-CF4DC81676AA}" type="slidenum">
-              <a:rPr lang="en-US" smtClean="0"/>
-              <a:t>28</a:t>
-            </a:fld>
-            <a:endParaRPr lang="en-US"/>
-          </a:p>
-        </p:txBody>
-      </p:sp>
-    </p:spTree>
-    <p:extLst>
-      <p:ext uri="{BB962C8B-B14F-4D97-AF65-F5344CB8AC3E}">
-        <p14:creationId xmlns:p14="http://schemas.microsoft.com/office/powerpoint/2010/main" val="969474934"/>
-      </p:ext>
-    </p:extLst>
-  </p:cSld>
-  <p:clrMapOvr>
-    <a:masterClrMapping/>
-  </p:clrMapOvr>
-</p:sld>
-</file>
-
 <file path=ppt/slides/slide29.xml><?xml version="1.0" encoding="utf-8"?>
 <p:sld xmlns:a="http://schemas.openxmlformats.org/drawingml/2006/main" xmlns:r="http://schemas.openxmlformats.org/officeDocument/2006/relationships" xmlns:p="http://schemas.openxmlformats.org/presentationml/2006/main">
   <p:cSld>
@@ -6452,8 +6602,8 @@
           <a:lstStyle/>
           <a:p>
             <a:r>
-              <a:rPr lang="en-US" dirty="0" err="1" smtClean="0"/>
-              <a:t>Subnetting</a:t>
+              <a:rPr lang="en-US" dirty="0" smtClean="0"/>
+              <a:t>ARP</a:t>
             </a:r>
             <a:endParaRPr lang="en-US" dirty="0"/>
           </a:p>
@@ -6471,76 +6621,20 @@
         </p:nvSpPr>
         <p:spPr/>
         <p:txBody>
-          <a:bodyPr>
-            <a:normAutofit fontScale="92500" lnSpcReduction="20000"/>
-          </a:bodyPr>
-          <a:lstStyle/>
-          <a:p>
-            <a:r>
-              <a:rPr lang="en-US" dirty="0" smtClean="0"/>
-              <a:t>If I’m a host at 192.168.1.23, and I have a message for 192.168.4.89, how do I know if I send it directly or through the gateway?</a:t>
-            </a:r>
-          </a:p>
-          <a:p>
-            <a:r>
-              <a:rPr lang="en-US" dirty="0" smtClean="0"/>
-              <a:t>A subnet mask is a 32-bit number</a:t>
-            </a:r>
-          </a:p>
-          <a:p>
-            <a:pPr lvl="1"/>
-            <a:r>
-              <a:rPr lang="en-US" dirty="0" smtClean="0"/>
-              <a:t>Similar to IP address</a:t>
-            </a:r>
-          </a:p>
-          <a:p>
-            <a:pPr lvl="1"/>
-            <a:r>
-              <a:rPr lang="en-US" b="1" dirty="0" smtClean="0"/>
-              <a:t>However</a:t>
-            </a:r>
-            <a:r>
-              <a:rPr lang="en-US" dirty="0" smtClean="0"/>
-              <a:t>, it’s restricted to (in binary) some 1s followed by some 0s </a:t>
-            </a:r>
-          </a:p>
-          <a:p>
-            <a:pPr lvl="1"/>
-            <a:r>
-              <a:rPr lang="en-US" dirty="0"/>
-              <a:t>E.g</a:t>
-            </a:r>
-            <a:r>
-              <a:rPr lang="en-US" dirty="0" smtClean="0"/>
-              <a:t>. </a:t>
-            </a:r>
-          </a:p>
-          <a:p>
-            <a:pPr lvl="2"/>
-            <a:r>
-              <a:rPr lang="en-US" dirty="0" smtClean="0"/>
-              <a:t>11111111111111111111111100000000</a:t>
-            </a:r>
-          </a:p>
-          <a:p>
-            <a:pPr lvl="2"/>
-            <a:r>
-              <a:rPr lang="en-US" dirty="0" smtClean="0"/>
-              <a:t>11111111111111111111000000000000</a:t>
-            </a:r>
-          </a:p>
-          <a:p>
-            <a:pPr lvl="1"/>
-            <a:r>
-              <a:rPr lang="en-US" b="1" dirty="0" smtClean="0"/>
-              <a:t>Never </a:t>
-            </a:r>
-            <a:r>
-              <a:rPr lang="en-US" dirty="0" smtClean="0"/>
-              <a:t>11111111000011110000000000000000</a:t>
-            </a:r>
-            <a:endParaRPr lang="en-US" b="1" dirty="0"/>
+          <a:bodyPr/>
+          <a:lstStyle/>
+          <a:p>
+            <a:r>
+              <a:rPr lang="en-US" dirty="0" smtClean="0"/>
+              <a:t>How IP addresses are associated to MAC addresses</a:t>
+            </a:r>
+          </a:p>
+          <a:p>
+            <a:r>
+              <a:rPr lang="en-US" dirty="0" smtClean="0"/>
+              <a:t>Allows devices to build up a “phone book” of what MAC addresses are at what IPs</a:t>
+            </a:r>
+            <a:endParaRPr lang="en-US" dirty="0"/>
           </a:p>
         </p:txBody>
       </p:sp>
@@ -6567,10 +6661,34 @@
           </a:p>
         </p:txBody>
       </p:sp>
+      <p:pic>
+        <p:nvPicPr>
+          <p:cNvPr id="6" name="Picture 5"/>
+          <p:cNvPicPr>
+            <a:picLocks noChangeAspect="1"/>
+          </p:cNvPicPr>
+          <p:nvPr/>
+        </p:nvPicPr>
+        <p:blipFill>
+          <a:blip r:embed="rId2"/>
+          <a:stretch>
+            <a:fillRect/>
+          </a:stretch>
+        </p:blipFill>
+        <p:spPr>
+          <a:xfrm>
+            <a:off x="1390650" y="3726239"/>
+            <a:ext cx="6362700" cy="3093661"/>
+          </a:xfrm>
+          <a:prstGeom prst="rect">
+            <a:avLst/>
+          </a:prstGeom>
+        </p:spPr>
+      </p:pic>
     </p:spTree>
     <p:extLst>
       <p:ext uri="{BB962C8B-B14F-4D97-AF65-F5344CB8AC3E}">
-        <p14:creationId xmlns:p14="http://schemas.microsoft.com/office/powerpoint/2010/main" val="2696180027"/>
+        <p14:creationId xmlns:p14="http://schemas.microsoft.com/office/powerpoint/2010/main" val="1108141622"/>
       </p:ext>
     </p:extLst>
   </p:cSld>
@@ -6791,288 +6909,52 @@
             <p:ph idx="1"/>
           </p:nvPr>
         </p:nvSpPr>
-        <p:spPr>
-          <a:xfrm>
-            <a:off x="457200" y="1143000"/>
-            <a:ext cx="8229600" cy="5486400"/>
-          </a:xfrm>
-        </p:spPr>
+        <p:spPr/>
         <p:txBody>
           <a:bodyPr>
-            <a:normAutofit fontScale="70000" lnSpcReduction="20000"/>
+            <a:normAutofit fontScale="92500"/>
           </a:bodyPr>
           <a:lstStyle/>
           <a:p>
             <a:r>
               <a:rPr lang="en-US" dirty="0" smtClean="0"/>
-              <a:t>The subnet mask tells you which bits of the destination address must match the source address to be local</a:t>
-            </a:r>
-          </a:p>
-          <a:p>
-            <a:r>
-              <a:rPr lang="en-US" dirty="0" smtClean="0"/>
-              <a:t>Example:</a:t>
+              <a:t>Describes what addresses are on same network (i.e., whether packets must go through a router)</a:t>
+            </a:r>
+          </a:p>
+          <a:p>
+            <a:r>
+              <a:rPr lang="en-US" dirty="0" smtClean="0"/>
+              <a:t>32-bit </a:t>
+            </a:r>
+            <a:r>
+              <a:rPr lang="en-US" dirty="0"/>
+              <a:t>IPv4 space gives </a:t>
+            </a:r>
+            <a:r>
+              <a:rPr lang="en-US" dirty="0" smtClean="0"/>
+              <a:t>4,294,967,295 addresses</a:t>
             </a:r>
           </a:p>
           <a:p>
             <a:pPr lvl="1"/>
             <a:r>
               <a:rPr lang="en-US" dirty="0" smtClean="0"/>
-              <a:t>192.168.1.23 = 11000000101010000000000100010111</a:t>
-            </a:r>
-          </a:p>
-          <a:p>
-            <a:pPr lvl="1"/>
-            <a:r>
-              <a:rPr lang="en-US" dirty="0"/>
-              <a:t>192.168.4.89 = </a:t>
-            </a:r>
-            <a:r>
-              <a:rPr lang="en-US" dirty="0" smtClean="0"/>
-              <a:t>11000000101010000000010001011001</a:t>
-            </a:r>
-          </a:p>
-          <a:p>
-            <a:pPr lvl="1"/>
-            <a:r>
-              <a:rPr lang="en-US" dirty="0" smtClean="0"/>
-              <a:t>Suppose </a:t>
-            </a:r>
-            <a:r>
-              <a:rPr lang="en-US" dirty="0"/>
-              <a:t>a subnet mask of 255.255.255.0 = </a:t>
-            </a:r>
-            <a:r>
-              <a:rPr lang="en-US" dirty="0" smtClean="0"/>
-              <a:t>11111111111111111111111100000000</a:t>
-            </a:r>
-          </a:p>
-          <a:p>
-            <a:pPr lvl="1"/>
-            <a:r>
-              <a:rPr lang="en-US" dirty="0" smtClean="0">
-                <a:latin typeface="Courier New" panose="02070309020205020404" pitchFamily="49" charset="0"/>
-                <a:cs typeface="Courier New" panose="02070309020205020404" pitchFamily="49" charset="0"/>
-              </a:rPr>
-              <a:t>Source: </a:t>
-            </a:r>
-            <a:r>
-              <a:rPr lang="en-US" dirty="0" smtClean="0">
-                <a:solidFill>
-                  <a:srgbClr val="92D050"/>
-                </a:solidFill>
-                <a:latin typeface="Courier New" panose="02070309020205020404" pitchFamily="49" charset="0"/>
-                <a:cs typeface="Courier New" panose="02070309020205020404" pitchFamily="49" charset="0"/>
-              </a:rPr>
-              <a:t>110000001010100000000</a:t>
-            </a:r>
-            <a:r>
-              <a:rPr lang="en-US" dirty="0" smtClean="0">
-                <a:latin typeface="Courier New" panose="02070309020205020404" pitchFamily="49" charset="0"/>
-                <a:cs typeface="Courier New" panose="02070309020205020404" pitchFamily="49" charset="0"/>
-              </a:rPr>
-              <a:t>00100010111</a:t>
-            </a:r>
-          </a:p>
-          <a:p>
-            <a:pPr lvl="1"/>
-            <a:r>
-              <a:rPr lang="en-US" dirty="0" err="1" smtClean="0">
-                <a:latin typeface="Courier New" panose="02070309020205020404" pitchFamily="49" charset="0"/>
-                <a:cs typeface="Courier New" panose="02070309020205020404" pitchFamily="49" charset="0"/>
-              </a:rPr>
-              <a:t>Dest</a:t>
-            </a:r>
-            <a:r>
-              <a:rPr lang="en-US" dirty="0" smtClean="0">
-                <a:latin typeface="Courier New" panose="02070309020205020404" pitchFamily="49" charset="0"/>
-                <a:cs typeface="Courier New" panose="02070309020205020404" pitchFamily="49" charset="0"/>
-              </a:rPr>
-              <a:t>:   </a:t>
-            </a:r>
-            <a:r>
-              <a:rPr lang="en-US" dirty="0" smtClean="0">
-                <a:solidFill>
-                  <a:srgbClr val="92D050"/>
-                </a:solidFill>
-                <a:latin typeface="Courier New" panose="02070309020205020404" pitchFamily="49" charset="0"/>
-                <a:cs typeface="Courier New" panose="02070309020205020404" pitchFamily="49" charset="0"/>
-              </a:rPr>
-              <a:t>110000001010100000000</a:t>
-            </a:r>
-            <a:r>
-              <a:rPr lang="en-US" dirty="0" smtClean="0">
-                <a:latin typeface="Courier New" panose="02070309020205020404" pitchFamily="49" charset="0"/>
-                <a:cs typeface="Courier New" panose="02070309020205020404" pitchFamily="49" charset="0"/>
-              </a:rPr>
-              <a:t>10001011001</a:t>
-            </a:r>
-            <a:endParaRPr lang="en-US" dirty="0">
-              <a:latin typeface="Courier New" panose="02070309020205020404" pitchFamily="49" charset="0"/>
-              <a:cs typeface="Courier New" panose="02070309020205020404" pitchFamily="49" charset="0"/>
-            </a:endParaRPr>
-          </a:p>
-          <a:p>
-            <a:pPr lvl="1"/>
-            <a:r>
-              <a:rPr lang="en-US" dirty="0" smtClean="0">
-                <a:latin typeface="Courier New" panose="02070309020205020404" pitchFamily="49" charset="0"/>
-                <a:cs typeface="Courier New" panose="02070309020205020404" pitchFamily="49" charset="0"/>
-              </a:rPr>
-              <a:t>Mask:   </a:t>
-            </a:r>
-            <a:r>
-              <a:rPr lang="en-US" dirty="0" smtClean="0">
-                <a:solidFill>
-                  <a:srgbClr val="92D050"/>
-                </a:solidFill>
-                <a:latin typeface="Courier New" panose="02070309020205020404" pitchFamily="49" charset="0"/>
-                <a:cs typeface="Courier New" panose="02070309020205020404" pitchFamily="49" charset="0"/>
-              </a:rPr>
-              <a:t>111111111111111111111</a:t>
-            </a:r>
-            <a:r>
-              <a:rPr lang="en-US" dirty="0" smtClean="0">
-                <a:solidFill>
-                  <a:srgbClr val="FF0000"/>
-                </a:solidFill>
-                <a:latin typeface="Courier New" panose="02070309020205020404" pitchFamily="49" charset="0"/>
-                <a:cs typeface="Courier New" panose="02070309020205020404" pitchFamily="49" charset="0"/>
-              </a:rPr>
-              <a:t>111</a:t>
-            </a:r>
-            <a:r>
-              <a:rPr lang="en-US" dirty="0" smtClean="0">
-                <a:latin typeface="Courier New" panose="02070309020205020404" pitchFamily="49" charset="0"/>
-                <a:cs typeface="Courier New" panose="02070309020205020404" pitchFamily="49" charset="0"/>
-              </a:rPr>
-              <a:t>00000000</a:t>
-            </a:r>
-            <a:endParaRPr lang="en-US" dirty="0">
-              <a:latin typeface="Courier New" panose="02070309020205020404" pitchFamily="49" charset="0"/>
-              <a:cs typeface="Courier New" panose="02070309020205020404" pitchFamily="49" charset="0"/>
-            </a:endParaRPr>
-          </a:p>
-          <a:p>
-            <a:pPr lvl="1"/>
-            <a:r>
-              <a:rPr lang="en-US" dirty="0" smtClean="0"/>
-              <a:t>Thus, the destination is NOT in the source’s subnet</a:t>
-            </a:r>
-          </a:p>
-          <a:p>
-            <a:pPr lvl="1"/>
-            <a:r>
-              <a:rPr lang="en-US" dirty="0" smtClean="0"/>
-              <a:t>If the subnet were 255.255.0.0 = 11111111111111110000000000000000</a:t>
-            </a:r>
-          </a:p>
-          <a:p>
-            <a:pPr lvl="1"/>
-            <a:r>
-              <a:rPr lang="en-US" dirty="0">
-                <a:latin typeface="Courier New" panose="02070309020205020404" pitchFamily="49" charset="0"/>
-                <a:cs typeface="Courier New" panose="02070309020205020404" pitchFamily="49" charset="0"/>
-              </a:rPr>
-              <a:t>Source: </a:t>
-            </a:r>
-            <a:r>
-              <a:rPr lang="en-US" dirty="0">
-                <a:solidFill>
-                  <a:srgbClr val="92D050"/>
-                </a:solidFill>
-                <a:latin typeface="Courier New" panose="02070309020205020404" pitchFamily="49" charset="0"/>
-                <a:cs typeface="Courier New" panose="02070309020205020404" pitchFamily="49" charset="0"/>
-              </a:rPr>
-              <a:t>110000001010100000000</a:t>
-            </a:r>
-            <a:r>
-              <a:rPr lang="en-US" dirty="0">
-                <a:latin typeface="Courier New" panose="02070309020205020404" pitchFamily="49" charset="0"/>
-                <a:cs typeface="Courier New" panose="02070309020205020404" pitchFamily="49" charset="0"/>
-              </a:rPr>
-              <a:t>00100010111</a:t>
-            </a:r>
-          </a:p>
-          <a:p>
-            <a:pPr lvl="1"/>
-            <a:r>
-              <a:rPr lang="en-US" dirty="0" err="1">
-                <a:latin typeface="Courier New" panose="02070309020205020404" pitchFamily="49" charset="0"/>
-                <a:cs typeface="Courier New" panose="02070309020205020404" pitchFamily="49" charset="0"/>
-              </a:rPr>
-              <a:t>Dest</a:t>
-            </a:r>
-            <a:r>
-              <a:rPr lang="en-US" dirty="0">
-                <a:latin typeface="Courier New" panose="02070309020205020404" pitchFamily="49" charset="0"/>
-                <a:cs typeface="Courier New" panose="02070309020205020404" pitchFamily="49" charset="0"/>
-              </a:rPr>
-              <a:t>:   </a:t>
-            </a:r>
-            <a:r>
-              <a:rPr lang="en-US" dirty="0">
-                <a:solidFill>
-                  <a:srgbClr val="92D050"/>
-                </a:solidFill>
-                <a:latin typeface="Courier New" panose="02070309020205020404" pitchFamily="49" charset="0"/>
-                <a:cs typeface="Courier New" panose="02070309020205020404" pitchFamily="49" charset="0"/>
-              </a:rPr>
-              <a:t>110000001010100000000</a:t>
-            </a:r>
-            <a:r>
-              <a:rPr lang="en-US" dirty="0">
-                <a:latin typeface="Courier New" panose="02070309020205020404" pitchFamily="49" charset="0"/>
-                <a:cs typeface="Courier New" panose="02070309020205020404" pitchFamily="49" charset="0"/>
-              </a:rPr>
-              <a:t>10001011001</a:t>
-            </a:r>
-          </a:p>
-          <a:p>
-            <a:pPr lvl="1"/>
-            <a:r>
-              <a:rPr lang="en-US" dirty="0">
-                <a:latin typeface="Courier New" panose="02070309020205020404" pitchFamily="49" charset="0"/>
-                <a:cs typeface="Courier New" panose="02070309020205020404" pitchFamily="49" charset="0"/>
-              </a:rPr>
-              <a:t>Mask:   </a:t>
-            </a:r>
-            <a:r>
-              <a:rPr lang="en-US" dirty="0" smtClean="0">
-                <a:solidFill>
-                  <a:srgbClr val="92D050"/>
-                </a:solidFill>
-                <a:latin typeface="Courier New" panose="02070309020205020404" pitchFamily="49" charset="0"/>
-                <a:cs typeface="Courier New" panose="02070309020205020404" pitchFamily="49" charset="0"/>
-              </a:rPr>
-              <a:t>1111111111111111</a:t>
-            </a:r>
-            <a:r>
-              <a:rPr lang="en-US" dirty="0" smtClean="0">
-                <a:latin typeface="Courier New" panose="02070309020205020404" pitchFamily="49" charset="0"/>
-                <a:cs typeface="Courier New" panose="02070309020205020404" pitchFamily="49" charset="0"/>
-              </a:rPr>
-              <a:t>0000000000000000</a:t>
-            </a:r>
-            <a:endParaRPr lang="en-US" dirty="0">
-              <a:latin typeface="Courier New" panose="02070309020205020404" pitchFamily="49" charset="0"/>
-              <a:cs typeface="Courier New" panose="02070309020205020404" pitchFamily="49" charset="0"/>
-            </a:endParaRPr>
-          </a:p>
-          <a:p>
-            <a:pPr lvl="1"/>
-            <a:r>
-              <a:rPr lang="en-US" dirty="0" smtClean="0"/>
-              <a:t>Then the destination WOULD be in the source’s subnet</a:t>
-            </a:r>
-            <a:endParaRPr lang="en-US" dirty="0"/>
-          </a:p>
-          <a:p>
-            <a:pPr lvl="1"/>
-            <a:endParaRPr lang="en-US" dirty="0" smtClean="0"/>
-          </a:p>
-          <a:p>
-            <a:pPr lvl="1"/>
+              <a:t>MANY more hosts than that in the world</a:t>
+            </a:r>
+          </a:p>
+          <a:p>
+            <a:r>
+              <a:rPr lang="en-US" dirty="0" smtClean="0"/>
+              <a:t>An organization (e.g. your house) has a “gateway” with a single </a:t>
+            </a:r>
+            <a:r>
+              <a:rPr lang="en-US" b="1" dirty="0" smtClean="0"/>
+              <a:t>public</a:t>
+            </a:r>
+            <a:r>
+              <a:rPr lang="en-US" dirty="0" smtClean="0"/>
+              <a:t> IP that acts as a proxy between the internal network (your house, commonly 192.168.x.x) and the external network (the Internet)</a:t>
+            </a:r>
             <a:endParaRPr lang="en-US" dirty="0"/>
           </a:p>
         </p:txBody>
@@ -7103,7 +6985,7 @@
     </p:spTree>
     <p:extLst>
       <p:ext uri="{BB962C8B-B14F-4D97-AF65-F5344CB8AC3E}">
-        <p14:creationId xmlns:p14="http://schemas.microsoft.com/office/powerpoint/2010/main" val="641296455"/>
+        <p14:creationId xmlns:p14="http://schemas.microsoft.com/office/powerpoint/2010/main" val="969474934"/>
       </p:ext>
     </p:extLst>
   </p:cSld>
@@ -7172,6 +7054,559 @@
           <a:p>
             <a:r>
               <a:rPr lang="en-US" dirty="0" smtClean="0"/>
+              <a:t>If I’m a host at 192.168.1.23, and I have a message for 192.168.4.89, how do I know if I send it directly or through the gateway?</a:t>
+            </a:r>
+          </a:p>
+          <a:p>
+            <a:r>
+              <a:rPr lang="en-US" dirty="0" smtClean="0"/>
+              <a:t>A subnet mask is a 32-bit number</a:t>
+            </a:r>
+          </a:p>
+          <a:p>
+            <a:pPr lvl="1"/>
+            <a:r>
+              <a:rPr lang="en-US" dirty="0" smtClean="0"/>
+              <a:t>Similar to IP address</a:t>
+            </a:r>
+          </a:p>
+          <a:p>
+            <a:pPr lvl="1"/>
+            <a:r>
+              <a:rPr lang="en-US" b="1" dirty="0" smtClean="0"/>
+              <a:t>However</a:t>
+            </a:r>
+            <a:r>
+              <a:rPr lang="en-US" dirty="0" smtClean="0"/>
+              <a:t>, it’s restricted to (in binary) some 1s followed by some 0s </a:t>
+            </a:r>
+          </a:p>
+          <a:p>
+            <a:pPr lvl="1"/>
+            <a:r>
+              <a:rPr lang="en-US" dirty="0"/>
+              <a:t>E.g</a:t>
+            </a:r>
+            <a:r>
+              <a:rPr lang="en-US" dirty="0" smtClean="0"/>
+              <a:t>. </a:t>
+            </a:r>
+          </a:p>
+          <a:p>
+            <a:pPr lvl="2"/>
+            <a:r>
+              <a:rPr lang="en-US" dirty="0" smtClean="0"/>
+              <a:t>11111111111111111111111100000000</a:t>
+            </a:r>
+          </a:p>
+          <a:p>
+            <a:pPr lvl="2"/>
+            <a:r>
+              <a:rPr lang="en-US" dirty="0" smtClean="0"/>
+              <a:t>11111111111111111111000000000000</a:t>
+            </a:r>
+          </a:p>
+          <a:p>
+            <a:pPr lvl="1"/>
+            <a:r>
+              <a:rPr lang="en-US" b="1" dirty="0" smtClean="0"/>
+              <a:t>Never </a:t>
+            </a:r>
+            <a:r>
+              <a:rPr lang="en-US" dirty="0" smtClean="0"/>
+              <a:t>11111111000011110000000000000000</a:t>
+            </a:r>
+            <a:endParaRPr lang="en-US" b="1" dirty="0"/>
+          </a:p>
+        </p:txBody>
+      </p:sp>
+      <p:sp>
+        <p:nvSpPr>
+          <p:cNvPr id="4" name="Slide Number Placeholder 3"/>
+          <p:cNvSpPr>
+            <a:spLocks noGrp="1"/>
+          </p:cNvSpPr>
+          <p:nvPr>
+            <p:ph type="sldNum" sz="quarter" idx="12"/>
+          </p:nvPr>
+        </p:nvSpPr>
+        <p:spPr/>
+        <p:txBody>
+          <a:bodyPr/>
+          <a:lstStyle/>
+          <a:p>
+            <a:fld id="{6BE98711-CE87-4D2C-A4EE-CF4DC81676AA}" type="slidenum">
+              <a:rPr lang="en-US" smtClean="0"/>
+              <a:t>31</a:t>
+            </a:fld>
+            <a:endParaRPr lang="en-US"/>
+          </a:p>
+        </p:txBody>
+      </p:sp>
+    </p:spTree>
+    <p:extLst>
+      <p:ext uri="{BB962C8B-B14F-4D97-AF65-F5344CB8AC3E}">
+        <p14:creationId xmlns:p14="http://schemas.microsoft.com/office/powerpoint/2010/main" val="2696180027"/>
+      </p:ext>
+    </p:extLst>
+  </p:cSld>
+  <p:clrMapOvr>
+    <a:masterClrMapping/>
+  </p:clrMapOvr>
+</p:sld>
+</file>
+
+<file path=ppt/slides/slide32.xml><?xml version="1.0" encoding="utf-8"?>
+<p:sld xmlns:a="http://schemas.openxmlformats.org/drawingml/2006/main" xmlns:r="http://schemas.openxmlformats.org/officeDocument/2006/relationships" xmlns:p="http://schemas.openxmlformats.org/presentationml/2006/main">
+  <p:cSld>
+    <p:spTree>
+      <p:nvGrpSpPr>
+        <p:cNvPr id="1" name=""/>
+        <p:cNvGrpSpPr/>
+        <p:nvPr/>
+      </p:nvGrpSpPr>
+      <p:grpSpPr>
+        <a:xfrm>
+          <a:off x="0" y="0"/>
+          <a:ext cx="0" cy="0"/>
+          <a:chOff x="0" y="0"/>
+          <a:chExt cx="0" cy="0"/>
+        </a:xfrm>
+      </p:grpSpPr>
+      <p:sp>
+        <p:nvSpPr>
+          <p:cNvPr id="2" name="Title 1"/>
+          <p:cNvSpPr>
+            <a:spLocks noGrp="1"/>
+          </p:cNvSpPr>
+          <p:nvPr>
+            <p:ph type="title"/>
+          </p:nvPr>
+        </p:nvSpPr>
+        <p:spPr/>
+        <p:txBody>
+          <a:bodyPr/>
+          <a:lstStyle/>
+          <a:p>
+            <a:r>
+              <a:rPr lang="en-US" dirty="0" err="1" smtClean="0"/>
+              <a:t>Subnetting</a:t>
+            </a:r>
+            <a:endParaRPr lang="en-US" dirty="0"/>
+          </a:p>
+        </p:txBody>
+      </p:sp>
+      <p:sp>
+        <p:nvSpPr>
+          <p:cNvPr id="3" name="Content Placeholder 2"/>
+          <p:cNvSpPr>
+            <a:spLocks noGrp="1"/>
+          </p:cNvSpPr>
+          <p:nvPr>
+            <p:ph idx="1"/>
+          </p:nvPr>
+        </p:nvSpPr>
+        <p:spPr>
+          <a:xfrm>
+            <a:off x="457200" y="1143000"/>
+            <a:ext cx="8229600" cy="5486400"/>
+          </a:xfrm>
+        </p:spPr>
+        <p:txBody>
+          <a:bodyPr>
+            <a:normAutofit fontScale="70000" lnSpcReduction="20000"/>
+          </a:bodyPr>
+          <a:lstStyle/>
+          <a:p>
+            <a:r>
+              <a:rPr lang="en-US" dirty="0" smtClean="0"/>
+              <a:t>The subnet mask tells you which bits of the destination address must match the source address to be local</a:t>
+            </a:r>
+          </a:p>
+          <a:p>
+            <a:r>
+              <a:rPr lang="en-US" dirty="0" smtClean="0"/>
+              <a:t>Example:</a:t>
+            </a:r>
+          </a:p>
+          <a:p>
+            <a:pPr lvl="1"/>
+            <a:r>
+              <a:rPr lang="en-US" dirty="0" smtClean="0"/>
+              <a:t>192.168.1.23 = 11000000101010000000000100010111</a:t>
+            </a:r>
+          </a:p>
+          <a:p>
+            <a:pPr lvl="1"/>
+            <a:r>
+              <a:rPr lang="en-US" dirty="0"/>
+              <a:t>192.168.4.89 = </a:t>
+            </a:r>
+            <a:r>
+              <a:rPr lang="en-US" dirty="0" smtClean="0"/>
+              <a:t>11000000101010000000010001011001</a:t>
+            </a:r>
+          </a:p>
+          <a:p>
+            <a:pPr lvl="1"/>
+            <a:r>
+              <a:rPr lang="en-US" dirty="0" smtClean="0"/>
+              <a:t>Suppose </a:t>
+            </a:r>
+            <a:r>
+              <a:rPr lang="en-US" dirty="0"/>
+              <a:t>a subnet mask of 255.255.255.0 = </a:t>
+            </a:r>
+            <a:r>
+              <a:rPr lang="en-US" dirty="0" smtClean="0"/>
+              <a:t>11111111111111111111111100000000</a:t>
+            </a:r>
+          </a:p>
+          <a:p>
+            <a:pPr lvl="1"/>
+            <a:r>
+              <a:rPr lang="en-US" dirty="0" smtClean="0">
+                <a:latin typeface="Courier New" panose="02070309020205020404" pitchFamily="49" charset="0"/>
+                <a:cs typeface="Courier New" panose="02070309020205020404" pitchFamily="49" charset="0"/>
+              </a:rPr>
+              <a:t>Source: </a:t>
+            </a:r>
+            <a:r>
+              <a:rPr lang="en-US" dirty="0" smtClean="0">
+                <a:solidFill>
+                  <a:srgbClr val="92D050"/>
+                </a:solidFill>
+                <a:latin typeface="Courier New" panose="02070309020205020404" pitchFamily="49" charset="0"/>
+                <a:cs typeface="Courier New" panose="02070309020205020404" pitchFamily="49" charset="0"/>
+              </a:rPr>
+              <a:t>110000001010100000000</a:t>
+            </a:r>
+            <a:r>
+              <a:rPr lang="en-US" dirty="0" smtClean="0">
+                <a:latin typeface="Courier New" panose="02070309020205020404" pitchFamily="49" charset="0"/>
+                <a:cs typeface="Courier New" panose="02070309020205020404" pitchFamily="49" charset="0"/>
+              </a:rPr>
+              <a:t>00100010111</a:t>
+            </a:r>
+          </a:p>
+          <a:p>
+            <a:pPr lvl="1"/>
+            <a:r>
+              <a:rPr lang="en-US" dirty="0" err="1" smtClean="0">
+                <a:latin typeface="Courier New" panose="02070309020205020404" pitchFamily="49" charset="0"/>
+                <a:cs typeface="Courier New" panose="02070309020205020404" pitchFamily="49" charset="0"/>
+              </a:rPr>
+              <a:t>Dest</a:t>
+            </a:r>
+            <a:r>
+              <a:rPr lang="en-US" dirty="0" smtClean="0">
+                <a:latin typeface="Courier New" panose="02070309020205020404" pitchFamily="49" charset="0"/>
+                <a:cs typeface="Courier New" panose="02070309020205020404" pitchFamily="49" charset="0"/>
+              </a:rPr>
+              <a:t>:   </a:t>
+            </a:r>
+            <a:r>
+              <a:rPr lang="en-US" dirty="0" smtClean="0">
+                <a:solidFill>
+                  <a:srgbClr val="92D050"/>
+                </a:solidFill>
+                <a:latin typeface="Courier New" panose="02070309020205020404" pitchFamily="49" charset="0"/>
+                <a:cs typeface="Courier New" panose="02070309020205020404" pitchFamily="49" charset="0"/>
+              </a:rPr>
+              <a:t>110000001010100000000</a:t>
+            </a:r>
+            <a:r>
+              <a:rPr lang="en-US" dirty="0" smtClean="0">
+                <a:latin typeface="Courier New" panose="02070309020205020404" pitchFamily="49" charset="0"/>
+                <a:cs typeface="Courier New" panose="02070309020205020404" pitchFamily="49" charset="0"/>
+              </a:rPr>
+              <a:t>10001011001</a:t>
+            </a:r>
+            <a:endParaRPr lang="en-US" dirty="0">
+              <a:latin typeface="Courier New" panose="02070309020205020404" pitchFamily="49" charset="0"/>
+              <a:cs typeface="Courier New" panose="02070309020205020404" pitchFamily="49" charset="0"/>
+            </a:endParaRPr>
+          </a:p>
+          <a:p>
+            <a:pPr lvl="1"/>
+            <a:r>
+              <a:rPr lang="en-US" dirty="0" smtClean="0">
+                <a:latin typeface="Courier New" panose="02070309020205020404" pitchFamily="49" charset="0"/>
+                <a:cs typeface="Courier New" panose="02070309020205020404" pitchFamily="49" charset="0"/>
+              </a:rPr>
+              <a:t>Mask:   </a:t>
+            </a:r>
+            <a:r>
+              <a:rPr lang="en-US" dirty="0" smtClean="0">
+                <a:solidFill>
+                  <a:srgbClr val="92D050"/>
+                </a:solidFill>
+                <a:latin typeface="Courier New" panose="02070309020205020404" pitchFamily="49" charset="0"/>
+                <a:cs typeface="Courier New" panose="02070309020205020404" pitchFamily="49" charset="0"/>
+              </a:rPr>
+              <a:t>111111111111111111111</a:t>
+            </a:r>
+            <a:r>
+              <a:rPr lang="en-US" dirty="0" smtClean="0">
+                <a:solidFill>
+                  <a:srgbClr val="FF0000"/>
+                </a:solidFill>
+                <a:latin typeface="Courier New" panose="02070309020205020404" pitchFamily="49" charset="0"/>
+                <a:cs typeface="Courier New" panose="02070309020205020404" pitchFamily="49" charset="0"/>
+              </a:rPr>
+              <a:t>1</a:t>
+            </a:r>
+            <a:r>
+              <a:rPr lang="en-US" dirty="0" smtClean="0">
+                <a:solidFill>
+                  <a:schemeClr val="accent3"/>
+                </a:solidFill>
+                <a:latin typeface="Courier New" panose="02070309020205020404" pitchFamily="49" charset="0"/>
+                <a:cs typeface="Courier New" panose="02070309020205020404" pitchFamily="49" charset="0"/>
+              </a:rPr>
+              <a:t>1</a:t>
+            </a:r>
+            <a:r>
+              <a:rPr lang="en-US" dirty="0" smtClean="0">
+                <a:solidFill>
+                  <a:srgbClr val="FF0000"/>
+                </a:solidFill>
+                <a:latin typeface="Courier New" panose="02070309020205020404" pitchFamily="49" charset="0"/>
+                <a:cs typeface="Courier New" panose="02070309020205020404" pitchFamily="49" charset="0"/>
+              </a:rPr>
+              <a:t>1</a:t>
+            </a:r>
+            <a:r>
+              <a:rPr lang="en-US" dirty="0" smtClean="0">
+                <a:latin typeface="Courier New" panose="02070309020205020404" pitchFamily="49" charset="0"/>
+                <a:cs typeface="Courier New" panose="02070309020205020404" pitchFamily="49" charset="0"/>
+              </a:rPr>
+              <a:t>00000000</a:t>
+            </a:r>
+            <a:endParaRPr lang="en-US" dirty="0">
+              <a:latin typeface="Courier New" panose="02070309020205020404" pitchFamily="49" charset="0"/>
+              <a:cs typeface="Courier New" panose="02070309020205020404" pitchFamily="49" charset="0"/>
+            </a:endParaRPr>
+          </a:p>
+          <a:p>
+            <a:pPr lvl="1"/>
+            <a:r>
+              <a:rPr lang="en-US" dirty="0" smtClean="0"/>
+              <a:t>Thus, the destination is NOT in the source’s subnet</a:t>
+            </a:r>
+          </a:p>
+          <a:p>
+            <a:pPr lvl="1"/>
+            <a:r>
+              <a:rPr lang="en-US" dirty="0" smtClean="0"/>
+              <a:t>If the subnet were 255.255.0.0 = 11111111111111110000000000000000</a:t>
+            </a:r>
+          </a:p>
+          <a:p>
+            <a:pPr lvl="1"/>
+            <a:r>
+              <a:rPr lang="en-US" dirty="0">
+                <a:latin typeface="Courier New" panose="02070309020205020404" pitchFamily="49" charset="0"/>
+                <a:cs typeface="Courier New" panose="02070309020205020404" pitchFamily="49" charset="0"/>
+              </a:rPr>
+              <a:t>Source: </a:t>
+            </a:r>
+            <a:r>
+              <a:rPr lang="en-US" dirty="0">
+                <a:solidFill>
+                  <a:srgbClr val="92D050"/>
+                </a:solidFill>
+                <a:latin typeface="Courier New" panose="02070309020205020404" pitchFamily="49" charset="0"/>
+                <a:cs typeface="Courier New" panose="02070309020205020404" pitchFamily="49" charset="0"/>
+              </a:rPr>
+              <a:t>110000001010100000000</a:t>
+            </a:r>
+            <a:r>
+              <a:rPr lang="en-US" dirty="0">
+                <a:latin typeface="Courier New" panose="02070309020205020404" pitchFamily="49" charset="0"/>
+                <a:cs typeface="Courier New" panose="02070309020205020404" pitchFamily="49" charset="0"/>
+              </a:rPr>
+              <a:t>00100010111</a:t>
+            </a:r>
+          </a:p>
+          <a:p>
+            <a:pPr lvl="1"/>
+            <a:r>
+              <a:rPr lang="en-US" dirty="0" err="1">
+                <a:latin typeface="Courier New" panose="02070309020205020404" pitchFamily="49" charset="0"/>
+                <a:cs typeface="Courier New" panose="02070309020205020404" pitchFamily="49" charset="0"/>
+              </a:rPr>
+              <a:t>Dest</a:t>
+            </a:r>
+            <a:r>
+              <a:rPr lang="en-US" dirty="0">
+                <a:latin typeface="Courier New" panose="02070309020205020404" pitchFamily="49" charset="0"/>
+                <a:cs typeface="Courier New" panose="02070309020205020404" pitchFamily="49" charset="0"/>
+              </a:rPr>
+              <a:t>:   </a:t>
+            </a:r>
+            <a:r>
+              <a:rPr lang="en-US" dirty="0">
+                <a:solidFill>
+                  <a:srgbClr val="92D050"/>
+                </a:solidFill>
+                <a:latin typeface="Courier New" panose="02070309020205020404" pitchFamily="49" charset="0"/>
+                <a:cs typeface="Courier New" panose="02070309020205020404" pitchFamily="49" charset="0"/>
+              </a:rPr>
+              <a:t>110000001010100000000</a:t>
+            </a:r>
+            <a:r>
+              <a:rPr lang="en-US" dirty="0">
+                <a:latin typeface="Courier New" panose="02070309020205020404" pitchFamily="49" charset="0"/>
+                <a:cs typeface="Courier New" panose="02070309020205020404" pitchFamily="49" charset="0"/>
+              </a:rPr>
+              <a:t>10001011001</a:t>
+            </a:r>
+          </a:p>
+          <a:p>
+            <a:pPr lvl="1"/>
+            <a:r>
+              <a:rPr lang="en-US" dirty="0">
+                <a:latin typeface="Courier New" panose="02070309020205020404" pitchFamily="49" charset="0"/>
+                <a:cs typeface="Courier New" panose="02070309020205020404" pitchFamily="49" charset="0"/>
+              </a:rPr>
+              <a:t>Mask:   </a:t>
+            </a:r>
+            <a:r>
+              <a:rPr lang="en-US" dirty="0" smtClean="0">
+                <a:solidFill>
+                  <a:srgbClr val="92D050"/>
+                </a:solidFill>
+                <a:latin typeface="Courier New" panose="02070309020205020404" pitchFamily="49" charset="0"/>
+                <a:cs typeface="Courier New" panose="02070309020205020404" pitchFamily="49" charset="0"/>
+              </a:rPr>
+              <a:t>1111111111111111</a:t>
+            </a:r>
+            <a:r>
+              <a:rPr lang="en-US" dirty="0" smtClean="0">
+                <a:latin typeface="Courier New" panose="02070309020205020404" pitchFamily="49" charset="0"/>
+                <a:cs typeface="Courier New" panose="02070309020205020404" pitchFamily="49" charset="0"/>
+              </a:rPr>
+              <a:t>0000000000000000</a:t>
+            </a:r>
+            <a:endParaRPr lang="en-US" dirty="0">
+              <a:latin typeface="Courier New" panose="02070309020205020404" pitchFamily="49" charset="0"/>
+              <a:cs typeface="Courier New" panose="02070309020205020404" pitchFamily="49" charset="0"/>
+            </a:endParaRPr>
+          </a:p>
+          <a:p>
+            <a:pPr lvl="1"/>
+            <a:r>
+              <a:rPr lang="en-US" dirty="0" smtClean="0"/>
+              <a:t>Then the destination WOULD be in the source’s subnet</a:t>
+            </a:r>
+            <a:endParaRPr lang="en-US" dirty="0"/>
+          </a:p>
+          <a:p>
+            <a:pPr lvl="1"/>
+            <a:endParaRPr lang="en-US" dirty="0" smtClean="0"/>
+          </a:p>
+          <a:p>
+            <a:pPr lvl="1"/>
+            <a:endParaRPr lang="en-US" dirty="0"/>
+          </a:p>
+        </p:txBody>
+      </p:sp>
+      <p:sp>
+        <p:nvSpPr>
+          <p:cNvPr id="4" name="Slide Number Placeholder 3"/>
+          <p:cNvSpPr>
+            <a:spLocks noGrp="1"/>
+          </p:cNvSpPr>
+          <p:nvPr>
+            <p:ph type="sldNum" sz="quarter" idx="12"/>
+          </p:nvPr>
+        </p:nvSpPr>
+        <p:spPr/>
+        <p:txBody>
+          <a:bodyPr/>
+          <a:lstStyle/>
+          <a:p>
+            <a:fld id="{6BE98711-CE87-4D2C-A4EE-CF4DC81676AA}" type="slidenum">
+              <a:rPr lang="en-US" smtClean="0"/>
+              <a:t>32</a:t>
+            </a:fld>
+            <a:endParaRPr lang="en-US"/>
+          </a:p>
+        </p:txBody>
+      </p:sp>
+    </p:spTree>
+    <p:extLst>
+      <p:ext uri="{BB962C8B-B14F-4D97-AF65-F5344CB8AC3E}">
+        <p14:creationId xmlns:p14="http://schemas.microsoft.com/office/powerpoint/2010/main" val="641296455"/>
+      </p:ext>
+    </p:extLst>
+  </p:cSld>
+  <p:clrMapOvr>
+    <a:masterClrMapping/>
+  </p:clrMapOvr>
+</p:sld>
+</file>
+
+<file path=ppt/slides/slide33.xml><?xml version="1.0" encoding="utf-8"?>
+<p:sld xmlns:a="http://schemas.openxmlformats.org/drawingml/2006/main" xmlns:r="http://schemas.openxmlformats.org/officeDocument/2006/relationships" xmlns:p="http://schemas.openxmlformats.org/presentationml/2006/main">
+  <p:cSld>
+    <p:spTree>
+      <p:nvGrpSpPr>
+        <p:cNvPr id="1" name=""/>
+        <p:cNvGrpSpPr/>
+        <p:nvPr/>
+      </p:nvGrpSpPr>
+      <p:grpSpPr>
+        <a:xfrm>
+          <a:off x="0" y="0"/>
+          <a:ext cx="0" cy="0"/>
+          <a:chOff x="0" y="0"/>
+          <a:chExt cx="0" cy="0"/>
+        </a:xfrm>
+      </p:grpSpPr>
+      <p:sp>
+        <p:nvSpPr>
+          <p:cNvPr id="2" name="Title 1"/>
+          <p:cNvSpPr>
+            <a:spLocks noGrp="1"/>
+          </p:cNvSpPr>
+          <p:nvPr>
+            <p:ph type="title"/>
+          </p:nvPr>
+        </p:nvSpPr>
+        <p:spPr/>
+        <p:txBody>
+          <a:bodyPr/>
+          <a:lstStyle/>
+          <a:p>
+            <a:r>
+              <a:rPr lang="en-US" dirty="0" err="1" smtClean="0"/>
+              <a:t>Subnetting</a:t>
+            </a:r>
+            <a:endParaRPr lang="en-US" dirty="0"/>
+          </a:p>
+        </p:txBody>
+      </p:sp>
+      <p:sp>
+        <p:nvSpPr>
+          <p:cNvPr id="3" name="Content Placeholder 2"/>
+          <p:cNvSpPr>
+            <a:spLocks noGrp="1"/>
+          </p:cNvSpPr>
+          <p:nvPr>
+            <p:ph idx="1"/>
+          </p:nvPr>
+        </p:nvSpPr>
+        <p:spPr/>
+        <p:txBody>
+          <a:bodyPr>
+            <a:normAutofit fontScale="92500" lnSpcReduction="20000"/>
+          </a:bodyPr>
+          <a:lstStyle/>
+          <a:p>
+            <a:r>
+              <a:rPr lang="en-US" dirty="0" smtClean="0"/>
               <a:t>Subnet masks are </a:t>
             </a:r>
             <a:r>
@@ -7252,7 +7687,7 @@
           <a:p>
             <a:fld id="{6BE98711-CE87-4D2C-A4EE-CF4DC81676AA}" type="slidenum">
               <a:rPr lang="en-US" smtClean="0"/>
-              <a:t>31</a:t>
+              <a:t>33</a:t>
             </a:fld>
             <a:endParaRPr lang="en-US"/>
           </a:p>
@@ -7271,7 +7706,7 @@
 </p:sld>
 </file>
 
-<file path=ppt/slides/slide32.xml><?xml version="1.0" encoding="utf-8"?>
+<file path=ppt/slides/slide34.xml><?xml version="1.0" encoding="utf-8"?>
 <p:sld xmlns:a="http://schemas.openxmlformats.org/drawingml/2006/main" xmlns:r="http://schemas.openxmlformats.org/officeDocument/2006/relationships" xmlns:p="http://schemas.openxmlformats.org/presentationml/2006/main">
   <p:cSld>
     <p:spTree>
@@ -7494,7 +7929,7 @@
           <a:p>
             <a:fld id="{6BE98711-CE87-4D2C-A4EE-CF4DC81676AA}" type="slidenum">
               <a:rPr lang="en-US" smtClean="0"/>
-              <a:t>32</a:t>
+              <a:t>34</a:t>
             </a:fld>
             <a:endParaRPr lang="en-US"/>
           </a:p>
@@ -7504,325 +7939,6 @@
     <p:extLst>
       <p:ext uri="{BB962C8B-B14F-4D97-AF65-F5344CB8AC3E}">
         <p14:creationId xmlns:p14="http://schemas.microsoft.com/office/powerpoint/2010/main" val="2358010826"/>
-      </p:ext>
-    </p:extLst>
-  </p:cSld>
-  <p:clrMapOvr>
-    <a:masterClrMapping/>
-  </p:clrMapOvr>
-</p:sld>
-</file>
-
-<file path=ppt/slides/slide33.xml><?xml version="1.0" encoding="utf-8"?>
-<p:sld xmlns:a="http://schemas.openxmlformats.org/drawingml/2006/main" xmlns:r="http://schemas.openxmlformats.org/officeDocument/2006/relationships" xmlns:p="http://schemas.openxmlformats.org/presentationml/2006/main">
-  <p:cSld>
-    <p:spTree>
-      <p:nvGrpSpPr>
-        <p:cNvPr id="1" name=""/>
-        <p:cNvGrpSpPr/>
-        <p:nvPr/>
-      </p:nvGrpSpPr>
-      <p:grpSpPr>
-        <a:xfrm>
-          <a:off x="0" y="0"/>
-          <a:ext cx="0" cy="0"/>
-          <a:chOff x="0" y="0"/>
-          <a:chExt cx="0" cy="0"/>
-        </a:xfrm>
-      </p:grpSpPr>
-      <p:sp>
-        <p:nvSpPr>
-          <p:cNvPr id="2" name="Title 1"/>
-          <p:cNvSpPr>
-            <a:spLocks noGrp="1"/>
-          </p:cNvSpPr>
-          <p:nvPr>
-            <p:ph type="title"/>
-          </p:nvPr>
-        </p:nvSpPr>
-        <p:spPr/>
-        <p:txBody>
-          <a:bodyPr/>
-          <a:lstStyle/>
-          <a:p>
-            <a:r>
-              <a:rPr lang="en-US" dirty="0" smtClean="0"/>
-              <a:t>RFC 1918</a:t>
-            </a:r>
-            <a:endParaRPr lang="en-US" dirty="0"/>
-          </a:p>
-        </p:txBody>
-      </p:sp>
-      <p:sp>
-        <p:nvSpPr>
-          <p:cNvPr id="3" name="Content Placeholder 2"/>
-          <p:cNvSpPr>
-            <a:spLocks noGrp="1"/>
-          </p:cNvSpPr>
-          <p:nvPr>
-            <p:ph idx="1"/>
-          </p:nvPr>
-        </p:nvSpPr>
-        <p:spPr/>
-        <p:txBody>
-          <a:bodyPr>
-            <a:normAutofit fontScale="85000" lnSpcReduction="10000"/>
-          </a:bodyPr>
-          <a:lstStyle/>
-          <a:p>
-            <a:r>
-              <a:rPr lang="en-US" dirty="0" smtClean="0"/>
-              <a:t>You don’t want, for example, a host with a public address of 192.168.1.23</a:t>
-            </a:r>
-          </a:p>
-          <a:p>
-            <a:pPr lvl="1"/>
-            <a:r>
-              <a:rPr lang="en-US" dirty="0" smtClean="0"/>
-              <a:t>If you’re on the 192.168.1.0/24 subnet, it’s ambiguous whether the message should be sent to the 192.168.1.23 on the local subnet, or the one on the Internet</a:t>
-            </a:r>
-          </a:p>
-          <a:p>
-            <a:r>
-              <a:rPr lang="en-US" dirty="0" smtClean="0"/>
-              <a:t>IETF (Internet Engineering Task Force) publishes RFCs (Request For Comment) with recommended networking guidelines</a:t>
-            </a:r>
-          </a:p>
-          <a:p>
-            <a:r>
-              <a:rPr lang="en-US" dirty="0" smtClean="0"/>
-              <a:t>RFC 1918 designates certain address ranges as private (i.e., only to be used in internal networks, never assigned as public IPs)</a:t>
-            </a:r>
-          </a:p>
-        </p:txBody>
-      </p:sp>
-      <p:sp>
-        <p:nvSpPr>
-          <p:cNvPr id="4" name="Slide Number Placeholder 3"/>
-          <p:cNvSpPr>
-            <a:spLocks noGrp="1"/>
-          </p:cNvSpPr>
-          <p:nvPr>
-            <p:ph type="sldNum" sz="quarter" idx="12"/>
-          </p:nvPr>
-        </p:nvSpPr>
-        <p:spPr/>
-        <p:txBody>
-          <a:bodyPr/>
-          <a:lstStyle/>
-          <a:p>
-            <a:fld id="{6BE98711-CE87-4D2C-A4EE-CF4DC81676AA}" type="slidenum">
-              <a:rPr lang="en-US" smtClean="0"/>
-              <a:t>33</a:t>
-            </a:fld>
-            <a:endParaRPr lang="en-US"/>
-          </a:p>
-        </p:txBody>
-      </p:sp>
-    </p:spTree>
-    <p:extLst>
-      <p:ext uri="{BB962C8B-B14F-4D97-AF65-F5344CB8AC3E}">
-        <p14:creationId xmlns:p14="http://schemas.microsoft.com/office/powerpoint/2010/main" val="3453682073"/>
-      </p:ext>
-    </p:extLst>
-  </p:cSld>
-  <p:clrMapOvr>
-    <a:masterClrMapping/>
-  </p:clrMapOvr>
-</p:sld>
-</file>
-
-<file path=ppt/slides/slide34.xml><?xml version="1.0" encoding="utf-8"?>
-<p:sld xmlns:a="http://schemas.openxmlformats.org/drawingml/2006/main" xmlns:r="http://schemas.openxmlformats.org/officeDocument/2006/relationships" xmlns:p="http://schemas.openxmlformats.org/presentationml/2006/main">
-  <p:cSld>
-    <p:spTree>
-      <p:nvGrpSpPr>
-        <p:cNvPr id="1" name=""/>
-        <p:cNvGrpSpPr/>
-        <p:nvPr/>
-      </p:nvGrpSpPr>
-      <p:grpSpPr>
-        <a:xfrm>
-          <a:off x="0" y="0"/>
-          <a:ext cx="0" cy="0"/>
-          <a:chOff x="0" y="0"/>
-          <a:chExt cx="0" cy="0"/>
-        </a:xfrm>
-      </p:grpSpPr>
-      <p:sp>
-        <p:nvSpPr>
-          <p:cNvPr id="2" name="Title 1"/>
-          <p:cNvSpPr>
-            <a:spLocks noGrp="1"/>
-          </p:cNvSpPr>
-          <p:nvPr>
-            <p:ph type="title"/>
-          </p:nvPr>
-        </p:nvSpPr>
-        <p:spPr/>
-        <p:txBody>
-          <a:bodyPr/>
-          <a:lstStyle/>
-          <a:p>
-            <a:r>
-              <a:rPr lang="en-US" dirty="0" smtClean="0"/>
-              <a:t>RFC 1918</a:t>
-            </a:r>
-            <a:endParaRPr lang="en-US" dirty="0"/>
-          </a:p>
-        </p:txBody>
-      </p:sp>
-      <p:sp>
-        <p:nvSpPr>
-          <p:cNvPr id="3" name="Content Placeholder 2"/>
-          <p:cNvSpPr>
-            <a:spLocks noGrp="1"/>
-          </p:cNvSpPr>
-          <p:nvPr>
-            <p:ph idx="1"/>
-          </p:nvPr>
-        </p:nvSpPr>
-        <p:spPr/>
-        <p:txBody>
-          <a:bodyPr>
-            <a:normAutofit fontScale="70000" lnSpcReduction="20000"/>
-          </a:bodyPr>
-          <a:lstStyle/>
-          <a:p>
-            <a:r>
-              <a:rPr lang="en-US" dirty="0" smtClean="0"/>
-              <a:t>Private address ranges:</a:t>
-            </a:r>
-          </a:p>
-          <a:p>
-            <a:pPr lvl="1"/>
-            <a:r>
-              <a:rPr lang="en-US" dirty="0" smtClean="0"/>
-              <a:t>10.0.0.0/8</a:t>
-            </a:r>
-          </a:p>
-          <a:p>
-            <a:pPr lvl="1"/>
-            <a:r>
-              <a:rPr lang="en-US" dirty="0" smtClean="0"/>
-              <a:t>172.16.0.0/12</a:t>
-            </a:r>
-          </a:p>
-          <a:p>
-            <a:pPr lvl="1"/>
-            <a:r>
-              <a:rPr lang="en-US" dirty="0" smtClean="0"/>
-              <a:t>192.168.0.0/24</a:t>
-            </a:r>
-          </a:p>
-          <a:p>
-            <a:r>
-              <a:rPr lang="en-US" dirty="0" smtClean="0"/>
-              <a:t>Other non-publicly-routable addresses:</a:t>
-            </a:r>
-          </a:p>
-          <a:p>
-            <a:pPr lvl="1"/>
-            <a:r>
-              <a:rPr lang="en-US" dirty="0" smtClean="0"/>
-              <a:t>169.254.0.0/16 </a:t>
-            </a:r>
-          </a:p>
-          <a:p>
-            <a:pPr lvl="2"/>
-            <a:r>
-              <a:rPr lang="en-US" i="1" dirty="0" err="1" smtClean="0"/>
-              <a:t>Autoconfiguration</a:t>
-            </a:r>
-            <a:r>
-              <a:rPr lang="en-US" dirty="0" smtClean="0"/>
-              <a:t> or </a:t>
-            </a:r>
-            <a:r>
-              <a:rPr lang="en-US" i="1" dirty="0" smtClean="0"/>
-              <a:t>link-local</a:t>
-            </a:r>
-            <a:r>
-              <a:rPr lang="en-US" dirty="0" smtClean="0"/>
-              <a:t> addresses; a host will often assign itself an address in this range if it was set up for DHCP, but couldn’t contact a DHCP server</a:t>
-            </a:r>
-          </a:p>
-          <a:p>
-            <a:pPr lvl="2"/>
-            <a:r>
-              <a:rPr lang="en-US" dirty="0" smtClean="0"/>
-              <a:t>Designated by RFC 3927</a:t>
-            </a:r>
-          </a:p>
-          <a:p>
-            <a:pPr lvl="1"/>
-            <a:r>
-              <a:rPr lang="en-US" dirty="0" smtClean="0"/>
-              <a:t>127.0.0.1 </a:t>
-            </a:r>
-          </a:p>
-          <a:p>
-            <a:pPr lvl="2"/>
-            <a:r>
-              <a:rPr lang="en-US" i="1" dirty="0" smtClean="0"/>
-              <a:t>Loopback </a:t>
-            </a:r>
-            <a:r>
-              <a:rPr lang="en-US" dirty="0" smtClean="0"/>
-              <a:t>address; used to “talk to yourself”</a:t>
-            </a:r>
-          </a:p>
-          <a:p>
-            <a:pPr lvl="2"/>
-            <a:r>
-              <a:rPr lang="en-US" dirty="0" smtClean="0"/>
-              <a:t>Any traffic sent to this address gets returned to the sender (without ever going “on the wire”)</a:t>
-            </a:r>
-          </a:p>
-          <a:p>
-            <a:pPr lvl="2"/>
-            <a:r>
-              <a:rPr lang="en-US" dirty="0" smtClean="0"/>
-              <a:t>Specified by RFC 1132</a:t>
-            </a:r>
-          </a:p>
-          <a:p>
-            <a:pPr lvl="2"/>
-            <a:r>
-              <a:rPr lang="en-US" dirty="0" smtClean="0"/>
-              <a:t>Always associated with the hostname “localhost”</a:t>
-            </a:r>
-            <a:endParaRPr lang="en-US" dirty="0"/>
-          </a:p>
-        </p:txBody>
-      </p:sp>
-      <p:sp>
-        <p:nvSpPr>
-          <p:cNvPr id="4" name="Slide Number Placeholder 3"/>
-          <p:cNvSpPr>
-            <a:spLocks noGrp="1"/>
-          </p:cNvSpPr>
-          <p:nvPr>
-            <p:ph type="sldNum" sz="quarter" idx="12"/>
-          </p:nvPr>
-        </p:nvSpPr>
-        <p:spPr/>
-        <p:txBody>
-          <a:bodyPr/>
-          <a:lstStyle/>
-          <a:p>
-            <a:fld id="{6BE98711-CE87-4D2C-A4EE-CF4DC81676AA}" type="slidenum">
-              <a:rPr lang="en-US" smtClean="0"/>
-              <a:t>34</a:t>
-            </a:fld>
-            <a:endParaRPr lang="en-US"/>
-          </a:p>
-        </p:txBody>
-      </p:sp>
-    </p:spTree>
-    <p:extLst>
-      <p:ext uri="{BB962C8B-B14F-4D97-AF65-F5344CB8AC3E}">
-        <p14:creationId xmlns:p14="http://schemas.microsoft.com/office/powerpoint/2010/main" val="3104285955"/>
       </p:ext>
     </p:extLst>
   </p:cSld>
@@ -7866,7 +7982,7 @@
           <a:p>
             <a:r>
               <a:rPr lang="en-US" dirty="0" smtClean="0"/>
-              <a:t>Routing</a:t>
+              <a:t>RFC 1918</a:t>
             </a:r>
             <a:endParaRPr lang="en-US" dirty="0"/>
           </a:p>
@@ -7884,32 +8000,34 @@
         </p:nvSpPr>
         <p:spPr/>
         <p:txBody>
-          <a:bodyPr/>
-          <a:lstStyle/>
-          <a:p>
-            <a:r>
-              <a:rPr lang="en-US" dirty="0" smtClean="0"/>
-              <a:t>Routers are 2-or-more port devices</a:t>
-            </a:r>
-          </a:p>
-          <a:p>
-            <a:r>
-              <a:rPr lang="en-US" dirty="0" smtClean="0"/>
-              <a:t>They forward packets between networks</a:t>
-            </a:r>
-          </a:p>
-          <a:p>
-            <a:r>
-              <a:rPr lang="en-US" dirty="0" smtClean="0"/>
-              <a:t>Each port has an address on the network connected to it</a:t>
-            </a:r>
-          </a:p>
-          <a:p>
-            <a:r>
-              <a:rPr lang="en-US" dirty="0" smtClean="0"/>
-              <a:t>E.g., your home router normally has one port on your private network (commonly 192.168.1.1), and one port on the public network (Internet)</a:t>
-            </a:r>
-            <a:endParaRPr lang="en-US" dirty="0"/>
+          <a:bodyPr>
+            <a:normAutofit fontScale="85000" lnSpcReduction="10000"/>
+          </a:bodyPr>
+          <a:lstStyle/>
+          <a:p>
+            <a:r>
+              <a:rPr lang="en-US" dirty="0" smtClean="0"/>
+              <a:t>You don’t want, for example, a host with a public address of 192.168.1.23</a:t>
+            </a:r>
+          </a:p>
+          <a:p>
+            <a:pPr lvl="1"/>
+            <a:r>
+              <a:rPr lang="en-US" dirty="0" smtClean="0"/>
+              <a:t>If you’re on the 192.168.1.0/24 subnet, it’s ambiguous whether the message should be sent to the 192.168.1.23 on the local subnet, or the one on the Internet</a:t>
+            </a:r>
+          </a:p>
+          <a:p>
+            <a:r>
+              <a:rPr lang="en-US" dirty="0" smtClean="0"/>
+              <a:t>IETF (Internet Engineering Task Force) publishes RFCs (Request For Comment) with recommended networking guidelines</a:t>
+            </a:r>
+          </a:p>
+          <a:p>
+            <a:r>
+              <a:rPr lang="en-US" dirty="0" smtClean="0"/>
+              <a:t>RFC 1918 designates certain address ranges as private (i.e., only to be used in internal networks, never assigned as public IPs)</a:t>
+            </a:r>
           </a:p>
         </p:txBody>
       </p:sp>
@@ -7939,7 +8057,7 @@
     </p:spTree>
     <p:extLst>
       <p:ext uri="{BB962C8B-B14F-4D97-AF65-F5344CB8AC3E}">
-        <p14:creationId xmlns:p14="http://schemas.microsoft.com/office/powerpoint/2010/main" val="3875421897"/>
+        <p14:creationId xmlns:p14="http://schemas.microsoft.com/office/powerpoint/2010/main" val="3453682073"/>
       </p:ext>
     </p:extLst>
   </p:cSld>
@@ -7983,7 +8101,7 @@
           <a:p>
             <a:r>
               <a:rPr lang="en-US" dirty="0" smtClean="0"/>
-              <a:t>Routing</a:t>
+              <a:t>RFC 1918</a:t>
             </a:r>
             <a:endParaRPr lang="en-US" dirty="0"/>
           </a:p>
@@ -8001,34 +8119,115 @@
         </p:nvSpPr>
         <p:spPr/>
         <p:txBody>
-          <a:bodyPr/>
-          <a:lstStyle/>
-          <a:p>
-            <a:r>
-              <a:rPr lang="en-US" dirty="0" smtClean="0"/>
-              <a:t>To sent a packet to (for example) 8.8.8.8:</a:t>
+          <a:bodyPr>
+            <a:normAutofit fontScale="70000" lnSpcReduction="20000"/>
+          </a:bodyPr>
+          <a:lstStyle/>
+          <a:p>
+            <a:r>
+              <a:rPr lang="en-US" dirty="0" smtClean="0"/>
+              <a:t>Private address ranges:</a:t>
             </a:r>
           </a:p>
           <a:p>
             <a:pPr lvl="1"/>
             <a:r>
               <a:rPr lang="en-US" dirty="0" smtClean="0"/>
-              <a:t>Your computer (192.168.1.2) sends a packet to your router (192.168.1.1)</a:t>
+              <a:t>10.0.0.0/8</a:t>
             </a:r>
           </a:p>
           <a:p>
             <a:pPr lvl="1"/>
             <a:r>
               <a:rPr lang="en-US" dirty="0" smtClean="0"/>
-              <a:t>Your router inspects the destination IP address and sees that the packet is headed to somewhere outside your private network</a:t>
+              <a:t>172.16.0.0/12</a:t>
             </a:r>
           </a:p>
           <a:p>
             <a:pPr lvl="1"/>
             <a:r>
               <a:rPr lang="en-US" dirty="0" smtClean="0"/>
-              <a:t>Your router sends the packet from its public address to 8.8.8.8</a:t>
-            </a:r>
+              <a:t>192.168.0.0/24</a:t>
+            </a:r>
+          </a:p>
+          <a:p>
+            <a:r>
+              <a:rPr lang="en-US" dirty="0" smtClean="0"/>
+              <a:t>Other non-publicly-routable addresses:</a:t>
+            </a:r>
+          </a:p>
+          <a:p>
+            <a:pPr lvl="1"/>
+            <a:r>
+              <a:rPr lang="en-US" dirty="0" smtClean="0"/>
+              <a:t>169.254.0.0/16 </a:t>
+            </a:r>
+          </a:p>
+          <a:p>
+            <a:pPr lvl="2"/>
+            <a:r>
+              <a:rPr lang="en-US" i="1" dirty="0" err="1" smtClean="0"/>
+              <a:t>Autoconfiguration</a:t>
+            </a:r>
+            <a:r>
+              <a:rPr lang="en-US" dirty="0" smtClean="0"/>
+              <a:t> or </a:t>
+            </a:r>
+            <a:r>
+              <a:rPr lang="en-US" i="1" dirty="0" smtClean="0"/>
+              <a:t>link-local</a:t>
+            </a:r>
+            <a:r>
+              <a:rPr lang="en-US" dirty="0" smtClean="0"/>
+              <a:t> addresses; a host will often assign itself an address in this range if it was set up for DHCP, but couldn’t contact a DHCP server</a:t>
+            </a:r>
+          </a:p>
+          <a:p>
+            <a:pPr lvl="2"/>
+            <a:r>
+              <a:rPr lang="en-US" dirty="0" smtClean="0"/>
+              <a:t>Designated by RFC 3927</a:t>
+            </a:r>
+          </a:p>
+          <a:p>
+            <a:pPr lvl="1"/>
+            <a:r>
+              <a:rPr lang="en-US" dirty="0" smtClean="0"/>
+              <a:t>127.0.0.1 </a:t>
+            </a:r>
+          </a:p>
+          <a:p>
+            <a:pPr lvl="2"/>
+            <a:r>
+              <a:rPr lang="en-US" i="1" dirty="0" smtClean="0"/>
+              <a:t>Loopback </a:t>
+            </a:r>
+            <a:r>
+              <a:rPr lang="en-US" dirty="0" smtClean="0"/>
+              <a:t>address; used to “talk to yourself”</a:t>
+            </a:r>
+          </a:p>
+          <a:p>
+            <a:pPr lvl="2"/>
+            <a:r>
+              <a:rPr lang="en-US" dirty="0" smtClean="0"/>
+              <a:t>Any traffic sent to this address gets returned to the sender (without ever going “on the wire”)</a:t>
+            </a:r>
+          </a:p>
+          <a:p>
+            <a:pPr lvl="2"/>
+            <a:r>
+              <a:rPr lang="en-US" dirty="0" smtClean="0"/>
+              <a:t>Specified by RFC 1132</a:t>
+            </a:r>
+          </a:p>
+          <a:p>
+            <a:pPr lvl="2"/>
+            <a:r>
+              <a:rPr lang="en-US" dirty="0" smtClean="0"/>
+              <a:t>Always associated with the hostname “localhost”</a:t>
+            </a:r>
+            <a:endParaRPr lang="en-US" dirty="0"/>
           </a:p>
         </p:txBody>
       </p:sp>
@@ -8058,7 +8257,7 @@
     </p:spTree>
     <p:extLst>
       <p:ext uri="{BB962C8B-B14F-4D97-AF65-F5344CB8AC3E}">
-        <p14:creationId xmlns:p14="http://schemas.microsoft.com/office/powerpoint/2010/main" val="3797607765"/>
+        <p14:creationId xmlns:p14="http://schemas.microsoft.com/office/powerpoint/2010/main" val="3104285955"/>
       </p:ext>
     </p:extLst>
   </p:cSld>
@@ -8102,7 +8301,7 @@
           <a:p>
             <a:r>
               <a:rPr lang="en-US" dirty="0" smtClean="0"/>
-              <a:t>NAT</a:t>
+              <a:t>Routing</a:t>
             </a:r>
             <a:endParaRPr lang="en-US" dirty="0"/>
           </a:p>
@@ -8125,16 +8324,26 @@
           <a:p>
             <a:r>
               <a:rPr lang="en-US" dirty="0" smtClean="0"/>
-              <a:t>Network Address Translation</a:t>
-            </a:r>
-          </a:p>
-          <a:p>
-            <a:r>
-              <a:rPr lang="en-US" dirty="0" smtClean="0"/>
-              <a:t>Allows many hosts (private network) to be communicate on the Internet with a single public IP</a:t>
-            </a:r>
-          </a:p>
-          <a:p>
+              <a:t>Routers are 2-or-more port devices</a:t>
+            </a:r>
+          </a:p>
+          <a:p>
+            <a:r>
+              <a:rPr lang="en-US" dirty="0" smtClean="0"/>
+              <a:t>They forward packets between networks</a:t>
+            </a:r>
+          </a:p>
+          <a:p>
+            <a:r>
+              <a:rPr lang="en-US" dirty="0" smtClean="0"/>
+              <a:t>Each port has an address on the network connected to it</a:t>
+            </a:r>
+          </a:p>
+          <a:p>
+            <a:r>
+              <a:rPr lang="en-US" dirty="0" smtClean="0"/>
+              <a:t>E.g., your home router normally has one port on your private network (commonly 192.168.1.1), and one port on the public network (Internet)</a:t>
+            </a:r>
             <a:endParaRPr lang="en-US" dirty="0"/>
           </a:p>
         </p:txBody>
@@ -8165,7 +8374,7 @@
     </p:spTree>
     <p:extLst>
       <p:ext uri="{BB962C8B-B14F-4D97-AF65-F5344CB8AC3E}">
-        <p14:creationId xmlns:p14="http://schemas.microsoft.com/office/powerpoint/2010/main" val="731414752"/>
+        <p14:creationId xmlns:p14="http://schemas.microsoft.com/office/powerpoint/2010/main" val="3875421897"/>
       </p:ext>
     </p:extLst>
   </p:cSld>
@@ -8209,6 +8418,125 @@
           <a:p>
             <a:r>
               <a:rPr lang="en-US" dirty="0" smtClean="0"/>
+              <a:t>Routing</a:t>
+            </a:r>
+            <a:endParaRPr lang="en-US" dirty="0"/>
+          </a:p>
+        </p:txBody>
+      </p:sp>
+      <p:sp>
+        <p:nvSpPr>
+          <p:cNvPr id="3" name="Content Placeholder 2"/>
+          <p:cNvSpPr>
+            <a:spLocks noGrp="1"/>
+          </p:cNvSpPr>
+          <p:nvPr>
+            <p:ph idx="1"/>
+          </p:nvPr>
+        </p:nvSpPr>
+        <p:spPr/>
+        <p:txBody>
+          <a:bodyPr/>
+          <a:lstStyle/>
+          <a:p>
+            <a:r>
+              <a:rPr lang="en-US" dirty="0" smtClean="0"/>
+              <a:t>To sent a packet to (for example) 8.8.8.8:</a:t>
+            </a:r>
+          </a:p>
+          <a:p>
+            <a:pPr lvl="1"/>
+            <a:r>
+              <a:rPr lang="en-US" dirty="0" smtClean="0"/>
+              <a:t>Your computer (192.168.1.2) sends a packet to your router (192.168.1.1)</a:t>
+            </a:r>
+          </a:p>
+          <a:p>
+            <a:pPr lvl="1"/>
+            <a:r>
+              <a:rPr lang="en-US" dirty="0" smtClean="0"/>
+              <a:t>Your router inspects the destination IP address and sees that the packet is headed to somewhere outside your private network</a:t>
+            </a:r>
+          </a:p>
+          <a:p>
+            <a:pPr lvl="1"/>
+            <a:r>
+              <a:rPr lang="en-US" dirty="0" smtClean="0"/>
+              <a:t>Your router sends the packet from its public address to 8.8.8.8</a:t>
+            </a:r>
+          </a:p>
+        </p:txBody>
+      </p:sp>
+      <p:sp>
+        <p:nvSpPr>
+          <p:cNvPr id="4" name="Slide Number Placeholder 3"/>
+          <p:cNvSpPr>
+            <a:spLocks noGrp="1"/>
+          </p:cNvSpPr>
+          <p:nvPr>
+            <p:ph type="sldNum" sz="quarter" idx="12"/>
+          </p:nvPr>
+        </p:nvSpPr>
+        <p:spPr/>
+        <p:txBody>
+          <a:bodyPr/>
+          <a:lstStyle/>
+          <a:p>
+            <a:fld id="{6BE98711-CE87-4D2C-A4EE-CF4DC81676AA}" type="slidenum">
+              <a:rPr lang="en-US" smtClean="0"/>
+              <a:t>38</a:t>
+            </a:fld>
+            <a:endParaRPr lang="en-US"/>
+          </a:p>
+        </p:txBody>
+      </p:sp>
+    </p:spTree>
+    <p:extLst>
+      <p:ext uri="{BB962C8B-B14F-4D97-AF65-F5344CB8AC3E}">
+        <p14:creationId xmlns:p14="http://schemas.microsoft.com/office/powerpoint/2010/main" val="3797607765"/>
+      </p:ext>
+    </p:extLst>
+  </p:cSld>
+  <p:clrMapOvr>
+    <a:masterClrMapping/>
+  </p:clrMapOvr>
+</p:sld>
+</file>
+
+<file path=ppt/slides/slide39.xml><?xml version="1.0" encoding="utf-8"?>
+<p:sld xmlns:a="http://schemas.openxmlformats.org/drawingml/2006/main" xmlns:r="http://schemas.openxmlformats.org/officeDocument/2006/relationships" xmlns:p="http://schemas.openxmlformats.org/presentationml/2006/main">
+  <p:cSld>
+    <p:spTree>
+      <p:nvGrpSpPr>
+        <p:cNvPr id="1" name=""/>
+        <p:cNvGrpSpPr/>
+        <p:nvPr/>
+      </p:nvGrpSpPr>
+      <p:grpSpPr>
+        <a:xfrm>
+          <a:off x="0" y="0"/>
+          <a:ext cx="0" cy="0"/>
+          <a:chOff x="0" y="0"/>
+          <a:chExt cx="0" cy="0"/>
+        </a:xfrm>
+      </p:grpSpPr>
+      <p:sp>
+        <p:nvSpPr>
+          <p:cNvPr id="2" name="Title 1"/>
+          <p:cNvSpPr>
+            <a:spLocks noGrp="1"/>
+          </p:cNvSpPr>
+          <p:nvPr>
+            <p:ph type="title"/>
+          </p:nvPr>
+        </p:nvSpPr>
+        <p:spPr/>
+        <p:txBody>
+          <a:bodyPr/>
+          <a:lstStyle/>
+          <a:p>
+            <a:r>
+              <a:rPr lang="en-US" dirty="0" smtClean="0"/>
               <a:t>NAT</a:t>
             </a:r>
             <a:endParaRPr lang="en-US" dirty="0"/>
@@ -8232,6 +8560,239 @@
           <a:p>
             <a:r>
               <a:rPr lang="en-US" dirty="0" smtClean="0"/>
+              <a:t>Network Address Translation</a:t>
+            </a:r>
+          </a:p>
+          <a:p>
+            <a:r>
+              <a:rPr lang="en-US" dirty="0" smtClean="0"/>
+              <a:t>Allows many hosts (private network) to be communicate on the Internet with a single public IP</a:t>
+            </a:r>
+          </a:p>
+          <a:p>
+            <a:endParaRPr lang="en-US" dirty="0"/>
+          </a:p>
+        </p:txBody>
+      </p:sp>
+      <p:sp>
+        <p:nvSpPr>
+          <p:cNvPr id="4" name="Slide Number Placeholder 3"/>
+          <p:cNvSpPr>
+            <a:spLocks noGrp="1"/>
+          </p:cNvSpPr>
+          <p:nvPr>
+            <p:ph type="sldNum" sz="quarter" idx="12"/>
+          </p:nvPr>
+        </p:nvSpPr>
+        <p:spPr/>
+        <p:txBody>
+          <a:bodyPr/>
+          <a:lstStyle/>
+          <a:p>
+            <a:fld id="{6BE98711-CE87-4D2C-A4EE-CF4DC81676AA}" type="slidenum">
+              <a:rPr lang="en-US" smtClean="0"/>
+              <a:t>39</a:t>
+            </a:fld>
+            <a:endParaRPr lang="en-US"/>
+          </a:p>
+        </p:txBody>
+      </p:sp>
+    </p:spTree>
+    <p:extLst>
+      <p:ext uri="{BB962C8B-B14F-4D97-AF65-F5344CB8AC3E}">
+        <p14:creationId xmlns:p14="http://schemas.microsoft.com/office/powerpoint/2010/main" val="731414752"/>
+      </p:ext>
+    </p:extLst>
+  </p:cSld>
+  <p:clrMapOvr>
+    <a:masterClrMapping/>
+  </p:clrMapOvr>
+</p:sld>
+</file>
+
+<file path=ppt/slides/slide4.xml><?xml version="1.0" encoding="utf-8"?>
+<p:sld xmlns:a="http://schemas.openxmlformats.org/drawingml/2006/main" xmlns:r="http://schemas.openxmlformats.org/officeDocument/2006/relationships" xmlns:p="http://schemas.openxmlformats.org/presentationml/2006/main">
+  <p:cSld>
+    <p:spTree>
+      <p:nvGrpSpPr>
+        <p:cNvPr id="1" name=""/>
+        <p:cNvGrpSpPr/>
+        <p:nvPr/>
+      </p:nvGrpSpPr>
+      <p:grpSpPr>
+        <a:xfrm>
+          <a:off x="0" y="0"/>
+          <a:ext cx="0" cy="0"/>
+          <a:chOff x="0" y="0"/>
+          <a:chExt cx="0" cy="0"/>
+        </a:xfrm>
+      </p:grpSpPr>
+      <p:sp>
+        <p:nvSpPr>
+          <p:cNvPr id="2" name="Title 1"/>
+          <p:cNvSpPr>
+            <a:spLocks noGrp="1"/>
+          </p:cNvSpPr>
+          <p:nvPr>
+            <p:ph type="title"/>
+          </p:nvPr>
+        </p:nvSpPr>
+        <p:spPr/>
+        <p:txBody>
+          <a:bodyPr/>
+          <a:lstStyle/>
+          <a:p>
+            <a:r>
+              <a:rPr lang="en-US" dirty="0" smtClean="0"/>
+              <a:t>Physical Layer</a:t>
+            </a:r>
+            <a:endParaRPr lang="en-US" dirty="0"/>
+          </a:p>
+        </p:txBody>
+      </p:sp>
+      <p:sp>
+        <p:nvSpPr>
+          <p:cNvPr id="3" name="Content Placeholder 2"/>
+          <p:cNvSpPr>
+            <a:spLocks noGrp="1"/>
+          </p:cNvSpPr>
+          <p:nvPr>
+            <p:ph idx="1"/>
+          </p:nvPr>
+        </p:nvSpPr>
+        <p:spPr/>
+        <p:txBody>
+          <a:bodyPr/>
+          <a:lstStyle/>
+          <a:p>
+            <a:r>
+              <a:rPr lang="en-US" dirty="0" smtClean="0"/>
+              <a:t>The physical layer encodes bits of data into some phenomenon in the physical world</a:t>
+            </a:r>
+          </a:p>
+          <a:p>
+            <a:r>
+              <a:rPr lang="en-US" dirty="0" smtClean="0"/>
+              <a:t>Examples:</a:t>
+            </a:r>
+          </a:p>
+          <a:p>
+            <a:pPr lvl="1"/>
+            <a:r>
+              <a:rPr lang="en-US" dirty="0" smtClean="0"/>
+              <a:t>Voltage pulses on copper wire</a:t>
+            </a:r>
+          </a:p>
+          <a:p>
+            <a:pPr lvl="1"/>
+            <a:r>
+              <a:rPr lang="en-US" dirty="0" smtClean="0"/>
+              <a:t>Laser pulses in an optical fiber</a:t>
+            </a:r>
+          </a:p>
+          <a:p>
+            <a:pPr lvl="1"/>
+            <a:r>
+              <a:rPr lang="en-US" dirty="0" smtClean="0"/>
+              <a:t>Phase modulation in a radio signal</a:t>
+            </a:r>
+            <a:endParaRPr lang="en-US" dirty="0"/>
+          </a:p>
+        </p:txBody>
+      </p:sp>
+      <p:sp>
+        <p:nvSpPr>
+          <p:cNvPr id="4" name="Slide Number Placeholder 3"/>
+          <p:cNvSpPr>
+            <a:spLocks noGrp="1"/>
+          </p:cNvSpPr>
+          <p:nvPr>
+            <p:ph type="sldNum" sz="quarter" idx="12"/>
+          </p:nvPr>
+        </p:nvSpPr>
+        <p:spPr/>
+        <p:txBody>
+          <a:bodyPr/>
+          <a:lstStyle/>
+          <a:p>
+            <a:fld id="{6BE98711-CE87-4D2C-A4EE-CF4DC81676AA}" type="slidenum">
+              <a:rPr lang="en-US" smtClean="0"/>
+              <a:t>4</a:t>
+            </a:fld>
+            <a:endParaRPr lang="en-US"/>
+          </a:p>
+        </p:txBody>
+      </p:sp>
+    </p:spTree>
+    <p:extLst>
+      <p:ext uri="{BB962C8B-B14F-4D97-AF65-F5344CB8AC3E}">
+        <p14:creationId xmlns:p14="http://schemas.microsoft.com/office/powerpoint/2010/main" val="3568547489"/>
+      </p:ext>
+    </p:extLst>
+  </p:cSld>
+  <p:clrMapOvr>
+    <a:masterClrMapping/>
+  </p:clrMapOvr>
+</p:sld>
+</file>
+
+<file path=ppt/slides/slide40.xml><?xml version="1.0" encoding="utf-8"?>
+<p:sld xmlns:a="http://schemas.openxmlformats.org/drawingml/2006/main" xmlns:r="http://schemas.openxmlformats.org/officeDocument/2006/relationships" xmlns:p="http://schemas.openxmlformats.org/presentationml/2006/main">
+  <p:cSld>
+    <p:spTree>
+      <p:nvGrpSpPr>
+        <p:cNvPr id="1" name=""/>
+        <p:cNvGrpSpPr/>
+        <p:nvPr/>
+      </p:nvGrpSpPr>
+      <p:grpSpPr>
+        <a:xfrm>
+          <a:off x="0" y="0"/>
+          <a:ext cx="0" cy="0"/>
+          <a:chOff x="0" y="0"/>
+          <a:chExt cx="0" cy="0"/>
+        </a:xfrm>
+      </p:grpSpPr>
+      <p:sp>
+        <p:nvSpPr>
+          <p:cNvPr id="2" name="Title 1"/>
+          <p:cNvSpPr>
+            <a:spLocks noGrp="1"/>
+          </p:cNvSpPr>
+          <p:nvPr>
+            <p:ph type="title"/>
+          </p:nvPr>
+        </p:nvSpPr>
+        <p:spPr/>
+        <p:txBody>
+          <a:bodyPr/>
+          <a:lstStyle/>
+          <a:p>
+            <a:r>
+              <a:rPr lang="en-US" dirty="0" smtClean="0"/>
+              <a:t>NAT</a:t>
+            </a:r>
+            <a:endParaRPr lang="en-US" dirty="0"/>
+          </a:p>
+        </p:txBody>
+      </p:sp>
+      <p:sp>
+        <p:nvSpPr>
+          <p:cNvPr id="3" name="Content Placeholder 2"/>
+          <p:cNvSpPr>
+            <a:spLocks noGrp="1"/>
+          </p:cNvSpPr>
+          <p:nvPr>
+            <p:ph idx="1"/>
+          </p:nvPr>
+        </p:nvSpPr>
+        <p:spPr/>
+        <p:txBody>
+          <a:bodyPr/>
+          <a:lstStyle/>
+          <a:p>
+            <a:r>
+              <a:rPr lang="en-US" dirty="0" smtClean="0"/>
               <a:t>Example</a:t>
             </a:r>
           </a:p>
@@ -8271,7 +8832,7 @@
           <a:p>
             <a:fld id="{6BE98711-CE87-4D2C-A4EE-CF4DC81676AA}" type="slidenum">
               <a:rPr lang="en-US" smtClean="0"/>
-              <a:t>38</a:t>
+              <a:t>40</a:t>
             </a:fld>
             <a:endParaRPr lang="en-US"/>
           </a:p>
@@ -8320,7 +8881,7 @@
 </p:sld>
 </file>
 
-<file path=ppt/slides/slide39.xml><?xml version="1.0" encoding="utf-8"?>
+<file path=ppt/slides/slide41.xml><?xml version="1.0" encoding="utf-8"?>
 <p:sld xmlns:a="http://schemas.openxmlformats.org/drawingml/2006/main" xmlns:r="http://schemas.openxmlformats.org/officeDocument/2006/relationships" xmlns:p="http://schemas.openxmlformats.org/presentationml/2006/main">
   <p:cSld>
     <p:spTree>
@@ -8419,7 +8980,7 @@
           <a:p>
             <a:fld id="{6BE98711-CE87-4D2C-A4EE-CF4DC81676AA}" type="slidenum">
               <a:rPr lang="en-US" smtClean="0"/>
-              <a:t>39</a:t>
+              <a:t>41</a:t>
             </a:fld>
             <a:endParaRPr lang="en-US"/>
           </a:p>
@@ -8468,7 +9029,7 @@
 </p:sld>
 </file>
 
-<file path=ppt/slides/slide4.xml><?xml version="1.0" encoding="utf-8"?>
+<file path=ppt/slides/slide42.xml><?xml version="1.0" encoding="utf-8"?>
 <p:sld xmlns:a="http://schemas.openxmlformats.org/drawingml/2006/main" xmlns:r="http://schemas.openxmlformats.org/officeDocument/2006/relationships" xmlns:p="http://schemas.openxmlformats.org/presentationml/2006/main">
   <p:cSld>
     <p:spTree>
@@ -8502,132 +9063,6 @@
           <a:p>
             <a:r>
               <a:rPr lang="en-US" dirty="0" smtClean="0"/>
-              <a:t>Physical Layer</a:t>
-            </a:r>
-            <a:endParaRPr lang="en-US" dirty="0"/>
-          </a:p>
-        </p:txBody>
-      </p:sp>
-      <p:sp>
-        <p:nvSpPr>
-          <p:cNvPr id="3" name="Content Placeholder 2"/>
-          <p:cNvSpPr>
-            <a:spLocks noGrp="1"/>
-          </p:cNvSpPr>
-          <p:nvPr>
-            <p:ph idx="1"/>
-          </p:nvPr>
-        </p:nvSpPr>
-        <p:spPr/>
-        <p:txBody>
-          <a:bodyPr/>
-          <a:lstStyle/>
-          <a:p>
-            <a:r>
-              <a:rPr lang="en-US" dirty="0" smtClean="0"/>
-              <a:t>The physical layer encodes bits of data into some phenomenon in the physical world</a:t>
-            </a:r>
-          </a:p>
-          <a:p>
-            <a:r>
-              <a:rPr lang="en-US" dirty="0" smtClean="0"/>
-              <a:t>Examples:</a:t>
-            </a:r>
-          </a:p>
-          <a:p>
-            <a:pPr lvl="1"/>
-            <a:r>
-              <a:rPr lang="en-US" dirty="0" smtClean="0"/>
-              <a:t>Voltage pulses on copper wire</a:t>
-            </a:r>
-          </a:p>
-          <a:p>
-            <a:pPr lvl="1"/>
-            <a:r>
-              <a:rPr lang="en-US" dirty="0" smtClean="0"/>
-              <a:t>Laser pulses in an optical fiber</a:t>
-            </a:r>
-          </a:p>
-          <a:p>
-            <a:pPr lvl="1"/>
-            <a:r>
-              <a:rPr lang="en-US" dirty="0" smtClean="0"/>
-              <a:t>Phase modulation in a radio signal</a:t>
-            </a:r>
-            <a:endParaRPr lang="en-US" dirty="0"/>
-          </a:p>
-        </p:txBody>
-      </p:sp>
-      <p:sp>
-        <p:nvSpPr>
-          <p:cNvPr id="4" name="Slide Number Placeholder 3"/>
-          <p:cNvSpPr>
-            <a:spLocks noGrp="1"/>
-          </p:cNvSpPr>
-          <p:nvPr>
-            <p:ph type="sldNum" sz="quarter" idx="12"/>
-          </p:nvPr>
-        </p:nvSpPr>
-        <p:spPr/>
-        <p:txBody>
-          <a:bodyPr/>
-          <a:lstStyle/>
-          <a:p>
-            <a:fld id="{6BE98711-CE87-4D2C-A4EE-CF4DC81676AA}" type="slidenum">
-              <a:rPr lang="en-US" smtClean="0"/>
-              <a:t>4</a:t>
-            </a:fld>
-            <a:endParaRPr lang="en-US"/>
-          </a:p>
-        </p:txBody>
-      </p:sp>
-    </p:spTree>
-    <p:extLst>
-      <p:ext uri="{BB962C8B-B14F-4D97-AF65-F5344CB8AC3E}">
-        <p14:creationId xmlns:p14="http://schemas.microsoft.com/office/powerpoint/2010/main" val="3568547489"/>
-      </p:ext>
-    </p:extLst>
-  </p:cSld>
-  <p:clrMapOvr>
-    <a:masterClrMapping/>
-  </p:clrMapOvr>
-</p:sld>
-</file>
-
-<file path=ppt/slides/slide40.xml><?xml version="1.0" encoding="utf-8"?>
-<p:sld xmlns:a="http://schemas.openxmlformats.org/drawingml/2006/main" xmlns:r="http://schemas.openxmlformats.org/officeDocument/2006/relationships" xmlns:p="http://schemas.openxmlformats.org/presentationml/2006/main">
-  <p:cSld>
-    <p:spTree>
-      <p:nvGrpSpPr>
-        <p:cNvPr id="1" name=""/>
-        <p:cNvGrpSpPr/>
-        <p:nvPr/>
-      </p:nvGrpSpPr>
-      <p:grpSpPr>
-        <a:xfrm>
-          <a:off x="0" y="0"/>
-          <a:ext cx="0" cy="0"/>
-          <a:chOff x="0" y="0"/>
-          <a:chExt cx="0" cy="0"/>
-        </a:xfrm>
-      </p:grpSpPr>
-      <p:sp>
-        <p:nvSpPr>
-          <p:cNvPr id="2" name="Title 1"/>
-          <p:cNvSpPr>
-            <a:spLocks noGrp="1"/>
-          </p:cNvSpPr>
-          <p:nvPr>
-            <p:ph type="title"/>
-          </p:nvPr>
-        </p:nvSpPr>
-        <p:spPr/>
-        <p:txBody>
-          <a:bodyPr/>
-          <a:lstStyle/>
-          <a:p>
-            <a:r>
-              <a:rPr lang="en-US" dirty="0" smtClean="0"/>
               <a:t>NAT</a:t>
             </a:r>
             <a:endParaRPr lang="en-US" dirty="0"/>
@@ -8658,7 +9093,15 @@
           <a:p>
             <a:r>
               <a:rPr lang="en-US" dirty="0" smtClean="0"/>
-              <a:t>8.8.8.8 send a reply to 47.41.14.152</a:t>
+              <a:t>8.8.8.8 </a:t>
+            </a:r>
+            <a:r>
+              <a:rPr lang="en-US" dirty="0" smtClean="0"/>
+              <a:t>sends </a:t>
+            </a:r>
+            <a:r>
+              <a:rPr lang="en-US" dirty="0" smtClean="0"/>
+              <a:t>a reply to 47.41.14.152</a:t>
             </a:r>
           </a:p>
           <a:p>
@@ -8693,7 +9136,7 @@
           <a:p>
             <a:fld id="{6BE98711-CE87-4D2C-A4EE-CF4DC81676AA}" type="slidenum">
               <a:rPr lang="en-US" smtClean="0"/>
-              <a:t>40</a:t>
+              <a:t>42</a:t>
             </a:fld>
             <a:endParaRPr lang="en-US"/>
           </a:p>
@@ -8742,7 +9185,7 @@
 </p:sld>
 </file>
 
-<file path=ppt/slides/slide41.xml><?xml version="1.0" encoding="utf-8"?>
+<file path=ppt/slides/slide43.xml><?xml version="1.0" encoding="utf-8"?>
 <p:sld xmlns:a="http://schemas.openxmlformats.org/drawingml/2006/main" xmlns:r="http://schemas.openxmlformats.org/officeDocument/2006/relationships" xmlns:p="http://schemas.openxmlformats.org/presentationml/2006/main">
   <p:cSld>
     <p:spTree>
@@ -8838,7 +9281,7 @@
           <a:p>
             <a:fld id="{6BE98711-CE87-4D2C-A4EE-CF4DC81676AA}" type="slidenum">
               <a:rPr lang="en-US" smtClean="0"/>
-              <a:t>41</a:t>
+              <a:t>43</a:t>
             </a:fld>
             <a:endParaRPr lang="en-US"/>
           </a:p>
@@ -8857,7 +9300,7 @@
 </p:sld>
 </file>
 
-<file path=ppt/slides/slide42.xml><?xml version="1.0" encoding="utf-8"?>
+<file path=ppt/slides/slide44.xml><?xml version="1.0" encoding="utf-8"?>
 <p:sld xmlns:a="http://schemas.openxmlformats.org/drawingml/2006/main" xmlns:r="http://schemas.openxmlformats.org/officeDocument/2006/relationships" xmlns:p="http://schemas.openxmlformats.org/presentationml/2006/main">
   <p:cSld>
     <p:spTree>
@@ -8992,7 +9435,7 @@
           <a:p>
             <a:fld id="{6BE98711-CE87-4D2C-A4EE-CF4DC81676AA}" type="slidenum">
               <a:rPr lang="en-US" smtClean="0"/>
-              <a:t>42</a:t>
+              <a:t>44</a:t>
             </a:fld>
             <a:endParaRPr lang="en-US"/>
           </a:p>
@@ -9011,7 +9454,7 @@
 </p:sld>
 </file>
 
-<file path=ppt/slides/slide43.xml><?xml version="1.0" encoding="utf-8"?>
+<file path=ppt/slides/slide45.xml><?xml version="1.0" encoding="utf-8"?>
 <p:sld xmlns:a="http://schemas.openxmlformats.org/drawingml/2006/main" xmlns:r="http://schemas.openxmlformats.org/officeDocument/2006/relationships" xmlns:p="http://schemas.openxmlformats.org/presentationml/2006/main">
   <p:cSld>
     <p:spTree>
@@ -9153,7 +9596,7 @@
           <a:p>
             <a:fld id="{6BE98711-CE87-4D2C-A4EE-CF4DC81676AA}" type="slidenum">
               <a:rPr lang="en-US" smtClean="0"/>
-              <a:t>43</a:t>
+              <a:t>45</a:t>
             </a:fld>
             <a:endParaRPr lang="en-US"/>
           </a:p>
@@ -9163,234 +9606,6 @@
     <p:extLst>
       <p:ext uri="{BB962C8B-B14F-4D97-AF65-F5344CB8AC3E}">
         <p14:creationId xmlns:p14="http://schemas.microsoft.com/office/powerpoint/2010/main" val="2624879810"/>
-      </p:ext>
-    </p:extLst>
-  </p:cSld>
-  <p:clrMapOvr>
-    <a:masterClrMapping/>
-  </p:clrMapOvr>
-</p:sld>
-</file>
-
-<file path=ppt/slides/slide44.xml><?xml version="1.0" encoding="utf-8"?>
-<p:sld xmlns:a="http://schemas.openxmlformats.org/drawingml/2006/main" xmlns:r="http://schemas.openxmlformats.org/officeDocument/2006/relationships" xmlns:p="http://schemas.openxmlformats.org/presentationml/2006/main">
-  <p:cSld>
-    <p:spTree>
-      <p:nvGrpSpPr>
-        <p:cNvPr id="1" name=""/>
-        <p:cNvGrpSpPr/>
-        <p:nvPr/>
-      </p:nvGrpSpPr>
-      <p:grpSpPr>
-        <a:xfrm>
-          <a:off x="0" y="0"/>
-          <a:ext cx="0" cy="0"/>
-          <a:chOff x="0" y="0"/>
-          <a:chExt cx="0" cy="0"/>
-        </a:xfrm>
-      </p:grpSpPr>
-      <p:sp>
-        <p:nvSpPr>
-          <p:cNvPr id="2" name="Title 1"/>
-          <p:cNvSpPr>
-            <a:spLocks noGrp="1"/>
-          </p:cNvSpPr>
-          <p:nvPr>
-            <p:ph type="title"/>
-          </p:nvPr>
-        </p:nvSpPr>
-        <p:spPr/>
-        <p:txBody>
-          <a:bodyPr>
-            <a:normAutofit/>
-          </a:bodyPr>
-          <a:lstStyle/>
-          <a:p>
-            <a:r>
-              <a:rPr lang="en-US" dirty="0" smtClean="0"/>
-              <a:t>Transport Layer</a:t>
-            </a:r>
-            <a:endParaRPr lang="en-US" dirty="0"/>
-          </a:p>
-        </p:txBody>
-      </p:sp>
-      <p:sp>
-        <p:nvSpPr>
-          <p:cNvPr id="3" name="Content Placeholder 2"/>
-          <p:cNvSpPr>
-            <a:spLocks noGrp="1"/>
-          </p:cNvSpPr>
-          <p:nvPr>
-            <p:ph idx="1"/>
-          </p:nvPr>
-        </p:nvSpPr>
-        <p:spPr/>
-        <p:txBody>
-          <a:bodyPr/>
-          <a:lstStyle/>
-          <a:p>
-            <a:r>
-              <a:rPr lang="en-US" dirty="0" smtClean="0"/>
-              <a:t>Sends </a:t>
-            </a:r>
-            <a:r>
-              <a:rPr lang="en-US" i="1" dirty="0" smtClean="0"/>
-              <a:t>segments</a:t>
-            </a:r>
-            <a:r>
-              <a:rPr lang="en-US" dirty="0" smtClean="0"/>
-              <a:t> between </a:t>
-            </a:r>
-            <a:r>
-              <a:rPr lang="en-US" i="1" dirty="0" smtClean="0"/>
-              <a:t>ports</a:t>
-            </a:r>
-            <a:r>
-              <a:rPr lang="en-US" dirty="0" smtClean="0"/>
-              <a:t> on hosts</a:t>
-            </a:r>
-          </a:p>
-          <a:p>
-            <a:r>
-              <a:rPr lang="en-US" dirty="0" smtClean="0"/>
-              <a:t>Commonly-used protocols include UDP (User Datagram Protocol) and TCP (Transmission Control Protocol)</a:t>
-            </a:r>
-            <a:endParaRPr lang="en-US" dirty="0"/>
-          </a:p>
-        </p:txBody>
-      </p:sp>
-      <p:sp>
-        <p:nvSpPr>
-          <p:cNvPr id="4" name="Slide Number Placeholder 3"/>
-          <p:cNvSpPr>
-            <a:spLocks noGrp="1"/>
-          </p:cNvSpPr>
-          <p:nvPr>
-            <p:ph type="sldNum" sz="quarter" idx="12"/>
-          </p:nvPr>
-        </p:nvSpPr>
-        <p:spPr/>
-        <p:txBody>
-          <a:bodyPr/>
-          <a:lstStyle/>
-          <a:p>
-            <a:fld id="{6BE98711-CE87-4D2C-A4EE-CF4DC81676AA}" type="slidenum">
-              <a:rPr lang="en-US" smtClean="0"/>
-              <a:t>44</a:t>
-            </a:fld>
-            <a:endParaRPr lang="en-US"/>
-          </a:p>
-        </p:txBody>
-      </p:sp>
-    </p:spTree>
-    <p:extLst>
-      <p:ext uri="{BB962C8B-B14F-4D97-AF65-F5344CB8AC3E}">
-        <p14:creationId xmlns:p14="http://schemas.microsoft.com/office/powerpoint/2010/main" val="950616927"/>
-      </p:ext>
-    </p:extLst>
-  </p:cSld>
-  <p:clrMapOvr>
-    <a:masterClrMapping/>
-  </p:clrMapOvr>
-</p:sld>
-</file>
-
-<file path=ppt/slides/slide45.xml><?xml version="1.0" encoding="utf-8"?>
-<p:sld xmlns:a="http://schemas.openxmlformats.org/drawingml/2006/main" xmlns:r="http://schemas.openxmlformats.org/officeDocument/2006/relationships" xmlns:p="http://schemas.openxmlformats.org/presentationml/2006/main">
-  <p:cSld>
-    <p:spTree>
-      <p:nvGrpSpPr>
-        <p:cNvPr id="1" name=""/>
-        <p:cNvGrpSpPr/>
-        <p:nvPr/>
-      </p:nvGrpSpPr>
-      <p:grpSpPr>
-        <a:xfrm>
-          <a:off x="0" y="0"/>
-          <a:ext cx="0" cy="0"/>
-          <a:chOff x="0" y="0"/>
-          <a:chExt cx="0" cy="0"/>
-        </a:xfrm>
-      </p:grpSpPr>
-      <p:sp>
-        <p:nvSpPr>
-          <p:cNvPr id="2" name="Title 1"/>
-          <p:cNvSpPr>
-            <a:spLocks noGrp="1"/>
-          </p:cNvSpPr>
-          <p:nvPr>
-            <p:ph type="title"/>
-          </p:nvPr>
-        </p:nvSpPr>
-        <p:spPr/>
-        <p:txBody>
-          <a:bodyPr/>
-          <a:lstStyle/>
-          <a:p>
-            <a:r>
-              <a:rPr lang="en-US" dirty="0" smtClean="0"/>
-              <a:t>Ports</a:t>
-            </a:r>
-            <a:endParaRPr lang="en-US" dirty="0"/>
-          </a:p>
-        </p:txBody>
-      </p:sp>
-      <p:sp>
-        <p:nvSpPr>
-          <p:cNvPr id="3" name="Content Placeholder 2"/>
-          <p:cNvSpPr>
-            <a:spLocks noGrp="1"/>
-          </p:cNvSpPr>
-          <p:nvPr>
-            <p:ph idx="1"/>
-          </p:nvPr>
-        </p:nvSpPr>
-        <p:spPr/>
-        <p:txBody>
-          <a:bodyPr/>
-          <a:lstStyle/>
-          <a:p>
-            <a:r>
-              <a:rPr lang="en-US" dirty="0" smtClean="0"/>
-              <a:t>Logical “ports” are ways of segregating data between different applications on the same host</a:t>
-            </a:r>
-          </a:p>
-          <a:p>
-            <a:r>
-              <a:rPr lang="en-US" dirty="0" smtClean="0"/>
-              <a:t>E.g., each connection to a website will use a different port on your computer</a:t>
-            </a:r>
-            <a:endParaRPr lang="en-US" dirty="0"/>
-          </a:p>
-        </p:txBody>
-      </p:sp>
-      <p:sp>
-        <p:nvSpPr>
-          <p:cNvPr id="4" name="Slide Number Placeholder 3"/>
-          <p:cNvSpPr>
-            <a:spLocks noGrp="1"/>
-          </p:cNvSpPr>
-          <p:nvPr>
-            <p:ph type="sldNum" sz="quarter" idx="12"/>
-          </p:nvPr>
-        </p:nvSpPr>
-        <p:spPr/>
-        <p:txBody>
-          <a:bodyPr/>
-          <a:lstStyle/>
-          <a:p>
-            <a:fld id="{6BE98711-CE87-4D2C-A4EE-CF4DC81676AA}" type="slidenum">
-              <a:rPr lang="en-US" smtClean="0"/>
-              <a:t>45</a:t>
-            </a:fld>
-            <a:endParaRPr lang="en-US"/>
-          </a:p>
-        </p:txBody>
-      </p:sp>
-    </p:spTree>
-    <p:extLst>
-      <p:ext uri="{BB962C8B-B14F-4D97-AF65-F5344CB8AC3E}">
-        <p14:creationId xmlns:p14="http://schemas.microsoft.com/office/powerpoint/2010/main" val="2157437427"/>
       </p:ext>
     </p:extLst>
   </p:cSld>
@@ -9429,12 +9644,14 @@
         </p:nvSpPr>
         <p:spPr/>
         <p:txBody>
-          <a:bodyPr/>
-          <a:lstStyle/>
-          <a:p>
-            <a:r>
-              <a:rPr lang="en-US" dirty="0" smtClean="0"/>
-              <a:t>Ports</a:t>
+          <a:bodyPr>
+            <a:normAutofit/>
+          </a:bodyPr>
+          <a:lstStyle/>
+          <a:p>
+            <a:r>
+              <a:rPr lang="en-US" dirty="0" smtClean="0"/>
+              <a:t>Transport Layer</a:t>
             </a:r>
             <a:endParaRPr lang="en-US" dirty="0"/>
           </a:p>
@@ -9452,78 +9669,34 @@
         </p:nvSpPr>
         <p:spPr/>
         <p:txBody>
-          <a:bodyPr>
-            <a:normAutofit lnSpcReduction="10000"/>
-          </a:bodyPr>
-          <a:lstStyle/>
-          <a:p>
-            <a:r>
-              <a:rPr lang="en-US" dirty="0" smtClean="0"/>
-              <a:t>Ports 0-1024 are considered the </a:t>
+          <a:bodyPr/>
+          <a:lstStyle/>
+          <a:p>
+            <a:r>
+              <a:rPr lang="en-US" dirty="0" smtClean="0"/>
+              <a:t>Sends </a:t>
             </a:r>
             <a:r>
               <a:rPr lang="en-US" i="1" dirty="0" smtClean="0"/>
-              <a:t>well-known</a:t>
-            </a:r>
-            <a:r>
-              <a:rPr lang="en-US" dirty="0" smtClean="0"/>
-              <a:t> or </a:t>
+              <a:t>segments</a:t>
+            </a:r>
+            <a:r>
+              <a:rPr lang="en-US" dirty="0" smtClean="0"/>
+              <a:t> between </a:t>
             </a:r>
             <a:r>
               <a:rPr lang="en-US" i="1" dirty="0" smtClean="0"/>
-              <a:t>reserved</a:t>
-            </a:r>
-            <a:r>
-              <a:rPr lang="en-US" dirty="0" smtClean="0"/>
-              <a:t> ports</a:t>
-            </a:r>
-          </a:p>
-          <a:p>
-            <a:r>
-              <a:rPr lang="en-US" dirty="0" smtClean="0"/>
-              <a:t>Examples:</a:t>
-            </a:r>
-          </a:p>
-          <a:p>
-            <a:pPr lvl="1"/>
-            <a:r>
-              <a:rPr lang="en-US" dirty="0" smtClean="0"/>
-              <a:t>21 (FTP)</a:t>
-            </a:r>
-          </a:p>
-          <a:p>
-            <a:pPr lvl="1"/>
-            <a:r>
-              <a:rPr lang="en-US" dirty="0" smtClean="0"/>
-              <a:t>22 (SSH)</a:t>
-            </a:r>
-          </a:p>
-          <a:p>
-            <a:pPr lvl="1"/>
-            <a:r>
-              <a:rPr lang="en-US" dirty="0" smtClean="0"/>
-              <a:t>23 (Telnet)</a:t>
-            </a:r>
-          </a:p>
-          <a:p>
-            <a:pPr lvl="1"/>
-            <a:r>
-              <a:rPr lang="en-US" dirty="0" smtClean="0"/>
-              <a:t>53 (DNS)</a:t>
-            </a:r>
-          </a:p>
-          <a:p>
-            <a:pPr lvl="1"/>
-            <a:r>
-              <a:rPr lang="en-US" dirty="0" smtClean="0"/>
-              <a:t>80 (HTTP)</a:t>
-            </a:r>
-          </a:p>
-          <a:p>
-            <a:pPr lvl="1"/>
-            <a:r>
-              <a:rPr lang="en-US" dirty="0" smtClean="0"/>
-              <a:t>443 (HTTPS)</a:t>
+              <a:t>ports</a:t>
+            </a:r>
+            <a:r>
+              <a:rPr lang="en-US" dirty="0" smtClean="0"/>
+              <a:t> on hosts</a:t>
+            </a:r>
+          </a:p>
+          <a:p>
+            <a:r>
+              <a:rPr lang="en-US" dirty="0" smtClean="0"/>
+              <a:t>Commonly-used protocols include UDP (User Datagram Protocol) and TCP (Transmission Control Protocol)</a:t>
             </a:r>
             <a:endParaRPr lang="en-US" dirty="0"/>
           </a:p>
@@ -9555,7 +9728,7 @@
     </p:spTree>
     <p:extLst>
       <p:ext uri="{BB962C8B-B14F-4D97-AF65-F5344CB8AC3E}">
-        <p14:creationId xmlns:p14="http://schemas.microsoft.com/office/powerpoint/2010/main" val="2643289413"/>
+        <p14:creationId xmlns:p14="http://schemas.microsoft.com/office/powerpoint/2010/main" val="950616927"/>
       </p:ext>
     </p:extLst>
   </p:cSld>
@@ -9617,6 +9790,111 @@
         </p:nvSpPr>
         <p:spPr/>
         <p:txBody>
+          <a:bodyPr/>
+          <a:lstStyle/>
+          <a:p>
+            <a:r>
+              <a:rPr lang="en-US" dirty="0" smtClean="0"/>
+              <a:t>Logical “ports” are ways of segregating data between different applications on the same host</a:t>
+            </a:r>
+          </a:p>
+          <a:p>
+            <a:r>
+              <a:rPr lang="en-US" dirty="0" smtClean="0"/>
+              <a:t>E.g., each connection to a website will use a different port on your computer</a:t>
+            </a:r>
+            <a:endParaRPr lang="en-US" dirty="0"/>
+          </a:p>
+        </p:txBody>
+      </p:sp>
+      <p:sp>
+        <p:nvSpPr>
+          <p:cNvPr id="4" name="Slide Number Placeholder 3"/>
+          <p:cNvSpPr>
+            <a:spLocks noGrp="1"/>
+          </p:cNvSpPr>
+          <p:nvPr>
+            <p:ph type="sldNum" sz="quarter" idx="12"/>
+          </p:nvPr>
+        </p:nvSpPr>
+        <p:spPr/>
+        <p:txBody>
+          <a:bodyPr/>
+          <a:lstStyle/>
+          <a:p>
+            <a:fld id="{6BE98711-CE87-4D2C-A4EE-CF4DC81676AA}" type="slidenum">
+              <a:rPr lang="en-US" smtClean="0"/>
+              <a:t>47</a:t>
+            </a:fld>
+            <a:endParaRPr lang="en-US"/>
+          </a:p>
+        </p:txBody>
+      </p:sp>
+    </p:spTree>
+    <p:extLst>
+      <p:ext uri="{BB962C8B-B14F-4D97-AF65-F5344CB8AC3E}">
+        <p14:creationId xmlns:p14="http://schemas.microsoft.com/office/powerpoint/2010/main" val="2157437427"/>
+      </p:ext>
+    </p:extLst>
+  </p:cSld>
+  <p:clrMapOvr>
+    <a:masterClrMapping/>
+  </p:clrMapOvr>
+</p:sld>
+</file>
+
+<file path=ppt/slides/slide48.xml><?xml version="1.0" encoding="utf-8"?>
+<p:sld xmlns:a="http://schemas.openxmlformats.org/drawingml/2006/main" xmlns:r="http://schemas.openxmlformats.org/officeDocument/2006/relationships" xmlns:p="http://schemas.openxmlformats.org/presentationml/2006/main">
+  <p:cSld>
+    <p:spTree>
+      <p:nvGrpSpPr>
+        <p:cNvPr id="1" name=""/>
+        <p:cNvGrpSpPr/>
+        <p:nvPr/>
+      </p:nvGrpSpPr>
+      <p:grpSpPr>
+        <a:xfrm>
+          <a:off x="0" y="0"/>
+          <a:ext cx="0" cy="0"/>
+          <a:chOff x="0" y="0"/>
+          <a:chExt cx="0" cy="0"/>
+        </a:xfrm>
+      </p:grpSpPr>
+      <p:sp>
+        <p:nvSpPr>
+          <p:cNvPr id="2" name="Title 1"/>
+          <p:cNvSpPr>
+            <a:spLocks noGrp="1"/>
+          </p:cNvSpPr>
+          <p:nvPr>
+            <p:ph type="title"/>
+          </p:nvPr>
+        </p:nvSpPr>
+        <p:spPr/>
+        <p:txBody>
+          <a:bodyPr/>
+          <a:lstStyle/>
+          <a:p>
+            <a:r>
+              <a:rPr lang="en-US" dirty="0" smtClean="0"/>
+              <a:t>Ports</a:t>
+            </a:r>
+            <a:endParaRPr lang="en-US" dirty="0"/>
+          </a:p>
+        </p:txBody>
+      </p:sp>
+      <p:sp>
+        <p:nvSpPr>
+          <p:cNvPr id="3" name="Content Placeholder 2"/>
+          <p:cNvSpPr>
+            <a:spLocks noGrp="1"/>
+          </p:cNvSpPr>
+          <p:nvPr>
+            <p:ph idx="1"/>
+          </p:nvPr>
+        </p:nvSpPr>
+        <p:spPr/>
+        <p:txBody>
           <a:bodyPr>
             <a:normAutofit lnSpcReduction="10000"/>
           </a:bodyPr>
@@ -9624,6 +9902,171 @@
           <a:p>
             <a:r>
               <a:rPr lang="en-US" dirty="0" smtClean="0"/>
+              <a:t>Ports 0-1024 are considered the </a:t>
+            </a:r>
+            <a:r>
+              <a:rPr lang="en-US" i="1" dirty="0" smtClean="0"/>
+              <a:t>well-known</a:t>
+            </a:r>
+            <a:r>
+              <a:rPr lang="en-US" dirty="0" smtClean="0"/>
+              <a:t> or </a:t>
+            </a:r>
+            <a:r>
+              <a:rPr lang="en-US" i="1" dirty="0" smtClean="0"/>
+              <a:t>reserved</a:t>
+            </a:r>
+            <a:r>
+              <a:rPr lang="en-US" dirty="0" smtClean="0"/>
+              <a:t> ports</a:t>
+            </a:r>
+          </a:p>
+          <a:p>
+            <a:r>
+              <a:rPr lang="en-US" dirty="0" smtClean="0"/>
+              <a:t>Examples:</a:t>
+            </a:r>
+          </a:p>
+          <a:p>
+            <a:pPr lvl="1"/>
+            <a:r>
+              <a:rPr lang="en-US" dirty="0" smtClean="0"/>
+              <a:t>21 (FTP)</a:t>
+            </a:r>
+          </a:p>
+          <a:p>
+            <a:pPr lvl="1"/>
+            <a:r>
+              <a:rPr lang="en-US" dirty="0" smtClean="0"/>
+              <a:t>22 (SSH)</a:t>
+            </a:r>
+          </a:p>
+          <a:p>
+            <a:pPr lvl="1"/>
+            <a:r>
+              <a:rPr lang="en-US" dirty="0" smtClean="0"/>
+              <a:t>23 (Telnet)</a:t>
+            </a:r>
+          </a:p>
+          <a:p>
+            <a:pPr lvl="1"/>
+            <a:r>
+              <a:rPr lang="en-US" dirty="0" smtClean="0"/>
+              <a:t>53 (DNS)</a:t>
+            </a:r>
+          </a:p>
+          <a:p>
+            <a:pPr lvl="1"/>
+            <a:r>
+              <a:rPr lang="en-US" dirty="0" smtClean="0"/>
+              <a:t>80 (HTTP)</a:t>
+            </a:r>
+          </a:p>
+          <a:p>
+            <a:pPr lvl="1"/>
+            <a:r>
+              <a:rPr lang="en-US" dirty="0" smtClean="0"/>
+              <a:t>443 (HTTPS)</a:t>
+            </a:r>
+            <a:endParaRPr lang="en-US" dirty="0"/>
+          </a:p>
+        </p:txBody>
+      </p:sp>
+      <p:sp>
+        <p:nvSpPr>
+          <p:cNvPr id="4" name="Slide Number Placeholder 3"/>
+          <p:cNvSpPr>
+            <a:spLocks noGrp="1"/>
+          </p:cNvSpPr>
+          <p:nvPr>
+            <p:ph type="sldNum" sz="quarter" idx="12"/>
+          </p:nvPr>
+        </p:nvSpPr>
+        <p:spPr/>
+        <p:txBody>
+          <a:bodyPr/>
+          <a:lstStyle/>
+          <a:p>
+            <a:fld id="{6BE98711-CE87-4D2C-A4EE-CF4DC81676AA}" type="slidenum">
+              <a:rPr lang="en-US" smtClean="0"/>
+              <a:t>48</a:t>
+            </a:fld>
+            <a:endParaRPr lang="en-US"/>
+          </a:p>
+        </p:txBody>
+      </p:sp>
+    </p:spTree>
+    <p:extLst>
+      <p:ext uri="{BB962C8B-B14F-4D97-AF65-F5344CB8AC3E}">
+        <p14:creationId xmlns:p14="http://schemas.microsoft.com/office/powerpoint/2010/main" val="2643289413"/>
+      </p:ext>
+    </p:extLst>
+  </p:cSld>
+  <p:clrMapOvr>
+    <a:masterClrMapping/>
+  </p:clrMapOvr>
+</p:sld>
+</file>
+
+<file path=ppt/slides/slide49.xml><?xml version="1.0" encoding="utf-8"?>
+<p:sld xmlns:a="http://schemas.openxmlformats.org/drawingml/2006/main" xmlns:r="http://schemas.openxmlformats.org/officeDocument/2006/relationships" xmlns:p="http://schemas.openxmlformats.org/presentationml/2006/main">
+  <p:cSld>
+    <p:spTree>
+      <p:nvGrpSpPr>
+        <p:cNvPr id="1" name=""/>
+        <p:cNvGrpSpPr/>
+        <p:nvPr/>
+      </p:nvGrpSpPr>
+      <p:grpSpPr>
+        <a:xfrm>
+          <a:off x="0" y="0"/>
+          <a:ext cx="0" cy="0"/>
+          <a:chOff x="0" y="0"/>
+          <a:chExt cx="0" cy="0"/>
+        </a:xfrm>
+      </p:grpSpPr>
+      <p:sp>
+        <p:nvSpPr>
+          <p:cNvPr id="2" name="Title 1"/>
+          <p:cNvSpPr>
+            <a:spLocks noGrp="1"/>
+          </p:cNvSpPr>
+          <p:nvPr>
+            <p:ph type="title"/>
+          </p:nvPr>
+        </p:nvSpPr>
+        <p:spPr/>
+        <p:txBody>
+          <a:bodyPr/>
+          <a:lstStyle/>
+          <a:p>
+            <a:r>
+              <a:rPr lang="en-US" dirty="0" smtClean="0"/>
+              <a:t>Ports</a:t>
+            </a:r>
+            <a:endParaRPr lang="en-US" dirty="0"/>
+          </a:p>
+        </p:txBody>
+      </p:sp>
+      <p:sp>
+        <p:nvSpPr>
+          <p:cNvPr id="3" name="Content Placeholder 2"/>
+          <p:cNvSpPr>
+            <a:spLocks noGrp="1"/>
+          </p:cNvSpPr>
+          <p:nvPr>
+            <p:ph idx="1"/>
+          </p:nvPr>
+        </p:nvSpPr>
+        <p:spPr/>
+        <p:txBody>
+          <a:bodyPr>
+            <a:normAutofit lnSpcReduction="10000"/>
+          </a:bodyPr>
+          <a:lstStyle/>
+          <a:p>
+            <a:r>
+              <a:rPr lang="en-US" dirty="0" smtClean="0"/>
               <a:t>Higher-numbered ports (the lower limit varies) are known as </a:t>
             </a:r>
             <a:r>
@@ -9672,7 +10115,7 @@
           <a:p>
             <a:fld id="{6BE98711-CE87-4D2C-A4EE-CF4DC81676AA}" type="slidenum">
               <a:rPr lang="en-US" smtClean="0"/>
-              <a:t>47</a:t>
+              <a:t>49</a:t>
             </a:fld>
             <a:endParaRPr lang="en-US"/>
           </a:p>
@@ -9691,7 +10134,132 @@
 </p:sld>
 </file>
 
-<file path=ppt/slides/slide48.xml><?xml version="1.0" encoding="utf-8"?>
+<file path=ppt/slides/slide5.xml><?xml version="1.0" encoding="utf-8"?>
+<p:sld xmlns:a="http://schemas.openxmlformats.org/drawingml/2006/main" xmlns:r="http://schemas.openxmlformats.org/officeDocument/2006/relationships" xmlns:p="http://schemas.openxmlformats.org/presentationml/2006/main">
+  <p:cSld>
+    <p:spTree>
+      <p:nvGrpSpPr>
+        <p:cNvPr id="1" name=""/>
+        <p:cNvGrpSpPr/>
+        <p:nvPr/>
+      </p:nvGrpSpPr>
+      <p:grpSpPr>
+        <a:xfrm>
+          <a:off x="0" y="0"/>
+          <a:ext cx="0" cy="0"/>
+          <a:chOff x="0" y="0"/>
+          <a:chExt cx="0" cy="0"/>
+        </a:xfrm>
+      </p:grpSpPr>
+      <p:sp>
+        <p:nvSpPr>
+          <p:cNvPr id="2" name="Title 1"/>
+          <p:cNvSpPr>
+            <a:spLocks noGrp="1"/>
+          </p:cNvSpPr>
+          <p:nvPr>
+            <p:ph type="title"/>
+          </p:nvPr>
+        </p:nvSpPr>
+        <p:spPr/>
+        <p:txBody>
+          <a:bodyPr/>
+          <a:lstStyle/>
+          <a:p>
+            <a:r>
+              <a:rPr lang="en-US" dirty="0" smtClean="0"/>
+              <a:t>“Ethernet”</a:t>
+            </a:r>
+            <a:endParaRPr lang="en-US" dirty="0"/>
+          </a:p>
+        </p:txBody>
+      </p:sp>
+      <p:sp>
+        <p:nvSpPr>
+          <p:cNvPr id="3" name="Content Placeholder 2"/>
+          <p:cNvSpPr>
+            <a:spLocks noGrp="1"/>
+          </p:cNvSpPr>
+          <p:nvPr>
+            <p:ph idx="1"/>
+          </p:nvPr>
+        </p:nvSpPr>
+        <p:spPr/>
+        <p:txBody>
+          <a:bodyPr/>
+          <a:lstStyle/>
+          <a:p>
+            <a:r>
+              <a:rPr lang="en-US" dirty="0" smtClean="0"/>
+              <a:t>Technically, Ethernet (IEEE 802.3) is a layer 2 (Data Link) standard</a:t>
+            </a:r>
+          </a:p>
+          <a:p>
+            <a:r>
+              <a:rPr lang="en-US" dirty="0" smtClean="0"/>
+              <a:t>It’s possible to send Ethernet frames over optical fiber, for example</a:t>
+            </a:r>
+          </a:p>
+          <a:p>
+            <a:r>
+              <a:rPr lang="en-US" dirty="0" smtClean="0"/>
+              <a:t>“Ethernet” is colloquially used to refer to:</a:t>
+            </a:r>
+          </a:p>
+          <a:p>
+            <a:pPr lvl="1"/>
+            <a:r>
+              <a:rPr lang="en-US" dirty="0" smtClean="0"/>
+              <a:t>10/100/10GBASE-T physical implementations</a:t>
+            </a:r>
+          </a:p>
+          <a:p>
+            <a:pPr lvl="1"/>
+            <a:r>
+              <a:rPr lang="en-US" dirty="0" smtClean="0"/>
+              <a:t>The 8P8C modular connector</a:t>
+            </a:r>
+            <a:endParaRPr lang="en-US" dirty="0"/>
+          </a:p>
+        </p:txBody>
+      </p:sp>
+      <p:sp>
+        <p:nvSpPr>
+          <p:cNvPr id="4" name="Slide Number Placeholder 3"/>
+          <p:cNvSpPr>
+            <a:spLocks noGrp="1"/>
+          </p:cNvSpPr>
+          <p:nvPr>
+            <p:ph type="sldNum" sz="quarter" idx="12"/>
+          </p:nvPr>
+        </p:nvSpPr>
+        <p:spPr/>
+        <p:txBody>
+          <a:bodyPr/>
+          <a:lstStyle/>
+          <a:p>
+            <a:fld id="{6BE98711-CE87-4D2C-A4EE-CF4DC81676AA}" type="slidenum">
+              <a:rPr lang="en-US" smtClean="0"/>
+              <a:t>5</a:t>
+            </a:fld>
+            <a:endParaRPr lang="en-US"/>
+          </a:p>
+        </p:txBody>
+      </p:sp>
+    </p:spTree>
+    <p:extLst>
+      <p:ext uri="{BB962C8B-B14F-4D97-AF65-F5344CB8AC3E}">
+        <p14:creationId xmlns:p14="http://schemas.microsoft.com/office/powerpoint/2010/main" val="400293307"/>
+      </p:ext>
+    </p:extLst>
+  </p:cSld>
+  <p:clrMapOvr>
+    <a:masterClrMapping/>
+  </p:clrMapOvr>
+</p:sld>
+</file>
+
+<file path=ppt/slides/slide50.xml><?xml version="1.0" encoding="utf-8"?>
 <p:sld xmlns:a="http://schemas.openxmlformats.org/drawingml/2006/main" xmlns:r="http://schemas.openxmlformats.org/officeDocument/2006/relationships" xmlns:p="http://schemas.openxmlformats.org/presentationml/2006/main">
   <p:cSld>
     <p:spTree>
@@ -9833,7 +10401,7 @@
           <a:p>
             <a:fld id="{6BE98711-CE87-4D2C-A4EE-CF4DC81676AA}" type="slidenum">
               <a:rPr lang="en-US" smtClean="0"/>
-              <a:t>48</a:t>
+              <a:t>50</a:t>
             </a:fld>
             <a:endParaRPr lang="en-US"/>
           </a:p>
@@ -9852,7 +10420,7 @@
 </p:sld>
 </file>
 
-<file path=ppt/slides/slide49.xml><?xml version="1.0" encoding="utf-8"?>
+<file path=ppt/slides/slide51.xml><?xml version="1.0" encoding="utf-8"?>
 <p:sld xmlns:a="http://schemas.openxmlformats.org/drawingml/2006/main" xmlns:r="http://schemas.openxmlformats.org/officeDocument/2006/relationships" xmlns:p="http://schemas.openxmlformats.org/presentationml/2006/main">
   <p:cSld>
     <p:spTree>
@@ -9994,7 +10562,7 @@
           <a:p>
             <a:fld id="{6BE98711-CE87-4D2C-A4EE-CF4DC81676AA}" type="slidenum">
               <a:rPr lang="en-US" smtClean="0"/>
-              <a:t>49</a:t>
+              <a:t>51</a:t>
             </a:fld>
             <a:endParaRPr lang="en-US"/>
           </a:p>
@@ -10013,132 +10581,7 @@
 </p:sld>
 </file>
 
-<file path=ppt/slides/slide5.xml><?xml version="1.0" encoding="utf-8"?>
-<p:sld xmlns:a="http://schemas.openxmlformats.org/drawingml/2006/main" xmlns:r="http://schemas.openxmlformats.org/officeDocument/2006/relationships" xmlns:p="http://schemas.openxmlformats.org/presentationml/2006/main">
-  <p:cSld>
-    <p:spTree>
-      <p:nvGrpSpPr>
-        <p:cNvPr id="1" name=""/>
-        <p:cNvGrpSpPr/>
-        <p:nvPr/>
-      </p:nvGrpSpPr>
-      <p:grpSpPr>
-        <a:xfrm>
-          <a:off x="0" y="0"/>
-          <a:ext cx="0" cy="0"/>
-          <a:chOff x="0" y="0"/>
-          <a:chExt cx="0" cy="0"/>
-        </a:xfrm>
-      </p:grpSpPr>
-      <p:sp>
-        <p:nvSpPr>
-          <p:cNvPr id="2" name="Title 1"/>
-          <p:cNvSpPr>
-            <a:spLocks noGrp="1"/>
-          </p:cNvSpPr>
-          <p:nvPr>
-            <p:ph type="title"/>
-          </p:nvPr>
-        </p:nvSpPr>
-        <p:spPr/>
-        <p:txBody>
-          <a:bodyPr/>
-          <a:lstStyle/>
-          <a:p>
-            <a:r>
-              <a:rPr lang="en-US" dirty="0" smtClean="0"/>
-              <a:t>“Ethernet”</a:t>
-            </a:r>
-            <a:endParaRPr lang="en-US" dirty="0"/>
-          </a:p>
-        </p:txBody>
-      </p:sp>
-      <p:sp>
-        <p:nvSpPr>
-          <p:cNvPr id="3" name="Content Placeholder 2"/>
-          <p:cNvSpPr>
-            <a:spLocks noGrp="1"/>
-          </p:cNvSpPr>
-          <p:nvPr>
-            <p:ph idx="1"/>
-          </p:nvPr>
-        </p:nvSpPr>
-        <p:spPr/>
-        <p:txBody>
-          <a:bodyPr/>
-          <a:lstStyle/>
-          <a:p>
-            <a:r>
-              <a:rPr lang="en-US" dirty="0" smtClean="0"/>
-              <a:t>Technically, Ethernet (IEEE 802.3) is a layer 2 (Data Link) standard</a:t>
-            </a:r>
-          </a:p>
-          <a:p>
-            <a:r>
-              <a:rPr lang="en-US" dirty="0" smtClean="0"/>
-              <a:t>It’s possible to send Ethernet frames over optical fiber, for example</a:t>
-            </a:r>
-          </a:p>
-          <a:p>
-            <a:r>
-              <a:rPr lang="en-US" dirty="0" smtClean="0"/>
-              <a:t>“Ethernet” is colloquially used to refer to:</a:t>
-            </a:r>
-          </a:p>
-          <a:p>
-            <a:pPr lvl="1"/>
-            <a:r>
-              <a:rPr lang="en-US" dirty="0" smtClean="0"/>
-              <a:t>10/100/10GBASE-T physical implementations</a:t>
-            </a:r>
-          </a:p>
-          <a:p>
-            <a:pPr lvl="1"/>
-            <a:r>
-              <a:rPr lang="en-US" dirty="0" smtClean="0"/>
-              <a:t>The 8P8C modular connector</a:t>
-            </a:r>
-            <a:endParaRPr lang="en-US" dirty="0"/>
-          </a:p>
-        </p:txBody>
-      </p:sp>
-      <p:sp>
-        <p:nvSpPr>
-          <p:cNvPr id="4" name="Slide Number Placeholder 3"/>
-          <p:cNvSpPr>
-            <a:spLocks noGrp="1"/>
-          </p:cNvSpPr>
-          <p:nvPr>
-            <p:ph type="sldNum" sz="quarter" idx="12"/>
-          </p:nvPr>
-        </p:nvSpPr>
-        <p:spPr/>
-        <p:txBody>
-          <a:bodyPr/>
-          <a:lstStyle/>
-          <a:p>
-            <a:fld id="{6BE98711-CE87-4D2C-A4EE-CF4DC81676AA}" type="slidenum">
-              <a:rPr lang="en-US" smtClean="0"/>
-              <a:t>5</a:t>
-            </a:fld>
-            <a:endParaRPr lang="en-US"/>
-          </a:p>
-        </p:txBody>
-      </p:sp>
-    </p:spTree>
-    <p:extLst>
-      <p:ext uri="{BB962C8B-B14F-4D97-AF65-F5344CB8AC3E}">
-        <p14:creationId xmlns:p14="http://schemas.microsoft.com/office/powerpoint/2010/main" val="400293307"/>
-      </p:ext>
-    </p:extLst>
-  </p:cSld>
-  <p:clrMapOvr>
-    <a:masterClrMapping/>
-  </p:clrMapOvr>
-</p:sld>
-</file>
-
-<file path=ppt/slides/slide50.xml><?xml version="1.0" encoding="utf-8"?>
+<file path=ppt/slides/slide52.xml><?xml version="1.0" encoding="utf-8"?>
 <p:sld xmlns:a="http://schemas.openxmlformats.org/drawingml/2006/main" xmlns:r="http://schemas.openxmlformats.org/officeDocument/2006/relationships" xmlns:p="http://schemas.openxmlformats.org/presentationml/2006/main">
   <p:cSld>
     <p:spTree>
@@ -10280,7 +10723,7 @@
           <a:p>
             <a:fld id="{6BE98711-CE87-4D2C-A4EE-CF4DC81676AA}" type="slidenum">
               <a:rPr lang="en-US" smtClean="0"/>
-              <a:t>50</a:t>
+              <a:t>52</a:t>
             </a:fld>
             <a:endParaRPr lang="en-US"/>
           </a:p>
@@ -10290,266 +10733,6 @@
     <p:extLst>
       <p:ext uri="{BB962C8B-B14F-4D97-AF65-F5344CB8AC3E}">
         <p14:creationId xmlns:p14="http://schemas.microsoft.com/office/powerpoint/2010/main" val="177197345"/>
-      </p:ext>
-    </p:extLst>
-  </p:cSld>
-  <p:clrMapOvr>
-    <a:masterClrMapping/>
-  </p:clrMapOvr>
-</p:sld>
-</file>
-
-<file path=ppt/slides/slide51.xml><?xml version="1.0" encoding="utf-8"?>
-<p:sld xmlns:a="http://schemas.openxmlformats.org/drawingml/2006/main" xmlns:r="http://schemas.openxmlformats.org/officeDocument/2006/relationships" xmlns:p="http://schemas.openxmlformats.org/presentationml/2006/main">
-  <p:cSld>
-    <p:spTree>
-      <p:nvGrpSpPr>
-        <p:cNvPr id="1" name=""/>
-        <p:cNvGrpSpPr/>
-        <p:nvPr/>
-      </p:nvGrpSpPr>
-      <p:grpSpPr>
-        <a:xfrm>
-          <a:off x="0" y="0"/>
-          <a:ext cx="0" cy="0"/>
-          <a:chOff x="0" y="0"/>
-          <a:chExt cx="0" cy="0"/>
-        </a:xfrm>
-      </p:grpSpPr>
-      <p:sp>
-        <p:nvSpPr>
-          <p:cNvPr id="2" name="Title 1"/>
-          <p:cNvSpPr>
-            <a:spLocks noGrp="1"/>
-          </p:cNvSpPr>
-          <p:nvPr>
-            <p:ph type="title"/>
-          </p:nvPr>
-        </p:nvSpPr>
-        <p:spPr/>
-        <p:txBody>
-          <a:bodyPr/>
-          <a:lstStyle/>
-          <a:p>
-            <a:r>
-              <a:rPr lang="en-US" dirty="0" smtClean="0"/>
-              <a:t>DNS</a:t>
-            </a:r>
-            <a:endParaRPr lang="en-US" dirty="0"/>
-          </a:p>
-        </p:txBody>
-      </p:sp>
-      <p:sp>
-        <p:nvSpPr>
-          <p:cNvPr id="3" name="Content Placeholder 2"/>
-          <p:cNvSpPr>
-            <a:spLocks noGrp="1"/>
-          </p:cNvSpPr>
-          <p:nvPr>
-            <p:ph idx="1"/>
-          </p:nvPr>
-        </p:nvSpPr>
-        <p:spPr/>
-        <p:txBody>
-          <a:bodyPr/>
-          <a:lstStyle/>
-          <a:p>
-            <a:r>
-              <a:rPr lang="en-US" dirty="0" smtClean="0"/>
-              <a:t>Used to allow IP addresses to be referred to with hostnames</a:t>
-            </a:r>
-          </a:p>
-          <a:p>
-            <a:r>
-              <a:rPr lang="en-US" dirty="0" smtClean="0"/>
-              <a:t>Remembering www.unitednuclear.com is easier </a:t>
-            </a:r>
-            <a:r>
-              <a:rPr lang="en-US" dirty="0"/>
-              <a:t>than remembering </a:t>
-            </a:r>
-            <a:r>
-              <a:rPr lang="en-US" dirty="0" smtClean="0"/>
-              <a:t>96.125.189.9</a:t>
-            </a:r>
-          </a:p>
-          <a:p>
-            <a:r>
-              <a:rPr lang="en-US" dirty="0" smtClean="0"/>
-              <a:t>In order to be routed to the destination, hostnames need to be </a:t>
-            </a:r>
-            <a:r>
-              <a:rPr lang="en-US" i="1" dirty="0" smtClean="0"/>
-              <a:t>resolved</a:t>
-            </a:r>
-            <a:r>
-              <a:rPr lang="en-US" dirty="0" smtClean="0"/>
-              <a:t> to IP addresses</a:t>
-            </a:r>
-            <a:endParaRPr lang="en-US" dirty="0"/>
-          </a:p>
-        </p:txBody>
-      </p:sp>
-      <p:sp>
-        <p:nvSpPr>
-          <p:cNvPr id="4" name="Slide Number Placeholder 3"/>
-          <p:cNvSpPr>
-            <a:spLocks noGrp="1"/>
-          </p:cNvSpPr>
-          <p:nvPr>
-            <p:ph type="sldNum" sz="quarter" idx="12"/>
-          </p:nvPr>
-        </p:nvSpPr>
-        <p:spPr/>
-        <p:txBody>
-          <a:bodyPr/>
-          <a:lstStyle/>
-          <a:p>
-            <a:fld id="{6BE98711-CE87-4D2C-A4EE-CF4DC81676AA}" type="slidenum">
-              <a:rPr lang="en-US" smtClean="0"/>
-              <a:t>51</a:t>
-            </a:fld>
-            <a:endParaRPr lang="en-US"/>
-          </a:p>
-        </p:txBody>
-      </p:sp>
-    </p:spTree>
-    <p:extLst>
-      <p:ext uri="{BB962C8B-B14F-4D97-AF65-F5344CB8AC3E}">
-        <p14:creationId xmlns:p14="http://schemas.microsoft.com/office/powerpoint/2010/main" val="756470130"/>
-      </p:ext>
-    </p:extLst>
-  </p:cSld>
-  <p:clrMapOvr>
-    <a:masterClrMapping/>
-  </p:clrMapOvr>
-</p:sld>
-</file>
-
-<file path=ppt/slides/slide52.xml><?xml version="1.0" encoding="utf-8"?>
-<p:sld xmlns:a="http://schemas.openxmlformats.org/drawingml/2006/main" xmlns:r="http://schemas.openxmlformats.org/officeDocument/2006/relationships" xmlns:p="http://schemas.openxmlformats.org/presentationml/2006/main">
-  <p:cSld>
-    <p:spTree>
-      <p:nvGrpSpPr>
-        <p:cNvPr id="1" name=""/>
-        <p:cNvGrpSpPr/>
-        <p:nvPr/>
-      </p:nvGrpSpPr>
-      <p:grpSpPr>
-        <a:xfrm>
-          <a:off x="0" y="0"/>
-          <a:ext cx="0" cy="0"/>
-          <a:chOff x="0" y="0"/>
-          <a:chExt cx="0" cy="0"/>
-        </a:xfrm>
-      </p:grpSpPr>
-      <p:sp>
-        <p:nvSpPr>
-          <p:cNvPr id="2" name="Title 1"/>
-          <p:cNvSpPr>
-            <a:spLocks noGrp="1"/>
-          </p:cNvSpPr>
-          <p:nvPr>
-            <p:ph type="title"/>
-          </p:nvPr>
-        </p:nvSpPr>
-        <p:spPr/>
-        <p:txBody>
-          <a:bodyPr/>
-          <a:lstStyle/>
-          <a:p>
-            <a:r>
-              <a:rPr lang="en-US" dirty="0" smtClean="0"/>
-              <a:t>DNS</a:t>
-            </a:r>
-            <a:endParaRPr lang="en-US" dirty="0"/>
-          </a:p>
-        </p:txBody>
-      </p:sp>
-      <p:sp>
-        <p:nvSpPr>
-          <p:cNvPr id="3" name="Content Placeholder 2"/>
-          <p:cNvSpPr>
-            <a:spLocks noGrp="1"/>
-          </p:cNvSpPr>
-          <p:nvPr>
-            <p:ph idx="1"/>
-          </p:nvPr>
-        </p:nvSpPr>
-        <p:spPr/>
-        <p:txBody>
-          <a:bodyPr/>
-          <a:lstStyle/>
-          <a:p>
-            <a:r>
-              <a:rPr lang="en-US" dirty="0" smtClean="0"/>
-              <a:t>Two ways to resolve hostnames</a:t>
-            </a:r>
-          </a:p>
-          <a:p>
-            <a:r>
-              <a:rPr lang="en-US" dirty="0" smtClean="0"/>
-              <a:t>Most computers have a “hosts” file</a:t>
-            </a:r>
-          </a:p>
-          <a:p>
-            <a:pPr lvl="1"/>
-            <a:r>
-              <a:rPr lang="en-US" dirty="0" smtClean="0"/>
-              <a:t>This is a bad way to do it; no easy way to distribute hostname changes</a:t>
-            </a:r>
-          </a:p>
-          <a:p>
-            <a:r>
-              <a:rPr lang="en-US" dirty="0" smtClean="0"/>
-              <a:t>“Domain Name System”</a:t>
-            </a:r>
-          </a:p>
-          <a:p>
-            <a:pPr lvl="1"/>
-            <a:r>
-              <a:rPr lang="en-US" dirty="0" smtClean="0"/>
-              <a:t>Hierarchical network of servers (“</a:t>
-            </a:r>
-            <a:r>
-              <a:rPr lang="en-US" dirty="0" err="1" smtClean="0"/>
-              <a:t>nameservers</a:t>
-            </a:r>
-            <a:r>
-              <a:rPr lang="en-US" dirty="0" smtClean="0"/>
-              <a:t>”) which resolve hostnames to IPs</a:t>
-            </a:r>
-            <a:endParaRPr lang="en-US" dirty="0"/>
-          </a:p>
-        </p:txBody>
-      </p:sp>
-      <p:sp>
-        <p:nvSpPr>
-          <p:cNvPr id="4" name="Slide Number Placeholder 3"/>
-          <p:cNvSpPr>
-            <a:spLocks noGrp="1"/>
-          </p:cNvSpPr>
-          <p:nvPr>
-            <p:ph type="sldNum" sz="quarter" idx="12"/>
-          </p:nvPr>
-        </p:nvSpPr>
-        <p:spPr/>
-        <p:txBody>
-          <a:bodyPr/>
-          <a:lstStyle/>
-          <a:p>
-            <a:fld id="{6BE98711-CE87-4D2C-A4EE-CF4DC81676AA}" type="slidenum">
-              <a:rPr lang="en-US" smtClean="0"/>
-              <a:t>52</a:t>
-            </a:fld>
-            <a:endParaRPr lang="en-US"/>
-          </a:p>
-        </p:txBody>
-      </p:sp>
-    </p:spTree>
-    <p:extLst>
-      <p:ext uri="{BB962C8B-B14F-4D97-AF65-F5344CB8AC3E}">
-        <p14:creationId xmlns:p14="http://schemas.microsoft.com/office/powerpoint/2010/main" val="891693674"/>
       </p:ext>
     </p:extLst>
   </p:cSld>
@@ -10616,40 +10799,35 @@
           <a:p>
             <a:r>
               <a:rPr lang="en-US" dirty="0" smtClean="0"/>
-              <a:t>There are public DNS servers</a:t>
-            </a:r>
-          </a:p>
-          <a:p>
-            <a:pPr lvl="1"/>
-            <a:r>
-              <a:rPr lang="en-US" dirty="0" smtClean="0"/>
-              <a:t>Easy to remember: Google’s public </a:t>
-            </a:r>
-            <a:r>
-              <a:rPr lang="en-US" dirty="0" err="1" smtClean="0"/>
-              <a:t>nameserver</a:t>
-            </a:r>
-            <a:r>
-              <a:rPr lang="en-US" dirty="0" smtClean="0"/>
-              <a:t> at 8.8.8.8</a:t>
-            </a:r>
-          </a:p>
-          <a:p>
-            <a:r>
-              <a:rPr lang="en-US" dirty="0" smtClean="0"/>
-              <a:t>Many organizations have internal </a:t>
-            </a:r>
-            <a:r>
-              <a:rPr lang="en-US" dirty="0" err="1" smtClean="0"/>
-              <a:t>nameservers</a:t>
-            </a:r>
-            <a:endParaRPr lang="en-US" dirty="0" smtClean="0"/>
-          </a:p>
-          <a:p>
-            <a:pPr lvl="1"/>
-            <a:r>
-              <a:rPr lang="en-US" dirty="0" smtClean="0"/>
-              <a:t>Allows access to internal services</a:t>
+              <a:t>Used to allow IP addresses to be referred to with hostnames</a:t>
+            </a:r>
+          </a:p>
+          <a:p>
+            <a:r>
+              <a:rPr lang="en-US" dirty="0" smtClean="0"/>
+              <a:t>Remembering www.unitednuclear.com is easier </a:t>
+            </a:r>
+            <a:r>
+              <a:rPr lang="en-US" dirty="0"/>
+              <a:t>than remembering </a:t>
+            </a:r>
+            <a:r>
+              <a:rPr lang="en-US" dirty="0" smtClean="0"/>
+              <a:t>96.125.189.9</a:t>
+            </a:r>
+          </a:p>
+          <a:p>
+            <a:r>
+              <a:rPr lang="en-US" dirty="0" smtClean="0"/>
+              <a:t>In order to be routed to the destination, hostnames need to be </a:t>
+            </a:r>
+            <a:r>
+              <a:rPr lang="en-US" i="1" dirty="0" smtClean="0"/>
+              <a:t>resolved</a:t>
+            </a:r>
+            <a:r>
+              <a:rPr lang="en-US" dirty="0" smtClean="0"/>
+              <a:t> to IP addresses</a:t>
             </a:r>
             <a:endParaRPr lang="en-US" dirty="0"/>
           </a:p>
@@ -10681,7 +10859,7 @@
     </p:spTree>
     <p:extLst>
       <p:ext uri="{BB962C8B-B14F-4D97-AF65-F5344CB8AC3E}">
-        <p14:creationId xmlns:p14="http://schemas.microsoft.com/office/powerpoint/2010/main" val="3987943022"/>
+        <p14:creationId xmlns:p14="http://schemas.microsoft.com/office/powerpoint/2010/main" val="756470130"/>
       </p:ext>
     </p:extLst>
   </p:cSld>
@@ -10720,9 +10898,7 @@
         </p:nvSpPr>
         <p:spPr/>
         <p:txBody>
-          <a:bodyPr>
-            <a:normAutofit/>
-          </a:bodyPr>
+          <a:bodyPr/>
           <a:lstStyle/>
           <a:p>
             <a:r>
@@ -10745,134 +10921,46 @@
         </p:nvSpPr>
         <p:spPr/>
         <p:txBody>
-          <a:bodyPr>
-            <a:normAutofit fontScale="77500" lnSpcReduction="20000"/>
-          </a:bodyPr>
-          <a:lstStyle/>
-          <a:p>
-            <a:r>
-              <a:rPr lang="en-US" dirty="0" smtClean="0"/>
-              <a:t>Domains are </a:t>
-            </a:r>
-            <a:r>
-              <a:rPr lang="en-US" i="1" dirty="0" smtClean="0"/>
-              <a:t>hierarchical</a:t>
-            </a:r>
-            <a:endParaRPr lang="en-US" dirty="0" smtClean="0"/>
-          </a:p>
-          <a:p>
-            <a:r>
-              <a:rPr lang="en-US" dirty="0" smtClean="0"/>
-              <a:t>Suppose you want to visit www.dus.jpl.nasa.gov</a:t>
-            </a:r>
-          </a:p>
-          <a:p>
-            <a:r>
-              <a:rPr lang="en-US" i="1" dirty="0" smtClean="0"/>
-              <a:t>Root </a:t>
-            </a:r>
-            <a:r>
-              <a:rPr lang="en-US" i="1" dirty="0" err="1" smtClean="0"/>
-              <a:t>nameserver</a:t>
-            </a:r>
-            <a:r>
-              <a:rPr lang="en-US" dirty="0" smtClean="0"/>
-              <a:t> gives you the address for the “.</a:t>
+          <a:bodyPr/>
+          <a:lstStyle/>
+          <a:p>
+            <a:r>
+              <a:rPr lang="en-US" dirty="0" smtClean="0"/>
+              <a:t>Two ways to resolve hostnames</a:t>
+            </a:r>
+          </a:p>
+          <a:p>
+            <a:r>
+              <a:rPr lang="en-US" dirty="0" smtClean="0"/>
+              <a:t>Most computers have a “hosts” file</a:t>
+            </a:r>
+          </a:p>
+          <a:p>
+            <a:pPr lvl="1"/>
+            <a:r>
+              <a:rPr lang="en-US" dirty="0" smtClean="0"/>
+              <a:t>This is a bad way to do it; no easy way to distribute hostname changes</a:t>
+            </a:r>
+          </a:p>
+          <a:p>
+            <a:r>
+              <a:rPr lang="en-US" dirty="0" smtClean="0"/>
+              <a:t>“Domain Name System”</a:t>
+            </a:r>
+          </a:p>
+          <a:p>
+            <a:pPr lvl="1"/>
+            <a:r>
+              <a:rPr lang="en-US" dirty="0" smtClean="0"/>
+              <a:t>Hierarchical network of servers (“</a:t>
             </a:r>
             <a:r>
               <a:rPr lang="en-US" dirty="0" err="1" smtClean="0"/>
-              <a:t>gov</a:t>
-            </a:r>
-            <a:r>
-              <a:rPr lang="en-US" dirty="0" smtClean="0"/>
-              <a:t>” (TLDN) </a:t>
-            </a:r>
-            <a:r>
-              <a:rPr lang="en-US" dirty="0" err="1" smtClean="0"/>
-              <a:t>nameserver</a:t>
-            </a:r>
-            <a:endParaRPr lang="en-US" dirty="0" smtClean="0"/>
-          </a:p>
-          <a:p>
-            <a:r>
-              <a:rPr lang="en-US" dirty="0" smtClean="0"/>
-              <a:t>.</a:t>
-            </a:r>
-            <a:r>
-              <a:rPr lang="en-US" dirty="0" err="1" smtClean="0"/>
-              <a:t>gov</a:t>
-            </a:r>
-            <a:r>
-              <a:rPr lang="en-US" dirty="0" smtClean="0"/>
-              <a:t> </a:t>
-            </a:r>
-            <a:r>
-              <a:rPr lang="en-US" dirty="0" err="1" smtClean="0"/>
-              <a:t>nameserver</a:t>
-            </a:r>
-            <a:r>
-              <a:rPr lang="en-US" dirty="0" smtClean="0"/>
-              <a:t> gives you the address for the nasa.gov </a:t>
-            </a:r>
-            <a:r>
-              <a:rPr lang="en-US" dirty="0" err="1" smtClean="0"/>
-              <a:t>nameserver</a:t>
-            </a:r>
-            <a:endParaRPr lang="en-US" dirty="0" smtClean="0"/>
-          </a:p>
-          <a:p>
-            <a:r>
-              <a:rPr lang="en-US" dirty="0" smtClean="0"/>
-              <a:t>nasa.gov </a:t>
-            </a:r>
-            <a:r>
-              <a:rPr lang="en-US" dirty="0" err="1" smtClean="0"/>
-              <a:t>nameserver</a:t>
-            </a:r>
-            <a:r>
-              <a:rPr lang="en-US" dirty="0" smtClean="0"/>
-              <a:t> gives you the address for the jpl.nasa.gov </a:t>
-            </a:r>
-            <a:r>
-              <a:rPr lang="en-US" dirty="0" err="1" smtClean="0"/>
-              <a:t>nameserver</a:t>
-            </a:r>
-            <a:endParaRPr lang="en-US" dirty="0" smtClean="0"/>
-          </a:p>
-          <a:p>
-            <a:r>
-              <a:rPr lang="en-US" dirty="0" smtClean="0"/>
-              <a:t>Etc…</a:t>
-            </a:r>
-          </a:p>
-          <a:p>
-            <a:r>
-              <a:rPr lang="en-US" dirty="0" smtClean="0"/>
-              <a:t>Until you reach a </a:t>
-            </a:r>
-            <a:r>
-              <a:rPr lang="en-US" dirty="0" err="1" smtClean="0"/>
-              <a:t>nameserver</a:t>
-            </a:r>
-            <a:r>
-              <a:rPr lang="en-US" dirty="0" smtClean="0"/>
-              <a:t> that has the IP for the requested address (</a:t>
-            </a:r>
-            <a:r>
-              <a:rPr lang="en-US" i="1" dirty="0" smtClean="0"/>
-              <a:t>authoritative answer</a:t>
-            </a:r>
-            <a:r>
-              <a:rPr lang="en-US" dirty="0" smtClean="0"/>
-              <a:t>: “www.dus.jpl.nasa.gov is </a:t>
-            </a:r>
-            <a:r>
-              <a:rPr lang="en-US" dirty="0"/>
-              <a:t>at </a:t>
-            </a:r>
-            <a:r>
-              <a:rPr lang="en-US" dirty="0" smtClean="0"/>
-              <a:t>128.149.113.60”)</a:t>
+              <a:t>nameservers</a:t>
+            </a:r>
+            <a:r>
+              <a:rPr lang="en-US" dirty="0" smtClean="0"/>
+              <a:t>”) which resolve hostnames to IPs</a:t>
             </a:r>
             <a:endParaRPr lang="en-US" dirty="0"/>
           </a:p>
@@ -10904,7 +10992,7 @@
     </p:spTree>
     <p:extLst>
       <p:ext uri="{BB962C8B-B14F-4D97-AF65-F5344CB8AC3E}">
-        <p14:creationId xmlns:p14="http://schemas.microsoft.com/office/powerpoint/2010/main" val="2565641356"/>
+        <p14:creationId xmlns:p14="http://schemas.microsoft.com/office/powerpoint/2010/main" val="891693674"/>
       </p:ext>
     </p:extLst>
   </p:cSld>
@@ -10966,24 +11054,19 @@
         </p:nvSpPr>
         <p:spPr/>
         <p:txBody>
-          <a:bodyPr>
-            <a:normAutofit lnSpcReduction="10000"/>
-          </a:bodyPr>
-          <a:lstStyle/>
-          <a:p>
-            <a:r>
-              <a:rPr lang="en-US" dirty="0" smtClean="0"/>
-              <a:t>To cut down on traffic, DNS servers use </a:t>
-            </a:r>
-            <a:r>
-              <a:rPr lang="en-US" i="1" dirty="0" smtClean="0"/>
-              <a:t>caching</a:t>
-            </a:r>
-          </a:p>
-          <a:p>
-            <a:r>
-              <a:rPr lang="en-US" dirty="0" smtClean="0"/>
-              <a:t>E.g., if the previous example was done through the 8.8.8.8 </a:t>
+          <a:bodyPr/>
+          <a:lstStyle/>
+          <a:p>
+            <a:r>
+              <a:rPr lang="en-US" dirty="0" smtClean="0"/>
+              <a:t>There are public DNS servers</a:t>
+            </a:r>
+          </a:p>
+          <a:p>
+            <a:pPr lvl="1"/>
+            <a:r>
+              <a:rPr lang="en-US" dirty="0" smtClean="0"/>
+              <a:t>Easy to remember: Google’s public </a:t>
             </a:r>
             <a:r>
               <a:rPr lang="en-US" dirty="0" err="1" smtClean="0"/>
@@ -10991,37 +11074,25 @@
             </a:r>
             <a:r>
               <a:rPr lang="en-US" dirty="0" smtClean="0"/>
-              <a:t>, in future, the </a:t>
+              <a:t> at 8.8.8.8</a:t>
+            </a:r>
+          </a:p>
+          <a:p>
+            <a:r>
+              <a:rPr lang="en-US" dirty="0" smtClean="0"/>
+              <a:t>Many organizations have internal </a:t>
             </a:r>
             <a:r>
               <a:rPr lang="en-US" dirty="0" err="1" smtClean="0"/>
-              <a:t>nameserver</a:t>
-            </a:r>
-            <a:r>
-              <a:rPr lang="en-US" dirty="0" smtClean="0"/>
-              <a:t> would remember the resolution, and immediately reply with “www.dus.jpl.nasa.gov </a:t>
-            </a:r>
-            <a:r>
-              <a:rPr lang="en-US" dirty="0"/>
-              <a:t>is at </a:t>
-            </a:r>
-            <a:r>
-              <a:rPr lang="en-US" dirty="0" smtClean="0"/>
-              <a:t>128.149.113.60” (</a:t>
-            </a:r>
-            <a:r>
-              <a:rPr lang="en-US" i="1" dirty="0" smtClean="0"/>
-              <a:t>non-authoritative answer</a:t>
-            </a:r>
-            <a:r>
-              <a:rPr lang="en-US" dirty="0" smtClean="0"/>
-              <a:t>)</a:t>
-            </a:r>
-          </a:p>
-          <a:p>
-            <a:r>
-              <a:rPr lang="en-US" dirty="0" smtClean="0"/>
-              <a:t>Cached values have TTL (time-to-live) values</a:t>
+              <a:t>nameservers</a:t>
+            </a:r>
+            <a:endParaRPr lang="en-US" dirty="0" smtClean="0"/>
+          </a:p>
+          <a:p>
+            <a:pPr lvl="1"/>
+            <a:r>
+              <a:rPr lang="en-US" dirty="0" smtClean="0"/>
+              <a:t>Allows access to internal services</a:t>
             </a:r>
             <a:endParaRPr lang="en-US" dirty="0"/>
           </a:p>
@@ -11053,7 +11124,7 @@
     </p:spTree>
     <p:extLst>
       <p:ext uri="{BB962C8B-B14F-4D97-AF65-F5344CB8AC3E}">
-        <p14:creationId xmlns:p14="http://schemas.microsoft.com/office/powerpoint/2010/main" val="2423919783"/>
+        <p14:creationId xmlns:p14="http://schemas.microsoft.com/office/powerpoint/2010/main" val="3987943022"/>
       </p:ext>
     </p:extLst>
   </p:cSld>
@@ -11092,7 +11163,9 @@
         </p:nvSpPr>
         <p:spPr/>
         <p:txBody>
-          <a:bodyPr/>
+          <a:bodyPr>
+            <a:normAutofit/>
+          </a:bodyPr>
           <a:lstStyle/>
           <a:p>
             <a:r>
@@ -11115,65 +11188,134 @@
         </p:nvSpPr>
         <p:spPr/>
         <p:txBody>
-          <a:bodyPr/>
-          <a:lstStyle/>
-          <a:p>
-            <a:r>
-              <a:rPr lang="en-US" dirty="0" smtClean="0"/>
-              <a:t>For example, I bought the domain “696private.org” from </a:t>
+          <a:bodyPr>
+            <a:normAutofit fontScale="77500" lnSpcReduction="20000"/>
+          </a:bodyPr>
+          <a:lstStyle/>
+          <a:p>
+            <a:r>
+              <a:rPr lang="en-US" dirty="0" smtClean="0"/>
+              <a:t>Domains are </a:t>
+            </a:r>
+            <a:r>
+              <a:rPr lang="en-US" i="1" dirty="0" smtClean="0"/>
+              <a:t>hierarchical</a:t>
+            </a:r>
+            <a:endParaRPr lang="en-US" dirty="0" smtClean="0"/>
+          </a:p>
+          <a:p>
+            <a:r>
+              <a:rPr lang="en-US" dirty="0" smtClean="0"/>
+              <a:t>Suppose you want to visit www.dus.jpl.nasa.gov</a:t>
+            </a:r>
+          </a:p>
+          <a:p>
+            <a:r>
+              <a:rPr lang="en-US" i="1" dirty="0" smtClean="0"/>
+              <a:t>Root </a:t>
+            </a:r>
+            <a:r>
+              <a:rPr lang="en-US" i="1" dirty="0" err="1" smtClean="0"/>
+              <a:t>nameserver</a:t>
+            </a:r>
+            <a:r>
+              <a:rPr lang="en-US" dirty="0" smtClean="0"/>
+              <a:t> gives you the address for the “.</a:t>
             </a:r>
             <a:r>
               <a:rPr lang="en-US" dirty="0" err="1" smtClean="0"/>
-              <a:t>Namecheap</a:t>
+              <a:t>gov</a:t>
+            </a:r>
+            <a:r>
+              <a:rPr lang="en-US" dirty="0" smtClean="0"/>
+              <a:t>” (TLDN) </a:t>
+            </a:r>
+            <a:r>
+              <a:rPr lang="en-US" dirty="0" err="1" smtClean="0"/>
+              <a:t>nameserver</a:t>
             </a:r>
             <a:endParaRPr lang="en-US" dirty="0" smtClean="0"/>
           </a:p>
           <a:p>
             <a:r>
               <a:rPr lang="en-US" dirty="0" smtClean="0"/>
-              <a:t>I told </a:t>
+              <a:t>.</a:t>
             </a:r>
             <a:r>
               <a:rPr lang="en-US" dirty="0" err="1" smtClean="0"/>
-              <a:t>Namecheap</a:t>
-            </a:r>
-            <a:r>
-              <a:rPr lang="en-US" dirty="0" smtClean="0"/>
-              <a:t> that </a:t>
+              <a:t>gov</a:t>
+            </a:r>
+            <a:r>
+              <a:rPr lang="en-US" dirty="0" smtClean="0"/>
+              <a:t> </a:t>
             </a:r>
             <a:r>
               <a:rPr lang="en-US" dirty="0" err="1" smtClean="0"/>
-              <a:t>DigitalOcean’s</a:t>
-            </a:r>
-            <a:r>
-              <a:rPr lang="en-US" dirty="0" smtClean="0"/>
-              <a:t> </a:t>
+              <a:t>nameserver</a:t>
+            </a:r>
+            <a:r>
+              <a:rPr lang="en-US" dirty="0" smtClean="0"/>
+              <a:t> gives you the address for the nasa.gov </a:t>
             </a:r>
             <a:r>
               <a:rPr lang="en-US" dirty="0" err="1" smtClean="0"/>
-              <a:t>nameservers</a:t>
-            </a:r>
-            <a:r>
-              <a:rPr lang="en-US" dirty="0" smtClean="0"/>
-              <a:t> would serve the 696private.org domain</a:t>
-            </a:r>
-          </a:p>
-          <a:p>
-            <a:r>
-              <a:rPr lang="en-US" dirty="0" smtClean="0"/>
-              <a:t>I then set up DNS records for 696private.org (and subdomains) on </a:t>
+              <a:t>nameserver</a:t>
+            </a:r>
+            <a:endParaRPr lang="en-US" dirty="0" smtClean="0"/>
+          </a:p>
+          <a:p>
+            <a:r>
+              <a:rPr lang="en-US" dirty="0" smtClean="0"/>
+              <a:t>nasa.gov </a:t>
             </a:r>
             <a:r>
               <a:rPr lang="en-US" dirty="0" err="1" smtClean="0"/>
-              <a:t>DigitalOcean’s</a:t>
-            </a:r>
-            <a:r>
-              <a:rPr lang="en-US" dirty="0" smtClean="0"/>
-              <a:t> </a:t>
+              <a:t>nameserver</a:t>
+            </a:r>
+            <a:r>
+              <a:rPr lang="en-US" dirty="0" smtClean="0"/>
+              <a:t> gives you the address for the jpl.nasa.gov </a:t>
             </a:r>
             <a:r>
               <a:rPr lang="en-US" dirty="0" err="1" smtClean="0"/>
-              <a:t>nameservers</a:t>
+              <a:t>nameserver</a:t>
+            </a:r>
+            <a:endParaRPr lang="en-US" dirty="0" smtClean="0"/>
+          </a:p>
+          <a:p>
+            <a:r>
+              <a:rPr lang="en-US" dirty="0" smtClean="0"/>
+              <a:t>Etc…</a:t>
+            </a:r>
+          </a:p>
+          <a:p>
+            <a:r>
+              <a:rPr lang="en-US" dirty="0" smtClean="0"/>
+              <a:t>Until you reach a </a:t>
+            </a:r>
+            <a:r>
+              <a:rPr lang="en-US" dirty="0" err="1" smtClean="0"/>
+              <a:t>nameserver</a:t>
+            </a:r>
+            <a:r>
+              <a:rPr lang="en-US" dirty="0" smtClean="0"/>
+              <a:t> that has the IP for the requested address (</a:t>
+            </a:r>
+            <a:r>
+              <a:rPr lang="en-US" i="1" dirty="0" smtClean="0"/>
+              <a:t>authoritative answer</a:t>
+            </a:r>
+            <a:r>
+              <a:rPr lang="en-US" dirty="0" smtClean="0"/>
+              <a:t>: “www.dus.jpl.nasa.gov is </a:t>
+            </a:r>
+            <a:r>
+              <a:rPr lang="en-US" dirty="0"/>
+              <a:t>at </a:t>
+            </a:r>
+            <a:r>
+              <a:rPr lang="en-US" dirty="0" smtClean="0"/>
+              <a:t>128.149.113.60”)</a:t>
             </a:r>
             <a:endParaRPr lang="en-US" dirty="0"/>
           </a:p>
@@ -11205,7 +11347,7 @@
     </p:spTree>
     <p:extLst>
       <p:ext uri="{BB962C8B-B14F-4D97-AF65-F5344CB8AC3E}">
-        <p14:creationId xmlns:p14="http://schemas.microsoft.com/office/powerpoint/2010/main" val="480099079"/>
+        <p14:creationId xmlns:p14="http://schemas.microsoft.com/office/powerpoint/2010/main" val="2565641356"/>
       </p:ext>
     </p:extLst>
   </p:cSld>
@@ -11255,6 +11397,307 @@
           </a:p>
         </p:txBody>
       </p:sp>
+      <p:sp>
+        <p:nvSpPr>
+          <p:cNvPr id="3" name="Content Placeholder 2"/>
+          <p:cNvSpPr>
+            <a:spLocks noGrp="1"/>
+          </p:cNvSpPr>
+          <p:nvPr>
+            <p:ph idx="1"/>
+          </p:nvPr>
+        </p:nvSpPr>
+        <p:spPr/>
+        <p:txBody>
+          <a:bodyPr>
+            <a:normAutofit lnSpcReduction="10000"/>
+          </a:bodyPr>
+          <a:lstStyle/>
+          <a:p>
+            <a:r>
+              <a:rPr lang="en-US" dirty="0" smtClean="0"/>
+              <a:t>To cut down on traffic, DNS servers use </a:t>
+            </a:r>
+            <a:r>
+              <a:rPr lang="en-US" i="1" dirty="0" smtClean="0"/>
+              <a:t>caching</a:t>
+            </a:r>
+          </a:p>
+          <a:p>
+            <a:r>
+              <a:rPr lang="en-US" dirty="0" smtClean="0"/>
+              <a:t>E.g., if the previous example was done through the 8.8.8.8 </a:t>
+            </a:r>
+            <a:r>
+              <a:rPr lang="en-US" dirty="0" err="1" smtClean="0"/>
+              <a:t>nameserver</a:t>
+            </a:r>
+            <a:r>
+              <a:rPr lang="en-US" dirty="0" smtClean="0"/>
+              <a:t>, in future, the </a:t>
+            </a:r>
+            <a:r>
+              <a:rPr lang="en-US" dirty="0" err="1" smtClean="0"/>
+              <a:t>nameserver</a:t>
+            </a:r>
+            <a:r>
+              <a:rPr lang="en-US" dirty="0" smtClean="0"/>
+              <a:t> would remember the resolution, and immediately reply with “www.dus.jpl.nasa.gov </a:t>
+            </a:r>
+            <a:r>
+              <a:rPr lang="en-US" dirty="0"/>
+              <a:t>is at </a:t>
+            </a:r>
+            <a:r>
+              <a:rPr lang="en-US" dirty="0" smtClean="0"/>
+              <a:t>128.149.113.60” (</a:t>
+            </a:r>
+            <a:r>
+              <a:rPr lang="en-US" i="1" dirty="0" smtClean="0"/>
+              <a:t>non-authoritative answer</a:t>
+            </a:r>
+            <a:r>
+              <a:rPr lang="en-US" dirty="0" smtClean="0"/>
+              <a:t>)</a:t>
+            </a:r>
+          </a:p>
+          <a:p>
+            <a:r>
+              <a:rPr lang="en-US" dirty="0" smtClean="0"/>
+              <a:t>Cached values have TTL (time-to-live) values</a:t>
+            </a:r>
+            <a:endParaRPr lang="en-US" dirty="0"/>
+          </a:p>
+        </p:txBody>
+      </p:sp>
+      <p:sp>
+        <p:nvSpPr>
+          <p:cNvPr id="4" name="Slide Number Placeholder 3"/>
+          <p:cNvSpPr>
+            <a:spLocks noGrp="1"/>
+          </p:cNvSpPr>
+          <p:nvPr>
+            <p:ph type="sldNum" sz="quarter" idx="12"/>
+          </p:nvPr>
+        </p:nvSpPr>
+        <p:spPr/>
+        <p:txBody>
+          <a:bodyPr/>
+          <a:lstStyle/>
+          <a:p>
+            <a:fld id="{6BE98711-CE87-4D2C-A4EE-CF4DC81676AA}" type="slidenum">
+              <a:rPr lang="en-US" smtClean="0"/>
+              <a:t>57</a:t>
+            </a:fld>
+            <a:endParaRPr lang="en-US"/>
+          </a:p>
+        </p:txBody>
+      </p:sp>
+    </p:spTree>
+    <p:extLst>
+      <p:ext uri="{BB962C8B-B14F-4D97-AF65-F5344CB8AC3E}">
+        <p14:creationId xmlns:p14="http://schemas.microsoft.com/office/powerpoint/2010/main" val="2423919783"/>
+      </p:ext>
+    </p:extLst>
+  </p:cSld>
+  <p:clrMapOvr>
+    <a:masterClrMapping/>
+  </p:clrMapOvr>
+</p:sld>
+</file>
+
+<file path=ppt/slides/slide58.xml><?xml version="1.0" encoding="utf-8"?>
+<p:sld xmlns:a="http://schemas.openxmlformats.org/drawingml/2006/main" xmlns:r="http://schemas.openxmlformats.org/officeDocument/2006/relationships" xmlns:p="http://schemas.openxmlformats.org/presentationml/2006/main">
+  <p:cSld>
+    <p:spTree>
+      <p:nvGrpSpPr>
+        <p:cNvPr id="1" name=""/>
+        <p:cNvGrpSpPr/>
+        <p:nvPr/>
+      </p:nvGrpSpPr>
+      <p:grpSpPr>
+        <a:xfrm>
+          <a:off x="0" y="0"/>
+          <a:ext cx="0" cy="0"/>
+          <a:chOff x="0" y="0"/>
+          <a:chExt cx="0" cy="0"/>
+        </a:xfrm>
+      </p:grpSpPr>
+      <p:sp>
+        <p:nvSpPr>
+          <p:cNvPr id="2" name="Title 1"/>
+          <p:cNvSpPr>
+            <a:spLocks noGrp="1"/>
+          </p:cNvSpPr>
+          <p:nvPr>
+            <p:ph type="title"/>
+          </p:nvPr>
+        </p:nvSpPr>
+        <p:spPr/>
+        <p:txBody>
+          <a:bodyPr/>
+          <a:lstStyle/>
+          <a:p>
+            <a:r>
+              <a:rPr lang="en-US" dirty="0" smtClean="0"/>
+              <a:t>DNS</a:t>
+            </a:r>
+            <a:endParaRPr lang="en-US" dirty="0"/>
+          </a:p>
+        </p:txBody>
+      </p:sp>
+      <p:sp>
+        <p:nvSpPr>
+          <p:cNvPr id="3" name="Content Placeholder 2"/>
+          <p:cNvSpPr>
+            <a:spLocks noGrp="1"/>
+          </p:cNvSpPr>
+          <p:nvPr>
+            <p:ph idx="1"/>
+          </p:nvPr>
+        </p:nvSpPr>
+        <p:spPr/>
+        <p:txBody>
+          <a:bodyPr/>
+          <a:lstStyle/>
+          <a:p>
+            <a:r>
+              <a:rPr lang="en-US" dirty="0" smtClean="0"/>
+              <a:t>For example, I bought the domain “696private.org” from </a:t>
+            </a:r>
+            <a:r>
+              <a:rPr lang="en-US" dirty="0" err="1" smtClean="0"/>
+              <a:t>Namecheap</a:t>
+            </a:r>
+            <a:endParaRPr lang="en-US" dirty="0" smtClean="0"/>
+          </a:p>
+          <a:p>
+            <a:r>
+              <a:rPr lang="en-US" dirty="0" smtClean="0"/>
+              <a:t>I told </a:t>
+            </a:r>
+            <a:r>
+              <a:rPr lang="en-US" dirty="0" err="1" smtClean="0"/>
+              <a:t>Namecheap</a:t>
+            </a:r>
+            <a:r>
+              <a:rPr lang="en-US" dirty="0" smtClean="0"/>
+              <a:t> that </a:t>
+            </a:r>
+            <a:r>
+              <a:rPr lang="en-US" dirty="0" err="1" smtClean="0"/>
+              <a:t>DigitalOcean’s</a:t>
+            </a:r>
+            <a:r>
+              <a:rPr lang="en-US" dirty="0" smtClean="0"/>
+              <a:t> </a:t>
+            </a:r>
+            <a:r>
+              <a:rPr lang="en-US" dirty="0" err="1" smtClean="0"/>
+              <a:t>nameservers</a:t>
+            </a:r>
+            <a:r>
+              <a:rPr lang="en-US" dirty="0" smtClean="0"/>
+              <a:t> would serve the 696private.org domain</a:t>
+            </a:r>
+          </a:p>
+          <a:p>
+            <a:r>
+              <a:rPr lang="en-US" dirty="0" smtClean="0"/>
+              <a:t>I then set up DNS records for 696private.org (and subdomains) on </a:t>
+            </a:r>
+            <a:r>
+              <a:rPr lang="en-US" dirty="0" err="1" smtClean="0"/>
+              <a:t>DigitalOcean’s</a:t>
+            </a:r>
+            <a:r>
+              <a:rPr lang="en-US" dirty="0" smtClean="0"/>
+              <a:t> </a:t>
+            </a:r>
+            <a:r>
+              <a:rPr lang="en-US" dirty="0" err="1" smtClean="0"/>
+              <a:t>nameservers</a:t>
+            </a:r>
+            <a:endParaRPr lang="en-US" dirty="0"/>
+          </a:p>
+        </p:txBody>
+      </p:sp>
+      <p:sp>
+        <p:nvSpPr>
+          <p:cNvPr id="4" name="Slide Number Placeholder 3"/>
+          <p:cNvSpPr>
+            <a:spLocks noGrp="1"/>
+          </p:cNvSpPr>
+          <p:nvPr>
+            <p:ph type="sldNum" sz="quarter" idx="12"/>
+          </p:nvPr>
+        </p:nvSpPr>
+        <p:spPr/>
+        <p:txBody>
+          <a:bodyPr/>
+          <a:lstStyle/>
+          <a:p>
+            <a:fld id="{6BE98711-CE87-4D2C-A4EE-CF4DC81676AA}" type="slidenum">
+              <a:rPr lang="en-US" smtClean="0"/>
+              <a:t>58</a:t>
+            </a:fld>
+            <a:endParaRPr lang="en-US"/>
+          </a:p>
+        </p:txBody>
+      </p:sp>
+    </p:spTree>
+    <p:extLst>
+      <p:ext uri="{BB962C8B-B14F-4D97-AF65-F5344CB8AC3E}">
+        <p14:creationId xmlns:p14="http://schemas.microsoft.com/office/powerpoint/2010/main" val="480099079"/>
+      </p:ext>
+    </p:extLst>
+  </p:cSld>
+  <p:clrMapOvr>
+    <a:masterClrMapping/>
+  </p:clrMapOvr>
+</p:sld>
+</file>
+
+<file path=ppt/slides/slide59.xml><?xml version="1.0" encoding="utf-8"?>
+<p:sld xmlns:a="http://schemas.openxmlformats.org/drawingml/2006/main" xmlns:r="http://schemas.openxmlformats.org/officeDocument/2006/relationships" xmlns:p="http://schemas.openxmlformats.org/presentationml/2006/main">
+  <p:cSld>
+    <p:spTree>
+      <p:nvGrpSpPr>
+        <p:cNvPr id="1" name=""/>
+        <p:cNvGrpSpPr/>
+        <p:nvPr/>
+      </p:nvGrpSpPr>
+      <p:grpSpPr>
+        <a:xfrm>
+          <a:off x="0" y="0"/>
+          <a:ext cx="0" cy="0"/>
+          <a:chOff x="0" y="0"/>
+          <a:chExt cx="0" cy="0"/>
+        </a:xfrm>
+      </p:grpSpPr>
+      <p:sp>
+        <p:nvSpPr>
+          <p:cNvPr id="2" name="Title 1"/>
+          <p:cNvSpPr>
+            <a:spLocks noGrp="1"/>
+          </p:cNvSpPr>
+          <p:nvPr>
+            <p:ph type="title"/>
+          </p:nvPr>
+        </p:nvSpPr>
+        <p:spPr/>
+        <p:txBody>
+          <a:bodyPr/>
+          <a:lstStyle/>
+          <a:p>
+            <a:r>
+              <a:rPr lang="en-US" dirty="0" smtClean="0"/>
+              <a:t>DNS</a:t>
+            </a:r>
+            <a:endParaRPr lang="en-US" dirty="0"/>
+          </a:p>
+        </p:txBody>
+      </p:sp>
       <p:pic>
         <p:nvPicPr>
           <p:cNvPr id="4" name="Picture 3"/>
@@ -11296,7 +11739,7 @@
           <a:p>
             <a:fld id="{6BE98711-CE87-4D2C-A4EE-CF4DC81676AA}" type="slidenum">
               <a:rPr lang="en-US" smtClean="0"/>
-              <a:t>57</a:t>
+              <a:t>59</a:t>
             </a:fld>
             <a:endParaRPr lang="en-US"/>
           </a:p>
@@ -11315,7 +11758,136 @@
 </p:sld>
 </file>
 
-<file path=ppt/slides/slide58.xml><?xml version="1.0" encoding="utf-8"?>
+<file path=ppt/slides/slide6.xml><?xml version="1.0" encoding="utf-8"?>
+<p:sld xmlns:a="http://schemas.openxmlformats.org/drawingml/2006/main" xmlns:r="http://schemas.openxmlformats.org/officeDocument/2006/relationships" xmlns:p="http://schemas.openxmlformats.org/presentationml/2006/main">
+  <p:cSld>
+    <p:spTree>
+      <p:nvGrpSpPr>
+        <p:cNvPr id="1" name=""/>
+        <p:cNvGrpSpPr/>
+        <p:nvPr/>
+      </p:nvGrpSpPr>
+      <p:grpSpPr>
+        <a:xfrm>
+          <a:off x="0" y="0"/>
+          <a:ext cx="0" cy="0"/>
+          <a:chOff x="0" y="0"/>
+          <a:chExt cx="0" cy="0"/>
+        </a:xfrm>
+      </p:grpSpPr>
+      <p:sp>
+        <p:nvSpPr>
+          <p:cNvPr id="2" name="Title 1"/>
+          <p:cNvSpPr>
+            <a:spLocks noGrp="1"/>
+          </p:cNvSpPr>
+          <p:nvPr>
+            <p:ph type="title"/>
+          </p:nvPr>
+        </p:nvSpPr>
+        <p:spPr/>
+        <p:txBody>
+          <a:bodyPr/>
+          <a:lstStyle/>
+          <a:p>
+            <a:r>
+              <a:rPr lang="en-US" dirty="0" smtClean="0"/>
+              <a:t>10/100/1GBASE-T</a:t>
+            </a:r>
+            <a:endParaRPr lang="en-US" dirty="0"/>
+          </a:p>
+        </p:txBody>
+      </p:sp>
+      <p:sp>
+        <p:nvSpPr>
+          <p:cNvPr id="3" name="Content Placeholder 2"/>
+          <p:cNvSpPr>
+            <a:spLocks noGrp="1"/>
+          </p:cNvSpPr>
+          <p:nvPr>
+            <p:ph idx="1"/>
+          </p:nvPr>
+        </p:nvSpPr>
+        <p:spPr>
+          <a:xfrm>
+            <a:off x="457200" y="1600200"/>
+            <a:ext cx="8229600" cy="5105400"/>
+          </a:xfrm>
+        </p:spPr>
+        <p:txBody>
+          <a:bodyPr>
+            <a:normAutofit lnSpcReduction="10000"/>
+          </a:bodyPr>
+          <a:lstStyle/>
+          <a:p>
+            <a:r>
+              <a:rPr lang="en-US" dirty="0" smtClean="0"/>
+              <a:t>Layer 1 (Physical) implementation of Ethernet over twisted-pair cable</a:t>
+            </a:r>
+          </a:p>
+          <a:p>
+            <a:r>
+              <a:rPr lang="en-US" dirty="0" smtClean="0"/>
+              <a:t>10, 100, and 1G are used to refer to bitrates of 10 MBPS, 100 MBPS, and 1 GPBS, respectively</a:t>
+            </a:r>
+          </a:p>
+          <a:p>
+            <a:r>
+              <a:rPr lang="en-US" dirty="0" smtClean="0"/>
+              <a:t>“Base” means baseband signaling (i.e., very narrow frequency range)</a:t>
+            </a:r>
+          </a:p>
+          <a:p>
+            <a:r>
+              <a:rPr lang="en-US" dirty="0" smtClean="0"/>
+              <a:t>“T” stands for twisted pair cable</a:t>
+            </a:r>
+          </a:p>
+          <a:p>
+            <a:r>
+              <a:rPr lang="en-US" dirty="0" smtClean="0"/>
+              <a:t>E.g., “100BASE-T” is a protocol that encodes Ethernet frames at 100 MBPS, using baseband signaling, on twisted-pair cable</a:t>
+            </a:r>
+          </a:p>
+        </p:txBody>
+      </p:sp>
+      <p:sp>
+        <p:nvSpPr>
+          <p:cNvPr id="4" name="Slide Number Placeholder 3"/>
+          <p:cNvSpPr>
+            <a:spLocks noGrp="1"/>
+          </p:cNvSpPr>
+          <p:nvPr>
+            <p:ph type="sldNum" sz="quarter" idx="12"/>
+          </p:nvPr>
+        </p:nvSpPr>
+        <p:spPr/>
+        <p:txBody>
+          <a:bodyPr/>
+          <a:lstStyle/>
+          <a:p>
+            <a:fld id="{6BE98711-CE87-4D2C-A4EE-CF4DC81676AA}" type="slidenum">
+              <a:rPr lang="en-US" smtClean="0"/>
+              <a:t>6</a:t>
+            </a:fld>
+            <a:endParaRPr lang="en-US"/>
+          </a:p>
+        </p:txBody>
+      </p:sp>
+    </p:spTree>
+    <p:extLst>
+      <p:ext uri="{BB962C8B-B14F-4D97-AF65-F5344CB8AC3E}">
+        <p14:creationId xmlns:p14="http://schemas.microsoft.com/office/powerpoint/2010/main" val="3118739357"/>
+      </p:ext>
+    </p:extLst>
+  </p:cSld>
+  <p:clrMapOvr>
+    <a:masterClrMapping/>
+  </p:clrMapOvr>
+</p:sld>
+</file>
+
+<file path=ppt/slides/slide60.xml><?xml version="1.0" encoding="utf-8"?>
 <p:sld xmlns:a="http://schemas.openxmlformats.org/drawingml/2006/main" xmlns:r="http://schemas.openxmlformats.org/officeDocument/2006/relationships" xmlns:p="http://schemas.openxmlformats.org/presentationml/2006/main">
   <p:cSld>
     <p:spTree>
@@ -11545,7 +12117,7 @@
           <a:p>
             <a:fld id="{6BE98711-CE87-4D2C-A4EE-CF4DC81676AA}" type="slidenum">
               <a:rPr lang="en-US" smtClean="0"/>
-              <a:t>58</a:t>
+              <a:t>60</a:t>
             </a:fld>
             <a:endParaRPr lang="en-US"/>
           </a:p>
@@ -11564,7 +12136,7 @@
 </p:sld>
 </file>
 
-<file path=ppt/slides/slide59.xml><?xml version="1.0" encoding="utf-8"?>
+<file path=ppt/slides/slide61.xml><?xml version="1.0" encoding="utf-8"?>
 <p:sld xmlns:a="http://schemas.openxmlformats.org/drawingml/2006/main" xmlns:r="http://schemas.openxmlformats.org/officeDocument/2006/relationships" xmlns:p="http://schemas.openxmlformats.org/presentationml/2006/main">
   <p:cSld>
     <p:spTree>
@@ -11711,7 +12283,7 @@
           <a:p>
             <a:fld id="{6BE98711-CE87-4D2C-A4EE-CF4DC81676AA}" type="slidenum">
               <a:rPr lang="en-US" smtClean="0"/>
-              <a:t>59</a:t>
+              <a:t>61</a:t>
             </a:fld>
             <a:endParaRPr lang="en-US"/>
           </a:p>
@@ -11721,399 +12293,6 @@
     <p:extLst>
       <p:ext uri="{BB962C8B-B14F-4D97-AF65-F5344CB8AC3E}">
         <p14:creationId xmlns:p14="http://schemas.microsoft.com/office/powerpoint/2010/main" val="1344477589"/>
-      </p:ext>
-    </p:extLst>
-  </p:cSld>
-  <p:clrMapOvr>
-    <a:masterClrMapping/>
-  </p:clrMapOvr>
-</p:sld>
-</file>
-
-<file path=ppt/slides/slide6.xml><?xml version="1.0" encoding="utf-8"?>
-<p:sld xmlns:a="http://schemas.openxmlformats.org/drawingml/2006/main" xmlns:r="http://schemas.openxmlformats.org/officeDocument/2006/relationships" xmlns:p="http://schemas.openxmlformats.org/presentationml/2006/main">
-  <p:cSld>
-    <p:spTree>
-      <p:nvGrpSpPr>
-        <p:cNvPr id="1" name=""/>
-        <p:cNvGrpSpPr/>
-        <p:nvPr/>
-      </p:nvGrpSpPr>
-      <p:grpSpPr>
-        <a:xfrm>
-          <a:off x="0" y="0"/>
-          <a:ext cx="0" cy="0"/>
-          <a:chOff x="0" y="0"/>
-          <a:chExt cx="0" cy="0"/>
-        </a:xfrm>
-      </p:grpSpPr>
-      <p:sp>
-        <p:nvSpPr>
-          <p:cNvPr id="2" name="Title 1"/>
-          <p:cNvSpPr>
-            <a:spLocks noGrp="1"/>
-          </p:cNvSpPr>
-          <p:nvPr>
-            <p:ph type="title"/>
-          </p:nvPr>
-        </p:nvSpPr>
-        <p:spPr/>
-        <p:txBody>
-          <a:bodyPr/>
-          <a:lstStyle/>
-          <a:p>
-            <a:r>
-              <a:rPr lang="en-US" dirty="0" smtClean="0"/>
-              <a:t>10/100/1GBASE-T</a:t>
-            </a:r>
-            <a:endParaRPr lang="en-US" dirty="0"/>
-          </a:p>
-        </p:txBody>
-      </p:sp>
-      <p:sp>
-        <p:nvSpPr>
-          <p:cNvPr id="3" name="Content Placeholder 2"/>
-          <p:cNvSpPr>
-            <a:spLocks noGrp="1"/>
-          </p:cNvSpPr>
-          <p:nvPr>
-            <p:ph idx="1"/>
-          </p:nvPr>
-        </p:nvSpPr>
-        <p:spPr>
-          <a:xfrm>
-            <a:off x="457200" y="1600200"/>
-            <a:ext cx="8229600" cy="5105400"/>
-          </a:xfrm>
-        </p:spPr>
-        <p:txBody>
-          <a:bodyPr>
-            <a:normAutofit lnSpcReduction="10000"/>
-          </a:bodyPr>
-          <a:lstStyle/>
-          <a:p>
-            <a:r>
-              <a:rPr lang="en-US" dirty="0" smtClean="0"/>
-              <a:t>Layer 1 (Physical) implementation of Ethernet over twisted-pair cable</a:t>
-            </a:r>
-          </a:p>
-          <a:p>
-            <a:r>
-              <a:rPr lang="en-US" dirty="0" smtClean="0"/>
-              <a:t>10, 100, and 1G are used to refer to bitrates of 10 MBPS, 100 MBPS, and 1 GPBS, respectively</a:t>
-            </a:r>
-          </a:p>
-          <a:p>
-            <a:r>
-              <a:rPr lang="en-US" dirty="0" smtClean="0"/>
-              <a:t>“Base” means baseband signaling (i.e., very narrow frequency range)</a:t>
-            </a:r>
-          </a:p>
-          <a:p>
-            <a:r>
-              <a:rPr lang="en-US" dirty="0" smtClean="0"/>
-              <a:t>“T” stands for twisted pair cable</a:t>
-            </a:r>
-          </a:p>
-          <a:p>
-            <a:r>
-              <a:rPr lang="en-US" dirty="0" smtClean="0"/>
-              <a:t>E.g., “100BASE-T” is a protocol that encodes Ethernet frames at 100 MBPS, using baseband signaling, on twisted-pair cable</a:t>
-            </a:r>
-          </a:p>
-        </p:txBody>
-      </p:sp>
-      <p:sp>
-        <p:nvSpPr>
-          <p:cNvPr id="4" name="Slide Number Placeholder 3"/>
-          <p:cNvSpPr>
-            <a:spLocks noGrp="1"/>
-          </p:cNvSpPr>
-          <p:nvPr>
-            <p:ph type="sldNum" sz="quarter" idx="12"/>
-          </p:nvPr>
-        </p:nvSpPr>
-        <p:spPr/>
-        <p:txBody>
-          <a:bodyPr/>
-          <a:lstStyle/>
-          <a:p>
-            <a:fld id="{6BE98711-CE87-4D2C-A4EE-CF4DC81676AA}" type="slidenum">
-              <a:rPr lang="en-US" smtClean="0"/>
-              <a:t>6</a:t>
-            </a:fld>
-            <a:endParaRPr lang="en-US"/>
-          </a:p>
-        </p:txBody>
-      </p:sp>
-    </p:spTree>
-    <p:extLst>
-      <p:ext uri="{BB962C8B-B14F-4D97-AF65-F5344CB8AC3E}">
-        <p14:creationId xmlns:p14="http://schemas.microsoft.com/office/powerpoint/2010/main" val="3118739357"/>
-      </p:ext>
-    </p:extLst>
-  </p:cSld>
-  <p:clrMapOvr>
-    <a:masterClrMapping/>
-  </p:clrMapOvr>
-</p:sld>
-</file>
-
-<file path=ppt/slides/slide60.xml><?xml version="1.0" encoding="utf-8"?>
-<p:sld xmlns:a="http://schemas.openxmlformats.org/drawingml/2006/main" xmlns:r="http://schemas.openxmlformats.org/officeDocument/2006/relationships" xmlns:p="http://schemas.openxmlformats.org/presentationml/2006/main">
-  <p:cSld>
-    <p:spTree>
-      <p:nvGrpSpPr>
-        <p:cNvPr id="1" name=""/>
-        <p:cNvGrpSpPr/>
-        <p:nvPr/>
-      </p:nvGrpSpPr>
-      <p:grpSpPr>
-        <a:xfrm>
-          <a:off x="0" y="0"/>
-          <a:ext cx="0" cy="0"/>
-          <a:chOff x="0" y="0"/>
-          <a:chExt cx="0" cy="0"/>
-        </a:xfrm>
-      </p:grpSpPr>
-      <p:sp>
-        <p:nvSpPr>
-          <p:cNvPr id="2" name="Title 1"/>
-          <p:cNvSpPr>
-            <a:spLocks noGrp="1"/>
-          </p:cNvSpPr>
-          <p:nvPr>
-            <p:ph type="title"/>
-          </p:nvPr>
-        </p:nvSpPr>
-        <p:spPr/>
-        <p:txBody>
-          <a:bodyPr/>
-          <a:lstStyle/>
-          <a:p>
-            <a:r>
-              <a:rPr lang="en-US" dirty="0" err="1" smtClean="0"/>
-              <a:t>WiFi</a:t>
-            </a:r>
-            <a:endParaRPr lang="en-US" dirty="0"/>
-          </a:p>
-        </p:txBody>
-      </p:sp>
-      <p:sp>
-        <p:nvSpPr>
-          <p:cNvPr id="3" name="Content Placeholder 2"/>
-          <p:cNvSpPr>
-            <a:spLocks noGrp="1"/>
-          </p:cNvSpPr>
-          <p:nvPr>
-            <p:ph idx="1"/>
-          </p:nvPr>
-        </p:nvSpPr>
-        <p:spPr/>
-        <p:txBody>
-          <a:bodyPr/>
-          <a:lstStyle/>
-          <a:p>
-            <a:r>
-              <a:rPr lang="en-US" dirty="0" smtClean="0"/>
-              <a:t>Physical layer protocol(s)</a:t>
-            </a:r>
-          </a:p>
-          <a:p>
-            <a:r>
-              <a:rPr lang="en-US" dirty="0" smtClean="0"/>
-              <a:t>Standardized as IEEE 802.11</a:t>
-            </a:r>
-          </a:p>
-          <a:p>
-            <a:r>
-              <a:rPr lang="en-US" dirty="0" smtClean="0"/>
-              <a:t>Generally uses 2.4 GHz or 5 GHz frequency bands</a:t>
-            </a:r>
-          </a:p>
-          <a:p>
-            <a:r>
-              <a:rPr lang="en-US" dirty="0" smtClean="0"/>
-              <a:t>Defines 20 MHz or 40 MHz wide </a:t>
-            </a:r>
-            <a:r>
-              <a:rPr lang="en-US" i="1" dirty="0" smtClean="0"/>
-              <a:t>channels</a:t>
-            </a:r>
-            <a:endParaRPr lang="en-US" dirty="0"/>
-          </a:p>
-        </p:txBody>
-      </p:sp>
-      <p:sp>
-        <p:nvSpPr>
-          <p:cNvPr id="4" name="Slide Number Placeholder 3"/>
-          <p:cNvSpPr>
-            <a:spLocks noGrp="1"/>
-          </p:cNvSpPr>
-          <p:nvPr>
-            <p:ph type="sldNum" sz="quarter" idx="12"/>
-          </p:nvPr>
-        </p:nvSpPr>
-        <p:spPr/>
-        <p:txBody>
-          <a:bodyPr/>
-          <a:lstStyle/>
-          <a:p>
-            <a:fld id="{6BE98711-CE87-4D2C-A4EE-CF4DC81676AA}" type="slidenum">
-              <a:rPr lang="en-US" smtClean="0"/>
-              <a:t>60</a:t>
-            </a:fld>
-            <a:endParaRPr lang="en-US"/>
-          </a:p>
-        </p:txBody>
-      </p:sp>
-    </p:spTree>
-    <p:extLst>
-      <p:ext uri="{BB962C8B-B14F-4D97-AF65-F5344CB8AC3E}">
-        <p14:creationId xmlns:p14="http://schemas.microsoft.com/office/powerpoint/2010/main" val="592456617"/>
-      </p:ext>
-    </p:extLst>
-  </p:cSld>
-  <p:clrMapOvr>
-    <a:masterClrMapping/>
-  </p:clrMapOvr>
-</p:sld>
-</file>
-
-<file path=ppt/slides/slide61.xml><?xml version="1.0" encoding="utf-8"?>
-<p:sld xmlns:a="http://schemas.openxmlformats.org/drawingml/2006/main" xmlns:r="http://schemas.openxmlformats.org/officeDocument/2006/relationships" xmlns:p="http://schemas.openxmlformats.org/presentationml/2006/main">
-  <p:cSld>
-    <p:spTree>
-      <p:nvGrpSpPr>
-        <p:cNvPr id="1" name=""/>
-        <p:cNvGrpSpPr/>
-        <p:nvPr/>
-      </p:nvGrpSpPr>
-      <p:grpSpPr>
-        <a:xfrm>
-          <a:off x="0" y="0"/>
-          <a:ext cx="0" cy="0"/>
-          <a:chOff x="0" y="0"/>
-          <a:chExt cx="0" cy="0"/>
-        </a:xfrm>
-      </p:grpSpPr>
-      <p:sp>
-        <p:nvSpPr>
-          <p:cNvPr id="2" name="Title 1"/>
-          <p:cNvSpPr>
-            <a:spLocks noGrp="1"/>
-          </p:cNvSpPr>
-          <p:nvPr>
-            <p:ph type="title"/>
-          </p:nvPr>
-        </p:nvSpPr>
-        <p:spPr/>
-        <p:txBody>
-          <a:bodyPr/>
-          <a:lstStyle/>
-          <a:p>
-            <a:r>
-              <a:rPr lang="en-US" dirty="0" err="1" smtClean="0"/>
-              <a:t>WiFi</a:t>
-            </a:r>
-            <a:endParaRPr lang="en-US" dirty="0"/>
-          </a:p>
-        </p:txBody>
-      </p:sp>
-      <p:sp>
-        <p:nvSpPr>
-          <p:cNvPr id="3" name="Content Placeholder 2"/>
-          <p:cNvSpPr>
-            <a:spLocks noGrp="1"/>
-          </p:cNvSpPr>
-          <p:nvPr>
-            <p:ph idx="1"/>
-          </p:nvPr>
-        </p:nvSpPr>
-        <p:spPr/>
-        <p:txBody>
-          <a:bodyPr/>
-          <a:lstStyle/>
-          <a:p>
-            <a:r>
-              <a:rPr lang="en-US" dirty="0" smtClean="0"/>
-              <a:t>Generally, a radio acting as a </a:t>
-            </a:r>
-            <a:r>
-              <a:rPr lang="en-US" i="1" dirty="0" smtClean="0"/>
-              <a:t>wireless access point</a:t>
-            </a:r>
-            <a:r>
-              <a:rPr lang="en-US" dirty="0" smtClean="0"/>
-              <a:t> broadcasts an </a:t>
-            </a:r>
-            <a:r>
-              <a:rPr lang="en-US" i="1" dirty="0" smtClean="0"/>
-              <a:t>SSID </a:t>
-            </a:r>
-            <a:r>
-              <a:rPr lang="en-US" dirty="0" smtClean="0"/>
-              <a:t>(service set identification)</a:t>
-            </a:r>
-          </a:p>
-          <a:p>
-            <a:r>
-              <a:rPr lang="en-US" dirty="0" smtClean="0"/>
-              <a:t>Clients (laptops, etc.) can </a:t>
-            </a:r>
-            <a:r>
-              <a:rPr lang="en-US" i="1" dirty="0" smtClean="0"/>
-              <a:t>associate</a:t>
-            </a:r>
-            <a:r>
-              <a:rPr lang="en-US" dirty="0" smtClean="0"/>
-              <a:t> with the WAP</a:t>
-            </a:r>
-          </a:p>
-          <a:p>
-            <a:r>
-              <a:rPr lang="en-US" dirty="0" smtClean="0"/>
-              <a:t>In many cases, the WAP has an Ethernet port, to allow </a:t>
-            </a:r>
-            <a:r>
-              <a:rPr lang="en-US" dirty="0" err="1" smtClean="0"/>
-              <a:t>wifi</a:t>
-            </a:r>
-            <a:r>
-              <a:rPr lang="en-US" dirty="0" smtClean="0"/>
-              <a:t> clients to access a hardwired network</a:t>
-            </a:r>
-            <a:endParaRPr lang="en-US" dirty="0"/>
-          </a:p>
-        </p:txBody>
-      </p:sp>
-      <p:sp>
-        <p:nvSpPr>
-          <p:cNvPr id="4" name="Slide Number Placeholder 3"/>
-          <p:cNvSpPr>
-            <a:spLocks noGrp="1"/>
-          </p:cNvSpPr>
-          <p:nvPr>
-            <p:ph type="sldNum" sz="quarter" idx="12"/>
-          </p:nvPr>
-        </p:nvSpPr>
-        <p:spPr/>
-        <p:txBody>
-          <a:bodyPr/>
-          <a:lstStyle/>
-          <a:p>
-            <a:fld id="{6BE98711-CE87-4D2C-A4EE-CF4DC81676AA}" type="slidenum">
-              <a:rPr lang="en-US" smtClean="0"/>
-              <a:t>61</a:t>
-            </a:fld>
-            <a:endParaRPr lang="en-US"/>
-          </a:p>
-        </p:txBody>
-      </p:sp>
-    </p:spTree>
-    <p:extLst>
-      <p:ext uri="{BB962C8B-B14F-4D97-AF65-F5344CB8AC3E}">
-        <p14:creationId xmlns:p14="http://schemas.microsoft.com/office/powerpoint/2010/main" val="374380611"/>
       </p:ext>
     </p:extLst>
   </p:cSld>
@@ -12180,6 +12359,270 @@
           <a:p>
             <a:r>
               <a:rPr lang="en-US" dirty="0" smtClean="0"/>
+              <a:t>Physical layer protocol(s)</a:t>
+            </a:r>
+          </a:p>
+          <a:p>
+            <a:r>
+              <a:rPr lang="en-US" dirty="0" smtClean="0"/>
+              <a:t>Standardized as IEEE 802.11</a:t>
+            </a:r>
+          </a:p>
+          <a:p>
+            <a:r>
+              <a:rPr lang="en-US" dirty="0" smtClean="0"/>
+              <a:t>Generally uses 2.4 GHz or 5 GHz frequency bands</a:t>
+            </a:r>
+          </a:p>
+          <a:p>
+            <a:r>
+              <a:rPr lang="en-US" dirty="0" smtClean="0"/>
+              <a:t>Defines 20 MHz or 40 MHz wide </a:t>
+            </a:r>
+            <a:r>
+              <a:rPr lang="en-US" i="1" dirty="0" smtClean="0"/>
+              <a:t>channels</a:t>
+            </a:r>
+            <a:endParaRPr lang="en-US" dirty="0"/>
+          </a:p>
+        </p:txBody>
+      </p:sp>
+      <p:sp>
+        <p:nvSpPr>
+          <p:cNvPr id="4" name="Slide Number Placeholder 3"/>
+          <p:cNvSpPr>
+            <a:spLocks noGrp="1"/>
+          </p:cNvSpPr>
+          <p:nvPr>
+            <p:ph type="sldNum" sz="quarter" idx="12"/>
+          </p:nvPr>
+        </p:nvSpPr>
+        <p:spPr/>
+        <p:txBody>
+          <a:bodyPr/>
+          <a:lstStyle/>
+          <a:p>
+            <a:fld id="{6BE98711-CE87-4D2C-A4EE-CF4DC81676AA}" type="slidenum">
+              <a:rPr lang="en-US" smtClean="0"/>
+              <a:t>62</a:t>
+            </a:fld>
+            <a:endParaRPr lang="en-US"/>
+          </a:p>
+        </p:txBody>
+      </p:sp>
+    </p:spTree>
+    <p:extLst>
+      <p:ext uri="{BB962C8B-B14F-4D97-AF65-F5344CB8AC3E}">
+        <p14:creationId xmlns:p14="http://schemas.microsoft.com/office/powerpoint/2010/main" val="592456617"/>
+      </p:ext>
+    </p:extLst>
+  </p:cSld>
+  <p:clrMapOvr>
+    <a:masterClrMapping/>
+  </p:clrMapOvr>
+</p:sld>
+</file>
+
+<file path=ppt/slides/slide63.xml><?xml version="1.0" encoding="utf-8"?>
+<p:sld xmlns:a="http://schemas.openxmlformats.org/drawingml/2006/main" xmlns:r="http://schemas.openxmlformats.org/officeDocument/2006/relationships" xmlns:p="http://schemas.openxmlformats.org/presentationml/2006/main">
+  <p:cSld>
+    <p:spTree>
+      <p:nvGrpSpPr>
+        <p:cNvPr id="1" name=""/>
+        <p:cNvGrpSpPr/>
+        <p:nvPr/>
+      </p:nvGrpSpPr>
+      <p:grpSpPr>
+        <a:xfrm>
+          <a:off x="0" y="0"/>
+          <a:ext cx="0" cy="0"/>
+          <a:chOff x="0" y="0"/>
+          <a:chExt cx="0" cy="0"/>
+        </a:xfrm>
+      </p:grpSpPr>
+      <p:sp>
+        <p:nvSpPr>
+          <p:cNvPr id="2" name="Title 1"/>
+          <p:cNvSpPr>
+            <a:spLocks noGrp="1"/>
+          </p:cNvSpPr>
+          <p:nvPr>
+            <p:ph type="title"/>
+          </p:nvPr>
+        </p:nvSpPr>
+        <p:spPr/>
+        <p:txBody>
+          <a:bodyPr/>
+          <a:lstStyle/>
+          <a:p>
+            <a:r>
+              <a:rPr lang="en-US" dirty="0" err="1" smtClean="0"/>
+              <a:t>WiFi</a:t>
+            </a:r>
+            <a:endParaRPr lang="en-US" dirty="0"/>
+          </a:p>
+        </p:txBody>
+      </p:sp>
+      <p:sp>
+        <p:nvSpPr>
+          <p:cNvPr id="3" name="Content Placeholder 2"/>
+          <p:cNvSpPr>
+            <a:spLocks noGrp="1"/>
+          </p:cNvSpPr>
+          <p:nvPr>
+            <p:ph idx="1"/>
+          </p:nvPr>
+        </p:nvSpPr>
+        <p:spPr/>
+        <p:txBody>
+          <a:bodyPr/>
+          <a:lstStyle/>
+          <a:p>
+            <a:r>
+              <a:rPr lang="en-US" dirty="0" smtClean="0"/>
+              <a:t>Generally, a radio acting as a </a:t>
+            </a:r>
+            <a:r>
+              <a:rPr lang="en-US" i="1" dirty="0" smtClean="0"/>
+              <a:t>wireless access point</a:t>
+            </a:r>
+            <a:r>
+              <a:rPr lang="en-US" dirty="0" smtClean="0"/>
+              <a:t> broadcasts an </a:t>
+            </a:r>
+            <a:r>
+              <a:rPr lang="en-US" i="1" dirty="0" smtClean="0"/>
+              <a:t>SSID </a:t>
+            </a:r>
+            <a:r>
+              <a:rPr lang="en-US" dirty="0" smtClean="0"/>
+              <a:t>(service set identification)</a:t>
+            </a:r>
+          </a:p>
+          <a:p>
+            <a:r>
+              <a:rPr lang="en-US" dirty="0" smtClean="0"/>
+              <a:t>Clients (laptops, etc.) can </a:t>
+            </a:r>
+            <a:r>
+              <a:rPr lang="en-US" i="1" dirty="0" smtClean="0"/>
+              <a:t>associate</a:t>
+            </a:r>
+            <a:r>
+              <a:rPr lang="en-US" dirty="0" smtClean="0"/>
+              <a:t> with the WAP</a:t>
+            </a:r>
+          </a:p>
+          <a:p>
+            <a:r>
+              <a:rPr lang="en-US" dirty="0" smtClean="0"/>
+              <a:t>In many cases, the WAP has an Ethernet port, to allow </a:t>
+            </a:r>
+            <a:r>
+              <a:rPr lang="en-US" dirty="0" err="1" smtClean="0"/>
+              <a:t>wifi</a:t>
+            </a:r>
+            <a:r>
+              <a:rPr lang="en-US" dirty="0" smtClean="0"/>
+              <a:t> clients to access a hardwired network</a:t>
+            </a:r>
+            <a:endParaRPr lang="en-US" dirty="0"/>
+          </a:p>
+        </p:txBody>
+      </p:sp>
+      <p:sp>
+        <p:nvSpPr>
+          <p:cNvPr id="4" name="Slide Number Placeholder 3"/>
+          <p:cNvSpPr>
+            <a:spLocks noGrp="1"/>
+          </p:cNvSpPr>
+          <p:nvPr>
+            <p:ph type="sldNum" sz="quarter" idx="12"/>
+          </p:nvPr>
+        </p:nvSpPr>
+        <p:spPr/>
+        <p:txBody>
+          <a:bodyPr/>
+          <a:lstStyle/>
+          <a:p>
+            <a:fld id="{6BE98711-CE87-4D2C-A4EE-CF4DC81676AA}" type="slidenum">
+              <a:rPr lang="en-US" smtClean="0"/>
+              <a:t>63</a:t>
+            </a:fld>
+            <a:endParaRPr lang="en-US"/>
+          </a:p>
+        </p:txBody>
+      </p:sp>
+    </p:spTree>
+    <p:extLst>
+      <p:ext uri="{BB962C8B-B14F-4D97-AF65-F5344CB8AC3E}">
+        <p14:creationId xmlns:p14="http://schemas.microsoft.com/office/powerpoint/2010/main" val="374380611"/>
+      </p:ext>
+    </p:extLst>
+  </p:cSld>
+  <p:clrMapOvr>
+    <a:masterClrMapping/>
+  </p:clrMapOvr>
+</p:sld>
+</file>
+
+<file path=ppt/slides/slide64.xml><?xml version="1.0" encoding="utf-8"?>
+<p:sld xmlns:a="http://schemas.openxmlformats.org/drawingml/2006/main" xmlns:r="http://schemas.openxmlformats.org/officeDocument/2006/relationships" xmlns:p="http://schemas.openxmlformats.org/presentationml/2006/main">
+  <p:cSld>
+    <p:spTree>
+      <p:nvGrpSpPr>
+        <p:cNvPr id="1" name=""/>
+        <p:cNvGrpSpPr/>
+        <p:nvPr/>
+      </p:nvGrpSpPr>
+      <p:grpSpPr>
+        <a:xfrm>
+          <a:off x="0" y="0"/>
+          <a:ext cx="0" cy="0"/>
+          <a:chOff x="0" y="0"/>
+          <a:chExt cx="0" cy="0"/>
+        </a:xfrm>
+      </p:grpSpPr>
+      <p:sp>
+        <p:nvSpPr>
+          <p:cNvPr id="2" name="Title 1"/>
+          <p:cNvSpPr>
+            <a:spLocks noGrp="1"/>
+          </p:cNvSpPr>
+          <p:nvPr>
+            <p:ph type="title"/>
+          </p:nvPr>
+        </p:nvSpPr>
+        <p:spPr/>
+        <p:txBody>
+          <a:bodyPr/>
+          <a:lstStyle/>
+          <a:p>
+            <a:r>
+              <a:rPr lang="en-US" dirty="0" err="1" smtClean="0"/>
+              <a:t>WiFi</a:t>
+            </a:r>
+            <a:endParaRPr lang="en-US" dirty="0"/>
+          </a:p>
+        </p:txBody>
+      </p:sp>
+      <p:sp>
+        <p:nvSpPr>
+          <p:cNvPr id="3" name="Content Placeholder 2"/>
+          <p:cNvSpPr>
+            <a:spLocks noGrp="1"/>
+          </p:cNvSpPr>
+          <p:nvPr>
+            <p:ph idx="1"/>
+          </p:nvPr>
+        </p:nvSpPr>
+        <p:spPr/>
+        <p:txBody>
+          <a:bodyPr/>
+          <a:lstStyle/>
+          <a:p>
+            <a:r>
+              <a:rPr lang="en-US" dirty="0" smtClean="0"/>
               <a:t>Radios in “access point mode” generally implement a DHCP server and NAT, to allow clients to share a single public IP</a:t>
             </a:r>
             <a:endParaRPr lang="en-US" dirty="0"/>
@@ -12203,7 +12646,7 @@
           <a:p>
             <a:fld id="{6BE98711-CE87-4D2C-A4EE-CF4DC81676AA}" type="slidenum">
               <a:rPr lang="en-US" smtClean="0"/>
-              <a:t>62</a:t>
+              <a:t>64</a:t>
             </a:fld>
             <a:endParaRPr lang="en-US"/>
           </a:p>
@@ -12252,7 +12695,7 @@
 </p:sld>
 </file>
 
-<file path=ppt/slides/slide63.xml><?xml version="1.0" encoding="utf-8"?>
+<file path=ppt/slides/slide65.xml><?xml version="1.0" encoding="utf-8"?>
 <p:sld xmlns:a="http://schemas.openxmlformats.org/drawingml/2006/main" xmlns:r="http://schemas.openxmlformats.org/officeDocument/2006/relationships" xmlns:p="http://schemas.openxmlformats.org/presentationml/2006/main">
   <p:cSld>
     <p:spTree>
@@ -12332,7 +12775,7 @@
           <a:p>
             <a:fld id="{6BE98711-CE87-4D2C-A4EE-CF4DC81676AA}" type="slidenum">
               <a:rPr lang="en-US" smtClean="0"/>
-              <a:t>63</a:t>
+              <a:t>65</a:t>
             </a:fld>
             <a:endParaRPr lang="en-US"/>
           </a:p>
@@ -12445,7 +12888,15 @@
             <a:pPr lvl="1"/>
             <a:r>
               <a:rPr lang="en-US" dirty="0" smtClean="0"/>
-              <a:t>Uses wires in pairs, instead of n wires and a ground</a:t>
+              <a:t>Uses wires in pairs, instead of </a:t>
+            </a:r>
+            <a:r>
+              <a:rPr lang="en-US" i="1" dirty="0" smtClean="0"/>
+              <a:t>n</a:t>
+            </a:r>
+            <a:r>
+              <a:rPr lang="en-US" dirty="0" smtClean="0"/>
+              <a:t> wires and a ground</a:t>
             </a:r>
           </a:p>
           <a:p>
@@ -12543,7 +12994,7 @@
           <a:p>
             <a:r>
               <a:rPr lang="en-US" dirty="0" smtClean="0"/>
-              <a:t>Cat 5e</a:t>
+              <a:t>Differential Signaling</a:t>
             </a:r>
             <a:endParaRPr lang="en-US" dirty="0"/>
           </a:p>
@@ -12566,27 +13017,47 @@
           <a:p>
             <a:r>
               <a:rPr lang="en-US" dirty="0" smtClean="0"/>
-              <a:t>Most common “Ethernet” cables</a:t>
-            </a:r>
-          </a:p>
-          <a:p>
-            <a:r>
-              <a:rPr lang="en-US" dirty="0" smtClean="0"/>
-              <a:t>Refers to “Category 5, enhanced”</a:t>
-            </a:r>
-          </a:p>
-          <a:p>
-            <a:r>
-              <a:rPr lang="en-US" dirty="0" smtClean="0"/>
-              <a:t>Cat 3, cat 5, etc. are standards published by the Telecommunications Industry Association (TIA)</a:t>
-            </a:r>
-          </a:p>
-          <a:p>
-            <a:r>
-              <a:rPr lang="en-US" dirty="0" smtClean="0"/>
-              <a:t>Consists of four pairs: orange/orange-white, green/green-white, blue/blue-white, and brown/brown-white</a:t>
-            </a:r>
-            <a:endParaRPr lang="en-US" dirty="0"/>
+              <a:t>Data is encoded as the </a:t>
+            </a:r>
+            <a:r>
+              <a:rPr lang="en-US" i="1" dirty="0" smtClean="0"/>
+              <a:t>difference</a:t>
+            </a:r>
+            <a:r>
+              <a:rPr lang="en-US" dirty="0" smtClean="0"/>
+              <a:t> between two signals</a:t>
+            </a:r>
+          </a:p>
+          <a:p>
+            <a:r>
+              <a:rPr lang="en-US" dirty="0" smtClean="0"/>
+              <a:t>On the transmission end, the original signal is sent, plus an inverted copy</a:t>
+            </a:r>
+          </a:p>
+          <a:p>
+            <a:r>
+              <a:rPr lang="en-US" dirty="0" smtClean="0"/>
+              <a:t>On the reception end, the inverted copy is subtracted from the </a:t>
+            </a:r>
+            <a:r>
+              <a:rPr lang="en-US" dirty="0" err="1" smtClean="0"/>
+              <a:t>noninverted</a:t>
+            </a:r>
+            <a:r>
+              <a:rPr lang="en-US" dirty="0" smtClean="0"/>
+              <a:t> signal</a:t>
+            </a:r>
+          </a:p>
+          <a:p>
+            <a:r>
+              <a:rPr lang="en-US" i="1" dirty="0" smtClean="0"/>
+              <a:t>Common-mode </a:t>
+            </a:r>
+            <a:r>
+              <a:rPr lang="en-US" dirty="0" smtClean="0"/>
+              <a:t>noise cancels out</a:t>
+            </a:r>
+            <a:endParaRPr lang="en-US" i="1" dirty="0"/>
           </a:p>
         </p:txBody>
       </p:sp>
@@ -12616,7 +13087,7 @@
     </p:spTree>
     <p:extLst>
       <p:ext uri="{BB962C8B-B14F-4D97-AF65-F5344CB8AC3E}">
-        <p14:creationId xmlns:p14="http://schemas.microsoft.com/office/powerpoint/2010/main" val="518852797"/>
+        <p14:creationId xmlns:p14="http://schemas.microsoft.com/office/powerpoint/2010/main" val="4011419972"/>
       </p:ext>
     </p:extLst>
   </p:cSld>
@@ -12660,68 +13131,394 @@
           <a:p>
             <a:r>
               <a:rPr lang="en-US" dirty="0" smtClean="0"/>
-              <a:t>8P8C Connector</a:t>
+              <a:t>Differential Signaling</a:t>
             </a:r>
             <a:endParaRPr lang="en-US" dirty="0"/>
           </a:p>
         </p:txBody>
       </p:sp>
-      <p:sp>
-        <p:nvSpPr>
-          <p:cNvPr id="3" name="Content Placeholder 2"/>
-          <p:cNvSpPr>
-            <a:spLocks noGrp="1"/>
-          </p:cNvSpPr>
-          <p:nvPr>
-            <p:ph idx="1"/>
-          </p:nvPr>
-        </p:nvSpPr>
-        <p:spPr>
-          <a:xfrm>
-            <a:off x="457200" y="2514600"/>
-            <a:ext cx="8229600" cy="3611563"/>
-          </a:xfrm>
-        </p:spPr>
-        <p:txBody>
-          <a:bodyPr/>
-          <a:lstStyle/>
-          <a:p>
-            <a:r>
-              <a:rPr lang="en-US" dirty="0" smtClean="0"/>
-              <a:t>Often incorrectly referred to as “Ethernet” or “RJ45” connector</a:t>
-            </a:r>
-          </a:p>
-          <a:p>
-            <a:r>
-              <a:rPr lang="en-US" dirty="0" smtClean="0"/>
-              <a:t>“8P” – 8 positions</a:t>
-            </a:r>
-          </a:p>
-          <a:p>
-            <a:r>
-              <a:rPr lang="en-US" dirty="0" smtClean="0"/>
-              <a:t>“8C” – 8 contacts (i.e., all positions populated)</a:t>
-            </a:r>
-          </a:p>
-          <a:p>
-            <a:r>
-              <a:rPr lang="en-US" dirty="0" smtClean="0"/>
-              <a:t>Compare 8P4C connector:</a:t>
-            </a:r>
-            <a:endParaRPr lang="en-US" dirty="0"/>
+      <mc:AlternateContent xmlns:mc="http://schemas.openxmlformats.org/markup-compatibility/2006">
+        <mc:Choice xmlns:a14="http://schemas.microsoft.com/office/drawing/2010/main" Requires="a14">
+          <p:sp>
+            <p:nvSpPr>
+              <p:cNvPr id="3" name="Content Placeholder 2"/>
+              <p:cNvSpPr>
+                <a:spLocks noGrp="1"/>
+              </p:cNvSpPr>
+              <p:nvPr>
+                <p:ph idx="1"/>
+              </p:nvPr>
+            </p:nvSpPr>
+            <p:spPr>
+              <a:xfrm>
+                <a:off x="457200" y="3505200"/>
+                <a:ext cx="8229600" cy="3048000"/>
+              </a:xfrm>
+            </p:spPr>
+            <p:txBody>
+              <a:bodyPr/>
+              <a:lstStyle/>
+              <a:p>
+                <a14:m>
+                  <m:oMath xmlns:m="http://schemas.openxmlformats.org/officeDocument/2006/math">
+                    <m:r>
+                      <a:rPr lang="en-US" b="0" i="1" smtClean="0">
+                        <a:latin typeface="Cambria Math" panose="02040503050406030204" pitchFamily="18" charset="0"/>
+                      </a:rPr>
+                      <m:t>𝑓</m:t>
+                    </m:r>
+                    <m:d>
+                      <m:dPr>
+                        <m:ctrlPr>
+                          <a:rPr lang="en-US" b="0" i="1" smtClean="0">
+                            <a:latin typeface="Cambria Math" panose="02040503050406030204" pitchFamily="18" charset="0"/>
+                          </a:rPr>
+                        </m:ctrlPr>
+                      </m:dPr>
+                      <m:e>
+                        <m:r>
+                          <a:rPr lang="en-US" b="0" i="1" smtClean="0">
+                            <a:latin typeface="Cambria Math" panose="02040503050406030204" pitchFamily="18" charset="0"/>
+                          </a:rPr>
+                          <m:t>𝑡</m:t>
+                        </m:r>
+                      </m:e>
+                    </m:d>
+                    <m:r>
+                      <a:rPr lang="en-US" b="0" i="1" smtClean="0">
+                        <a:latin typeface="Cambria Math" panose="02040503050406030204" pitchFamily="18" charset="0"/>
+                      </a:rPr>
+                      <m:t>, −</m:t>
+                    </m:r>
+                    <m:r>
+                      <a:rPr lang="en-US" b="0" i="1" smtClean="0">
+                        <a:latin typeface="Cambria Math" panose="02040503050406030204" pitchFamily="18" charset="0"/>
+                      </a:rPr>
+                      <m:t>𝑓</m:t>
+                    </m:r>
+                    <m:r>
+                      <a:rPr lang="en-US" b="0" i="1" smtClean="0">
+                        <a:latin typeface="Cambria Math" panose="02040503050406030204" pitchFamily="18" charset="0"/>
+                      </a:rPr>
+                      <m:t>(</m:t>
+                    </m:r>
+                    <m:r>
+                      <a:rPr lang="en-US" b="0" i="1" smtClean="0">
+                        <a:latin typeface="Cambria Math" panose="02040503050406030204" pitchFamily="18" charset="0"/>
+                      </a:rPr>
+                      <m:t>𝑡</m:t>
+                    </m:r>
+                    <m:r>
+                      <a:rPr lang="en-US" b="0" i="1" smtClean="0">
+                        <a:latin typeface="Cambria Math" panose="02040503050406030204" pitchFamily="18" charset="0"/>
+                      </a:rPr>
+                      <m:t>)</m:t>
+                    </m:r>
+                  </m:oMath>
+                </a14:m>
+                <a:r>
+                  <a:rPr lang="en-US" dirty="0" smtClean="0"/>
+                  <a:t> are sent</a:t>
+                </a:r>
+              </a:p>
+              <a:p>
+                <a:r>
+                  <a:rPr lang="en-US" dirty="0" smtClean="0"/>
+                  <a:t>Noise (</a:t>
+                </a:r>
+                <a14:m>
+                  <m:oMath xmlns:m="http://schemas.openxmlformats.org/officeDocument/2006/math">
+                    <m:r>
+                      <a:rPr lang="en-US" b="0" i="1" smtClean="0">
+                        <a:latin typeface="Cambria Math" panose="02040503050406030204" pitchFamily="18" charset="0"/>
+                      </a:rPr>
+                      <m:t>𝑛</m:t>
+                    </m:r>
+                    <m:r>
+                      <a:rPr lang="en-US" b="0" i="1" smtClean="0">
+                        <a:latin typeface="Cambria Math" panose="02040503050406030204" pitchFamily="18" charset="0"/>
+                      </a:rPr>
+                      <m:t>(</m:t>
+                    </m:r>
+                    <m:r>
+                      <a:rPr lang="en-US" b="0" i="1" smtClean="0">
+                        <a:latin typeface="Cambria Math" panose="02040503050406030204" pitchFamily="18" charset="0"/>
+                      </a:rPr>
+                      <m:t>𝑡</m:t>
+                    </m:r>
+                    <m:r>
+                      <a:rPr lang="en-US" b="0" i="1" smtClean="0">
+                        <a:latin typeface="Cambria Math" panose="02040503050406030204" pitchFamily="18" charset="0"/>
+                      </a:rPr>
+                      <m:t>)</m:t>
+                    </m:r>
+                  </m:oMath>
+                </a14:m>
+                <a:r>
+                  <a:rPr lang="en-US" dirty="0" smtClean="0"/>
+                  <a:t>) is added to both</a:t>
+                </a:r>
+              </a:p>
+              <a:p>
+                <a:r>
+                  <a:rPr lang="en-US" dirty="0" smtClean="0"/>
+                  <a:t>At the receiver, the difference is found:</a:t>
+                </a:r>
+              </a:p>
+              <a:p>
+                <a14:m>
+                  <m:oMath xmlns:m="http://schemas.openxmlformats.org/officeDocument/2006/math">
+                    <m:d>
+                      <m:dPr>
+                        <m:begChr m:val="["/>
+                        <m:endChr m:val="]"/>
+                        <m:ctrlPr>
+                          <a:rPr lang="en-US" i="1" smtClean="0">
+                            <a:latin typeface="Cambria Math" panose="02040503050406030204" pitchFamily="18" charset="0"/>
+                          </a:rPr>
+                        </m:ctrlPr>
+                      </m:dPr>
+                      <m:e>
+                        <m:r>
+                          <a:rPr lang="en-US" b="0" i="1" smtClean="0">
+                            <a:latin typeface="Cambria Math" panose="02040503050406030204" pitchFamily="18" charset="0"/>
+                          </a:rPr>
+                          <m:t>𝑓</m:t>
+                        </m:r>
+                        <m:d>
+                          <m:dPr>
+                            <m:ctrlPr>
+                              <a:rPr lang="en-US" b="0" i="1" smtClean="0">
+                                <a:latin typeface="Cambria Math" panose="02040503050406030204" pitchFamily="18" charset="0"/>
+                              </a:rPr>
+                            </m:ctrlPr>
+                          </m:dPr>
+                          <m:e>
+                            <m:r>
+                              <a:rPr lang="en-US" b="0" i="1" smtClean="0">
+                                <a:latin typeface="Cambria Math" panose="02040503050406030204" pitchFamily="18" charset="0"/>
+                              </a:rPr>
+                              <m:t>𝑡</m:t>
+                            </m:r>
+                          </m:e>
+                        </m:d>
+                        <m:r>
+                          <a:rPr lang="en-US" b="0" i="1" smtClean="0">
+                            <a:latin typeface="Cambria Math" panose="02040503050406030204" pitchFamily="18" charset="0"/>
+                          </a:rPr>
+                          <m:t>+</m:t>
+                        </m:r>
+                        <m:r>
+                          <a:rPr lang="en-US" b="0" i="1" smtClean="0">
+                            <a:latin typeface="Cambria Math" panose="02040503050406030204" pitchFamily="18" charset="0"/>
+                          </a:rPr>
+                          <m:t>𝑛</m:t>
+                        </m:r>
+                        <m:r>
+                          <a:rPr lang="en-US" b="0" i="1" smtClean="0">
+                            <a:latin typeface="Cambria Math" panose="02040503050406030204" pitchFamily="18" charset="0"/>
+                          </a:rPr>
+                          <m:t>(</m:t>
+                        </m:r>
+                        <m:r>
+                          <a:rPr lang="en-US" b="0" i="1" smtClean="0">
+                            <a:latin typeface="Cambria Math" panose="02040503050406030204" pitchFamily="18" charset="0"/>
+                          </a:rPr>
+                          <m:t>𝑡</m:t>
+                        </m:r>
+                        <m:r>
+                          <a:rPr lang="en-US" b="0" i="1" smtClean="0">
+                            <a:latin typeface="Cambria Math" panose="02040503050406030204" pitchFamily="18" charset="0"/>
+                          </a:rPr>
+                          <m:t>)</m:t>
+                        </m:r>
+                      </m:e>
+                    </m:d>
+                    <m:r>
+                      <a:rPr lang="en-US" b="0" i="1" smtClean="0">
+                        <a:latin typeface="Cambria Math" panose="02040503050406030204" pitchFamily="18" charset="0"/>
+                      </a:rPr>
+                      <m:t>−</m:t>
+                    </m:r>
+                    <m:d>
+                      <m:dPr>
+                        <m:begChr m:val="["/>
+                        <m:endChr m:val="]"/>
+                        <m:ctrlPr>
+                          <a:rPr lang="en-US" b="0" i="1" smtClean="0">
+                            <a:latin typeface="Cambria Math" panose="02040503050406030204" pitchFamily="18" charset="0"/>
+                          </a:rPr>
+                        </m:ctrlPr>
+                      </m:dPr>
+                      <m:e>
+                        <m:r>
+                          <a:rPr lang="en-US" b="0" i="1" smtClean="0">
+                            <a:latin typeface="Cambria Math" panose="02040503050406030204" pitchFamily="18" charset="0"/>
+                          </a:rPr>
+                          <m:t>−</m:t>
+                        </m:r>
+                        <m:r>
+                          <a:rPr lang="en-US" b="0" i="1" smtClean="0">
+                            <a:latin typeface="Cambria Math" panose="02040503050406030204" pitchFamily="18" charset="0"/>
+                          </a:rPr>
+                          <m:t>𝑓</m:t>
+                        </m:r>
+                        <m:d>
+                          <m:dPr>
+                            <m:ctrlPr>
+                              <a:rPr lang="en-US" b="0" i="1" smtClean="0">
+                                <a:latin typeface="Cambria Math" panose="02040503050406030204" pitchFamily="18" charset="0"/>
+                              </a:rPr>
+                            </m:ctrlPr>
+                          </m:dPr>
+                          <m:e>
+                            <m:r>
+                              <a:rPr lang="en-US" b="0" i="1" smtClean="0">
+                                <a:latin typeface="Cambria Math" panose="02040503050406030204" pitchFamily="18" charset="0"/>
+                              </a:rPr>
+                              <m:t>𝑡</m:t>
+                            </m:r>
+                          </m:e>
+                        </m:d>
+                        <m:r>
+                          <a:rPr lang="en-US" b="0" i="1" smtClean="0">
+                            <a:latin typeface="Cambria Math" panose="02040503050406030204" pitchFamily="18" charset="0"/>
+                          </a:rPr>
+                          <m:t>+</m:t>
+                        </m:r>
+                        <m:r>
+                          <a:rPr lang="en-US" b="0" i="1" smtClean="0">
+                            <a:latin typeface="Cambria Math" panose="02040503050406030204" pitchFamily="18" charset="0"/>
+                          </a:rPr>
+                          <m:t>𝑛</m:t>
+                        </m:r>
+                        <m:d>
+                          <m:dPr>
+                            <m:ctrlPr>
+                              <a:rPr lang="en-US" b="0" i="1" smtClean="0">
+                                <a:latin typeface="Cambria Math" panose="02040503050406030204" pitchFamily="18" charset="0"/>
+                              </a:rPr>
+                            </m:ctrlPr>
+                          </m:dPr>
+                          <m:e>
+                            <m:r>
+                              <a:rPr lang="en-US" b="0" i="1" smtClean="0">
+                                <a:latin typeface="Cambria Math" panose="02040503050406030204" pitchFamily="18" charset="0"/>
+                              </a:rPr>
+                              <m:t>𝑡</m:t>
+                            </m:r>
+                          </m:e>
+                        </m:d>
+                      </m:e>
+                    </m:d>
+                    <m:r>
+                      <a:rPr lang="en-US" b="0" i="1" smtClean="0">
+                        <a:latin typeface="Cambria Math" panose="02040503050406030204" pitchFamily="18" charset="0"/>
+                      </a:rPr>
+                      <m:t>=2</m:t>
+                    </m:r>
+                    <m:r>
+                      <a:rPr lang="en-US" b="0" i="1" smtClean="0">
+                        <a:latin typeface="Cambria Math" panose="02040503050406030204" pitchFamily="18" charset="0"/>
+                      </a:rPr>
+                      <m:t>𝑓</m:t>
+                    </m:r>
+                    <m:r>
+                      <a:rPr lang="en-US" b="0" i="1" smtClean="0">
+                        <a:latin typeface="Cambria Math" panose="02040503050406030204" pitchFamily="18" charset="0"/>
+                      </a:rPr>
+                      <m:t>(</m:t>
+                    </m:r>
+                    <m:r>
+                      <a:rPr lang="en-US" b="0" i="1" smtClean="0">
+                        <a:latin typeface="Cambria Math" panose="02040503050406030204" pitchFamily="18" charset="0"/>
+                      </a:rPr>
+                      <m:t>𝑡</m:t>
+                    </m:r>
+                    <m:r>
+                      <a:rPr lang="en-US" b="0" i="1" smtClean="0">
+                        <a:latin typeface="Cambria Math" panose="02040503050406030204" pitchFamily="18" charset="0"/>
+                      </a:rPr>
+                      <m:t>)</m:t>
+                    </m:r>
+                  </m:oMath>
+                </a14:m>
+                <a:endParaRPr lang="en-US" dirty="0"/>
+              </a:p>
+            </p:txBody>
+          </p:sp>
+        </mc:Choice>
+        <mc:Fallback>
+          <p:sp>
+            <p:nvSpPr>
+              <p:cNvPr id="3" name="Content Placeholder 2"/>
+              <p:cNvSpPr>
+                <a:spLocks noGrp="1" noRot="1" noChangeAspect="1" noMove="1" noResize="1" noEditPoints="1" noAdjustHandles="1" noChangeArrowheads="1" noChangeShapeType="1" noTextEdit="1"/>
+              </p:cNvSpPr>
+              <p:nvPr>
+                <p:ph idx="1"/>
+              </p:nvPr>
+            </p:nvSpPr>
+            <p:spPr>
+              <a:xfrm>
+                <a:off x="457200" y="3505200"/>
+                <a:ext cx="8229600" cy="3048000"/>
+              </a:xfrm>
+              <a:blipFill>
+                <a:blip r:embed="rId2"/>
+                <a:stretch>
+                  <a:fillRect l="-1704" t="-2400"/>
+                </a:stretch>
+              </a:blipFill>
+            </p:spPr>
+            <p:txBody>
+              <a:bodyPr/>
+              <a:lstStyle/>
+              <a:p>
+                <a:r>
+                  <a:rPr lang="en-US">
+                    <a:noFill/>
+                  </a:rPr>
+                  <a:t> </a:t>
+                </a:r>
+              </a:p>
+            </p:txBody>
+          </p:sp>
+        </mc:Fallback>
+      </mc:AlternateContent>
+      <p:sp>
+        <p:nvSpPr>
+          <p:cNvPr id="4" name="Slide Number Placeholder 3"/>
+          <p:cNvSpPr>
+            <a:spLocks noGrp="1"/>
+          </p:cNvSpPr>
+          <p:nvPr>
+            <p:ph type="sldNum" sz="quarter" idx="12"/>
+          </p:nvPr>
+        </p:nvSpPr>
+        <p:spPr/>
+        <p:txBody>
+          <a:bodyPr/>
+          <a:lstStyle/>
+          <a:p>
+            <a:fld id="{6BE98711-CE87-4D2C-A4EE-CF4DC81676AA}" type="slidenum">
+              <a:rPr lang="en-US" smtClean="0"/>
+              <a:t>9</a:t>
+            </a:fld>
+            <a:endParaRPr lang="en-US"/>
           </a:p>
         </p:txBody>
       </p:sp>
       <p:pic>
         <p:nvPicPr>
-          <p:cNvPr id="2050" name="Picture 2" descr="https://www.altex.com/Assets/ProductImages/106162C.jpg"/>
+          <p:cNvPr id="1026" name="Picture 2" descr="https://upload.wikimedia.org/wikipedia/commons/thumb/e/e7/DiffSignaling.png/1920px-DiffSignaling.png"/>
           <p:cNvPicPr>
             <a:picLocks noChangeAspect="1" noChangeArrowheads="1"/>
           </p:cNvPicPr>
           <p:nvPr/>
         </p:nvPicPr>
         <p:blipFill>
-          <a:blip r:embed="rId2">
+          <a:blip r:embed="rId3" cstate="print">
             <a:extLst>
               <a:ext uri="{28A0092B-C50C-407E-A947-70E740481C1C}">
                 <a14:useLocalDpi xmlns:a14="http://schemas.microsoft.com/office/drawing/2010/main" val="0"/>
@@ -12735,8 +13532,8 @@
         </p:blipFill>
         <p:spPr bwMode="auto">
           <a:xfrm>
-            <a:off x="3733800" y="1066800"/>
-            <a:ext cx="1600200" cy="1600200"/>
+            <a:off x="2895600" y="1295400"/>
+            <a:ext cx="3121026" cy="1872616"/>
           </a:xfrm>
           <a:prstGeom prst="rect">
             <a:avLst/>
@@ -12753,74 +13550,10 @@
           </a:extLst>
         </p:spPr>
       </p:pic>
-      <p:pic>
-        <p:nvPicPr>
-          <p:cNvPr id="2052" name="Picture 4" descr="http://cdn.shopify.com/s/files/1/0833/3315/products/RJ458P4C_grande.jpeg?v=1444784581"/>
-          <p:cNvPicPr>
-            <a:picLocks noChangeAspect="1" noChangeArrowheads="1"/>
-          </p:cNvPicPr>
-          <p:nvPr/>
-        </p:nvPicPr>
-        <p:blipFill>
-          <a:blip r:embed="rId3">
-            <a:extLst>
-              <a:ext uri="{28A0092B-C50C-407E-A947-70E740481C1C}">
-                <a14:useLocalDpi xmlns:a14="http://schemas.microsoft.com/office/drawing/2010/main" val="0"/>
-              </a:ext>
-            </a:extLst>
-          </a:blip>
-          <a:srcRect/>
-          <a:stretch>
-            <a:fillRect/>
-          </a:stretch>
-        </p:blipFill>
-        <p:spPr bwMode="auto">
-          <a:xfrm>
-            <a:off x="5867400" y="4724400"/>
-            <a:ext cx="2096360" cy="2121023"/>
-          </a:xfrm>
-          <a:prstGeom prst="rect">
-            <a:avLst/>
-          </a:prstGeom>
-          <a:noFill/>
-          <a:extLst>
-            <a:ext uri="{909E8E84-426E-40DD-AFC4-6F175D3DCCD1}">
-              <a14:hiddenFill xmlns:a14="http://schemas.microsoft.com/office/drawing/2010/main">
-                <a:solidFill>
-                  <a:srgbClr val="FFFFFF"/>
-                </a:solidFill>
-              </a14:hiddenFill>
-            </a:ext>
-          </a:extLst>
-        </p:spPr>
-      </p:pic>
-      <p:sp>
-        <p:nvSpPr>
-          <p:cNvPr id="4" name="Slide Number Placeholder 3"/>
-          <p:cNvSpPr>
-            <a:spLocks noGrp="1"/>
-          </p:cNvSpPr>
-          <p:nvPr>
-            <p:ph type="sldNum" sz="quarter" idx="12"/>
-          </p:nvPr>
-        </p:nvSpPr>
-        <p:spPr/>
-        <p:txBody>
-          <a:bodyPr/>
-          <a:lstStyle/>
-          <a:p>
-            <a:fld id="{6BE98711-CE87-4D2C-A4EE-CF4DC81676AA}" type="slidenum">
-              <a:rPr lang="en-US" smtClean="0"/>
-              <a:t>9</a:t>
-            </a:fld>
-            <a:endParaRPr lang="en-US"/>
-          </a:p>
-        </p:txBody>
-      </p:sp>
     </p:spTree>
     <p:extLst>
       <p:ext uri="{BB962C8B-B14F-4D97-AF65-F5344CB8AC3E}">
-        <p14:creationId xmlns:p14="http://schemas.microsoft.com/office/powerpoint/2010/main" val="2789290934"/>
+        <p14:creationId xmlns:p14="http://schemas.microsoft.com/office/powerpoint/2010/main" val="260182819"/>
       </p:ext>
     </p:extLst>
   </p:cSld>
